--- a/BCI - Day1 - Intro 1 Blockchain Technology Trends.pptx
+++ b/BCI - Day1 - Intro 1 Blockchain Technology Trends.pptx
@@ -10,19 +10,32 @@
   <p:sldIdLst>
     <p:sldId id="1837" r:id="rId3"/>
     <p:sldId id="1850" r:id="rId5"/>
-    <p:sldId id="1851" r:id="rId6"/>
-    <p:sldId id="1551" r:id="rId7"/>
-    <p:sldId id="1826" r:id="rId8"/>
-    <p:sldId id="1816" r:id="rId9"/>
-    <p:sldId id="1817" r:id="rId10"/>
-    <p:sldId id="1827" r:id="rId11"/>
-    <p:sldId id="1818" r:id="rId12"/>
-    <p:sldId id="1819" r:id="rId13"/>
-    <p:sldId id="1820" r:id="rId14"/>
-    <p:sldId id="1821" r:id="rId15"/>
-    <p:sldId id="1828" r:id="rId16"/>
-    <p:sldId id="1829" r:id="rId17"/>
-    <p:sldId id="1822" r:id="rId18"/>
+    <p:sldId id="1876" r:id="rId6"/>
+    <p:sldId id="1877" r:id="rId7"/>
+    <p:sldId id="1851" r:id="rId8"/>
+    <p:sldId id="1551" r:id="rId9"/>
+    <p:sldId id="1826" r:id="rId10"/>
+    <p:sldId id="1816" r:id="rId11"/>
+    <p:sldId id="1878" r:id="rId12"/>
+    <p:sldId id="1864" r:id="rId13"/>
+    <p:sldId id="1879" r:id="rId14"/>
+    <p:sldId id="1817" r:id="rId15"/>
+    <p:sldId id="1880" r:id="rId16"/>
+    <p:sldId id="1827" r:id="rId17"/>
+    <p:sldId id="1881" r:id="rId18"/>
+    <p:sldId id="1818" r:id="rId19"/>
+    <p:sldId id="1865" r:id="rId20"/>
+    <p:sldId id="1819" r:id="rId21"/>
+    <p:sldId id="1882" r:id="rId22"/>
+    <p:sldId id="1883" r:id="rId23"/>
+    <p:sldId id="1884" r:id="rId24"/>
+    <p:sldId id="1820" r:id="rId25"/>
+    <p:sldId id="1821" r:id="rId26"/>
+    <p:sldId id="1828" r:id="rId27"/>
+    <p:sldId id="1829" r:id="rId28"/>
+    <p:sldId id="1885" r:id="rId29"/>
+    <p:sldId id="1875" r:id="rId30"/>
+    <p:sldId id="1822" r:id="rId31"/>
   </p:sldIdLst>
   <p:sldSz cx="9144000" cy="6858000" type="screen4x3"/>
   <p:notesSz cx="7315200" cy="9601200"/>
@@ -7254,1924 +7267,11 @@
           <a:p>
             <a:pPr algn="ctr"/>
             <a:r>
-              <a:rPr lang="en-US" altLang="en-US" sz="3200" b="1" dirty="0">
-                <a:solidFill>
-                  <a:srgbClr val="262626"/>
-                </a:solidFill>
-                <a:latin typeface="Calibri" panose="020F0502020204030204" pitchFamily="34" charset="0"/>
-                <a:cs typeface="Calibri" panose="020F0502020204030204" pitchFamily="34" charset="0"/>
-                <a:sym typeface="+mn-ea"/>
-              </a:rPr>
-              <a:t>Governance</a:t>
-            </a:r>
-            <a:endParaRPr lang="en-US" sz="3200" b="1" dirty="0">
-              <a:latin typeface="Calibri" panose="020F0502020204030204" pitchFamily="34" charset="0"/>
-              <a:cs typeface="Calibri" panose="020F0502020204030204" pitchFamily="34" charset="0"/>
-            </a:endParaRPr>
-          </a:p>
-        </p:txBody>
-      </p:sp>
-      <p:sp>
-        <p:nvSpPr>
-          <p:cNvPr id="3" name="Content Placeholder 2"/>
-          <p:cNvSpPr>
-            <a:spLocks noGrp="1"/>
-          </p:cNvSpPr>
-          <p:nvPr>
-            <p:ph idx="1"/>
-          </p:nvPr>
-        </p:nvSpPr>
-        <p:spPr>
-          <a:xfrm>
-            <a:off x="628650" y="989044"/>
-            <a:ext cx="7886700" cy="5605719"/>
-          </a:xfrm>
-        </p:spPr>
-        <p:txBody>
-          <a:bodyPr>
-            <a:normAutofit/>
-          </a:bodyPr>
-          <a:lstStyle/>
-          <a:p>
-            <a:pPr defTabSz="342900">
-              <a:lnSpc>
-                <a:spcPct val="120000"/>
-              </a:lnSpc>
-            </a:pPr>
-            <a:r>
-              <a:rPr lang="en-US" altLang="en-US" sz="1800" dirty="0">
-                <a:solidFill>
-                  <a:srgbClr val="262626"/>
-                </a:solidFill>
-              </a:rPr>
-              <a:t>Trend one: Most of the DeFi projects have community based governance smart contracts to make decisions</a:t>
-            </a:r>
-            <a:endParaRPr lang="en-US" altLang="en-US" sz="1800" dirty="0">
-              <a:solidFill>
-                <a:srgbClr val="262626"/>
-              </a:solidFill>
-            </a:endParaRPr>
-          </a:p>
-          <a:p>
-            <a:pPr defTabSz="342900">
-              <a:lnSpc>
-                <a:spcPct val="120000"/>
-              </a:lnSpc>
-            </a:pPr>
-            <a:endParaRPr lang="zh-CN" altLang="en-US" sz="1800" dirty="0">
-              <a:solidFill>
-                <a:srgbClr val="262626"/>
-              </a:solidFill>
-            </a:endParaRPr>
-          </a:p>
-          <a:p>
-            <a:pPr defTabSz="342900">
-              <a:lnSpc>
-                <a:spcPct val="120000"/>
-              </a:lnSpc>
-            </a:pPr>
-            <a:r>
-              <a:rPr lang="en-US" altLang="zh-CN" sz="1800" dirty="0">
-                <a:solidFill>
-                  <a:srgbClr val="262626"/>
-                </a:solidFill>
-              </a:rPr>
-              <a:t>Trend two: As the technology matures, we can see that the core challenge in the path of Blockchain’s large-scale adoption is stakeholder management and bringing competitors and unlikely collaborators together to solve shared problems. </a:t>
-            </a:r>
-            <a:endParaRPr lang="en-US" altLang="zh-CN" sz="1800" dirty="0">
-              <a:solidFill>
-                <a:srgbClr val="262626"/>
-              </a:solidFill>
-            </a:endParaRPr>
-          </a:p>
-        </p:txBody>
-      </p:sp>
-      <p:pic>
-        <p:nvPicPr>
-          <p:cNvPr id="4" name="图片 3"/>
-          <p:cNvPicPr>
-            <a:picLocks noChangeAspect="1"/>
-          </p:cNvPicPr>
-          <p:nvPr/>
-        </p:nvPicPr>
-        <p:blipFill>
-          <a:blip r:embed="rId1"/>
-          <a:stretch>
-            <a:fillRect/>
-          </a:stretch>
-        </p:blipFill>
-        <p:spPr>
-          <a:xfrm>
-            <a:off x="2969260" y="3544570"/>
-            <a:ext cx="3205480" cy="2914650"/>
-          </a:xfrm>
-          <a:prstGeom prst="rect">
-            <a:avLst/>
-          </a:prstGeom>
-        </p:spPr>
-      </p:pic>
-      <p:pic>
-        <p:nvPicPr>
-          <p:cNvPr id="5" name="图片 4"/>
-          <p:cNvPicPr>
-            <a:picLocks noChangeAspect="1"/>
-          </p:cNvPicPr>
-          <p:nvPr/>
-        </p:nvPicPr>
-        <p:blipFill>
-          <a:blip r:embed="rId2"/>
-          <a:stretch>
-            <a:fillRect/>
-          </a:stretch>
-        </p:blipFill>
-        <p:spPr>
-          <a:xfrm>
-            <a:off x="0" y="3544570"/>
-            <a:ext cx="3189605" cy="2873375"/>
-          </a:xfrm>
-          <a:prstGeom prst="rect">
-            <a:avLst/>
-          </a:prstGeom>
-        </p:spPr>
-      </p:pic>
-      <p:pic>
-        <p:nvPicPr>
-          <p:cNvPr id="6" name="图片 5"/>
-          <p:cNvPicPr>
-            <a:picLocks noChangeAspect="1"/>
-          </p:cNvPicPr>
-          <p:nvPr/>
-        </p:nvPicPr>
-        <p:blipFill>
-          <a:blip r:embed="rId3"/>
-          <a:stretch>
-            <a:fillRect/>
-          </a:stretch>
-        </p:blipFill>
-        <p:spPr>
-          <a:xfrm>
-            <a:off x="6012815" y="3544570"/>
-            <a:ext cx="3131185" cy="2787015"/>
-          </a:xfrm>
-          <a:prstGeom prst="rect">
-            <a:avLst/>
-          </a:prstGeom>
-        </p:spPr>
-      </p:pic>
-    </p:spTree>
-  </p:cSld>
-  <p:clrMapOvr>
-    <a:masterClrMapping/>
-  </p:clrMapOvr>
-</p:sld>
-</file>
-
-<file path=ppt/slides/slide11.xml><?xml version="1.0" encoding="utf-8"?>
-<p:sld xmlns:a="http://schemas.openxmlformats.org/drawingml/2006/main" xmlns:r="http://schemas.openxmlformats.org/officeDocument/2006/relationships" xmlns:p="http://schemas.openxmlformats.org/presentationml/2006/main">
-  <p:cSld>
-    <p:spTree>
-      <p:nvGrpSpPr>
-        <p:cNvPr id="1" name=""/>
-        <p:cNvGrpSpPr/>
-        <p:nvPr/>
-      </p:nvGrpSpPr>
-      <p:grpSpPr>
-        <a:xfrm>
-          <a:off x="0" y="0"/>
-          <a:ext cx="0" cy="0"/>
-          <a:chOff x="0" y="0"/>
-          <a:chExt cx="0" cy="0"/>
-        </a:xfrm>
-      </p:grpSpPr>
-      <p:sp>
-        <p:nvSpPr>
-          <p:cNvPr id="2" name="Title 1"/>
-          <p:cNvSpPr>
-            <a:spLocks noGrp="1"/>
-          </p:cNvSpPr>
-          <p:nvPr>
-            <p:ph type="title"/>
-          </p:nvPr>
-        </p:nvSpPr>
-        <p:spPr>
-          <a:xfrm>
-            <a:off x="628650" y="155263"/>
-            <a:ext cx="7886700" cy="526790"/>
-          </a:xfrm>
-        </p:spPr>
-        <p:txBody>
-          <a:bodyPr>
-            <a:normAutofit fontScale="90000"/>
-          </a:bodyPr>
-          <a:lstStyle/>
-          <a:p>
-            <a:pPr algn="ctr"/>
-            <a:r>
-              <a:rPr lang="en-US" altLang="en-US" sz="3200" b="1" dirty="0">
-                <a:solidFill>
-                  <a:srgbClr val="262626"/>
-                </a:solidFill>
-                <a:latin typeface="Calibri" panose="020F0502020204030204" pitchFamily="34" charset="0"/>
-                <a:cs typeface="Calibri" panose="020F0502020204030204" pitchFamily="34" charset="0"/>
-                <a:sym typeface="+mn-ea"/>
-              </a:rPr>
-              <a:t>Private (permissioned) blockchains</a:t>
-            </a:r>
-            <a:endParaRPr lang="en-US" sz="3200" b="1" dirty="0">
-              <a:latin typeface="Calibri" panose="020F0502020204030204" pitchFamily="34" charset="0"/>
-              <a:cs typeface="Calibri" panose="020F0502020204030204" pitchFamily="34" charset="0"/>
-            </a:endParaRPr>
-          </a:p>
-        </p:txBody>
-      </p:sp>
-      <p:sp>
-        <p:nvSpPr>
-          <p:cNvPr id="3" name="Content Placeholder 2"/>
-          <p:cNvSpPr>
-            <a:spLocks noGrp="1"/>
-          </p:cNvSpPr>
-          <p:nvPr>
-            <p:ph idx="1"/>
-          </p:nvPr>
-        </p:nvSpPr>
-        <p:spPr>
-          <a:xfrm>
-            <a:off x="628650" y="989044"/>
-            <a:ext cx="7886700" cy="5605719"/>
-          </a:xfrm>
-        </p:spPr>
-        <p:txBody>
-          <a:bodyPr>
-            <a:normAutofit/>
-          </a:bodyPr>
-          <a:lstStyle/>
-          <a:p>
-            <a:pPr defTabSz="342900">
-              <a:lnSpc>
-                <a:spcPct val="120000"/>
-              </a:lnSpc>
-            </a:pPr>
-            <a:r>
-              <a:rPr lang="en-US" altLang="en-US" sz="1800" dirty="0">
-                <a:solidFill>
-                  <a:srgbClr val="262626"/>
-                </a:solidFill>
-              </a:rPr>
-              <a:t>Why?</a:t>
-            </a:r>
-            <a:endParaRPr lang="en-US" altLang="en-US" sz="1800" dirty="0">
-              <a:solidFill>
-                <a:srgbClr val="262626"/>
-              </a:solidFill>
-            </a:endParaRPr>
-          </a:p>
-          <a:p>
-            <a:pPr defTabSz="342900">
-              <a:lnSpc>
-                <a:spcPct val="120000"/>
-              </a:lnSpc>
-            </a:pPr>
-            <a:endParaRPr lang="en-US" altLang="en-US" sz="1800" dirty="0">
-              <a:solidFill>
-                <a:srgbClr val="262626"/>
-              </a:solidFill>
-            </a:endParaRPr>
-          </a:p>
-          <a:p>
-            <a:pPr defTabSz="342900">
-              <a:lnSpc>
-                <a:spcPct val="120000"/>
-              </a:lnSpc>
-            </a:pPr>
-            <a:r>
-              <a:rPr lang="en-US" altLang="en-US" sz="1800" dirty="0">
-                <a:solidFill>
-                  <a:srgbClr val="262626"/>
-                </a:solidFill>
-              </a:rPr>
-              <a:t>1 more inter organizational collaboration and more efficient</a:t>
-            </a:r>
-            <a:endParaRPr lang="en-US" altLang="en-US" sz="1800" dirty="0">
-              <a:solidFill>
-                <a:srgbClr val="262626"/>
-              </a:solidFill>
-            </a:endParaRPr>
-          </a:p>
-          <a:p>
-            <a:pPr defTabSz="342900">
-              <a:lnSpc>
-                <a:spcPct val="120000"/>
-              </a:lnSpc>
-            </a:pPr>
-            <a:endParaRPr lang="en-US" altLang="en-US" sz="1800" dirty="0">
-              <a:solidFill>
-                <a:srgbClr val="262626"/>
-              </a:solidFill>
-            </a:endParaRPr>
-          </a:p>
-          <a:p>
-            <a:pPr defTabSz="342900">
-              <a:lnSpc>
-                <a:spcPct val="120000"/>
-              </a:lnSpc>
-            </a:pPr>
-            <a:r>
-              <a:rPr lang="en-US" altLang="en-US" sz="1800" dirty="0">
-                <a:solidFill>
-                  <a:srgbClr val="262626"/>
-                </a:solidFill>
-              </a:rPr>
-              <a:t>2 involve more potiential clients to join the community and become the “owner” of a company</a:t>
-            </a:r>
-            <a:endParaRPr lang="en-US" altLang="en-US" sz="1800" dirty="0">
-              <a:solidFill>
-                <a:srgbClr val="262626"/>
-              </a:solidFill>
-            </a:endParaRPr>
-          </a:p>
-          <a:p>
-            <a:pPr lvl="1" defTabSz="342900">
-              <a:lnSpc>
-                <a:spcPct val="120000"/>
-              </a:lnSpc>
-            </a:pPr>
-            <a:r>
-              <a:rPr lang="en-US" altLang="en-US" sz="1540" dirty="0">
-                <a:solidFill>
-                  <a:srgbClr val="262626"/>
-                </a:solidFill>
-              </a:rPr>
-              <a:t>markting</a:t>
-            </a:r>
-            <a:endParaRPr lang="en-US" altLang="en-US" sz="1540" dirty="0">
-              <a:solidFill>
-                <a:srgbClr val="262626"/>
-              </a:solidFill>
-            </a:endParaRPr>
-          </a:p>
-          <a:p>
-            <a:pPr lvl="1" defTabSz="342900">
-              <a:lnSpc>
-                <a:spcPct val="120000"/>
-              </a:lnSpc>
-            </a:pPr>
-            <a:r>
-              <a:rPr lang="en-US" altLang="en-US" sz="1540" dirty="0">
-                <a:solidFill>
-                  <a:srgbClr val="262626"/>
-                </a:solidFill>
-              </a:rPr>
-              <a:t>client loyalty</a:t>
-            </a:r>
-            <a:endParaRPr lang="en-US" altLang="en-US" sz="1540" dirty="0">
-              <a:solidFill>
-                <a:srgbClr val="262626"/>
-              </a:solidFill>
-            </a:endParaRPr>
-          </a:p>
-          <a:p>
-            <a:pPr lvl="1" defTabSz="342900">
-              <a:lnSpc>
-                <a:spcPct val="120000"/>
-              </a:lnSpc>
-            </a:pPr>
-            <a:endParaRPr lang="en-US" altLang="en-US" sz="1540" dirty="0">
-              <a:solidFill>
-                <a:srgbClr val="262626"/>
-              </a:solidFill>
-            </a:endParaRPr>
-          </a:p>
-          <a:p>
-            <a:pPr marL="228600" lvl="0" indent="-228600" defTabSz="342900">
-              <a:lnSpc>
-                <a:spcPct val="120000"/>
-              </a:lnSpc>
-              <a:buFont typeface="Arial" panose="020B0604020202020204" pitchFamily="34" charset="0"/>
-              <a:buChar char="•"/>
-            </a:pPr>
-            <a:r>
-              <a:rPr lang="en-US" altLang="en-US" sz="1800" dirty="0">
-                <a:solidFill>
-                  <a:srgbClr val="262626"/>
-                </a:solidFill>
-              </a:rPr>
-              <a:t>Main stream solutions:</a:t>
-            </a:r>
-            <a:endParaRPr lang="en-US" altLang="en-US" sz="1800" dirty="0">
-              <a:solidFill>
-                <a:srgbClr val="262626"/>
-              </a:solidFill>
-            </a:endParaRPr>
-          </a:p>
-          <a:p>
-            <a:pPr marL="685800" lvl="1" indent="-228600" defTabSz="342900">
-              <a:lnSpc>
-                <a:spcPct val="120000"/>
-              </a:lnSpc>
-              <a:buFont typeface="Arial" panose="020B0604020202020204" pitchFamily="34" charset="0"/>
-              <a:buChar char="•"/>
-            </a:pPr>
-            <a:r>
-              <a:rPr lang="en-US" altLang="en-US" sz="1540" dirty="0">
-                <a:solidFill>
-                  <a:srgbClr val="262626"/>
-                </a:solidFill>
-              </a:rPr>
-              <a:t>Hyperledge Fabric</a:t>
-            </a:r>
-            <a:endParaRPr lang="en-US" altLang="en-US" sz="1540" dirty="0">
-              <a:solidFill>
-                <a:srgbClr val="262626"/>
-              </a:solidFill>
-            </a:endParaRPr>
-          </a:p>
-          <a:p>
-            <a:pPr marL="685800" lvl="1" indent="-228600" defTabSz="342900">
-              <a:lnSpc>
-                <a:spcPct val="120000"/>
-              </a:lnSpc>
-              <a:buFont typeface="Arial" panose="020B0604020202020204" pitchFamily="34" charset="0"/>
-              <a:buChar char="•"/>
-            </a:pPr>
-            <a:r>
-              <a:rPr lang="en-US" altLang="en-US" sz="1540" dirty="0">
-                <a:solidFill>
-                  <a:srgbClr val="262626"/>
-                </a:solidFill>
-              </a:rPr>
-              <a:t>Ethereum </a:t>
-            </a:r>
-            <a:endParaRPr lang="en-US" altLang="en-US" sz="1540" dirty="0">
-              <a:solidFill>
-                <a:srgbClr val="262626"/>
-              </a:solidFill>
-            </a:endParaRPr>
-          </a:p>
-          <a:p>
-            <a:pPr marL="685800" lvl="1" indent="-228600" defTabSz="342900">
-              <a:lnSpc>
-                <a:spcPct val="120000"/>
-              </a:lnSpc>
-              <a:buFont typeface="Arial" panose="020B0604020202020204" pitchFamily="34" charset="0"/>
-              <a:buChar char="•"/>
-            </a:pPr>
-            <a:r>
-              <a:rPr lang="en-US" altLang="en-US" sz="1540" dirty="0">
-                <a:solidFill>
-                  <a:srgbClr val="262626"/>
-                </a:solidFill>
-              </a:rPr>
-              <a:t>R3 Corda</a:t>
-            </a:r>
-            <a:endParaRPr lang="en-US" altLang="en-US" sz="1540" dirty="0">
-              <a:solidFill>
-                <a:srgbClr val="262626"/>
-              </a:solidFill>
-            </a:endParaRPr>
-          </a:p>
-        </p:txBody>
-      </p:sp>
-    </p:spTree>
-  </p:cSld>
-  <p:clrMapOvr>
-    <a:masterClrMapping/>
-  </p:clrMapOvr>
-</p:sld>
-</file>
-
-<file path=ppt/slides/slide12.xml><?xml version="1.0" encoding="utf-8"?>
-<p:sld xmlns:a="http://schemas.openxmlformats.org/drawingml/2006/main" xmlns:r="http://schemas.openxmlformats.org/officeDocument/2006/relationships" xmlns:p="http://schemas.openxmlformats.org/presentationml/2006/main">
-  <p:cSld>
-    <p:spTree>
-      <p:nvGrpSpPr>
-        <p:cNvPr id="1" name=""/>
-        <p:cNvGrpSpPr/>
-        <p:nvPr/>
-      </p:nvGrpSpPr>
-      <p:grpSpPr>
-        <a:xfrm>
-          <a:off x="0" y="0"/>
-          <a:ext cx="0" cy="0"/>
-          <a:chOff x="0" y="0"/>
-          <a:chExt cx="0" cy="0"/>
-        </a:xfrm>
-      </p:grpSpPr>
-      <p:sp>
-        <p:nvSpPr>
-          <p:cNvPr id="2" name="Title 1"/>
-          <p:cNvSpPr>
-            <a:spLocks noGrp="1"/>
-          </p:cNvSpPr>
-          <p:nvPr>
-            <p:ph type="title"/>
-          </p:nvPr>
-        </p:nvSpPr>
-        <p:spPr>
-          <a:xfrm>
-            <a:off x="628650" y="155263"/>
-            <a:ext cx="7886700" cy="526790"/>
-          </a:xfrm>
-        </p:spPr>
-        <p:txBody>
-          <a:bodyPr>
-            <a:normAutofit fontScale="90000"/>
-          </a:bodyPr>
-          <a:lstStyle/>
-          <a:p>
-            <a:pPr algn="ctr"/>
-            <a:r>
-              <a:rPr lang="en-US" altLang="en-US" sz="3200" b="1" dirty="0">
-                <a:solidFill>
-                  <a:srgbClr val="262626"/>
-                </a:solidFill>
-                <a:latin typeface="Calibri" panose="020F0502020204030204" pitchFamily="34" charset="0"/>
-                <a:cs typeface="Calibri" panose="020F0502020204030204" pitchFamily="34" charset="0"/>
-                <a:sym typeface="+mn-ea"/>
-              </a:rPr>
-              <a:t>Cross-Chain Solutions</a:t>
-            </a:r>
-            <a:endParaRPr lang="en-US" sz="3200" b="1" dirty="0">
-              <a:latin typeface="Calibri" panose="020F0502020204030204" pitchFamily="34" charset="0"/>
-              <a:cs typeface="Calibri" panose="020F0502020204030204" pitchFamily="34" charset="0"/>
-            </a:endParaRPr>
-          </a:p>
-        </p:txBody>
-      </p:sp>
-      <p:sp>
-        <p:nvSpPr>
-          <p:cNvPr id="3" name="Content Placeholder 2"/>
-          <p:cNvSpPr>
-            <a:spLocks noGrp="1"/>
-          </p:cNvSpPr>
-          <p:nvPr>
-            <p:ph idx="1"/>
-          </p:nvPr>
-        </p:nvSpPr>
-        <p:spPr>
-          <a:xfrm>
-            <a:off x="628650" y="989044"/>
-            <a:ext cx="7886700" cy="5605719"/>
-          </a:xfrm>
-        </p:spPr>
-        <p:txBody>
-          <a:bodyPr>
-            <a:normAutofit lnSpcReduction="10000"/>
-          </a:bodyPr>
-          <a:lstStyle/>
-          <a:p>
-            <a:pPr defTabSz="342900">
-              <a:lnSpc>
-                <a:spcPct val="120000"/>
-              </a:lnSpc>
-            </a:pPr>
-            <a:r>
-              <a:rPr lang="en-US" altLang="en-US" sz="1800" dirty="0">
-                <a:solidFill>
-                  <a:srgbClr val="262626"/>
-                </a:solidFill>
-              </a:rPr>
-              <a:t>Along with the blockchain demand increase, there will be a huge need for the crosschain solutions to connect different isolated chains</a:t>
-            </a:r>
-            <a:endParaRPr lang="en-US" altLang="en-US" sz="1800" dirty="0">
-              <a:solidFill>
-                <a:srgbClr val="262626"/>
-              </a:solidFill>
-            </a:endParaRPr>
-          </a:p>
-          <a:p>
-            <a:pPr defTabSz="342900">
-              <a:lnSpc>
-                <a:spcPct val="120000"/>
-              </a:lnSpc>
-            </a:pPr>
-            <a:endParaRPr lang="en-US" altLang="en-US" sz="1800" dirty="0">
-              <a:solidFill>
-                <a:srgbClr val="262626"/>
-              </a:solidFill>
-            </a:endParaRPr>
-          </a:p>
-          <a:p>
-            <a:pPr defTabSz="342900">
-              <a:lnSpc>
-                <a:spcPct val="120000"/>
-              </a:lnSpc>
-            </a:pPr>
-            <a:r>
-              <a:rPr lang="en-US" altLang="en-US" sz="1800" dirty="0">
-                <a:solidFill>
-                  <a:srgbClr val="262626"/>
-                </a:solidFill>
-              </a:rPr>
-              <a:t>Solutions:</a:t>
-            </a:r>
-            <a:endParaRPr lang="en-US" altLang="en-US" sz="1800" dirty="0">
-              <a:solidFill>
-                <a:srgbClr val="262626"/>
-              </a:solidFill>
-            </a:endParaRPr>
-          </a:p>
-          <a:p>
-            <a:pPr defTabSz="342900">
-              <a:lnSpc>
-                <a:spcPct val="120000"/>
-              </a:lnSpc>
-            </a:pPr>
-            <a:r>
-              <a:rPr lang="en-US" altLang="en-US" sz="1800" dirty="0">
-                <a:solidFill>
-                  <a:srgbClr val="262626"/>
-                </a:solidFill>
-              </a:rPr>
-              <a:t>1 Messaging Relay</a:t>
-            </a:r>
-            <a:endParaRPr lang="en-US" altLang="en-US" sz="1800" dirty="0">
-              <a:solidFill>
-                <a:srgbClr val="262626"/>
-              </a:solidFill>
-            </a:endParaRPr>
-          </a:p>
-          <a:p>
-            <a:pPr defTabSz="342900">
-              <a:lnSpc>
-                <a:spcPct val="120000"/>
-              </a:lnSpc>
-            </a:pPr>
-            <a:r>
-              <a:rPr lang="en-US" altLang="en-US" sz="1800" dirty="0">
-                <a:solidFill>
-                  <a:srgbClr val="262626"/>
-                </a:solidFill>
-              </a:rPr>
-              <a:t>2 Atomic Swap</a:t>
-            </a:r>
-            <a:endParaRPr lang="en-US" altLang="en-US" sz="1800" dirty="0">
-              <a:solidFill>
-                <a:srgbClr val="262626"/>
-              </a:solidFill>
-            </a:endParaRPr>
-          </a:p>
-          <a:p>
-            <a:pPr defTabSz="342900">
-              <a:lnSpc>
-                <a:spcPct val="120000"/>
-              </a:lnSpc>
-            </a:pPr>
-            <a:r>
-              <a:rPr lang="en-US" altLang="en-US" sz="1800" dirty="0">
-                <a:solidFill>
-                  <a:srgbClr val="262626"/>
-                </a:solidFill>
-              </a:rPr>
-              <a:t>3 Centralized Gateway</a:t>
-            </a:r>
-            <a:endParaRPr lang="en-US" altLang="en-US" sz="1800" dirty="0">
-              <a:solidFill>
-                <a:srgbClr val="262626"/>
-              </a:solidFill>
-            </a:endParaRPr>
-          </a:p>
-          <a:p>
-            <a:pPr defTabSz="342900">
-              <a:lnSpc>
-                <a:spcPct val="120000"/>
-              </a:lnSpc>
-            </a:pPr>
-            <a:endParaRPr lang="en-US" altLang="en-US" sz="1800" dirty="0">
-              <a:solidFill>
-                <a:srgbClr val="262626"/>
-              </a:solidFill>
-            </a:endParaRPr>
-          </a:p>
-        </p:txBody>
-      </p:sp>
-    </p:spTree>
-  </p:cSld>
-  <p:clrMapOvr>
-    <a:masterClrMapping/>
-  </p:clrMapOvr>
-</p:sld>
-</file>
-
-<file path=ppt/slides/slide13.xml><?xml version="1.0" encoding="utf-8"?>
-<p:sld xmlns:a="http://schemas.openxmlformats.org/drawingml/2006/main" xmlns:r="http://schemas.openxmlformats.org/officeDocument/2006/relationships" xmlns:p="http://schemas.openxmlformats.org/presentationml/2006/main">
-  <p:cSld>
-    <p:spTree>
-      <p:nvGrpSpPr>
-        <p:cNvPr id="1" name=""/>
-        <p:cNvGrpSpPr/>
-        <p:nvPr/>
-      </p:nvGrpSpPr>
-      <p:grpSpPr>
-        <a:xfrm>
-          <a:off x="0" y="0"/>
-          <a:ext cx="0" cy="0"/>
-          <a:chOff x="0" y="0"/>
-          <a:chExt cx="0" cy="0"/>
-        </a:xfrm>
-      </p:grpSpPr>
-      <p:sp>
-        <p:nvSpPr>
-          <p:cNvPr id="2" name="Title 1"/>
-          <p:cNvSpPr>
-            <a:spLocks noGrp="1"/>
-          </p:cNvSpPr>
-          <p:nvPr>
-            <p:ph type="title"/>
-          </p:nvPr>
-        </p:nvSpPr>
-        <p:spPr>
-          <a:xfrm>
-            <a:off x="628650" y="155263"/>
-            <a:ext cx="7886700" cy="526790"/>
-          </a:xfrm>
-        </p:spPr>
-        <p:txBody>
-          <a:bodyPr>
-            <a:normAutofit fontScale="90000"/>
-          </a:bodyPr>
-          <a:lstStyle/>
-          <a:p>
-            <a:pPr algn="ctr"/>
-            <a:r>
-              <a:rPr lang="en-US" altLang="en-US" sz="3200" b="1" dirty="0">
-                <a:solidFill>
-                  <a:srgbClr val="262626"/>
-                </a:solidFill>
-                <a:latin typeface="Calibri" panose="020F0502020204030204" pitchFamily="34" charset="0"/>
-                <a:cs typeface="Calibri" panose="020F0502020204030204" pitchFamily="34" charset="0"/>
-                <a:sym typeface="+mn-ea"/>
-              </a:rPr>
-              <a:t>Cross-Chain Solutions</a:t>
-            </a:r>
-            <a:endParaRPr lang="en-US" sz="3200" b="1" dirty="0">
-              <a:latin typeface="Calibri" panose="020F0502020204030204" pitchFamily="34" charset="0"/>
-              <a:cs typeface="Calibri" panose="020F0502020204030204" pitchFamily="34" charset="0"/>
-            </a:endParaRPr>
-          </a:p>
-        </p:txBody>
-      </p:sp>
-      <p:pic>
-        <p:nvPicPr>
-          <p:cNvPr id="4" name="图片 3" descr="497524_1_En_17_Fig1_HTML"/>
-          <p:cNvPicPr>
-            <a:picLocks noChangeAspect="1"/>
-          </p:cNvPicPr>
-          <p:nvPr/>
-        </p:nvPicPr>
-        <p:blipFill>
-          <a:blip r:embed="rId1"/>
-          <a:stretch>
-            <a:fillRect/>
-          </a:stretch>
-        </p:blipFill>
-        <p:spPr>
-          <a:xfrm>
-            <a:off x="628650" y="1546860"/>
-            <a:ext cx="7849870" cy="3959860"/>
-          </a:xfrm>
-          <a:prstGeom prst="rect">
-            <a:avLst/>
-          </a:prstGeom>
-        </p:spPr>
-      </p:pic>
-    </p:spTree>
-  </p:cSld>
-  <p:clrMapOvr>
-    <a:masterClrMapping/>
-  </p:clrMapOvr>
-</p:sld>
-</file>
-
-<file path=ppt/slides/slide14.xml><?xml version="1.0" encoding="utf-8"?>
-<p:sld xmlns:a="http://schemas.openxmlformats.org/drawingml/2006/main" xmlns:r="http://schemas.openxmlformats.org/officeDocument/2006/relationships" xmlns:p="http://schemas.openxmlformats.org/presentationml/2006/main">
-  <p:cSld>
-    <p:spTree>
-      <p:nvGrpSpPr>
-        <p:cNvPr id="1" name=""/>
-        <p:cNvGrpSpPr/>
-        <p:nvPr/>
-      </p:nvGrpSpPr>
-      <p:grpSpPr>
-        <a:xfrm>
-          <a:off x="0" y="0"/>
-          <a:ext cx="0" cy="0"/>
-          <a:chOff x="0" y="0"/>
-          <a:chExt cx="0" cy="0"/>
-        </a:xfrm>
-      </p:grpSpPr>
-      <p:sp>
-        <p:nvSpPr>
-          <p:cNvPr id="2" name="Title 1"/>
-          <p:cNvSpPr>
-            <a:spLocks noGrp="1"/>
-          </p:cNvSpPr>
-          <p:nvPr>
-            <p:ph type="title"/>
-          </p:nvPr>
-        </p:nvSpPr>
-        <p:spPr>
-          <a:xfrm>
-            <a:off x="628650" y="155263"/>
-            <a:ext cx="7886700" cy="526790"/>
-          </a:xfrm>
-        </p:spPr>
-        <p:txBody>
-          <a:bodyPr>
-            <a:normAutofit fontScale="90000"/>
-          </a:bodyPr>
-          <a:lstStyle/>
-          <a:p>
-            <a:pPr algn="ctr"/>
-            <a:r>
-              <a:rPr lang="en-US" altLang="en-US" sz="3200" b="1" dirty="0">
-                <a:solidFill>
-                  <a:srgbClr val="262626"/>
-                </a:solidFill>
-                <a:latin typeface="Calibri" panose="020F0502020204030204" pitchFamily="34" charset="0"/>
-                <a:cs typeface="Calibri" panose="020F0502020204030204" pitchFamily="34" charset="0"/>
-                <a:sym typeface="+mn-ea"/>
-              </a:rPr>
-              <a:t>Cross-Chain Solutions</a:t>
-            </a:r>
-            <a:endParaRPr lang="en-US" sz="3200" b="1" dirty="0">
-              <a:latin typeface="Calibri" panose="020F0502020204030204" pitchFamily="34" charset="0"/>
-              <a:cs typeface="Calibri" panose="020F0502020204030204" pitchFamily="34" charset="0"/>
-            </a:endParaRPr>
-          </a:p>
-        </p:txBody>
-      </p:sp>
-      <p:pic>
-        <p:nvPicPr>
-          <p:cNvPr id="6" name="图片 5" descr="1-KUjZ-o0t1E6clu7ZrDNgLQ"/>
-          <p:cNvPicPr>
-            <a:picLocks noChangeAspect="1"/>
-          </p:cNvPicPr>
-          <p:nvPr/>
-        </p:nvPicPr>
-        <p:blipFill>
-          <a:blip r:embed="rId1"/>
-          <a:stretch>
-            <a:fillRect/>
-          </a:stretch>
-        </p:blipFill>
-        <p:spPr>
-          <a:xfrm>
-            <a:off x="394970" y="1336675"/>
-            <a:ext cx="8121015" cy="5485130"/>
-          </a:xfrm>
-          <a:prstGeom prst="rect">
-            <a:avLst/>
-          </a:prstGeom>
-        </p:spPr>
-      </p:pic>
-    </p:spTree>
-  </p:cSld>
-  <p:clrMapOvr>
-    <a:masterClrMapping/>
-  </p:clrMapOvr>
-</p:sld>
-</file>
-
-<file path=ppt/slides/slide15.xml><?xml version="1.0" encoding="utf-8"?>
-<p:sld xmlns:a="http://schemas.openxmlformats.org/drawingml/2006/main" xmlns:r="http://schemas.openxmlformats.org/officeDocument/2006/relationships" xmlns:p="http://schemas.openxmlformats.org/presentationml/2006/main">
-  <p:cSld>
-    <p:spTree>
-      <p:nvGrpSpPr>
-        <p:cNvPr id="1" name=""/>
-        <p:cNvGrpSpPr/>
-        <p:nvPr/>
-      </p:nvGrpSpPr>
-      <p:grpSpPr>
-        <a:xfrm>
-          <a:off x="0" y="0"/>
-          <a:ext cx="0" cy="0"/>
-          <a:chOff x="0" y="0"/>
-          <a:chExt cx="0" cy="0"/>
-        </a:xfrm>
-      </p:grpSpPr>
-      <p:sp>
-        <p:nvSpPr>
-          <p:cNvPr id="2" name="Title 1"/>
-          <p:cNvSpPr>
-            <a:spLocks noGrp="1"/>
-          </p:cNvSpPr>
-          <p:nvPr>
-            <p:ph type="title"/>
-          </p:nvPr>
-        </p:nvSpPr>
-        <p:spPr>
-          <a:xfrm>
-            <a:off x="628650" y="155263"/>
-            <a:ext cx="7886700" cy="526790"/>
-          </a:xfrm>
-        </p:spPr>
-        <p:txBody>
-          <a:bodyPr>
-            <a:normAutofit fontScale="90000"/>
-          </a:bodyPr>
-          <a:lstStyle/>
-          <a:p>
-            <a:pPr algn="ctr"/>
-            <a:r>
-              <a:rPr lang="en-US" altLang="en-US" sz="3200" b="1" dirty="0">
-                <a:solidFill>
-                  <a:srgbClr val="262626"/>
-                </a:solidFill>
-                <a:latin typeface="Calibri" panose="020F0502020204030204" pitchFamily="34" charset="0"/>
-                <a:cs typeface="Calibri" panose="020F0502020204030204" pitchFamily="34" charset="0"/>
-                <a:sym typeface="+mn-ea"/>
-              </a:rPr>
-              <a:t>Sharding</a:t>
-            </a:r>
-            <a:endParaRPr lang="en-US" sz="3200" b="1" dirty="0">
-              <a:latin typeface="Calibri" panose="020F0502020204030204" pitchFamily="34" charset="0"/>
-              <a:cs typeface="Calibri" panose="020F0502020204030204" pitchFamily="34" charset="0"/>
-            </a:endParaRPr>
-          </a:p>
-        </p:txBody>
-      </p:sp>
-      <p:sp>
-        <p:nvSpPr>
-          <p:cNvPr id="6" name="内容占位符 5"/>
-          <p:cNvSpPr/>
-          <p:nvPr>
-            <p:ph idx="1"/>
-          </p:nvPr>
-        </p:nvSpPr>
-        <p:spPr/>
-        <p:txBody>
-          <a:bodyPr/>
-          <a:p>
-            <a:endParaRPr lang="zh-CN" altLang="en-US"/>
-          </a:p>
-        </p:txBody>
-      </p:sp>
-      <p:pic>
-        <p:nvPicPr>
-          <p:cNvPr id="7" name="图片 6" descr="0-ufBJ5S8YX0IGIqng"/>
-          <p:cNvPicPr>
-            <a:picLocks noChangeAspect="1"/>
-          </p:cNvPicPr>
-          <p:nvPr/>
-        </p:nvPicPr>
-        <p:blipFill>
-          <a:blip r:embed="rId1"/>
-          <a:stretch>
-            <a:fillRect/>
-          </a:stretch>
-        </p:blipFill>
-        <p:spPr>
-          <a:xfrm>
-            <a:off x="628650" y="1294130"/>
-            <a:ext cx="8299450" cy="5306695"/>
-          </a:xfrm>
-          <a:prstGeom prst="rect">
-            <a:avLst/>
-          </a:prstGeom>
-        </p:spPr>
-      </p:pic>
-    </p:spTree>
-  </p:cSld>
-  <p:clrMapOvr>
-    <a:masterClrMapping/>
-  </p:clrMapOvr>
-</p:sld>
-</file>
-
-<file path=ppt/slides/slide2.xml><?xml version="1.0" encoding="utf-8"?>
-<p:sld xmlns:a="http://schemas.openxmlformats.org/drawingml/2006/main" xmlns:r="http://schemas.openxmlformats.org/officeDocument/2006/relationships" xmlns:p="http://schemas.openxmlformats.org/presentationml/2006/main">
-  <p:cSld>
-    <p:spTree>
-      <p:nvGrpSpPr>
-        <p:cNvPr id="1" name=""/>
-        <p:cNvGrpSpPr/>
-        <p:nvPr/>
-      </p:nvGrpSpPr>
-      <p:grpSpPr>
-        <a:xfrm>
-          <a:off x="0" y="0"/>
-          <a:ext cx="0" cy="0"/>
-          <a:chOff x="0" y="0"/>
-          <a:chExt cx="0" cy="0"/>
-        </a:xfrm>
-      </p:grpSpPr>
-      <p:sp>
-        <p:nvSpPr>
-          <p:cNvPr id="2" name="Title 1"/>
-          <p:cNvSpPr>
-            <a:spLocks noGrp="1"/>
-          </p:cNvSpPr>
-          <p:nvPr>
-            <p:ph type="title"/>
-          </p:nvPr>
-        </p:nvSpPr>
-        <p:spPr>
-          <a:xfrm>
-            <a:off x="628650" y="155263"/>
-            <a:ext cx="7886700" cy="526790"/>
-          </a:xfrm>
-        </p:spPr>
-        <p:txBody>
-          <a:bodyPr>
-            <a:normAutofit fontScale="90000"/>
-          </a:bodyPr>
-          <a:lstStyle/>
-          <a:p>
-            <a:pPr algn="ctr"/>
-            <a:r>
-              <a:rPr lang="en-US" altLang="en-GB" sz="3200" b="1" dirty="0">
-                <a:latin typeface="Calibri" panose="020F0502020204030204" pitchFamily="34" charset="0"/>
-                <a:cs typeface="Calibri" panose="020F0502020204030204" pitchFamily="34" charset="0"/>
-                <a:sym typeface="+mn-ea"/>
-              </a:rPr>
-              <a:t>Blockchain Technology History</a:t>
-            </a:r>
-            <a:endParaRPr lang="en-US" sz="3200" b="1" dirty="0">
-              <a:latin typeface="Calibri" panose="020F0502020204030204" pitchFamily="34" charset="0"/>
-              <a:cs typeface="Calibri" panose="020F0502020204030204" pitchFamily="34" charset="0"/>
-            </a:endParaRPr>
-          </a:p>
-        </p:txBody>
-      </p:sp>
-      <p:sp>
-        <p:nvSpPr>
-          <p:cNvPr id="3" name="Content Placeholder 2"/>
-          <p:cNvSpPr>
-            <a:spLocks noGrp="1"/>
-          </p:cNvSpPr>
-          <p:nvPr>
-            <p:ph idx="1"/>
-          </p:nvPr>
-        </p:nvSpPr>
-        <p:spPr>
-          <a:xfrm>
-            <a:off x="628650" y="989044"/>
-            <a:ext cx="7886700" cy="5605719"/>
-          </a:xfrm>
-        </p:spPr>
-        <p:txBody>
-          <a:bodyPr>
-            <a:normAutofit/>
-          </a:bodyPr>
-          <a:lstStyle/>
-          <a:p>
-            <a:pPr defTabSz="342900">
-              <a:lnSpc>
-                <a:spcPct val="120000"/>
-              </a:lnSpc>
-            </a:pPr>
-            <a:r>
-              <a:rPr lang="en-US" altLang="en-US" sz="1800" dirty="0">
-                <a:solidFill>
-                  <a:srgbClr val="262626"/>
-                </a:solidFill>
-              </a:rPr>
-              <a:t>2016 -2018: most people think public chain is a universal solution</a:t>
-            </a:r>
-            <a:endParaRPr lang="en-US" altLang="en-US" sz="1800" dirty="0">
-              <a:solidFill>
-                <a:srgbClr val="262626"/>
-              </a:solidFill>
-            </a:endParaRPr>
-          </a:p>
-        </p:txBody>
-      </p:sp>
-      <p:pic>
-        <p:nvPicPr>
-          <p:cNvPr id="4" name="图片 3"/>
-          <p:cNvPicPr>
-            <a:picLocks noChangeAspect="1"/>
-          </p:cNvPicPr>
-          <p:nvPr/>
-        </p:nvPicPr>
-        <p:blipFill>
-          <a:blip r:embed="rId1"/>
-          <a:stretch>
-            <a:fillRect/>
-          </a:stretch>
-        </p:blipFill>
-        <p:spPr>
-          <a:xfrm>
-            <a:off x="647700" y="2028825"/>
-            <a:ext cx="7867650" cy="4829175"/>
-          </a:xfrm>
-          <a:prstGeom prst="rect">
-            <a:avLst/>
-          </a:prstGeom>
-        </p:spPr>
-      </p:pic>
-    </p:spTree>
-  </p:cSld>
-  <p:clrMapOvr>
-    <a:masterClrMapping/>
-  </p:clrMapOvr>
-</p:sld>
-</file>
-
-<file path=ppt/slides/slide3.xml><?xml version="1.0" encoding="utf-8"?>
-<p:sld xmlns:a="http://schemas.openxmlformats.org/drawingml/2006/main" xmlns:r="http://schemas.openxmlformats.org/officeDocument/2006/relationships" xmlns:p="http://schemas.openxmlformats.org/presentationml/2006/main">
-  <p:cSld>
-    <p:spTree>
-      <p:nvGrpSpPr>
-        <p:cNvPr id="1" name=""/>
-        <p:cNvGrpSpPr/>
-        <p:nvPr/>
-      </p:nvGrpSpPr>
-      <p:grpSpPr>
-        <a:xfrm>
-          <a:off x="0" y="0"/>
-          <a:ext cx="0" cy="0"/>
-          <a:chOff x="0" y="0"/>
-          <a:chExt cx="0" cy="0"/>
-        </a:xfrm>
-      </p:grpSpPr>
-      <p:sp>
-        <p:nvSpPr>
-          <p:cNvPr id="2" name="Title 1"/>
-          <p:cNvSpPr>
-            <a:spLocks noGrp="1"/>
-          </p:cNvSpPr>
-          <p:nvPr>
-            <p:ph type="title"/>
-          </p:nvPr>
-        </p:nvSpPr>
-        <p:spPr>
-          <a:xfrm>
-            <a:off x="628650" y="155263"/>
-            <a:ext cx="7886700" cy="526790"/>
-          </a:xfrm>
-        </p:spPr>
-        <p:txBody>
-          <a:bodyPr>
-            <a:normAutofit fontScale="90000"/>
-          </a:bodyPr>
-          <a:lstStyle/>
-          <a:p>
-            <a:pPr algn="ctr"/>
-            <a:r>
-              <a:rPr lang="en-US" altLang="en-GB" sz="3200" b="1" dirty="0">
-                <a:latin typeface="Calibri" panose="020F0502020204030204" pitchFamily="34" charset="0"/>
-                <a:cs typeface="Calibri" panose="020F0502020204030204" pitchFamily="34" charset="0"/>
-                <a:sym typeface="+mn-ea"/>
-              </a:rPr>
-              <a:t>Blockchain Technology History</a:t>
-            </a:r>
-            <a:endParaRPr lang="en-US" sz="3200" b="1" dirty="0">
-              <a:latin typeface="Calibri" panose="020F0502020204030204" pitchFamily="34" charset="0"/>
-              <a:cs typeface="Calibri" panose="020F0502020204030204" pitchFamily="34" charset="0"/>
-            </a:endParaRPr>
-          </a:p>
-        </p:txBody>
-      </p:sp>
-      <p:sp>
-        <p:nvSpPr>
-          <p:cNvPr id="3" name="Content Placeholder 2"/>
-          <p:cNvSpPr>
-            <a:spLocks noGrp="1"/>
-          </p:cNvSpPr>
-          <p:nvPr>
-            <p:ph idx="1"/>
-          </p:nvPr>
-        </p:nvSpPr>
-        <p:spPr>
-          <a:xfrm>
-            <a:off x="628650" y="989044"/>
-            <a:ext cx="7886700" cy="5605719"/>
-          </a:xfrm>
-        </p:spPr>
-        <p:txBody>
-          <a:bodyPr>
-            <a:normAutofit/>
-          </a:bodyPr>
-          <a:lstStyle/>
-          <a:p>
-            <a:pPr defTabSz="342900">
-              <a:lnSpc>
-                <a:spcPct val="120000"/>
-              </a:lnSpc>
-            </a:pPr>
-            <a:r>
-              <a:rPr lang="en-US" altLang="en-US" sz="1800" dirty="0">
-                <a:solidFill>
-                  <a:srgbClr val="262626"/>
-                </a:solidFill>
-              </a:rPr>
-              <a:t>2019 -2020: Application Specific Chain (Ethereum 14 tps)</a:t>
-            </a:r>
-            <a:endParaRPr lang="en-US" altLang="en-US" sz="1800" dirty="0">
-              <a:solidFill>
-                <a:srgbClr val="262626"/>
-              </a:solidFill>
-            </a:endParaRPr>
-          </a:p>
-          <a:p>
-            <a:pPr lvl="1" defTabSz="342900">
-              <a:lnSpc>
-                <a:spcPct val="120000"/>
-              </a:lnSpc>
-            </a:pPr>
-            <a:r>
-              <a:rPr lang="en-US" altLang="en-US" sz="1540" dirty="0">
-                <a:solidFill>
-                  <a:srgbClr val="262626"/>
-                </a:solidFill>
-              </a:rPr>
-              <a:t>Divide the traffic</a:t>
-            </a:r>
-            <a:endParaRPr lang="en-US" altLang="en-US" sz="1540" dirty="0">
-              <a:solidFill>
-                <a:srgbClr val="262626"/>
-              </a:solidFill>
-            </a:endParaRPr>
-          </a:p>
-          <a:p>
-            <a:pPr lvl="1" defTabSz="342900">
-              <a:lnSpc>
-                <a:spcPct val="120000"/>
-              </a:lnSpc>
-            </a:pPr>
-            <a:r>
-              <a:rPr lang="en-US" altLang="en-US" sz="1540" dirty="0">
-                <a:solidFill>
-                  <a:srgbClr val="262626"/>
-                </a:solidFill>
-              </a:rPr>
-              <a:t>More centralized (POA, Permissioned Chain)</a:t>
-            </a:r>
-            <a:endParaRPr lang="en-US" altLang="en-US" sz="1540" dirty="0">
-              <a:solidFill>
-                <a:srgbClr val="262626"/>
-              </a:solidFill>
-            </a:endParaRPr>
-          </a:p>
-          <a:p>
-            <a:pPr lvl="1" defTabSz="342900">
-              <a:lnSpc>
-                <a:spcPct val="120000"/>
-              </a:lnSpc>
-            </a:pPr>
-            <a:r>
-              <a:rPr lang="en-US" altLang="en-US" sz="1540" dirty="0">
-                <a:solidFill>
-                  <a:srgbClr val="262626"/>
-                </a:solidFill>
-              </a:rPr>
-              <a:t>That makes commercial adption possible</a:t>
-            </a:r>
-            <a:endParaRPr lang="en-US" altLang="en-US" sz="1540" dirty="0">
-              <a:solidFill>
-                <a:srgbClr val="262626"/>
-              </a:solidFill>
-            </a:endParaRPr>
-          </a:p>
-        </p:txBody>
-      </p:sp>
-      <p:pic>
-        <p:nvPicPr>
-          <p:cNvPr id="5" name="图片 4"/>
-          <p:cNvPicPr>
-            <a:picLocks noChangeAspect="1"/>
-          </p:cNvPicPr>
-          <p:nvPr/>
-        </p:nvPicPr>
-        <p:blipFill>
-          <a:blip r:embed="rId1"/>
-          <a:stretch>
-            <a:fillRect/>
-          </a:stretch>
-        </p:blipFill>
-        <p:spPr>
-          <a:xfrm>
-            <a:off x="628650" y="2330450"/>
-            <a:ext cx="7756525" cy="4264660"/>
-          </a:xfrm>
-          <a:prstGeom prst="rect">
-            <a:avLst/>
-          </a:prstGeom>
-        </p:spPr>
-      </p:pic>
-    </p:spTree>
-  </p:cSld>
-  <p:clrMapOvr>
-    <a:masterClrMapping/>
-  </p:clrMapOvr>
-</p:sld>
-</file>
-
-<file path=ppt/slides/slide4.xml><?xml version="1.0" encoding="utf-8"?>
-<p:sld xmlns:a="http://schemas.openxmlformats.org/drawingml/2006/main" xmlns:r="http://schemas.openxmlformats.org/officeDocument/2006/relationships" xmlns:p="http://schemas.openxmlformats.org/presentationml/2006/main">
-  <p:cSld>
-    <p:spTree>
-      <p:nvGrpSpPr>
-        <p:cNvPr id="1" name=""/>
-        <p:cNvGrpSpPr/>
-        <p:nvPr/>
-      </p:nvGrpSpPr>
-      <p:grpSpPr>
-        <a:xfrm>
-          <a:off x="0" y="0"/>
-          <a:ext cx="0" cy="0"/>
-          <a:chOff x="0" y="0"/>
-          <a:chExt cx="0" cy="0"/>
-        </a:xfrm>
-      </p:grpSpPr>
-      <p:sp>
-        <p:nvSpPr>
-          <p:cNvPr id="2" name="Title 1"/>
-          <p:cNvSpPr>
-            <a:spLocks noGrp="1"/>
-          </p:cNvSpPr>
-          <p:nvPr>
-            <p:ph type="title"/>
-          </p:nvPr>
-        </p:nvSpPr>
-        <p:spPr>
-          <a:xfrm>
-            <a:off x="628650" y="155263"/>
-            <a:ext cx="7886700" cy="526790"/>
-          </a:xfrm>
-        </p:spPr>
-        <p:txBody>
-          <a:bodyPr>
-            <a:normAutofit fontScale="90000"/>
-          </a:bodyPr>
-          <a:lstStyle/>
-          <a:p>
-            <a:pPr algn="ctr"/>
-            <a:r>
-              <a:rPr lang="en-US" altLang="en-GB" sz="3200" b="1" dirty="0">
-                <a:latin typeface="Calibri" panose="020F0502020204030204" pitchFamily="34" charset="0"/>
-                <a:cs typeface="Calibri" panose="020F0502020204030204" pitchFamily="34" charset="0"/>
-                <a:sym typeface="+mn-ea"/>
-              </a:rPr>
-              <a:t>Blockchain Technology Trends</a:t>
-            </a:r>
-            <a:endParaRPr lang="en-US" sz="3200" b="1" dirty="0">
-              <a:latin typeface="Calibri" panose="020F0502020204030204" pitchFamily="34" charset="0"/>
-              <a:cs typeface="Calibri" panose="020F0502020204030204" pitchFamily="34" charset="0"/>
-            </a:endParaRPr>
-          </a:p>
-        </p:txBody>
-      </p:sp>
-      <p:sp>
-        <p:nvSpPr>
-          <p:cNvPr id="3" name="Content Placeholder 2"/>
-          <p:cNvSpPr>
-            <a:spLocks noGrp="1"/>
-          </p:cNvSpPr>
-          <p:nvPr>
-            <p:ph idx="1"/>
-          </p:nvPr>
-        </p:nvSpPr>
-        <p:spPr>
-          <a:xfrm>
-            <a:off x="628650" y="989044"/>
-            <a:ext cx="7886700" cy="5605719"/>
-          </a:xfrm>
-        </p:spPr>
-        <p:txBody>
-          <a:bodyPr>
-            <a:normAutofit/>
-          </a:bodyPr>
-          <a:lstStyle/>
-          <a:p>
-            <a:pPr defTabSz="342900">
-              <a:lnSpc>
-                <a:spcPct val="120000"/>
-              </a:lnSpc>
-            </a:pPr>
-            <a:r>
-              <a:rPr lang="en-US" altLang="en-US" sz="1800" dirty="0">
-                <a:solidFill>
-                  <a:srgbClr val="262626"/>
-                </a:solidFill>
-              </a:rPr>
-              <a:t>DeFi frameworks are getting mature</a:t>
-            </a:r>
-            <a:endParaRPr lang="en-US" altLang="en-US" sz="1800" dirty="0">
-              <a:solidFill>
-                <a:srgbClr val="262626"/>
-              </a:solidFill>
-            </a:endParaRPr>
-          </a:p>
-          <a:p>
-            <a:pPr defTabSz="342900">
-              <a:lnSpc>
-                <a:spcPct val="120000"/>
-              </a:lnSpc>
-            </a:pPr>
-            <a:endParaRPr lang="en-US" altLang="en-US" sz="1800" dirty="0">
-              <a:solidFill>
-                <a:srgbClr val="262626"/>
-              </a:solidFill>
-            </a:endParaRPr>
-          </a:p>
-          <a:p>
-            <a:pPr defTabSz="342900">
-              <a:lnSpc>
-                <a:spcPct val="120000"/>
-              </a:lnSpc>
-            </a:pPr>
-            <a:r>
-              <a:rPr lang="en-US" altLang="en-US" sz="1800" dirty="0">
-                <a:solidFill>
-                  <a:srgbClr val="262626"/>
-                </a:solidFill>
-              </a:rPr>
-              <a:t>Governance is critical</a:t>
-            </a:r>
-            <a:endParaRPr lang="en-US" altLang="en-US" sz="1800" dirty="0">
-              <a:solidFill>
-                <a:srgbClr val="262626"/>
-              </a:solidFill>
-            </a:endParaRPr>
-          </a:p>
-          <a:p>
-            <a:pPr defTabSz="342900">
-              <a:lnSpc>
-                <a:spcPct val="120000"/>
-              </a:lnSpc>
-            </a:pPr>
-            <a:endParaRPr lang="en-US" altLang="en-US" sz="1800" dirty="0">
-              <a:solidFill>
-                <a:srgbClr val="262626"/>
-              </a:solidFill>
-            </a:endParaRPr>
-          </a:p>
-          <a:p>
-            <a:pPr defTabSz="342900">
-              <a:lnSpc>
-                <a:spcPct val="120000"/>
-              </a:lnSpc>
-            </a:pPr>
-            <a:r>
-              <a:rPr lang="en-US" altLang="en-US" sz="1800" dirty="0">
-                <a:solidFill>
-                  <a:srgbClr val="262626"/>
-                </a:solidFill>
-              </a:rPr>
-              <a:t> Private (permissioned) blockchains will dominate</a:t>
-            </a:r>
-            <a:endParaRPr lang="en-US" altLang="en-US" sz="1800" dirty="0">
-              <a:solidFill>
-                <a:srgbClr val="262626"/>
-              </a:solidFill>
-            </a:endParaRPr>
-          </a:p>
-          <a:p>
-            <a:pPr marL="228600" lvl="0" indent="-228600" defTabSz="342900">
-              <a:lnSpc>
-                <a:spcPct val="120000"/>
-              </a:lnSpc>
-              <a:buFont typeface="Arial" panose="020B0604020202020204" pitchFamily="34" charset="0"/>
-              <a:buChar char="•"/>
-            </a:pPr>
-            <a:endParaRPr lang="en-US" altLang="en-US" sz="1800" dirty="0">
-              <a:solidFill>
-                <a:srgbClr val="262626"/>
-              </a:solidFill>
-            </a:endParaRPr>
-          </a:p>
-          <a:p>
-            <a:pPr marL="228600" lvl="0" indent="-228600" defTabSz="342900">
-              <a:lnSpc>
-                <a:spcPct val="120000"/>
-              </a:lnSpc>
-              <a:buFont typeface="Arial" panose="020B0604020202020204" pitchFamily="34" charset="0"/>
-              <a:buChar char="•"/>
-            </a:pPr>
-            <a:r>
-              <a:rPr lang="en-US" altLang="en-US" sz="1800" dirty="0">
-                <a:solidFill>
-                  <a:srgbClr val="262626"/>
-                </a:solidFill>
-              </a:rPr>
-              <a:t>Adaption of cross-chain solutions</a:t>
-            </a:r>
-            <a:endParaRPr lang="en-US" altLang="en-US" sz="1800" dirty="0">
-              <a:solidFill>
-                <a:srgbClr val="262626"/>
-              </a:solidFill>
-            </a:endParaRPr>
-          </a:p>
-          <a:p>
-            <a:pPr marL="228600" lvl="0" indent="-228600" defTabSz="342900">
-              <a:lnSpc>
-                <a:spcPct val="120000"/>
-              </a:lnSpc>
-              <a:buFont typeface="Arial" panose="020B0604020202020204" pitchFamily="34" charset="0"/>
-              <a:buChar char="•"/>
-            </a:pPr>
-            <a:endParaRPr lang="en-US" altLang="en-US" sz="1800" dirty="0">
-              <a:solidFill>
-                <a:srgbClr val="262626"/>
-              </a:solidFill>
-            </a:endParaRPr>
-          </a:p>
-          <a:p>
-            <a:pPr marL="228600" lvl="0" indent="-228600" defTabSz="342900">
-              <a:lnSpc>
-                <a:spcPct val="120000"/>
-              </a:lnSpc>
-              <a:buFont typeface="Arial" panose="020B0604020202020204" pitchFamily="34" charset="0"/>
-              <a:buChar char="•"/>
-            </a:pPr>
-            <a:r>
-              <a:rPr lang="en-US" altLang="en-US" sz="1800" dirty="0">
-                <a:solidFill>
-                  <a:srgbClr val="262626"/>
-                </a:solidFill>
-              </a:rPr>
-              <a:t>Sharding</a:t>
-            </a:r>
-            <a:endParaRPr lang="en-US" altLang="en-US" sz="1800" dirty="0">
-              <a:solidFill>
-                <a:srgbClr val="262626"/>
-              </a:solidFill>
-            </a:endParaRPr>
-          </a:p>
-        </p:txBody>
-      </p:sp>
-    </p:spTree>
-  </p:cSld>
-  <p:clrMapOvr>
-    <a:masterClrMapping/>
-  </p:clrMapOvr>
-</p:sld>
-</file>
-
-<file path=ppt/slides/slide5.xml><?xml version="1.0" encoding="utf-8"?>
-<p:sld xmlns:a="http://schemas.openxmlformats.org/drawingml/2006/main" xmlns:r="http://schemas.openxmlformats.org/officeDocument/2006/relationships" xmlns:p="http://schemas.openxmlformats.org/presentationml/2006/main">
-  <p:cSld>
-    <p:spTree>
-      <p:nvGrpSpPr>
-        <p:cNvPr id="1" name=""/>
-        <p:cNvGrpSpPr/>
-        <p:nvPr/>
-      </p:nvGrpSpPr>
-      <p:grpSpPr>
-        <a:xfrm>
-          <a:off x="0" y="0"/>
-          <a:ext cx="0" cy="0"/>
-          <a:chOff x="0" y="0"/>
-          <a:chExt cx="0" cy="0"/>
-        </a:xfrm>
-      </p:grpSpPr>
-      <p:sp>
-        <p:nvSpPr>
-          <p:cNvPr id="2" name="Title 1"/>
-          <p:cNvSpPr>
-            <a:spLocks noGrp="1"/>
-          </p:cNvSpPr>
-          <p:nvPr>
-            <p:ph type="title"/>
-          </p:nvPr>
-        </p:nvSpPr>
-        <p:spPr>
-          <a:xfrm>
-            <a:off x="628650" y="155263"/>
-            <a:ext cx="7886700" cy="526790"/>
-          </a:xfrm>
-        </p:spPr>
-        <p:txBody>
-          <a:bodyPr>
-            <a:normAutofit fontScale="90000"/>
-          </a:bodyPr>
-          <a:lstStyle/>
-          <a:p>
-            <a:pPr algn="ctr"/>
-            <a:r>
-              <a:rPr lang="en-US" sz="3200" b="1" dirty="0">
-                <a:latin typeface="Calibri" panose="020F0502020204030204" pitchFamily="34" charset="0"/>
-                <a:cs typeface="Calibri" panose="020F0502020204030204" pitchFamily="34" charset="0"/>
-                <a:sym typeface="+mn-ea"/>
-              </a:rPr>
-              <a:t>DeFi</a:t>
-            </a:r>
-            <a:endParaRPr lang="en-US" sz="3200" b="1" dirty="0">
-              <a:latin typeface="Calibri" panose="020F0502020204030204" pitchFamily="34" charset="0"/>
-              <a:cs typeface="Calibri" panose="020F0502020204030204" pitchFamily="34" charset="0"/>
-            </a:endParaRPr>
-          </a:p>
-        </p:txBody>
-      </p:sp>
-      <p:sp>
-        <p:nvSpPr>
-          <p:cNvPr id="3" name="Content Placeholder 2"/>
-          <p:cNvSpPr>
-            <a:spLocks noGrp="1"/>
-          </p:cNvSpPr>
-          <p:nvPr>
-            <p:ph idx="1"/>
-          </p:nvPr>
-        </p:nvSpPr>
-        <p:spPr>
-          <a:xfrm>
-            <a:off x="628650" y="989044"/>
-            <a:ext cx="7886700" cy="5605719"/>
-          </a:xfrm>
-        </p:spPr>
-        <p:txBody>
-          <a:bodyPr>
-            <a:normAutofit lnSpcReduction="10000"/>
-          </a:bodyPr>
-          <a:lstStyle/>
-          <a:p>
-            <a:pPr defTabSz="342900">
-              <a:lnSpc>
-                <a:spcPct val="120000"/>
-              </a:lnSpc>
-            </a:pPr>
-            <a:r>
-              <a:rPr lang="en-US" altLang="en-US" sz="1800" b="1" i="1" dirty="0">
-                <a:solidFill>
-                  <a:srgbClr val="262626"/>
-                </a:solidFill>
-              </a:rPr>
-              <a:t>Thus far, 2020 hasn’t been the best of years for many. But for decentralised finance, or DeFi, 2020 has been a period of stratospheric growth, with the total value locked in rising from under $1bn, to just under </a:t>
-            </a:r>
-            <a:r>
-              <a:rPr lang="en-US" altLang="en-US" sz="1800" b="1" i="1" dirty="0">
-                <a:solidFill>
-                  <a:srgbClr val="FF0000"/>
-                </a:solidFill>
-              </a:rPr>
-              <a:t>$8bn</a:t>
-            </a:r>
-            <a:r>
-              <a:rPr lang="en-US" altLang="en-US" sz="1800" b="1" i="1" dirty="0">
-                <a:solidFill>
-                  <a:srgbClr val="262626"/>
-                </a:solidFill>
-              </a:rPr>
-              <a:t> on Sep. 15, 2020</a:t>
-            </a:r>
-            <a:endParaRPr lang="en-US" altLang="en-US" sz="1800" b="1" i="1" dirty="0">
-              <a:solidFill>
-                <a:srgbClr val="262626"/>
-              </a:solidFill>
-            </a:endParaRPr>
-          </a:p>
-          <a:p>
-            <a:pPr defTabSz="342900">
-              <a:lnSpc>
-                <a:spcPct val="120000"/>
-              </a:lnSpc>
-            </a:pPr>
-            <a:endParaRPr lang="en-US" altLang="en-US" sz="1800" b="1" i="1" dirty="0">
-              <a:solidFill>
-                <a:srgbClr val="262626"/>
-              </a:solidFill>
-            </a:endParaRPr>
-          </a:p>
-          <a:p>
-            <a:pPr defTabSz="342900">
-              <a:lnSpc>
-                <a:spcPct val="120000"/>
-              </a:lnSpc>
-            </a:pPr>
-            <a:r>
-              <a:rPr lang="en-US" altLang="en-US" sz="1800" b="1" i="1" dirty="0">
-                <a:solidFill>
-                  <a:srgbClr val="262626"/>
-                </a:solidFill>
-              </a:rPr>
-              <a:t>Why is Defi important? The frameworks are getting mature, after the the real assets being mapped to the chain, lots of new business models will emerge</a:t>
-            </a:r>
-            <a:endParaRPr lang="en-US" altLang="en-US" sz="1800" b="1" i="1" dirty="0">
-              <a:solidFill>
-                <a:srgbClr val="262626"/>
-              </a:solidFill>
-            </a:endParaRPr>
-          </a:p>
-          <a:p>
-            <a:pPr defTabSz="342900">
-              <a:lnSpc>
-                <a:spcPct val="120000"/>
-              </a:lnSpc>
-            </a:pPr>
-            <a:endParaRPr lang="en-US" altLang="en-US" sz="1800" b="1" i="1" dirty="0">
-              <a:solidFill>
-                <a:srgbClr val="262626"/>
-              </a:solidFill>
-            </a:endParaRPr>
-          </a:p>
-          <a:p>
-            <a:pPr defTabSz="342900">
-              <a:lnSpc>
-                <a:spcPct val="120000"/>
-              </a:lnSpc>
-            </a:pPr>
-            <a:r>
-              <a:rPr lang="en-US" altLang="en-US" sz="1800" dirty="0">
-                <a:solidFill>
-                  <a:srgbClr val="262626"/>
-                </a:solidFill>
-              </a:rPr>
-              <a:t>Type of Defi:</a:t>
-            </a:r>
-            <a:endParaRPr lang="en-US" altLang="en-US" sz="1800" dirty="0">
-              <a:solidFill>
-                <a:srgbClr val="262626"/>
-              </a:solidFill>
-            </a:endParaRPr>
-          </a:p>
-          <a:p>
-            <a:pPr lvl="1" defTabSz="342900">
-              <a:lnSpc>
-                <a:spcPct val="120000"/>
-              </a:lnSpc>
-            </a:pPr>
-            <a:r>
-              <a:rPr lang="en-US" altLang="en-US" sz="1540" dirty="0">
-                <a:solidFill>
-                  <a:srgbClr val="262626"/>
-                </a:solidFill>
-              </a:rPr>
-              <a:t>Yield Farming (e.g, Yam, APY Finance)</a:t>
-            </a:r>
-            <a:endParaRPr lang="en-US" altLang="en-US" sz="1540" dirty="0">
-              <a:solidFill>
-                <a:srgbClr val="262626"/>
-              </a:solidFill>
-            </a:endParaRPr>
-          </a:p>
-          <a:p>
-            <a:pPr lvl="1" defTabSz="342900">
-              <a:lnSpc>
-                <a:spcPct val="120000"/>
-              </a:lnSpc>
-            </a:pPr>
-            <a:r>
-              <a:rPr lang="en-US" altLang="en-US" sz="1540" dirty="0">
-                <a:solidFill>
-                  <a:srgbClr val="262626"/>
-                </a:solidFill>
-              </a:rPr>
-              <a:t>Insurance (e.g, Nexus Mutual) </a:t>
-            </a:r>
-            <a:endParaRPr lang="en-US" altLang="en-US" sz="1540" dirty="0">
-              <a:solidFill>
-                <a:srgbClr val="262626"/>
-              </a:solidFill>
-            </a:endParaRPr>
-          </a:p>
-          <a:p>
-            <a:pPr lvl="1" defTabSz="342900">
-              <a:lnSpc>
-                <a:spcPct val="120000"/>
-              </a:lnSpc>
-            </a:pPr>
-            <a:r>
-              <a:rPr lang="en-US" altLang="en-US" sz="1540" dirty="0">
-                <a:solidFill>
-                  <a:srgbClr val="262626"/>
-                </a:solidFill>
-              </a:rPr>
-              <a:t>Predictions Market (e.g., Augur and others)</a:t>
-            </a:r>
-            <a:endParaRPr lang="en-US" altLang="en-US" sz="1540" dirty="0">
-              <a:solidFill>
-                <a:srgbClr val="262626"/>
-              </a:solidFill>
-            </a:endParaRPr>
-          </a:p>
-          <a:p>
-            <a:pPr lvl="1" defTabSz="342900">
-              <a:lnSpc>
-                <a:spcPct val="120000"/>
-              </a:lnSpc>
-            </a:pPr>
-            <a:r>
-              <a:rPr lang="en-US" altLang="en-US" sz="1540" dirty="0">
-                <a:solidFill>
-                  <a:srgbClr val="262626"/>
-                </a:solidFill>
-              </a:rPr>
-              <a:t>Decentralized leverage trading (e.g., dYdX)</a:t>
-            </a:r>
-            <a:endParaRPr lang="en-US" altLang="en-US" sz="1540" dirty="0">
-              <a:solidFill>
-                <a:srgbClr val="262626"/>
-              </a:solidFill>
-            </a:endParaRPr>
-          </a:p>
-          <a:p>
-            <a:pPr lvl="1" defTabSz="342900">
-              <a:lnSpc>
-                <a:spcPct val="120000"/>
-              </a:lnSpc>
-            </a:pPr>
-            <a:r>
-              <a:rPr lang="en-US" altLang="en-US" sz="1540" dirty="0">
-                <a:solidFill>
-                  <a:srgbClr val="262626"/>
-                </a:solidFill>
-              </a:rPr>
-              <a:t>Lending Protocols  (e.g.,  Compound, Aave, InstaDApp, and more)</a:t>
-            </a:r>
-            <a:endParaRPr lang="en-US" altLang="en-US" sz="1540" dirty="0">
-              <a:solidFill>
-                <a:srgbClr val="262626"/>
-              </a:solidFill>
-            </a:endParaRPr>
-          </a:p>
-          <a:p>
-            <a:pPr lvl="1" defTabSz="342900">
-              <a:lnSpc>
-                <a:spcPct val="120000"/>
-              </a:lnSpc>
-            </a:pPr>
-            <a:r>
-              <a:rPr lang="en-US" altLang="en-US" sz="1540" dirty="0">
-                <a:solidFill>
-                  <a:srgbClr val="262626"/>
-                </a:solidFill>
-              </a:rPr>
-              <a:t>Synthetic assets (e.g., UMA)</a:t>
-            </a:r>
-            <a:endParaRPr lang="en-US" altLang="en-US" sz="1540" dirty="0">
-              <a:solidFill>
-                <a:srgbClr val="262626"/>
-              </a:solidFill>
-            </a:endParaRPr>
-          </a:p>
-          <a:p>
-            <a:pPr lvl="1" defTabSz="342900">
-              <a:lnSpc>
-                <a:spcPct val="120000"/>
-              </a:lnSpc>
-            </a:pPr>
-            <a:r>
-              <a:rPr lang="en-US" altLang="en-US" sz="1540" dirty="0">
-                <a:solidFill>
-                  <a:srgbClr val="262626"/>
-                </a:solidFill>
-              </a:rPr>
-              <a:t>Stable Coins</a:t>
-            </a:r>
-            <a:endParaRPr lang="en-US" altLang="en-US" sz="1540" dirty="0">
-              <a:solidFill>
-                <a:srgbClr val="262626"/>
-              </a:solidFill>
-            </a:endParaRPr>
-          </a:p>
-        </p:txBody>
-      </p:sp>
-    </p:spTree>
-  </p:cSld>
-  <p:clrMapOvr>
-    <a:masterClrMapping/>
-  </p:clrMapOvr>
-</p:sld>
-</file>
-
-<file path=ppt/slides/slide6.xml><?xml version="1.0" encoding="utf-8"?>
-<p:sld xmlns:a="http://schemas.openxmlformats.org/drawingml/2006/main" xmlns:r="http://schemas.openxmlformats.org/officeDocument/2006/relationships" xmlns:p="http://schemas.openxmlformats.org/presentationml/2006/main">
-  <p:cSld>
-    <p:spTree>
-      <p:nvGrpSpPr>
-        <p:cNvPr id="1" name=""/>
-        <p:cNvGrpSpPr/>
-        <p:nvPr/>
-      </p:nvGrpSpPr>
-      <p:grpSpPr>
-        <a:xfrm>
-          <a:off x="0" y="0"/>
-          <a:ext cx="0" cy="0"/>
-          <a:chOff x="0" y="0"/>
-          <a:chExt cx="0" cy="0"/>
-        </a:xfrm>
-      </p:grpSpPr>
-      <p:sp>
-        <p:nvSpPr>
-          <p:cNvPr id="2" name="Title 1"/>
-          <p:cNvSpPr>
-            <a:spLocks noGrp="1"/>
-          </p:cNvSpPr>
-          <p:nvPr>
-            <p:ph type="title"/>
-          </p:nvPr>
-        </p:nvSpPr>
-        <p:spPr>
-          <a:xfrm>
-            <a:off x="628650" y="155263"/>
-            <a:ext cx="7886700" cy="526790"/>
-          </a:xfrm>
-        </p:spPr>
-        <p:txBody>
-          <a:bodyPr>
-            <a:normAutofit fontScale="90000"/>
-          </a:bodyPr>
-          <a:lstStyle/>
-          <a:p>
-            <a:pPr algn="ctr"/>
-            <a:r>
               <a:rPr lang="en-US" sz="3200" b="1" dirty="0">
                 <a:latin typeface="Calibri" panose="020F0502020204030204" pitchFamily="34" charset="0"/>
                 <a:cs typeface="Calibri" panose="020F0502020204030204" pitchFamily="34" charset="0"/>
               </a:rPr>
-              <a:t>The Mechanism of APY</a:t>
+              <a:t>The Mechanism of APY (robo-advisor)</a:t>
             </a:r>
             <a:endParaRPr lang="en-US" sz="3200" b="1" dirty="0">
               <a:latin typeface="Calibri" panose="020F0502020204030204" pitchFamily="34" charset="0"/>
@@ -9482,7 +7582,7 @@
             <a:pPr algn="ctr"/>
             <a:r>
               <a:rPr lang="en-US" altLang="zh-CN"/>
-              <a:t>Stable Coins</a:t>
+              <a:t>APY</a:t>
             </a:r>
             <a:endParaRPr lang="en-US" altLang="zh-CN"/>
           </a:p>
@@ -9576,7 +7676,7 @@
           <a:p>
             <a:r>
               <a:rPr lang="en-US" altLang="zh-CN"/>
-              <a:t>Obtian Receipt</a:t>
+              <a:t>auto mine</a:t>
             </a:r>
             <a:endParaRPr lang="en-US" altLang="zh-CN"/>
           </a:p>
@@ -9751,39 +7851,6238 @@
           </a:p>
         </p:txBody>
       </p:sp>
+    </p:spTree>
+  </p:cSld>
+  <p:clrMapOvr>
+    <a:masterClrMapping/>
+  </p:clrMapOvr>
+</p:sld>
+</file>
+
+<file path=ppt/slides/slide11.xml><?xml version="1.0" encoding="utf-8"?>
+<p:sld xmlns:a="http://schemas.openxmlformats.org/drawingml/2006/main" xmlns:r="http://schemas.openxmlformats.org/officeDocument/2006/relationships" xmlns:p="http://schemas.openxmlformats.org/presentationml/2006/main">
+  <p:cSld>
+    <p:spTree>
+      <p:nvGrpSpPr>
+        <p:cNvPr id="1" name=""/>
+        <p:cNvGrpSpPr/>
+        <p:nvPr/>
+      </p:nvGrpSpPr>
+      <p:grpSpPr>
+        <a:xfrm>
+          <a:off x="0" y="0"/>
+          <a:ext cx="0" cy="0"/>
+          <a:chOff x="0" y="0"/>
+          <a:chExt cx="0" cy="0"/>
+        </a:xfrm>
+      </p:grpSpPr>
       <p:sp>
         <p:nvSpPr>
-          <p:cNvPr id="22" name="文本框 21"/>
-          <p:cNvSpPr txBox="1"/>
+          <p:cNvPr id="2" name="Title 1"/>
+          <p:cNvSpPr>
+            <a:spLocks noGrp="1"/>
+          </p:cNvSpPr>
+          <p:nvPr>
+            <p:ph type="title"/>
+          </p:nvPr>
+        </p:nvSpPr>
+        <p:spPr>
+          <a:xfrm>
+            <a:off x="628650" y="155263"/>
+            <a:ext cx="7886700" cy="526790"/>
+          </a:xfrm>
+        </p:spPr>
+        <p:txBody>
+          <a:bodyPr>
+            <a:normAutofit fontScale="90000"/>
+          </a:bodyPr>
+          <a:lstStyle/>
+          <a:p>
+            <a:pPr algn="ctr"/>
+            <a:r>
+              <a:rPr lang="en-US" sz="3200" b="1" dirty="0">
+                <a:latin typeface="Calibri" panose="020F0502020204030204" pitchFamily="34" charset="0"/>
+                <a:cs typeface="Calibri" panose="020F0502020204030204" pitchFamily="34" charset="0"/>
+              </a:rPr>
+              <a:t>The Mechanism of </a:t>
+            </a:r>
+            <a:r>
+              <a:rPr lang="en-US" sz="3200" b="1" dirty="0">
+                <a:latin typeface="Calibri" panose="020F0502020204030204" pitchFamily="34" charset="0"/>
+                <a:cs typeface="Calibri" panose="020F0502020204030204" pitchFamily="34" charset="0"/>
+                <a:sym typeface="+mn-ea"/>
+              </a:rPr>
+              <a:t>APY (robo-advisor)</a:t>
+            </a:r>
+            <a:endParaRPr lang="en-US" sz="3200" b="1" dirty="0">
+              <a:latin typeface="Calibri" panose="020F0502020204030204" pitchFamily="34" charset="0"/>
+              <a:cs typeface="Calibri" panose="020F0502020204030204" pitchFamily="34" charset="0"/>
+            </a:endParaRPr>
+          </a:p>
+        </p:txBody>
+      </p:sp>
+      <p:sp>
+        <p:nvSpPr>
+          <p:cNvPr id="23" name="Content Placeholder 2"/>
+          <p:cNvSpPr>
+            <a:spLocks noGrp="1"/>
+          </p:cNvSpPr>
+          <p:nvPr>
+            <p:ph idx="1"/>
+          </p:nvPr>
+        </p:nvSpPr>
+        <p:spPr>
+          <a:xfrm>
+            <a:off x="628650" y="989044"/>
+            <a:ext cx="7886700" cy="5605719"/>
+          </a:xfrm>
+        </p:spPr>
+        <p:txBody>
+          <a:bodyPr>
+            <a:normAutofit/>
+          </a:bodyPr>
+          <a:p>
+            <a:pPr defTabSz="342900">
+              <a:lnSpc>
+                <a:spcPct val="120000"/>
+              </a:lnSpc>
+            </a:pPr>
+            <a:r>
+              <a:rPr lang="en-US" altLang="en-US" sz="1800" dirty="0">
+                <a:solidFill>
+                  <a:srgbClr val="262626"/>
+                </a:solidFill>
+                <a:sym typeface="+mn-ea"/>
+              </a:rPr>
+              <a:t>Drawback: </a:t>
+            </a:r>
+            <a:endParaRPr lang="en-US" altLang="en-US" sz="1800" dirty="0">
+              <a:solidFill>
+                <a:srgbClr val="262626"/>
+              </a:solidFill>
+              <a:sym typeface="+mn-ea"/>
+            </a:endParaRPr>
+          </a:p>
+          <a:p>
+            <a:pPr defTabSz="342900">
+              <a:lnSpc>
+                <a:spcPct val="120000"/>
+              </a:lnSpc>
+            </a:pPr>
+            <a:r>
+              <a:rPr lang="en-US" altLang="en-US" sz="1800" dirty="0">
+                <a:solidFill>
+                  <a:srgbClr val="262626"/>
+                </a:solidFill>
+                <a:sym typeface="+mn-ea"/>
+              </a:rPr>
+              <a:t>Increase the systematic risk</a:t>
+            </a:r>
+            <a:endParaRPr lang="en-US" altLang="en-US" sz="1800" dirty="0">
+              <a:solidFill>
+                <a:srgbClr val="262626"/>
+              </a:solidFill>
+              <a:sym typeface="+mn-ea"/>
+            </a:endParaRPr>
+          </a:p>
+          <a:p>
+            <a:pPr lvl="1" defTabSz="342900">
+              <a:lnSpc>
+                <a:spcPct val="120000"/>
+              </a:lnSpc>
+            </a:pPr>
+            <a:r>
+              <a:rPr lang="en-US" altLang="en-US" sz="1540" dirty="0">
+                <a:solidFill>
+                  <a:srgbClr val="262626"/>
+                </a:solidFill>
+                <a:sym typeface="+mn-ea"/>
+              </a:rPr>
+              <a:t>if one platform has problem, the effect would be amplified</a:t>
+            </a:r>
+            <a:endParaRPr lang="en-US" altLang="en-US" sz="1540" dirty="0">
+              <a:solidFill>
+                <a:srgbClr val="262626"/>
+              </a:solidFill>
+              <a:sym typeface="+mn-ea"/>
+            </a:endParaRPr>
+          </a:p>
+          <a:p>
+            <a:pPr defTabSz="342900">
+              <a:lnSpc>
+                <a:spcPct val="120000"/>
+              </a:lnSpc>
+            </a:pPr>
+            <a:endParaRPr lang="en-US" altLang="en-US" sz="1800" dirty="0">
+              <a:solidFill>
+                <a:srgbClr val="262626"/>
+              </a:solidFill>
+              <a:sym typeface="+mn-ea"/>
+            </a:endParaRPr>
+          </a:p>
+          <a:p>
+            <a:pPr defTabSz="342900">
+              <a:lnSpc>
+                <a:spcPct val="120000"/>
+              </a:lnSpc>
+            </a:pPr>
+            <a:r>
+              <a:rPr lang="en-US" altLang="en-US" sz="1800" dirty="0">
+                <a:solidFill>
+                  <a:srgbClr val="262626"/>
+                </a:solidFill>
+                <a:sym typeface="+mn-ea"/>
+              </a:rPr>
+              <a:t>Advantage:</a:t>
+            </a:r>
+            <a:endParaRPr lang="en-US" altLang="en-US" sz="1800" dirty="0">
+              <a:solidFill>
+                <a:srgbClr val="262626"/>
+              </a:solidFill>
+              <a:sym typeface="+mn-ea"/>
+            </a:endParaRPr>
+          </a:p>
+          <a:p>
+            <a:pPr defTabSz="342900">
+              <a:lnSpc>
+                <a:spcPct val="120000"/>
+              </a:lnSpc>
+            </a:pPr>
+            <a:r>
+              <a:rPr lang="en-US" altLang="zh-CN" sz="1800">
+                <a:sym typeface="+mn-ea"/>
+              </a:rPr>
+              <a:t>1. economic of scales, saving gas fee, why?</a:t>
+            </a:r>
+            <a:endParaRPr lang="en-US" altLang="zh-CN" sz="1800"/>
+          </a:p>
+          <a:p>
+            <a:pPr defTabSz="342900">
+              <a:lnSpc>
+                <a:spcPct val="120000"/>
+              </a:lnSpc>
+            </a:pPr>
+            <a:r>
+              <a:rPr lang="en-US" altLang="zh-CN" sz="1800">
+                <a:sym typeface="+mn-ea"/>
+              </a:rPr>
+              <a:t>2. aggregator, one stop shop add more liqudity to the market</a:t>
+            </a:r>
+            <a:endParaRPr lang="en-US" altLang="zh-CN" sz="1800">
+              <a:sym typeface="+mn-ea"/>
+            </a:endParaRPr>
+          </a:p>
+          <a:p>
+            <a:pPr marL="0" indent="0" defTabSz="342900">
+              <a:lnSpc>
+                <a:spcPct val="120000"/>
+              </a:lnSpc>
+              <a:buNone/>
+            </a:pPr>
+            <a:endParaRPr lang="en-US" altLang="en-US" sz="1800" dirty="0">
+              <a:solidFill>
+                <a:srgbClr val="262626"/>
+              </a:solidFill>
+            </a:endParaRPr>
+          </a:p>
+        </p:txBody>
+      </p:sp>
+    </p:spTree>
+  </p:cSld>
+  <p:clrMapOvr>
+    <a:masterClrMapping/>
+  </p:clrMapOvr>
+</p:sld>
+</file>
+
+<file path=ppt/slides/slide12.xml><?xml version="1.0" encoding="utf-8"?>
+<p:sld xmlns:a="http://schemas.openxmlformats.org/drawingml/2006/main" xmlns:r="http://schemas.openxmlformats.org/officeDocument/2006/relationships" xmlns:p="http://schemas.openxmlformats.org/presentationml/2006/main">
+  <p:cSld>
+    <p:spTree>
+      <p:nvGrpSpPr>
+        <p:cNvPr id="1" name=""/>
+        <p:cNvGrpSpPr/>
+        <p:nvPr/>
+      </p:nvGrpSpPr>
+      <p:grpSpPr>
+        <a:xfrm>
+          <a:off x="0" y="0"/>
+          <a:ext cx="0" cy="0"/>
+          <a:chOff x="0" y="0"/>
+          <a:chExt cx="0" cy="0"/>
+        </a:xfrm>
+      </p:grpSpPr>
+      <p:sp>
+        <p:nvSpPr>
+          <p:cNvPr id="2" name="Title 1"/>
+          <p:cNvSpPr>
+            <a:spLocks noGrp="1"/>
+          </p:cNvSpPr>
+          <p:nvPr>
+            <p:ph type="title"/>
+          </p:nvPr>
+        </p:nvSpPr>
+        <p:spPr>
+          <a:xfrm>
+            <a:off x="628650" y="155263"/>
+            <a:ext cx="7886700" cy="526790"/>
+          </a:xfrm>
+        </p:spPr>
+        <p:txBody>
+          <a:bodyPr>
+            <a:normAutofit fontScale="90000"/>
+          </a:bodyPr>
+          <a:lstStyle/>
+          <a:p>
+            <a:pPr algn="ctr"/>
+            <a:r>
+              <a:rPr lang="en-US" sz="3200" b="1" dirty="0">
+                <a:latin typeface="Calibri" panose="020F0502020204030204" pitchFamily="34" charset="0"/>
+                <a:cs typeface="Calibri" panose="020F0502020204030204" pitchFamily="34" charset="0"/>
+                <a:sym typeface="+mn-ea"/>
+              </a:rPr>
+              <a:t>The Mechanism of Yam(YFI, YFII)</a:t>
+            </a:r>
+            <a:endParaRPr lang="en-US" sz="3200" b="1" dirty="0">
+              <a:latin typeface="Calibri" panose="020F0502020204030204" pitchFamily="34" charset="0"/>
+              <a:cs typeface="Calibri" panose="020F0502020204030204" pitchFamily="34" charset="0"/>
+            </a:endParaRPr>
+          </a:p>
+        </p:txBody>
+      </p:sp>
+      <p:grpSp>
+        <p:nvGrpSpPr>
+          <p:cNvPr id="8" name="组合 7"/>
+          <p:cNvGrpSpPr/>
+          <p:nvPr/>
+        </p:nvGrpSpPr>
+        <p:grpSpPr>
+          <a:xfrm>
+            <a:off x="1362710" y="2783205"/>
+            <a:ext cx="6295367" cy="3778808"/>
+            <a:chOff x="1680" y="4020"/>
+            <a:chExt cx="10291" cy="6773"/>
+          </a:xfrm>
+        </p:grpSpPr>
+        <p:sp>
+          <p:nvSpPr>
+            <p:cNvPr id="18" name="矩形 17"/>
+            <p:cNvSpPr/>
+            <p:nvPr/>
+          </p:nvSpPr>
+          <p:spPr>
+            <a:xfrm>
+              <a:off x="5465" y="6803"/>
+              <a:ext cx="1225" cy="1021"/>
+            </a:xfrm>
+            <a:prstGeom prst="rect">
+              <a:avLst/>
+            </a:prstGeom>
+          </p:spPr>
+          <p:style>
+            <a:lnRef idx="2">
+              <a:schemeClr val="accent1">
+                <a:shade val="50000"/>
+              </a:schemeClr>
+            </a:lnRef>
+            <a:fillRef idx="1">
+              <a:schemeClr val="accent1"/>
+            </a:fillRef>
+            <a:effectRef idx="0">
+              <a:schemeClr val="accent1"/>
+            </a:effectRef>
+            <a:fontRef idx="minor">
+              <a:schemeClr val="lt1"/>
+            </a:fontRef>
+          </p:style>
+          <p:txBody>
+            <a:bodyPr rtlCol="0" anchor="ctr"/>
+            <a:p>
+              <a:pPr algn="ctr"/>
+              <a:r>
+                <a:rPr lang="en-US" altLang="zh-CN"/>
+                <a:t>ETH</a:t>
+              </a:r>
+              <a:endParaRPr lang="en-US" altLang="zh-CN"/>
+            </a:p>
+          </p:txBody>
+        </p:sp>
+        <p:sp>
+          <p:nvSpPr>
+            <p:cNvPr id="5" name="矩形 4"/>
+            <p:cNvSpPr/>
+            <p:nvPr/>
+          </p:nvSpPr>
+          <p:spPr>
+            <a:xfrm>
+              <a:off x="3155" y="4020"/>
+              <a:ext cx="1225" cy="1021"/>
+            </a:xfrm>
+            <a:prstGeom prst="rect">
+              <a:avLst/>
+            </a:prstGeom>
+          </p:spPr>
+          <p:style>
+            <a:lnRef idx="2">
+              <a:schemeClr val="accent1">
+                <a:shade val="50000"/>
+              </a:schemeClr>
+            </a:lnRef>
+            <a:fillRef idx="1">
+              <a:schemeClr val="accent1"/>
+            </a:fillRef>
+            <a:effectRef idx="0">
+              <a:schemeClr val="accent1"/>
+            </a:effectRef>
+            <a:fontRef idx="minor">
+              <a:schemeClr val="lt1"/>
+            </a:fontRef>
+          </p:style>
+          <p:txBody>
+            <a:bodyPr rtlCol="0" anchor="ctr"/>
+            <a:p>
+              <a:pPr algn="ctr"/>
+              <a:r>
+                <a:rPr lang="en-US" altLang="zh-CN"/>
+                <a:t>ETH Pool</a:t>
+              </a:r>
+              <a:endParaRPr lang="en-US" altLang="zh-CN"/>
+            </a:p>
+          </p:txBody>
+        </p:sp>
+        <p:sp>
+          <p:nvSpPr>
+            <p:cNvPr id="6" name="矩形 5"/>
+            <p:cNvSpPr/>
+            <p:nvPr/>
+          </p:nvSpPr>
+          <p:spPr>
+            <a:xfrm>
+              <a:off x="3155" y="5400"/>
+              <a:ext cx="1225" cy="1021"/>
+            </a:xfrm>
+            <a:prstGeom prst="rect">
+              <a:avLst/>
+            </a:prstGeom>
+          </p:spPr>
+          <p:style>
+            <a:lnRef idx="2">
+              <a:schemeClr val="accent1">
+                <a:shade val="50000"/>
+              </a:schemeClr>
+            </a:lnRef>
+            <a:fillRef idx="1">
+              <a:schemeClr val="accent1"/>
+            </a:fillRef>
+            <a:effectRef idx="0">
+              <a:schemeClr val="accent1"/>
+            </a:effectRef>
+            <a:fontRef idx="minor">
+              <a:schemeClr val="lt1"/>
+            </a:fontRef>
+          </p:style>
+          <p:txBody>
+            <a:bodyPr rtlCol="0" anchor="ctr"/>
+            <a:p>
+              <a:pPr algn="ctr"/>
+              <a:r>
+                <a:rPr lang="en-US" altLang="zh-CN"/>
+                <a:t>MKR Pool</a:t>
+              </a:r>
+              <a:endParaRPr lang="en-US" altLang="zh-CN"/>
+            </a:p>
+          </p:txBody>
+        </p:sp>
+        <p:sp>
+          <p:nvSpPr>
+            <p:cNvPr id="7" name="矩形 6"/>
+            <p:cNvSpPr/>
+            <p:nvPr/>
+          </p:nvSpPr>
+          <p:spPr>
+            <a:xfrm>
+              <a:off x="3155" y="6803"/>
+              <a:ext cx="1225" cy="1021"/>
+            </a:xfrm>
+            <a:prstGeom prst="rect">
+              <a:avLst/>
+            </a:prstGeom>
+          </p:spPr>
+          <p:style>
+            <a:lnRef idx="2">
+              <a:schemeClr val="accent1">
+                <a:shade val="50000"/>
+              </a:schemeClr>
+            </a:lnRef>
+            <a:fillRef idx="1">
+              <a:schemeClr val="accent1"/>
+            </a:fillRef>
+            <a:effectRef idx="0">
+              <a:schemeClr val="accent1"/>
+            </a:effectRef>
+            <a:fontRef idx="minor">
+              <a:schemeClr val="lt1"/>
+            </a:fontRef>
+          </p:style>
+          <p:txBody>
+            <a:bodyPr rtlCol="0" anchor="ctr"/>
+            <a:p>
+              <a:pPr algn="ctr"/>
+              <a:r>
+                <a:rPr lang="en-US" altLang="zh-CN"/>
+                <a:t>COMPPool</a:t>
+              </a:r>
+              <a:endParaRPr lang="en-US" altLang="zh-CN"/>
+            </a:p>
+          </p:txBody>
+        </p:sp>
+        <p:sp>
+          <p:nvSpPr>
+            <p:cNvPr id="9" name="矩形 8"/>
+            <p:cNvSpPr/>
+            <p:nvPr/>
+          </p:nvSpPr>
+          <p:spPr>
+            <a:xfrm>
+              <a:off x="5465" y="5400"/>
+              <a:ext cx="1225" cy="1021"/>
+            </a:xfrm>
+            <a:prstGeom prst="rect">
+              <a:avLst/>
+            </a:prstGeom>
+          </p:spPr>
+          <p:style>
+            <a:lnRef idx="2">
+              <a:schemeClr val="accent1">
+                <a:shade val="50000"/>
+              </a:schemeClr>
+            </a:lnRef>
+            <a:fillRef idx="1">
+              <a:schemeClr val="accent1"/>
+            </a:fillRef>
+            <a:effectRef idx="0">
+              <a:schemeClr val="accent1"/>
+            </a:effectRef>
+            <a:fontRef idx="minor">
+              <a:schemeClr val="lt1"/>
+            </a:fontRef>
+          </p:style>
+          <p:txBody>
+            <a:bodyPr rtlCol="0" anchor="ctr"/>
+            <a:p>
+              <a:pPr algn="ctr"/>
+              <a:r>
+                <a:rPr lang="en-US" altLang="zh-CN"/>
+                <a:t>YAM</a:t>
+              </a:r>
+              <a:endParaRPr lang="en-US" altLang="zh-CN"/>
+            </a:p>
+          </p:txBody>
+        </p:sp>
+        <p:cxnSp>
+          <p:nvCxnSpPr>
+            <p:cNvPr id="10" name="直接箭头连接符 9"/>
+            <p:cNvCxnSpPr>
+              <a:stCxn id="5" idx="3"/>
+              <a:endCxn id="9" idx="1"/>
+            </p:cNvCxnSpPr>
+            <p:nvPr/>
+          </p:nvCxnSpPr>
+          <p:spPr>
+            <a:xfrm>
+              <a:off x="4380" y="4531"/>
+              <a:ext cx="1085" cy="1380"/>
+            </a:xfrm>
+            <a:prstGeom prst="straightConnector1">
+              <a:avLst/>
+            </a:prstGeom>
+            <a:ln>
+              <a:tailEnd type="arrow"/>
+            </a:ln>
+          </p:spPr>
+          <p:style>
+            <a:lnRef idx="1">
+              <a:schemeClr val="accent1"/>
+            </a:lnRef>
+            <a:fillRef idx="0">
+              <a:schemeClr val="accent1"/>
+            </a:fillRef>
+            <a:effectRef idx="0">
+              <a:schemeClr val="accent1"/>
+            </a:effectRef>
+            <a:fontRef idx="minor">
+              <a:schemeClr val="tx1"/>
+            </a:fontRef>
+          </p:style>
+        </p:cxnSp>
+        <p:cxnSp>
+          <p:nvCxnSpPr>
+            <p:cNvPr id="11" name="直接箭头连接符 10"/>
+            <p:cNvCxnSpPr>
+              <a:stCxn id="6" idx="3"/>
+              <a:endCxn id="9" idx="1"/>
+            </p:cNvCxnSpPr>
+            <p:nvPr/>
+          </p:nvCxnSpPr>
+          <p:spPr>
+            <a:xfrm>
+              <a:off x="4380" y="5911"/>
+              <a:ext cx="1085" cy="0"/>
+            </a:xfrm>
+            <a:prstGeom prst="straightConnector1">
+              <a:avLst/>
+            </a:prstGeom>
+            <a:ln>
+              <a:tailEnd type="arrow"/>
+            </a:ln>
+          </p:spPr>
+          <p:style>
+            <a:lnRef idx="1">
+              <a:schemeClr val="accent1"/>
+            </a:lnRef>
+            <a:fillRef idx="0">
+              <a:schemeClr val="accent1"/>
+            </a:fillRef>
+            <a:effectRef idx="0">
+              <a:schemeClr val="accent1"/>
+            </a:effectRef>
+            <a:fontRef idx="minor">
+              <a:schemeClr val="tx1"/>
+            </a:fontRef>
+          </p:style>
+        </p:cxnSp>
+        <p:cxnSp>
+          <p:nvCxnSpPr>
+            <p:cNvPr id="12" name="直接箭头连接符 11"/>
+            <p:cNvCxnSpPr>
+              <a:stCxn id="7" idx="3"/>
+            </p:cNvCxnSpPr>
+            <p:nvPr/>
+          </p:nvCxnSpPr>
+          <p:spPr>
+            <a:xfrm flipV="1">
+              <a:off x="4380" y="5911"/>
+              <a:ext cx="1085" cy="1403"/>
+            </a:xfrm>
+            <a:prstGeom prst="straightConnector1">
+              <a:avLst/>
+            </a:prstGeom>
+            <a:ln>
+              <a:tailEnd type="arrow"/>
+            </a:ln>
+          </p:spPr>
+          <p:style>
+            <a:lnRef idx="1">
+              <a:schemeClr val="accent1"/>
+            </a:lnRef>
+            <a:fillRef idx="0">
+              <a:schemeClr val="accent1"/>
+            </a:fillRef>
+            <a:effectRef idx="0">
+              <a:schemeClr val="accent1"/>
+            </a:effectRef>
+            <a:fontRef idx="minor">
+              <a:schemeClr val="tx1"/>
+            </a:fontRef>
+          </p:style>
+        </p:cxnSp>
+        <p:cxnSp>
+          <p:nvCxnSpPr>
+            <p:cNvPr id="13" name="直接箭头连接符 12"/>
+            <p:cNvCxnSpPr>
+              <a:stCxn id="21" idx="3"/>
+              <a:endCxn id="9" idx="1"/>
+            </p:cNvCxnSpPr>
+            <p:nvPr/>
+          </p:nvCxnSpPr>
+          <p:spPr>
+            <a:xfrm flipV="1">
+              <a:off x="4380" y="5911"/>
+              <a:ext cx="1085" cy="4213"/>
+            </a:xfrm>
+            <a:prstGeom prst="straightConnector1">
+              <a:avLst/>
+            </a:prstGeom>
+            <a:ln>
+              <a:tailEnd type="arrow"/>
+            </a:ln>
+          </p:spPr>
+          <p:style>
+            <a:lnRef idx="1">
+              <a:schemeClr val="accent1"/>
+            </a:lnRef>
+            <a:fillRef idx="0">
+              <a:schemeClr val="accent1"/>
+            </a:fillRef>
+            <a:effectRef idx="0">
+              <a:schemeClr val="accent1"/>
+            </a:effectRef>
+            <a:fontRef idx="minor">
+              <a:schemeClr val="tx1"/>
+            </a:fontRef>
+          </p:style>
+        </p:cxnSp>
+        <p:sp>
+          <p:nvSpPr>
+            <p:cNvPr id="14" name="文本框 13"/>
+            <p:cNvSpPr txBox="1"/>
+            <p:nvPr/>
+          </p:nvSpPr>
+          <p:spPr>
+            <a:xfrm>
+              <a:off x="4652" y="7824"/>
+              <a:ext cx="1384" cy="660"/>
+            </a:xfrm>
+            <a:prstGeom prst="rect">
+              <a:avLst/>
+            </a:prstGeom>
+            <a:noFill/>
+          </p:spPr>
+          <p:txBody>
+            <a:bodyPr wrap="square" rtlCol="0">
+              <a:spAutoFit/>
+            </a:bodyPr>
+            <a:p>
+              <a:r>
+                <a:rPr lang="en-US" altLang="zh-CN"/>
+                <a:t>staking</a:t>
+              </a:r>
+              <a:endParaRPr lang="en-US" altLang="zh-CN"/>
+            </a:p>
+          </p:txBody>
+        </p:sp>
+        <p:cxnSp>
+          <p:nvCxnSpPr>
+            <p:cNvPr id="15" name="直接箭头连接符 14"/>
+            <p:cNvCxnSpPr>
+              <a:stCxn id="9" idx="3"/>
+              <a:endCxn id="16" idx="1"/>
+            </p:cNvCxnSpPr>
+            <p:nvPr/>
+          </p:nvCxnSpPr>
+          <p:spPr>
+            <a:xfrm>
+              <a:off x="6690" y="5911"/>
+              <a:ext cx="1384" cy="0"/>
+            </a:xfrm>
+            <a:prstGeom prst="straightConnector1">
+              <a:avLst/>
+            </a:prstGeom>
+            <a:ln>
+              <a:tailEnd type="arrow"/>
+            </a:ln>
+          </p:spPr>
+          <p:style>
+            <a:lnRef idx="1">
+              <a:schemeClr val="accent1"/>
+            </a:lnRef>
+            <a:fillRef idx="0">
+              <a:schemeClr val="accent1"/>
+            </a:fillRef>
+            <a:effectRef idx="0">
+              <a:schemeClr val="accent1"/>
+            </a:effectRef>
+            <a:fontRef idx="minor">
+              <a:schemeClr val="tx1"/>
+            </a:fontRef>
+          </p:style>
+        </p:cxnSp>
+        <p:sp>
+          <p:nvSpPr>
+            <p:cNvPr id="16" name="矩形 15"/>
+            <p:cNvSpPr/>
+            <p:nvPr/>
+          </p:nvSpPr>
+          <p:spPr>
+            <a:xfrm>
+              <a:off x="8074" y="5400"/>
+              <a:ext cx="1225" cy="1021"/>
+            </a:xfrm>
+            <a:prstGeom prst="rect">
+              <a:avLst/>
+            </a:prstGeom>
+          </p:spPr>
+          <p:style>
+            <a:lnRef idx="2">
+              <a:schemeClr val="accent1">
+                <a:shade val="50000"/>
+              </a:schemeClr>
+            </a:lnRef>
+            <a:fillRef idx="1">
+              <a:schemeClr val="accent1"/>
+            </a:fillRef>
+            <a:effectRef idx="0">
+              <a:schemeClr val="accent1"/>
+            </a:effectRef>
+            <a:fontRef idx="minor">
+              <a:schemeClr val="lt1"/>
+            </a:fontRef>
+          </p:style>
+          <p:txBody>
+            <a:bodyPr rtlCol="0" anchor="ctr"/>
+            <a:p>
+              <a:pPr algn="ctr"/>
+              <a:r>
+                <a:rPr lang="en-US" altLang="zh-CN"/>
+                <a:t>YAM/ETH</a:t>
+              </a:r>
+              <a:endParaRPr lang="en-US" altLang="zh-CN"/>
+            </a:p>
+          </p:txBody>
+        </p:sp>
+        <p:sp>
+          <p:nvSpPr>
+            <p:cNvPr id="17" name="文本框 16"/>
+            <p:cNvSpPr txBox="1"/>
+            <p:nvPr/>
+          </p:nvSpPr>
+          <p:spPr>
+            <a:xfrm>
+              <a:off x="6690" y="7824"/>
+              <a:ext cx="1384" cy="660"/>
+            </a:xfrm>
+            <a:prstGeom prst="rect">
+              <a:avLst/>
+            </a:prstGeom>
+            <a:noFill/>
+          </p:spPr>
+          <p:txBody>
+            <a:bodyPr wrap="square" rtlCol="0">
+              <a:spAutoFit/>
+            </a:bodyPr>
+            <a:p>
+              <a:r>
+                <a:rPr lang="en-US" altLang="zh-CN"/>
+                <a:t>staking</a:t>
+              </a:r>
+              <a:endParaRPr lang="en-US" altLang="zh-CN"/>
+            </a:p>
+          </p:txBody>
+        </p:sp>
+        <p:cxnSp>
+          <p:nvCxnSpPr>
+            <p:cNvPr id="19" name="直接箭头连接符 18"/>
+            <p:cNvCxnSpPr>
+              <a:stCxn id="18" idx="3"/>
+              <a:endCxn id="16" idx="1"/>
+            </p:cNvCxnSpPr>
+            <p:nvPr/>
+          </p:nvCxnSpPr>
+          <p:spPr>
+            <a:xfrm flipV="1">
+              <a:off x="6690" y="5911"/>
+              <a:ext cx="1384" cy="1403"/>
+            </a:xfrm>
+            <a:prstGeom prst="straightConnector1">
+              <a:avLst/>
+            </a:prstGeom>
+            <a:ln>
+              <a:tailEnd type="arrow"/>
+            </a:ln>
+          </p:spPr>
+          <p:style>
+            <a:lnRef idx="1">
+              <a:schemeClr val="accent1"/>
+            </a:lnRef>
+            <a:fillRef idx="0">
+              <a:schemeClr val="accent1"/>
+            </a:fillRef>
+            <a:effectRef idx="0">
+              <a:schemeClr val="accent1"/>
+            </a:effectRef>
+            <a:fontRef idx="minor">
+              <a:schemeClr val="tx1"/>
+            </a:fontRef>
+          </p:style>
+        </p:cxnSp>
+        <p:sp>
+          <p:nvSpPr>
+            <p:cNvPr id="20" name="文本框 19"/>
+            <p:cNvSpPr txBox="1"/>
+            <p:nvPr/>
+          </p:nvSpPr>
+          <p:spPr>
+            <a:xfrm>
+              <a:off x="1680" y="5405"/>
+              <a:ext cx="1158" cy="1156"/>
+            </a:xfrm>
+            <a:prstGeom prst="rect">
+              <a:avLst/>
+            </a:prstGeom>
+            <a:noFill/>
+          </p:spPr>
+          <p:txBody>
+            <a:bodyPr wrap="square" rtlCol="0">
+              <a:spAutoFit/>
+            </a:bodyPr>
+            <a:p>
+              <a:r>
+                <a:rPr lang="en-US" altLang="zh-CN"/>
+                <a:t>X1 yield</a:t>
+              </a:r>
+              <a:endParaRPr lang="en-US" altLang="zh-CN"/>
+            </a:p>
+          </p:txBody>
+        </p:sp>
+        <p:sp>
+          <p:nvSpPr>
+            <p:cNvPr id="21" name="矩形 20"/>
+            <p:cNvSpPr/>
+            <p:nvPr/>
+          </p:nvSpPr>
+          <p:spPr>
+            <a:xfrm>
+              <a:off x="2839" y="9454"/>
+              <a:ext cx="1541" cy="1339"/>
+            </a:xfrm>
+            <a:prstGeom prst="rect">
+              <a:avLst/>
+            </a:prstGeom>
+          </p:spPr>
+          <p:style>
+            <a:lnRef idx="1">
+              <a:schemeClr val="accent2"/>
+            </a:lnRef>
+            <a:fillRef idx="3">
+              <a:schemeClr val="accent2"/>
+            </a:fillRef>
+            <a:effectRef idx="2">
+              <a:schemeClr val="accent2"/>
+            </a:effectRef>
+            <a:fontRef idx="minor">
+              <a:schemeClr val="lt1"/>
+            </a:fontRef>
+          </p:style>
+          <p:txBody>
+            <a:bodyPr rtlCol="0" anchor="ctr"/>
+            <a:p>
+              <a:pPr algn="ctr"/>
+              <a:r>
+                <a:rPr lang="en-US" altLang="zh-CN"/>
+                <a:t>UNIV2 Yam</a:t>
+              </a:r>
+              <a:endParaRPr lang="en-US" altLang="zh-CN"/>
+            </a:p>
+            <a:p>
+              <a:pPr algn="ctr"/>
+              <a:r>
+                <a:rPr lang="en-US" altLang="zh-CN"/>
+                <a:t>Pool</a:t>
+              </a:r>
+              <a:endParaRPr lang="en-US" altLang="zh-CN"/>
+            </a:p>
+          </p:txBody>
+        </p:sp>
+        <p:sp>
+          <p:nvSpPr>
+            <p:cNvPr id="22" name="文本框 21"/>
+            <p:cNvSpPr txBox="1"/>
+            <p:nvPr/>
+          </p:nvSpPr>
+          <p:spPr>
+            <a:xfrm>
+              <a:off x="1680" y="9459"/>
+              <a:ext cx="1158" cy="1156"/>
+            </a:xfrm>
+            <a:prstGeom prst="rect">
+              <a:avLst/>
+            </a:prstGeom>
+            <a:noFill/>
+          </p:spPr>
+          <p:txBody>
+            <a:bodyPr wrap="square" rtlCol="0">
+              <a:spAutoFit/>
+            </a:bodyPr>
+            <a:p>
+              <a:r>
+                <a:rPr lang="en-US" altLang="zh-CN"/>
+                <a:t>X5 yield</a:t>
+              </a:r>
+              <a:endParaRPr lang="en-US" altLang="zh-CN"/>
+            </a:p>
+          </p:txBody>
+        </p:sp>
+        <p:sp>
+          <p:nvSpPr>
+            <p:cNvPr id="23" name="矩形 22"/>
+            <p:cNvSpPr/>
+            <p:nvPr/>
+          </p:nvSpPr>
+          <p:spPr>
+            <a:xfrm>
+              <a:off x="10384" y="5405"/>
+              <a:ext cx="1587" cy="1021"/>
+            </a:xfrm>
+            <a:prstGeom prst="rect">
+              <a:avLst/>
+            </a:prstGeom>
+          </p:spPr>
+          <p:style>
+            <a:lnRef idx="2">
+              <a:schemeClr val="accent1">
+                <a:shade val="50000"/>
+              </a:schemeClr>
+            </a:lnRef>
+            <a:fillRef idx="1">
+              <a:schemeClr val="accent1"/>
+            </a:fillRef>
+            <a:effectRef idx="0">
+              <a:schemeClr val="accent1"/>
+            </a:effectRef>
+            <a:fontRef idx="minor">
+              <a:schemeClr val="lt1"/>
+            </a:fontRef>
+          </p:style>
+          <p:txBody>
+            <a:bodyPr rtlCol="0" anchor="ctr"/>
+            <a:p>
+              <a:pPr algn="ctr"/>
+              <a:r>
+                <a:rPr lang="en-US" altLang="zh-CN"/>
+                <a:t>UNIV2/YAM</a:t>
+              </a:r>
+              <a:endParaRPr lang="zh-CN" altLang="en-US"/>
+            </a:p>
+          </p:txBody>
+        </p:sp>
+        <p:cxnSp>
+          <p:nvCxnSpPr>
+            <p:cNvPr id="24" name="直接箭头连接符 23"/>
+            <p:cNvCxnSpPr>
+              <a:stCxn id="16" idx="3"/>
+              <a:endCxn id="23" idx="1"/>
+            </p:cNvCxnSpPr>
+            <p:nvPr/>
+          </p:nvCxnSpPr>
+          <p:spPr>
+            <a:xfrm>
+              <a:off x="9299" y="5911"/>
+              <a:ext cx="1085" cy="5"/>
+            </a:xfrm>
+            <a:prstGeom prst="straightConnector1">
+              <a:avLst/>
+            </a:prstGeom>
+            <a:ln>
+              <a:tailEnd type="arrow"/>
+            </a:ln>
+          </p:spPr>
+          <p:style>
+            <a:lnRef idx="1">
+              <a:schemeClr val="accent1"/>
+            </a:lnRef>
+            <a:fillRef idx="0">
+              <a:schemeClr val="accent1"/>
+            </a:fillRef>
+            <a:effectRef idx="0">
+              <a:schemeClr val="accent1"/>
+            </a:effectRef>
+            <a:fontRef idx="minor">
+              <a:schemeClr val="tx1"/>
+            </a:fontRef>
+          </p:style>
+        </p:cxnSp>
+        <p:cxnSp>
+          <p:nvCxnSpPr>
+            <p:cNvPr id="25" name="曲线连接符 24"/>
+            <p:cNvCxnSpPr>
+              <a:stCxn id="23" idx="2"/>
+              <a:endCxn id="21" idx="3"/>
+            </p:cNvCxnSpPr>
+            <p:nvPr/>
+          </p:nvCxnSpPr>
+          <p:spPr>
+            <a:xfrm rot="5400000">
+              <a:off x="5930" y="4876"/>
+              <a:ext cx="3698" cy="6798"/>
+            </a:xfrm>
+            <a:prstGeom prst="curvedConnector2">
+              <a:avLst/>
+            </a:prstGeom>
+            <a:ln>
+              <a:tailEnd type="arrow"/>
+            </a:ln>
+          </p:spPr>
+          <p:style>
+            <a:lnRef idx="1">
+              <a:schemeClr val="accent1"/>
+            </a:lnRef>
+            <a:fillRef idx="0">
+              <a:schemeClr val="accent1"/>
+            </a:fillRef>
+            <a:effectRef idx="0">
+              <a:schemeClr val="accent1"/>
+            </a:effectRef>
+            <a:fontRef idx="minor">
+              <a:schemeClr val="tx1"/>
+            </a:fontRef>
+          </p:style>
+        </p:cxnSp>
+      </p:grpSp>
+      <p:sp>
+        <p:nvSpPr>
+          <p:cNvPr id="3" name="Content Placeholder 2"/>
+          <p:cNvSpPr>
+            <a:spLocks noGrp="1"/>
+          </p:cNvSpPr>
+          <p:nvPr>
+            <p:ph idx="1"/>
+          </p:nvPr>
+        </p:nvSpPr>
+        <p:spPr>
+          <a:xfrm>
+            <a:off x="628650" y="989330"/>
+            <a:ext cx="7886700" cy="5405120"/>
+          </a:xfrm>
+        </p:spPr>
+        <p:txBody>
+          <a:bodyPr>
+            <a:normAutofit lnSpcReduction="10000"/>
+          </a:bodyPr>
+          <a:p>
+            <a:pPr defTabSz="342900">
+              <a:lnSpc>
+                <a:spcPct val="120000"/>
+              </a:lnSpc>
+            </a:pPr>
+            <a:r>
+              <a:rPr lang="en-US" altLang="en-US" sz="1540" dirty="0">
+                <a:solidFill>
+                  <a:srgbClr val="262626"/>
+                </a:solidFill>
+              </a:rPr>
+              <a:t>Heat up the market as it brings the Wealth Effect, and stimulates the token hoarders</a:t>
+            </a:r>
+            <a:endParaRPr lang="en-US" altLang="en-US" sz="1540" dirty="0">
+              <a:solidFill>
+                <a:srgbClr val="262626"/>
+              </a:solidFill>
+            </a:endParaRPr>
+          </a:p>
+          <a:p>
+            <a:pPr defTabSz="342900">
+              <a:lnSpc>
+                <a:spcPct val="120000"/>
+              </a:lnSpc>
+            </a:pPr>
+            <a:r>
+              <a:rPr lang="en-US" altLang="en-US" sz="1535" dirty="0">
+                <a:solidFill>
+                  <a:srgbClr val="262626"/>
+                </a:solidFill>
+                <a:sym typeface="+mn-ea"/>
+              </a:rPr>
+              <a:t>In the first place, Yam is worthless, What is the incentive to add liquidity in uniswap? </a:t>
+            </a:r>
+            <a:endParaRPr lang="en-US" altLang="en-US" sz="1540" dirty="0">
+              <a:solidFill>
+                <a:srgbClr val="262626"/>
+              </a:solidFill>
+            </a:endParaRPr>
+          </a:p>
+          <a:p>
+            <a:pPr defTabSz="342900">
+              <a:lnSpc>
+                <a:spcPct val="120000"/>
+              </a:lnSpc>
+            </a:pPr>
+            <a:r>
+              <a:rPr lang="en-US" altLang="en-US" sz="1540" dirty="0">
+                <a:solidFill>
+                  <a:srgbClr val="262626"/>
+                </a:solidFill>
+              </a:rPr>
+              <a:t>More new participants joining the game than </a:t>
+            </a:r>
+            <a:r>
+              <a:rPr lang="en-US" altLang="en-US" sz="1535" dirty="0">
+                <a:solidFill>
+                  <a:srgbClr val="262626"/>
+                </a:solidFill>
+                <a:sym typeface="+mn-ea"/>
+              </a:rPr>
+              <a:t>leaving game</a:t>
+            </a:r>
+            <a:r>
+              <a:rPr lang="en-US" altLang="en-US" sz="1540" dirty="0">
+                <a:solidFill>
+                  <a:srgbClr val="262626"/>
+                </a:solidFill>
+              </a:rPr>
+              <a:t> -&gt; price increase -&gt; more participants until market depth poor -&gt; price decrease -&gt; market collapse</a:t>
+            </a:r>
+            <a:endParaRPr lang="en-US" altLang="en-US" sz="1540" dirty="0">
+              <a:solidFill>
+                <a:srgbClr val="262626"/>
+              </a:solidFill>
+            </a:endParaRPr>
+          </a:p>
+          <a:p>
+            <a:pPr defTabSz="342900">
+              <a:lnSpc>
+                <a:spcPct val="120000"/>
+              </a:lnSpc>
+            </a:pPr>
+            <a:endParaRPr lang="en-US" altLang="en-US" sz="1540" dirty="0">
+              <a:solidFill>
+                <a:srgbClr val="262626"/>
+              </a:solidFill>
+            </a:endParaRPr>
+          </a:p>
+        </p:txBody>
+      </p:sp>
+    </p:spTree>
+  </p:cSld>
+  <p:clrMapOvr>
+    <a:masterClrMapping/>
+  </p:clrMapOvr>
+</p:sld>
+</file>
+
+<file path=ppt/slides/slide13.xml><?xml version="1.0" encoding="utf-8"?>
+<p:sld xmlns:a="http://schemas.openxmlformats.org/drawingml/2006/main" xmlns:r="http://schemas.openxmlformats.org/officeDocument/2006/relationships" xmlns:p="http://schemas.openxmlformats.org/presentationml/2006/main">
+  <p:cSld>
+    <p:spTree>
+      <p:nvGrpSpPr>
+        <p:cNvPr id="1" name=""/>
+        <p:cNvGrpSpPr/>
+        <p:nvPr/>
+      </p:nvGrpSpPr>
+      <p:grpSpPr>
+        <a:xfrm>
+          <a:off x="0" y="0"/>
+          <a:ext cx="0" cy="0"/>
+          <a:chOff x="0" y="0"/>
+          <a:chExt cx="0" cy="0"/>
+        </a:xfrm>
+      </p:grpSpPr>
+      <p:sp>
+        <p:nvSpPr>
+          <p:cNvPr id="2" name="Title 1"/>
+          <p:cNvSpPr>
+            <a:spLocks noGrp="1"/>
+          </p:cNvSpPr>
+          <p:nvPr>
+            <p:ph type="title"/>
+          </p:nvPr>
+        </p:nvSpPr>
+        <p:spPr>
+          <a:xfrm>
+            <a:off x="628650" y="155263"/>
+            <a:ext cx="7886700" cy="526790"/>
+          </a:xfrm>
+        </p:spPr>
+        <p:txBody>
+          <a:bodyPr>
+            <a:normAutofit fontScale="90000"/>
+          </a:bodyPr>
+          <a:lstStyle/>
+          <a:p>
+            <a:pPr algn="ctr"/>
+            <a:r>
+              <a:rPr lang="en-US" sz="3200" b="1" dirty="0">
+                <a:latin typeface="Calibri" panose="020F0502020204030204" pitchFamily="34" charset="0"/>
+                <a:cs typeface="Calibri" panose="020F0502020204030204" pitchFamily="34" charset="0"/>
+                <a:sym typeface="+mn-ea"/>
+              </a:rPr>
+              <a:t>The Mechanism of Yam(YFI, YFII)</a:t>
+            </a:r>
+            <a:endParaRPr lang="en-US" sz="3200" b="1" dirty="0">
+              <a:latin typeface="Calibri" panose="020F0502020204030204" pitchFamily="34" charset="0"/>
+              <a:cs typeface="Calibri" panose="020F0502020204030204" pitchFamily="34" charset="0"/>
+            </a:endParaRPr>
+          </a:p>
+        </p:txBody>
+      </p:sp>
+      <p:sp>
+        <p:nvSpPr>
+          <p:cNvPr id="23" name="Content Placeholder 2"/>
+          <p:cNvSpPr>
+            <a:spLocks noGrp="1"/>
+          </p:cNvSpPr>
+          <p:nvPr>
+            <p:ph idx="1"/>
+          </p:nvPr>
+        </p:nvSpPr>
+        <p:spPr>
+          <a:xfrm>
+            <a:off x="628650" y="989044"/>
+            <a:ext cx="7886700" cy="5605719"/>
+          </a:xfrm>
+        </p:spPr>
+        <p:txBody>
+          <a:bodyPr>
+            <a:normAutofit/>
+          </a:bodyPr>
+          <a:p>
+            <a:pPr defTabSz="342900">
+              <a:lnSpc>
+                <a:spcPct val="120000"/>
+              </a:lnSpc>
+            </a:pPr>
+            <a:r>
+              <a:rPr lang="en-US" altLang="en-US" sz="1800" dirty="0">
+                <a:solidFill>
+                  <a:srgbClr val="262626"/>
+                </a:solidFill>
+                <a:sym typeface="+mn-ea"/>
+              </a:rPr>
+              <a:t>Drawback: </a:t>
+            </a:r>
+            <a:endParaRPr lang="en-US" altLang="en-US" sz="1800" dirty="0">
+              <a:solidFill>
+                <a:srgbClr val="262626"/>
+              </a:solidFill>
+              <a:sym typeface="+mn-ea"/>
+            </a:endParaRPr>
+          </a:p>
+          <a:p>
+            <a:pPr defTabSz="342900">
+              <a:lnSpc>
+                <a:spcPct val="120000"/>
+              </a:lnSpc>
+            </a:pPr>
+            <a:r>
+              <a:rPr lang="en-US" altLang="en-US" sz="1800" dirty="0">
+                <a:solidFill>
+                  <a:srgbClr val="262626"/>
+                </a:solidFill>
+                <a:sym typeface="+mn-ea"/>
+              </a:rPr>
+              <a:t>“Ponzi scheme”</a:t>
+            </a:r>
+            <a:endParaRPr lang="en-US" altLang="en-US" sz="1800" dirty="0">
+              <a:solidFill>
+                <a:srgbClr val="262626"/>
+              </a:solidFill>
+              <a:sym typeface="+mn-ea"/>
+            </a:endParaRPr>
+          </a:p>
+          <a:p>
+            <a:pPr defTabSz="342900">
+              <a:lnSpc>
+                <a:spcPct val="120000"/>
+              </a:lnSpc>
+            </a:pPr>
+            <a:endParaRPr lang="en-US" altLang="en-US" sz="1800" dirty="0">
+              <a:solidFill>
+                <a:srgbClr val="262626"/>
+              </a:solidFill>
+              <a:sym typeface="+mn-ea"/>
+            </a:endParaRPr>
+          </a:p>
+          <a:p>
+            <a:pPr defTabSz="342900">
+              <a:lnSpc>
+                <a:spcPct val="120000"/>
+              </a:lnSpc>
+            </a:pPr>
+            <a:r>
+              <a:rPr lang="en-US" altLang="en-US" sz="1800" dirty="0">
+                <a:solidFill>
+                  <a:srgbClr val="262626"/>
+                </a:solidFill>
+                <a:sym typeface="+mn-ea"/>
+              </a:rPr>
+              <a:t>Incentives:</a:t>
+            </a:r>
+            <a:endParaRPr lang="en-US" altLang="en-US" sz="1800" dirty="0">
+              <a:solidFill>
+                <a:srgbClr val="262626"/>
+              </a:solidFill>
+              <a:sym typeface="+mn-ea"/>
+            </a:endParaRPr>
+          </a:p>
+          <a:p>
+            <a:pPr defTabSz="342900">
+              <a:lnSpc>
+                <a:spcPct val="120000"/>
+              </a:lnSpc>
+            </a:pPr>
+            <a:r>
+              <a:rPr lang="en-US" altLang="en-US" sz="1800" dirty="0">
+                <a:solidFill>
+                  <a:srgbClr val="262626"/>
+                </a:solidFill>
+                <a:sym typeface="+mn-ea"/>
+              </a:rPr>
+              <a:t> It gives an opportunity to</a:t>
+            </a:r>
+            <a:r>
+              <a:rPr lang="en-US" altLang="en-US" sz="1800" dirty="0">
+                <a:solidFill>
+                  <a:srgbClr val="FF0000"/>
+                </a:solidFill>
+                <a:sym typeface="+mn-ea"/>
+              </a:rPr>
+              <a:t> token </a:t>
+            </a:r>
+            <a:r>
+              <a:rPr lang="en-US" altLang="en-US" sz="1800" dirty="0">
+                <a:solidFill>
+                  <a:srgbClr val="FF0000"/>
+                </a:solidFill>
+                <a:sym typeface="+mn-ea"/>
+              </a:rPr>
+              <a:t>hoarders</a:t>
+            </a:r>
+            <a:r>
+              <a:rPr lang="en-US" altLang="en-US" sz="1800" dirty="0">
+                <a:solidFill>
+                  <a:srgbClr val="262626"/>
+                </a:solidFill>
+                <a:sym typeface="+mn-ea"/>
+              </a:rPr>
+              <a:t> to earn something that can trading for money later while still having their tokens</a:t>
+            </a:r>
+            <a:endParaRPr lang="en-US" altLang="en-US" sz="1800" dirty="0">
+              <a:solidFill>
+                <a:srgbClr val="262626"/>
+              </a:solidFill>
+            </a:endParaRPr>
+          </a:p>
+          <a:p>
+            <a:pPr defTabSz="342900">
+              <a:lnSpc>
+                <a:spcPct val="120000"/>
+              </a:lnSpc>
+            </a:pPr>
+            <a:endParaRPr lang="en-US" altLang="en-US" sz="1800" dirty="0">
+              <a:solidFill>
+                <a:srgbClr val="262626"/>
+              </a:solidFill>
+              <a:sym typeface="+mn-ea"/>
+            </a:endParaRPr>
+          </a:p>
+          <a:p>
+            <a:pPr marL="0" indent="0" defTabSz="342900">
+              <a:lnSpc>
+                <a:spcPct val="120000"/>
+              </a:lnSpc>
+              <a:buNone/>
+            </a:pPr>
+            <a:endParaRPr lang="en-US" altLang="en-US" sz="1800" dirty="0">
+              <a:solidFill>
+                <a:srgbClr val="262626"/>
+              </a:solidFill>
+            </a:endParaRPr>
+          </a:p>
+        </p:txBody>
+      </p:sp>
+    </p:spTree>
+  </p:cSld>
+  <p:clrMapOvr>
+    <a:masterClrMapping/>
+  </p:clrMapOvr>
+</p:sld>
+</file>
+
+<file path=ppt/slides/slide14.xml><?xml version="1.0" encoding="utf-8"?>
+<p:sld xmlns:a="http://schemas.openxmlformats.org/drawingml/2006/main" xmlns:r="http://schemas.openxmlformats.org/officeDocument/2006/relationships" xmlns:p="http://schemas.openxmlformats.org/presentationml/2006/main">
+  <p:cSld>
+    <p:spTree>
+      <p:nvGrpSpPr>
+        <p:cNvPr id="1" name=""/>
+        <p:cNvGrpSpPr/>
+        <p:nvPr/>
+      </p:nvGrpSpPr>
+      <p:grpSpPr>
+        <a:xfrm>
+          <a:off x="0" y="0"/>
+          <a:ext cx="0" cy="0"/>
+          <a:chOff x="0" y="0"/>
+          <a:chExt cx="0" cy="0"/>
+        </a:xfrm>
+      </p:grpSpPr>
+      <p:sp>
+        <p:nvSpPr>
+          <p:cNvPr id="2" name="Title 1"/>
+          <p:cNvSpPr>
+            <a:spLocks noGrp="1"/>
+          </p:cNvSpPr>
+          <p:nvPr>
+            <p:ph type="title"/>
+          </p:nvPr>
+        </p:nvSpPr>
+        <p:spPr>
+          <a:xfrm>
+            <a:off x="628650" y="155263"/>
+            <a:ext cx="7886700" cy="526790"/>
+          </a:xfrm>
+        </p:spPr>
+        <p:txBody>
+          <a:bodyPr>
+            <a:normAutofit fontScale="90000"/>
+          </a:bodyPr>
+          <a:lstStyle/>
+          <a:p>
+            <a:pPr algn="ctr"/>
+            <a:r>
+              <a:rPr lang="en-US" sz="3200" b="1" dirty="0">
+                <a:latin typeface="Calibri" panose="020F0502020204030204" pitchFamily="34" charset="0"/>
+                <a:cs typeface="Calibri" panose="020F0502020204030204" pitchFamily="34" charset="0"/>
+                <a:sym typeface="+mn-ea"/>
+              </a:rPr>
+              <a:t>The Mechanism of </a:t>
+            </a:r>
+            <a:r>
+              <a:rPr lang="en-US" altLang="en-US" sz="3200" b="1" dirty="0">
+                <a:solidFill>
+                  <a:srgbClr val="262626"/>
+                </a:solidFill>
+                <a:latin typeface="Calibri" panose="020F0502020204030204" pitchFamily="34" charset="0"/>
+                <a:cs typeface="Calibri" panose="020F0502020204030204" pitchFamily="34" charset="0"/>
+                <a:sym typeface="+mn-ea"/>
+              </a:rPr>
+              <a:t>Nexus Mutual (p2p Insurance)</a:t>
+            </a:r>
+            <a:endParaRPr lang="en-US" sz="3200" b="1" dirty="0">
+              <a:latin typeface="Calibri" panose="020F0502020204030204" pitchFamily="34" charset="0"/>
+              <a:cs typeface="Calibri" panose="020F0502020204030204" pitchFamily="34" charset="0"/>
+            </a:endParaRPr>
+          </a:p>
+        </p:txBody>
+      </p:sp>
+      <p:pic>
+        <p:nvPicPr>
+          <p:cNvPr id="3" name="图片 2"/>
+          <p:cNvPicPr>
+            <a:picLocks noChangeAspect="1"/>
+          </p:cNvPicPr>
+          <p:nvPr/>
+        </p:nvPicPr>
+        <p:blipFill>
+          <a:blip r:embed="rId1"/>
+          <a:stretch>
+            <a:fillRect/>
+          </a:stretch>
+        </p:blipFill>
+        <p:spPr>
+          <a:xfrm>
+            <a:off x="628650" y="1469390"/>
+            <a:ext cx="7639050" cy="4076700"/>
+          </a:xfrm>
+          <a:prstGeom prst="rect">
+            <a:avLst/>
+          </a:prstGeom>
+        </p:spPr>
+      </p:pic>
+      <p:grpSp>
+        <p:nvGrpSpPr>
+          <p:cNvPr id="5" name="组合 4"/>
+          <p:cNvGrpSpPr/>
+          <p:nvPr/>
+        </p:nvGrpSpPr>
+        <p:grpSpPr>
+          <a:xfrm>
+            <a:off x="1050925" y="5546090"/>
+            <a:ext cx="5115560" cy="1311910"/>
+            <a:chOff x="1633" y="8337"/>
+            <a:chExt cx="8056" cy="2066"/>
+          </a:xfrm>
+        </p:grpSpPr>
+        <p:sp>
+          <p:nvSpPr>
+            <p:cNvPr id="4" name="矩形 3"/>
+            <p:cNvSpPr/>
+            <p:nvPr/>
+          </p:nvSpPr>
+          <p:spPr>
+            <a:xfrm>
+              <a:off x="1633" y="8371"/>
+              <a:ext cx="1838" cy="953"/>
+            </a:xfrm>
+            <a:prstGeom prst="rect">
+              <a:avLst/>
+            </a:prstGeom>
+          </p:spPr>
+          <p:style>
+            <a:lnRef idx="2">
+              <a:schemeClr val="accent1">
+                <a:shade val="50000"/>
+              </a:schemeClr>
+            </a:lnRef>
+            <a:fillRef idx="1">
+              <a:schemeClr val="accent1"/>
+            </a:fillRef>
+            <a:effectRef idx="0">
+              <a:schemeClr val="accent1"/>
+            </a:effectRef>
+            <a:fontRef idx="minor">
+              <a:schemeClr val="lt1"/>
+            </a:fontRef>
+          </p:style>
+          <p:txBody>
+            <a:bodyPr rtlCol="0" anchor="ctr"/>
+            <a:p>
+              <a:pPr algn="ctr"/>
+              <a:r>
+                <a:rPr lang="en-US" altLang="zh-CN"/>
+                <a:t>Deposite</a:t>
+              </a:r>
+              <a:endParaRPr lang="en-US" altLang="zh-CN"/>
+            </a:p>
+            <a:p>
+              <a:pPr algn="ctr"/>
+              <a:r>
+                <a:rPr lang="en-US" altLang="zh-CN"/>
+                <a:t>ETH</a:t>
+              </a:r>
+              <a:endParaRPr lang="en-US" altLang="zh-CN"/>
+            </a:p>
+          </p:txBody>
+        </p:sp>
+        <p:cxnSp>
+          <p:nvCxnSpPr>
+            <p:cNvPr id="8" name="直接箭头连接符 7"/>
+            <p:cNvCxnSpPr>
+              <a:stCxn id="4" idx="3"/>
+            </p:cNvCxnSpPr>
+            <p:nvPr/>
+          </p:nvCxnSpPr>
+          <p:spPr>
+            <a:xfrm flipV="1">
+              <a:off x="3471" y="8825"/>
+              <a:ext cx="1271" cy="23"/>
+            </a:xfrm>
+            <a:prstGeom prst="straightConnector1">
+              <a:avLst/>
+            </a:prstGeom>
+            <a:ln>
+              <a:tailEnd type="arrow"/>
+            </a:ln>
+          </p:spPr>
+          <p:style>
+            <a:lnRef idx="1">
+              <a:schemeClr val="accent1"/>
+            </a:lnRef>
+            <a:fillRef idx="0">
+              <a:schemeClr val="accent1"/>
+            </a:fillRef>
+            <a:effectRef idx="0">
+              <a:schemeClr val="accent1"/>
+            </a:effectRef>
+            <a:fontRef idx="minor">
+              <a:schemeClr val="tx1"/>
+            </a:fontRef>
+          </p:style>
+        </p:cxnSp>
+        <p:sp>
+          <p:nvSpPr>
+            <p:cNvPr id="26" name="矩形 25"/>
+            <p:cNvSpPr/>
+            <p:nvPr/>
+          </p:nvSpPr>
+          <p:spPr>
+            <a:xfrm>
+              <a:off x="4742" y="8371"/>
+              <a:ext cx="1838" cy="953"/>
+            </a:xfrm>
+            <a:prstGeom prst="rect">
+              <a:avLst/>
+            </a:prstGeom>
+          </p:spPr>
+          <p:style>
+            <a:lnRef idx="2">
+              <a:schemeClr val="accent1">
+                <a:shade val="50000"/>
+              </a:schemeClr>
+            </a:lnRef>
+            <a:fillRef idx="1">
+              <a:schemeClr val="accent1"/>
+            </a:fillRef>
+            <a:effectRef idx="0">
+              <a:schemeClr val="accent1"/>
+            </a:effectRef>
+            <a:fontRef idx="minor">
+              <a:schemeClr val="lt1"/>
+            </a:fontRef>
+          </p:style>
+          <p:txBody>
+            <a:bodyPr rtlCol="0" anchor="ctr"/>
+            <a:p>
+              <a:pPr algn="ctr"/>
+              <a:r>
+                <a:rPr lang="en-US" altLang="zh-CN"/>
+                <a:t>Capital</a:t>
+              </a:r>
+              <a:endParaRPr lang="en-US" altLang="zh-CN"/>
+            </a:p>
+            <a:p>
+              <a:pPr algn="ctr"/>
+              <a:r>
+                <a:rPr lang="en-US" altLang="zh-CN"/>
+                <a:t>Pool</a:t>
+              </a:r>
+              <a:endParaRPr lang="en-US" altLang="zh-CN"/>
+            </a:p>
+          </p:txBody>
+        </p:sp>
+        <p:sp>
+          <p:nvSpPr>
+            <p:cNvPr id="27" name="矩形 26"/>
+            <p:cNvSpPr/>
+            <p:nvPr/>
+          </p:nvSpPr>
+          <p:spPr>
+            <a:xfrm>
+              <a:off x="7851" y="8337"/>
+              <a:ext cx="1838" cy="953"/>
+            </a:xfrm>
+            <a:prstGeom prst="rect">
+              <a:avLst/>
+            </a:prstGeom>
+          </p:spPr>
+          <p:style>
+            <a:lnRef idx="2">
+              <a:schemeClr val="accent1">
+                <a:shade val="50000"/>
+              </a:schemeClr>
+            </a:lnRef>
+            <a:fillRef idx="1">
+              <a:schemeClr val="accent1"/>
+            </a:fillRef>
+            <a:effectRef idx="0">
+              <a:schemeClr val="accent1"/>
+            </a:effectRef>
+            <a:fontRef idx="minor">
+              <a:schemeClr val="lt1"/>
+            </a:fontRef>
+          </p:style>
+          <p:txBody>
+            <a:bodyPr rtlCol="0" anchor="ctr"/>
+            <a:p>
+              <a:pPr algn="ctr"/>
+              <a:r>
+                <a:rPr lang="en-US" altLang="zh-CN"/>
+                <a:t>NXM</a:t>
+              </a:r>
+              <a:endParaRPr lang="en-US" altLang="zh-CN"/>
+            </a:p>
+          </p:txBody>
+        </p:sp>
+        <p:cxnSp>
+          <p:nvCxnSpPr>
+            <p:cNvPr id="28" name="直接箭头连接符 27"/>
+            <p:cNvCxnSpPr/>
+            <p:nvPr/>
+          </p:nvCxnSpPr>
+          <p:spPr>
+            <a:xfrm flipV="1">
+              <a:off x="6580" y="8802"/>
+              <a:ext cx="1271" cy="23"/>
+            </a:xfrm>
+            <a:prstGeom prst="straightConnector1">
+              <a:avLst/>
+            </a:prstGeom>
+            <a:ln>
+              <a:tailEnd type="arrow"/>
+            </a:ln>
+          </p:spPr>
+          <p:style>
+            <a:lnRef idx="1">
+              <a:schemeClr val="accent1"/>
+            </a:lnRef>
+            <a:fillRef idx="0">
+              <a:schemeClr val="accent1"/>
+            </a:fillRef>
+            <a:effectRef idx="0">
+              <a:schemeClr val="accent1"/>
+            </a:effectRef>
+            <a:fontRef idx="minor">
+              <a:schemeClr val="tx1"/>
+            </a:fontRef>
+          </p:style>
+        </p:cxnSp>
+        <p:cxnSp>
+          <p:nvCxnSpPr>
+            <p:cNvPr id="29" name="肘形连接符 28"/>
+            <p:cNvCxnSpPr>
+              <a:stCxn id="26" idx="2"/>
+              <a:endCxn id="27" idx="2"/>
+            </p:cNvCxnSpPr>
+            <p:nvPr/>
+          </p:nvCxnSpPr>
+          <p:spPr>
+            <a:xfrm rot="5400000" flipH="1" flipV="1">
+              <a:off x="7198" y="7752"/>
+              <a:ext cx="34" cy="3109"/>
+            </a:xfrm>
+            <a:prstGeom prst="bentConnector3">
+              <a:avLst>
+                <a:gd name="adj1" fmla="val -1101471"/>
+              </a:avLst>
+            </a:prstGeom>
+            <a:ln>
+              <a:tailEnd type="arrow"/>
+            </a:ln>
+          </p:spPr>
+          <p:style>
+            <a:lnRef idx="1">
+              <a:schemeClr val="accent1"/>
+            </a:lnRef>
+            <a:fillRef idx="0">
+              <a:schemeClr val="accent1"/>
+            </a:fillRef>
+            <a:effectRef idx="0">
+              <a:schemeClr val="accent1"/>
+            </a:effectRef>
+            <a:fontRef idx="minor">
+              <a:schemeClr val="tx1"/>
+            </a:fontRef>
+          </p:style>
+        </p:cxnSp>
+        <p:sp>
+          <p:nvSpPr>
+            <p:cNvPr id="30" name="文本框 29"/>
+            <p:cNvSpPr txBox="1"/>
+            <p:nvPr/>
+          </p:nvSpPr>
+          <p:spPr>
+            <a:xfrm>
+              <a:off x="5660" y="9823"/>
+              <a:ext cx="3109" cy="580"/>
+            </a:xfrm>
+            <a:prstGeom prst="rect">
+              <a:avLst/>
+            </a:prstGeom>
+            <a:noFill/>
+          </p:spPr>
+          <p:txBody>
+            <a:bodyPr wrap="square" rtlCol="0">
+              <a:spAutoFit/>
+            </a:bodyPr>
+            <a:p>
+              <a:r>
+                <a:rPr lang="en-US" altLang="zh-CN"/>
+                <a:t>Insurance Profit</a:t>
+              </a:r>
+              <a:endParaRPr lang="en-US" altLang="zh-CN"/>
+            </a:p>
+          </p:txBody>
+        </p:sp>
+      </p:grpSp>
+      <p:sp>
+        <p:nvSpPr>
+          <p:cNvPr id="6" name="Content Placeholder 2"/>
+          <p:cNvSpPr>
+            <a:spLocks noGrp="1"/>
+          </p:cNvSpPr>
+          <p:nvPr>
+            <p:ph idx="1"/>
+          </p:nvPr>
+        </p:nvSpPr>
+        <p:spPr>
+          <a:xfrm>
+            <a:off x="628650" y="989330"/>
+            <a:ext cx="7886700" cy="5405120"/>
+          </a:xfrm>
+        </p:spPr>
+        <p:txBody>
+          <a:bodyPr>
+            <a:normAutofit lnSpcReduction="10000"/>
+          </a:bodyPr>
+          <a:p>
+            <a:pPr defTabSz="342900">
+              <a:lnSpc>
+                <a:spcPct val="120000"/>
+              </a:lnSpc>
+            </a:pPr>
+            <a:r>
+              <a:rPr lang="en-US" altLang="en-US" sz="1540" dirty="0">
+                <a:solidFill>
+                  <a:srgbClr val="262626"/>
+                </a:solidFill>
+              </a:rPr>
+              <a:t>Hard to find conterparties</a:t>
+            </a:r>
+            <a:endParaRPr lang="en-US" altLang="en-US" sz="1540" dirty="0">
+              <a:solidFill>
+                <a:srgbClr val="262626"/>
+              </a:solidFill>
+            </a:endParaRPr>
+          </a:p>
+          <a:p>
+            <a:pPr defTabSz="342900">
+              <a:lnSpc>
+                <a:spcPct val="120000"/>
+              </a:lnSpc>
+            </a:pPr>
+            <a:endParaRPr lang="en-US" altLang="en-US" sz="1540" dirty="0">
+              <a:solidFill>
+                <a:srgbClr val="262626"/>
+              </a:solidFill>
+            </a:endParaRPr>
+          </a:p>
+        </p:txBody>
+      </p:sp>
+    </p:spTree>
+  </p:cSld>
+  <p:clrMapOvr>
+    <a:masterClrMapping/>
+  </p:clrMapOvr>
+</p:sld>
+</file>
+
+<file path=ppt/slides/slide15.xml><?xml version="1.0" encoding="utf-8"?>
+<p:sld xmlns:a="http://schemas.openxmlformats.org/drawingml/2006/main" xmlns:r="http://schemas.openxmlformats.org/officeDocument/2006/relationships" xmlns:p="http://schemas.openxmlformats.org/presentationml/2006/main">
+  <p:cSld>
+    <p:spTree>
+      <p:nvGrpSpPr>
+        <p:cNvPr id="1" name=""/>
+        <p:cNvGrpSpPr/>
+        <p:nvPr/>
+      </p:nvGrpSpPr>
+      <p:grpSpPr>
+        <a:xfrm>
+          <a:off x="0" y="0"/>
+          <a:ext cx="0" cy="0"/>
+          <a:chOff x="0" y="0"/>
+          <a:chExt cx="0" cy="0"/>
+        </a:xfrm>
+      </p:grpSpPr>
+      <p:sp>
+        <p:nvSpPr>
+          <p:cNvPr id="2" name="Title 1"/>
+          <p:cNvSpPr>
+            <a:spLocks noGrp="1"/>
+          </p:cNvSpPr>
+          <p:nvPr>
+            <p:ph type="title"/>
+          </p:nvPr>
+        </p:nvSpPr>
+        <p:spPr>
+          <a:xfrm>
+            <a:off x="628650" y="155263"/>
+            <a:ext cx="7886700" cy="526790"/>
+          </a:xfrm>
+        </p:spPr>
+        <p:txBody>
+          <a:bodyPr>
+            <a:normAutofit fontScale="90000"/>
+          </a:bodyPr>
+          <a:lstStyle/>
+          <a:p>
+            <a:pPr algn="ctr"/>
+            <a:r>
+              <a:rPr lang="en-US" sz="3200" b="1" dirty="0">
+                <a:latin typeface="Calibri" panose="020F0502020204030204" pitchFamily="34" charset="0"/>
+                <a:cs typeface="Calibri" panose="020F0502020204030204" pitchFamily="34" charset="0"/>
+                <a:sym typeface="+mn-ea"/>
+              </a:rPr>
+              <a:t>The Mechanism of </a:t>
+            </a:r>
+            <a:r>
+              <a:rPr lang="en-US" altLang="en-US" sz="3200" b="1" dirty="0">
+                <a:solidFill>
+                  <a:srgbClr val="262626"/>
+                </a:solidFill>
+                <a:latin typeface="Calibri" panose="020F0502020204030204" pitchFamily="34" charset="0"/>
+                <a:cs typeface="Calibri" panose="020F0502020204030204" pitchFamily="34" charset="0"/>
+                <a:sym typeface="+mn-ea"/>
+              </a:rPr>
+              <a:t>Nexus Mutual (p2p Insurance)</a:t>
+            </a:r>
+            <a:endParaRPr lang="en-US" sz="3200" b="1" dirty="0">
+              <a:latin typeface="Calibri" panose="020F0502020204030204" pitchFamily="34" charset="0"/>
+              <a:cs typeface="Calibri" panose="020F0502020204030204" pitchFamily="34" charset="0"/>
+            </a:endParaRPr>
+          </a:p>
+        </p:txBody>
+      </p:sp>
+      <p:sp>
+        <p:nvSpPr>
+          <p:cNvPr id="23" name="Content Placeholder 2"/>
+          <p:cNvSpPr>
+            <a:spLocks noGrp="1"/>
+          </p:cNvSpPr>
+          <p:nvPr>
+            <p:ph idx="1"/>
+          </p:nvPr>
+        </p:nvSpPr>
+        <p:spPr>
+          <a:xfrm>
+            <a:off x="628650" y="989044"/>
+            <a:ext cx="7886700" cy="5605719"/>
+          </a:xfrm>
+        </p:spPr>
+        <p:txBody>
+          <a:bodyPr>
+            <a:normAutofit/>
+          </a:bodyPr>
+          <a:p>
+            <a:pPr defTabSz="342900">
+              <a:lnSpc>
+                <a:spcPct val="120000"/>
+              </a:lnSpc>
+            </a:pPr>
+            <a:r>
+              <a:rPr lang="en-US" altLang="en-US" sz="1800" dirty="0">
+                <a:solidFill>
+                  <a:srgbClr val="262626"/>
+                </a:solidFill>
+                <a:sym typeface="+mn-ea"/>
+              </a:rPr>
+              <a:t>Catiple provision, Governance, Risk Assessment, and Claim assessment are all decentralized.</a:t>
+            </a:r>
+            <a:endParaRPr lang="en-US" altLang="en-US" sz="1800" dirty="0">
+              <a:solidFill>
+                <a:srgbClr val="262626"/>
+              </a:solidFill>
+              <a:sym typeface="+mn-ea"/>
+            </a:endParaRPr>
+          </a:p>
+          <a:p>
+            <a:pPr defTabSz="342900">
+              <a:lnSpc>
+                <a:spcPct val="120000"/>
+              </a:lnSpc>
+            </a:pPr>
+            <a:r>
+              <a:rPr lang="en-US" altLang="en-US" sz="1800" dirty="0">
+                <a:solidFill>
+                  <a:srgbClr val="262626"/>
+                </a:solidFill>
+                <a:sym typeface="+mn-ea"/>
+              </a:rPr>
+              <a:t>Smart Contract Cover, crypto wallet cover, as well as more standard products, like earthquake cover</a:t>
+            </a:r>
+            <a:r>
+              <a:rPr lang="en-US" altLang="en-US" sz="1800" dirty="0">
+                <a:solidFill>
+                  <a:srgbClr val="262626"/>
+                </a:solidFill>
+                <a:sym typeface="+mn-ea"/>
+              </a:rPr>
+              <a:t>, in essence, p2p insurance would be very easy to become gambling, taking their bets. why?</a:t>
+            </a:r>
+            <a:endParaRPr lang="en-US" altLang="en-US" sz="1800" dirty="0">
+              <a:solidFill>
+                <a:srgbClr val="262626"/>
+              </a:solidFill>
+              <a:sym typeface="+mn-ea"/>
+            </a:endParaRPr>
+          </a:p>
+          <a:p>
+            <a:pPr defTabSz="342900">
+              <a:lnSpc>
+                <a:spcPct val="120000"/>
+              </a:lnSpc>
+            </a:pPr>
+            <a:endParaRPr lang="en-US" altLang="en-US" sz="1800" dirty="0">
+              <a:solidFill>
+                <a:srgbClr val="262626"/>
+              </a:solidFill>
+              <a:sym typeface="+mn-ea"/>
+            </a:endParaRPr>
+          </a:p>
+          <a:p>
+            <a:pPr defTabSz="342900">
+              <a:lnSpc>
+                <a:spcPct val="120000"/>
+              </a:lnSpc>
+            </a:pPr>
+            <a:endParaRPr lang="en-US" altLang="en-US" sz="1800" dirty="0">
+              <a:solidFill>
+                <a:srgbClr val="262626"/>
+              </a:solidFill>
+              <a:sym typeface="+mn-ea"/>
+            </a:endParaRPr>
+          </a:p>
+          <a:p>
+            <a:pPr marL="0" indent="0" defTabSz="342900">
+              <a:lnSpc>
+                <a:spcPct val="120000"/>
+              </a:lnSpc>
+              <a:buNone/>
+            </a:pPr>
+            <a:endParaRPr lang="en-US" altLang="zh-CN" sz="1800" dirty="0">
+              <a:solidFill>
+                <a:srgbClr val="262626"/>
+              </a:solidFill>
+            </a:endParaRPr>
+          </a:p>
+        </p:txBody>
+      </p:sp>
+    </p:spTree>
+  </p:cSld>
+  <p:clrMapOvr>
+    <a:masterClrMapping/>
+  </p:clrMapOvr>
+</p:sld>
+</file>
+
+<file path=ppt/slides/slide16.xml><?xml version="1.0" encoding="utf-8"?>
+<p:sld xmlns:a="http://schemas.openxmlformats.org/drawingml/2006/main" xmlns:r="http://schemas.openxmlformats.org/officeDocument/2006/relationships" xmlns:p="http://schemas.openxmlformats.org/presentationml/2006/main">
+  <p:cSld>
+    <p:spTree>
+      <p:nvGrpSpPr>
+        <p:cNvPr id="1" name=""/>
+        <p:cNvGrpSpPr/>
+        <p:nvPr/>
+      </p:nvGrpSpPr>
+      <p:grpSpPr>
+        <a:xfrm>
+          <a:off x="0" y="0"/>
+          <a:ext cx="0" cy="0"/>
+          <a:chOff x="0" y="0"/>
+          <a:chExt cx="0" cy="0"/>
+        </a:xfrm>
+      </p:grpSpPr>
+      <p:sp>
+        <p:nvSpPr>
+          <p:cNvPr id="2" name="Title 1"/>
+          <p:cNvSpPr>
+            <a:spLocks noGrp="1"/>
+          </p:cNvSpPr>
+          <p:nvPr>
+            <p:ph type="title"/>
+          </p:nvPr>
+        </p:nvSpPr>
+        <p:spPr>
+          <a:xfrm>
+            <a:off x="628650" y="155263"/>
+            <a:ext cx="7886700" cy="526790"/>
+          </a:xfrm>
+        </p:spPr>
+        <p:txBody>
+          <a:bodyPr>
+            <a:normAutofit fontScale="90000"/>
+          </a:bodyPr>
+          <a:lstStyle/>
+          <a:p>
+            <a:pPr algn="ctr"/>
+            <a:r>
+              <a:rPr lang="en-US" sz="3200" b="1" dirty="0">
+                <a:latin typeface="Calibri" panose="020F0502020204030204" pitchFamily="34" charset="0"/>
+                <a:cs typeface="Calibri" panose="020F0502020204030204" pitchFamily="34" charset="0"/>
+                <a:sym typeface="+mn-ea"/>
+              </a:rPr>
+              <a:t>The Mechanism of UMA</a:t>
+            </a:r>
+            <a:endParaRPr lang="en-US" sz="3200" b="1" dirty="0">
+              <a:latin typeface="Calibri" panose="020F0502020204030204" pitchFamily="34" charset="0"/>
+              <a:cs typeface="Calibri" panose="020F0502020204030204" pitchFamily="34" charset="0"/>
+            </a:endParaRPr>
+          </a:p>
+        </p:txBody>
+      </p:sp>
+      <p:pic>
+        <p:nvPicPr>
+          <p:cNvPr id="5" name="内容占位符 4"/>
+          <p:cNvPicPr>
+            <a:picLocks noChangeAspect="1"/>
+          </p:cNvPicPr>
+          <p:nvPr>
+            <p:ph idx="1"/>
+          </p:nvPr>
+        </p:nvPicPr>
+        <p:blipFill>
+          <a:blip r:embed="rId1"/>
+          <a:stretch>
+            <a:fillRect/>
+          </a:stretch>
+        </p:blipFill>
+        <p:spPr>
+          <a:xfrm>
+            <a:off x="1104900" y="3705225"/>
+            <a:ext cx="6934200" cy="3152775"/>
+          </a:xfrm>
+          <a:prstGeom prst="rect">
+            <a:avLst/>
+          </a:prstGeom>
+        </p:spPr>
+      </p:pic>
+      <p:sp>
+        <p:nvSpPr>
+          <p:cNvPr id="23" name="Content Placeholder 2"/>
+          <p:cNvSpPr>
+            <a:spLocks noGrp="1"/>
+          </p:cNvSpPr>
           <p:nvPr/>
         </p:nvSpPr>
         <p:spPr>
           <a:xfrm>
-            <a:off x="4749800" y="3961765"/>
-            <a:ext cx="1584960" cy="1476375"/>
+            <a:off x="628650" y="989044"/>
+            <a:ext cx="7886700" cy="5605719"/>
           </a:xfrm>
           <a:prstGeom prst="rect">
             <a:avLst/>
           </a:prstGeom>
-          <a:noFill/>
         </p:spPr>
         <p:txBody>
-          <a:bodyPr wrap="square" rtlCol="0">
-            <a:spAutoFit/>
+          <a:bodyPr vert="horz" lIns="91440" tIns="45720" rIns="91440" bIns="45720" rtlCol="0">
+            <a:normAutofit/>
           </a:bodyPr>
-          <a:p>
+          <a:lstStyle>
+            <a:lvl1pPr marL="228600" indent="-228600" algn="l" defTabSz="914400" rtl="0" eaLnBrk="1" latinLnBrk="0" hangingPunct="1">
+              <a:lnSpc>
+                <a:spcPct val="90000"/>
+              </a:lnSpc>
+              <a:spcBef>
+                <a:spcPts val="1000"/>
+              </a:spcBef>
+              <a:buFont typeface="Arial" panose="020B0604020202020204" pitchFamily="34" charset="0"/>
+              <a:buChar char="•"/>
+              <a:defRPr sz="2800" kern="1200">
+                <a:solidFill>
+                  <a:schemeClr val="tx1"/>
+                </a:solidFill>
+                <a:latin typeface="+mn-lt"/>
+                <a:ea typeface="+mn-ea"/>
+                <a:cs typeface="+mn-cs"/>
+              </a:defRPr>
+            </a:lvl1pPr>
+            <a:lvl2pPr marL="685800" indent="-228600" algn="l" defTabSz="914400" rtl="0" eaLnBrk="1" latinLnBrk="0" hangingPunct="1">
+              <a:lnSpc>
+                <a:spcPct val="90000"/>
+              </a:lnSpc>
+              <a:spcBef>
+                <a:spcPts val="500"/>
+              </a:spcBef>
+              <a:buFont typeface="Arial" panose="020B0604020202020204" pitchFamily="34" charset="0"/>
+              <a:buChar char="•"/>
+              <a:defRPr sz="2400" kern="1200">
+                <a:solidFill>
+                  <a:schemeClr val="tx1"/>
+                </a:solidFill>
+                <a:latin typeface="+mn-lt"/>
+                <a:ea typeface="+mn-ea"/>
+                <a:cs typeface="+mn-cs"/>
+              </a:defRPr>
+            </a:lvl2pPr>
+            <a:lvl3pPr marL="1143000" indent="-228600" algn="l" defTabSz="914400" rtl="0" eaLnBrk="1" latinLnBrk="0" hangingPunct="1">
+              <a:lnSpc>
+                <a:spcPct val="90000"/>
+              </a:lnSpc>
+              <a:spcBef>
+                <a:spcPts val="500"/>
+              </a:spcBef>
+              <a:buFont typeface="Arial" panose="020B0604020202020204" pitchFamily="34" charset="0"/>
+              <a:buChar char="•"/>
+              <a:defRPr sz="2000" kern="1200">
+                <a:solidFill>
+                  <a:schemeClr val="tx1"/>
+                </a:solidFill>
+                <a:latin typeface="+mn-lt"/>
+                <a:ea typeface="+mn-ea"/>
+                <a:cs typeface="+mn-cs"/>
+              </a:defRPr>
+            </a:lvl3pPr>
+            <a:lvl4pPr marL="1600200" indent="-228600" algn="l" defTabSz="914400" rtl="0" eaLnBrk="1" latinLnBrk="0" hangingPunct="1">
+              <a:lnSpc>
+                <a:spcPct val="90000"/>
+              </a:lnSpc>
+              <a:spcBef>
+                <a:spcPts val="500"/>
+              </a:spcBef>
+              <a:buFont typeface="Arial" panose="020B0604020202020204" pitchFamily="34" charset="0"/>
+              <a:buChar char="•"/>
+              <a:defRPr sz="1800" kern="1200">
+                <a:solidFill>
+                  <a:schemeClr val="tx1"/>
+                </a:solidFill>
+                <a:latin typeface="+mn-lt"/>
+                <a:ea typeface="+mn-ea"/>
+                <a:cs typeface="+mn-cs"/>
+              </a:defRPr>
+            </a:lvl4pPr>
+            <a:lvl5pPr marL="2057400" indent="-228600" algn="l" defTabSz="914400" rtl="0" eaLnBrk="1" latinLnBrk="0" hangingPunct="1">
+              <a:lnSpc>
+                <a:spcPct val="90000"/>
+              </a:lnSpc>
+              <a:spcBef>
+                <a:spcPts val="500"/>
+              </a:spcBef>
+              <a:buFont typeface="Arial" panose="020B0604020202020204" pitchFamily="34" charset="0"/>
+              <a:buChar char="•"/>
+              <a:defRPr sz="1800" kern="1200">
+                <a:solidFill>
+                  <a:schemeClr val="tx1"/>
+                </a:solidFill>
+                <a:latin typeface="+mn-lt"/>
+                <a:ea typeface="+mn-ea"/>
+                <a:cs typeface="+mn-cs"/>
+              </a:defRPr>
+            </a:lvl5pPr>
+            <a:lvl6pPr marL="2514600" indent="-228600" algn="l" defTabSz="914400" rtl="0" eaLnBrk="1" latinLnBrk="0" hangingPunct="1">
+              <a:lnSpc>
+                <a:spcPct val="90000"/>
+              </a:lnSpc>
+              <a:spcBef>
+                <a:spcPts val="500"/>
+              </a:spcBef>
+              <a:buFont typeface="Arial" panose="020B0604020202020204" pitchFamily="34" charset="0"/>
+              <a:buChar char="•"/>
+              <a:defRPr sz="1800" kern="1200">
+                <a:solidFill>
+                  <a:schemeClr val="tx1"/>
+                </a:solidFill>
+                <a:latin typeface="+mn-lt"/>
+                <a:ea typeface="+mn-ea"/>
+                <a:cs typeface="+mn-cs"/>
+              </a:defRPr>
+            </a:lvl6pPr>
+            <a:lvl7pPr marL="2971800" indent="-228600" algn="l" defTabSz="914400" rtl="0" eaLnBrk="1" latinLnBrk="0" hangingPunct="1">
+              <a:lnSpc>
+                <a:spcPct val="90000"/>
+              </a:lnSpc>
+              <a:spcBef>
+                <a:spcPts val="500"/>
+              </a:spcBef>
+              <a:buFont typeface="Arial" panose="020B0604020202020204" pitchFamily="34" charset="0"/>
+              <a:buChar char="•"/>
+              <a:defRPr sz="1800" kern="1200">
+                <a:solidFill>
+                  <a:schemeClr val="tx1"/>
+                </a:solidFill>
+                <a:latin typeface="+mn-lt"/>
+                <a:ea typeface="+mn-ea"/>
+                <a:cs typeface="+mn-cs"/>
+              </a:defRPr>
+            </a:lvl7pPr>
+            <a:lvl8pPr marL="3429000" indent="-228600" algn="l" defTabSz="914400" rtl="0" eaLnBrk="1" latinLnBrk="0" hangingPunct="1">
+              <a:lnSpc>
+                <a:spcPct val="90000"/>
+              </a:lnSpc>
+              <a:spcBef>
+                <a:spcPts val="500"/>
+              </a:spcBef>
+              <a:buFont typeface="Arial" panose="020B0604020202020204" pitchFamily="34" charset="0"/>
+              <a:buChar char="•"/>
+              <a:defRPr sz="1800" kern="1200">
+                <a:solidFill>
+                  <a:schemeClr val="tx1"/>
+                </a:solidFill>
+                <a:latin typeface="+mn-lt"/>
+                <a:ea typeface="+mn-ea"/>
+                <a:cs typeface="+mn-cs"/>
+              </a:defRPr>
+            </a:lvl8pPr>
+            <a:lvl9pPr marL="3886200" indent="-228600" algn="l" defTabSz="914400" rtl="0" eaLnBrk="1" latinLnBrk="0" hangingPunct="1">
+              <a:lnSpc>
+                <a:spcPct val="90000"/>
+              </a:lnSpc>
+              <a:spcBef>
+                <a:spcPts val="500"/>
+              </a:spcBef>
+              <a:buFont typeface="Arial" panose="020B0604020202020204" pitchFamily="34" charset="0"/>
+              <a:buChar char="•"/>
+              <a:defRPr sz="1800" kern="1200">
+                <a:solidFill>
+                  <a:schemeClr val="tx1"/>
+                </a:solidFill>
+                <a:latin typeface="+mn-lt"/>
+                <a:ea typeface="+mn-ea"/>
+                <a:cs typeface="+mn-cs"/>
+              </a:defRPr>
+            </a:lvl9pPr>
+          </a:lstStyle>
+          <a:p>
+            <a:pPr defTabSz="342900">
+              <a:lnSpc>
+                <a:spcPct val="120000"/>
+              </a:lnSpc>
+            </a:pPr>
+            <a:r>
+              <a:rPr lang="en-US" altLang="en-US" sz="1800" dirty="0">
+                <a:solidFill>
+                  <a:srgbClr val="262626"/>
+                </a:solidFill>
+                <a:sym typeface="+mn-ea"/>
+              </a:rPr>
+              <a:t>this is gambling, why?</a:t>
+            </a:r>
+            <a:endParaRPr lang="en-US" altLang="en-US" sz="1800" dirty="0">
+              <a:solidFill>
+                <a:srgbClr val="262626"/>
+              </a:solidFill>
+              <a:sym typeface="+mn-ea"/>
+            </a:endParaRPr>
+          </a:p>
+          <a:p>
+            <a:pPr defTabSz="342900">
+              <a:lnSpc>
+                <a:spcPct val="120000"/>
+              </a:lnSpc>
+            </a:pPr>
+            <a:r>
+              <a:rPr lang="en-US" altLang="en-US" sz="1800" dirty="0">
+                <a:solidFill>
+                  <a:srgbClr val="262626"/>
+                </a:solidFill>
+                <a:sym typeface="+mn-ea"/>
+              </a:rPr>
+              <a:t>Deposit more than the s</a:t>
+            </a:r>
+            <a:r>
+              <a:rPr lang="en-US" altLang="en-US" sz="1800" dirty="0">
+                <a:solidFill>
+                  <a:srgbClr val="262626"/>
+                </a:solidFill>
+                <a:sym typeface="+mn-ea"/>
+              </a:rPr>
+              <a:t>ynthetic </a:t>
+            </a:r>
+            <a:r>
+              <a:rPr lang="en-US" altLang="en-US" sz="1800" dirty="0">
+                <a:solidFill>
+                  <a:srgbClr val="262626"/>
+                </a:solidFill>
+                <a:sym typeface="+mn-ea"/>
+              </a:rPr>
+              <a:t>asset, like Apple.</a:t>
+            </a:r>
+            <a:endParaRPr lang="en-US" altLang="en-US" sz="1800" dirty="0">
+              <a:solidFill>
+                <a:srgbClr val="262626"/>
+              </a:solidFill>
+              <a:sym typeface="+mn-ea"/>
+            </a:endParaRPr>
+          </a:p>
+          <a:p>
+            <a:pPr defTabSz="342900">
+              <a:lnSpc>
+                <a:spcPct val="120000"/>
+              </a:lnSpc>
+            </a:pPr>
+            <a:r>
+              <a:rPr lang="en-US" altLang="en-US" sz="1800" dirty="0">
+                <a:solidFill>
+                  <a:srgbClr val="262626"/>
+                </a:solidFill>
+                <a:sym typeface="+mn-ea"/>
+              </a:rPr>
+              <a:t>when the price hits the liquidation threshhold, the counterparty earn the difference, otherwise, the counterparty sell it out at a lower price, and the issuser earn the difference</a:t>
+            </a:r>
+            <a:endParaRPr lang="en-US" altLang="en-US" sz="1800" dirty="0">
+              <a:solidFill>
+                <a:srgbClr val="262626"/>
+              </a:solidFill>
+              <a:sym typeface="+mn-ea"/>
+            </a:endParaRPr>
+          </a:p>
+          <a:p>
+            <a:pPr marL="0" indent="0" defTabSz="342900">
+              <a:lnSpc>
+                <a:spcPct val="120000"/>
+              </a:lnSpc>
+              <a:buNone/>
+            </a:pPr>
+            <a:endParaRPr lang="en-US" altLang="zh-CN" sz="1800" dirty="0">
+              <a:solidFill>
+                <a:srgbClr val="262626"/>
+              </a:solidFill>
+            </a:endParaRPr>
+          </a:p>
+        </p:txBody>
+      </p:sp>
+    </p:spTree>
+  </p:cSld>
+  <p:clrMapOvr>
+    <a:masterClrMapping/>
+  </p:clrMapOvr>
+</p:sld>
+</file>
+
+<file path=ppt/slides/slide17.xml><?xml version="1.0" encoding="utf-8"?>
+<p:sld xmlns:a="http://schemas.openxmlformats.org/drawingml/2006/main" xmlns:r="http://schemas.openxmlformats.org/officeDocument/2006/relationships" xmlns:p="http://schemas.openxmlformats.org/presentationml/2006/main">
+  <p:cSld>
+    <p:spTree>
+      <p:nvGrpSpPr>
+        <p:cNvPr id="1" name=""/>
+        <p:cNvGrpSpPr/>
+        <p:nvPr/>
+      </p:nvGrpSpPr>
+      <p:grpSpPr>
+        <a:xfrm>
+          <a:off x="0" y="0"/>
+          <a:ext cx="0" cy="0"/>
+          <a:chOff x="0" y="0"/>
+          <a:chExt cx="0" cy="0"/>
+        </a:xfrm>
+      </p:grpSpPr>
+      <p:sp>
+        <p:nvSpPr>
+          <p:cNvPr id="2" name="Title 1"/>
+          <p:cNvSpPr>
+            <a:spLocks noGrp="1"/>
+          </p:cNvSpPr>
+          <p:nvPr>
+            <p:ph type="title"/>
+          </p:nvPr>
+        </p:nvSpPr>
+        <p:spPr>
+          <a:xfrm>
+            <a:off x="628650" y="155263"/>
+            <a:ext cx="7886700" cy="526790"/>
+          </a:xfrm>
+        </p:spPr>
+        <p:txBody>
+          <a:bodyPr>
+            <a:normAutofit fontScale="90000"/>
+          </a:bodyPr>
+          <a:lstStyle/>
+          <a:p>
+            <a:pPr algn="ctr"/>
+            <a:r>
+              <a:rPr lang="en-US" sz="3200" b="1" dirty="0">
+                <a:latin typeface="Calibri" panose="020F0502020204030204" pitchFamily="34" charset="0"/>
+                <a:cs typeface="Calibri" panose="020F0502020204030204" pitchFamily="34" charset="0"/>
+                <a:sym typeface="+mn-ea"/>
+              </a:rPr>
+              <a:t>Enlightment of DeFi</a:t>
+            </a:r>
+            <a:endParaRPr lang="en-US" sz="3200" b="1" dirty="0">
+              <a:latin typeface="Calibri" panose="020F0502020204030204" pitchFamily="34" charset="0"/>
+              <a:cs typeface="Calibri" panose="020F0502020204030204" pitchFamily="34" charset="0"/>
+            </a:endParaRPr>
+          </a:p>
+        </p:txBody>
+      </p:sp>
+      <p:sp>
+        <p:nvSpPr>
+          <p:cNvPr id="3" name="Content Placeholder 2"/>
+          <p:cNvSpPr>
+            <a:spLocks noGrp="1"/>
+          </p:cNvSpPr>
+          <p:nvPr>
+            <p:ph idx="1"/>
+          </p:nvPr>
+        </p:nvSpPr>
+        <p:spPr>
+          <a:xfrm>
+            <a:off x="628650" y="989044"/>
+            <a:ext cx="7886700" cy="5605719"/>
+          </a:xfrm>
+        </p:spPr>
+        <p:txBody>
+          <a:bodyPr>
+            <a:normAutofit lnSpcReduction="10000"/>
+          </a:bodyPr>
+          <a:lstStyle/>
+          <a:p>
+            <a:pPr defTabSz="342900">
+              <a:lnSpc>
+                <a:spcPct val="120000"/>
+              </a:lnSpc>
+            </a:pPr>
+            <a:r>
+              <a:rPr lang="en-US" altLang="en-US" sz="1800" dirty="0">
+                <a:solidFill>
+                  <a:srgbClr val="262626"/>
+                </a:solidFill>
+              </a:rPr>
+              <a:t>Opens up a way to attract more users</a:t>
+            </a:r>
+            <a:endParaRPr lang="en-US" altLang="en-US" sz="1800" dirty="0">
+              <a:solidFill>
+                <a:srgbClr val="262626"/>
+              </a:solidFill>
+            </a:endParaRPr>
+          </a:p>
+          <a:p>
+            <a:pPr defTabSz="342900">
+              <a:lnSpc>
+                <a:spcPct val="120000"/>
+              </a:lnSpc>
+            </a:pPr>
+            <a:r>
+              <a:rPr lang="en-US" altLang="en-US" sz="1800" dirty="0">
+                <a:solidFill>
+                  <a:srgbClr val="262626"/>
+                </a:solidFill>
+              </a:rPr>
+              <a:t>It makes all the transactions and desicions transparent</a:t>
+            </a:r>
+            <a:endParaRPr lang="en-US" altLang="en-US" sz="1800" dirty="0">
+              <a:solidFill>
+                <a:srgbClr val="262626"/>
+              </a:solidFill>
+            </a:endParaRPr>
+          </a:p>
+          <a:p>
+            <a:pPr defTabSz="342900">
+              <a:lnSpc>
+                <a:spcPct val="120000"/>
+              </a:lnSpc>
+            </a:pPr>
+            <a:endParaRPr lang="en-US" altLang="en-US" sz="1800" dirty="0">
+              <a:solidFill>
+                <a:srgbClr val="262626"/>
+              </a:solidFill>
+            </a:endParaRPr>
+          </a:p>
+          <a:p>
+            <a:pPr defTabSz="342900">
+              <a:lnSpc>
+                <a:spcPct val="120000"/>
+              </a:lnSpc>
+            </a:pPr>
+            <a:r>
+              <a:rPr lang="en-US" altLang="en-US" sz="1800" dirty="0">
+                <a:solidFill>
+                  <a:srgbClr val="262626"/>
+                </a:solidFill>
+              </a:rPr>
+              <a:t>In turn:</a:t>
+            </a:r>
+            <a:endParaRPr lang="en-US" altLang="en-US" sz="1800" dirty="0">
+              <a:solidFill>
+                <a:srgbClr val="262626"/>
+              </a:solidFill>
+            </a:endParaRPr>
+          </a:p>
+          <a:p>
+            <a:pPr defTabSz="342900">
+              <a:lnSpc>
+                <a:spcPct val="120000"/>
+              </a:lnSpc>
+            </a:pPr>
+            <a:endParaRPr lang="en-US" altLang="en-US" sz="1800" dirty="0">
+              <a:solidFill>
+                <a:srgbClr val="262626"/>
+              </a:solidFill>
+            </a:endParaRPr>
+          </a:p>
+          <a:p>
+            <a:pPr defTabSz="342900">
+              <a:lnSpc>
+                <a:spcPct val="120000"/>
+              </a:lnSpc>
+            </a:pPr>
+            <a:r>
+              <a:rPr lang="en-US" altLang="en-US" sz="1800" dirty="0">
+                <a:solidFill>
+                  <a:srgbClr val="262626"/>
+                </a:solidFill>
+              </a:rPr>
+              <a:t>brings more users</a:t>
+            </a:r>
+            <a:endParaRPr lang="en-US" altLang="en-US" sz="1800" dirty="0">
+              <a:solidFill>
+                <a:srgbClr val="262626"/>
+              </a:solidFill>
+            </a:endParaRPr>
+          </a:p>
+          <a:p>
+            <a:pPr defTabSz="342900">
+              <a:lnSpc>
+                <a:spcPct val="120000"/>
+              </a:lnSpc>
+            </a:pPr>
+            <a:endParaRPr lang="en-US" altLang="en-US" sz="1800" dirty="0">
+              <a:solidFill>
+                <a:srgbClr val="262626"/>
+              </a:solidFill>
+            </a:endParaRPr>
+          </a:p>
+          <a:p>
+            <a:pPr defTabSz="342900">
+              <a:lnSpc>
+                <a:spcPct val="120000"/>
+              </a:lnSpc>
+            </a:pPr>
+            <a:r>
+              <a:rPr lang="en-US" altLang="en-US" sz="1800" dirty="0">
+                <a:solidFill>
+                  <a:srgbClr val="262626"/>
+                </a:solidFill>
+              </a:rPr>
+              <a:t>It solves many infomation aysmetric problems in todays financial industry</a:t>
+            </a:r>
+            <a:r>
+              <a:rPr lang="en-US" altLang="en-US" sz="1540" dirty="0">
+                <a:solidFill>
+                  <a:srgbClr val="262626"/>
+                </a:solidFill>
+              </a:rPr>
+              <a:t> </a:t>
+            </a:r>
+            <a:endParaRPr lang="en-US" altLang="en-US" sz="1540" dirty="0">
+              <a:solidFill>
+                <a:srgbClr val="262626"/>
+              </a:solidFill>
+            </a:endParaRPr>
+          </a:p>
+          <a:p>
+            <a:pPr defTabSz="342900">
+              <a:lnSpc>
+                <a:spcPct val="120000"/>
+              </a:lnSpc>
+            </a:pPr>
+            <a:r>
+              <a:rPr lang="en-US" altLang="en-US" sz="2000" b="1" dirty="0">
+                <a:solidFill>
+                  <a:srgbClr val="262626"/>
+                </a:solidFill>
+              </a:rPr>
+              <a:t> Premise: if they are well regulated and operated by the professionals within some jurisdiction </a:t>
+            </a:r>
+            <a:endParaRPr lang="en-US" altLang="en-US" sz="2000" b="1" dirty="0">
+              <a:solidFill>
+                <a:srgbClr val="262626"/>
+              </a:solidFill>
+            </a:endParaRPr>
+          </a:p>
+        </p:txBody>
+      </p:sp>
+    </p:spTree>
+  </p:cSld>
+  <p:clrMapOvr>
+    <a:masterClrMapping/>
+  </p:clrMapOvr>
+</p:sld>
+</file>
+
+<file path=ppt/slides/slide18.xml><?xml version="1.0" encoding="utf-8"?>
+<p:sld xmlns:a="http://schemas.openxmlformats.org/drawingml/2006/main" xmlns:r="http://schemas.openxmlformats.org/officeDocument/2006/relationships" xmlns:p="http://schemas.openxmlformats.org/presentationml/2006/main">
+  <p:cSld>
+    <p:spTree>
+      <p:nvGrpSpPr>
+        <p:cNvPr id="1" name=""/>
+        <p:cNvGrpSpPr/>
+        <p:nvPr/>
+      </p:nvGrpSpPr>
+      <p:grpSpPr>
+        <a:xfrm>
+          <a:off x="0" y="0"/>
+          <a:ext cx="0" cy="0"/>
+          <a:chOff x="0" y="0"/>
+          <a:chExt cx="0" cy="0"/>
+        </a:xfrm>
+      </p:grpSpPr>
+      <p:sp>
+        <p:nvSpPr>
+          <p:cNvPr id="2" name="Title 1"/>
+          <p:cNvSpPr>
+            <a:spLocks noGrp="1"/>
+          </p:cNvSpPr>
+          <p:nvPr>
+            <p:ph type="title"/>
+          </p:nvPr>
+        </p:nvSpPr>
+        <p:spPr>
+          <a:xfrm>
+            <a:off x="628650" y="155263"/>
+            <a:ext cx="7886700" cy="526790"/>
+          </a:xfrm>
+        </p:spPr>
+        <p:txBody>
+          <a:bodyPr>
+            <a:normAutofit fontScale="90000"/>
+          </a:bodyPr>
+          <a:lstStyle/>
+          <a:p>
+            <a:pPr algn="ctr"/>
+            <a:r>
+              <a:rPr lang="en-US" altLang="en-US" sz="3200" b="1" dirty="0">
+                <a:solidFill>
+                  <a:srgbClr val="262626"/>
+                </a:solidFill>
+                <a:latin typeface="Calibri" panose="020F0502020204030204" pitchFamily="34" charset="0"/>
+                <a:cs typeface="Calibri" panose="020F0502020204030204" pitchFamily="34" charset="0"/>
+                <a:sym typeface="+mn-ea"/>
+              </a:rPr>
+              <a:t>Governance</a:t>
+            </a:r>
+            <a:endParaRPr lang="en-US" sz="3200" b="1" dirty="0">
+              <a:latin typeface="Calibri" panose="020F0502020204030204" pitchFamily="34" charset="0"/>
+              <a:cs typeface="Calibri" panose="020F0502020204030204" pitchFamily="34" charset="0"/>
+            </a:endParaRPr>
+          </a:p>
+        </p:txBody>
+      </p:sp>
+      <p:sp>
+        <p:nvSpPr>
+          <p:cNvPr id="3" name="Content Placeholder 2"/>
+          <p:cNvSpPr>
+            <a:spLocks noGrp="1"/>
+          </p:cNvSpPr>
+          <p:nvPr>
+            <p:ph idx="1"/>
+          </p:nvPr>
+        </p:nvSpPr>
+        <p:spPr>
+          <a:xfrm>
+            <a:off x="628650" y="989044"/>
+            <a:ext cx="7886700" cy="5605719"/>
+          </a:xfrm>
+        </p:spPr>
+        <p:txBody>
+          <a:bodyPr>
+            <a:normAutofit/>
+          </a:bodyPr>
+          <a:lstStyle/>
+          <a:p>
+            <a:pPr defTabSz="342900">
+              <a:lnSpc>
+                <a:spcPct val="120000"/>
+              </a:lnSpc>
+            </a:pPr>
+            <a:r>
+              <a:rPr lang="en-US" altLang="en-US" sz="1800" dirty="0">
+                <a:solidFill>
+                  <a:srgbClr val="262626"/>
+                </a:solidFill>
+              </a:rPr>
+              <a:t>Trend one: Most of the DeFi projects have community based governance smart contracts to make decisions, why? easy to attract the user</a:t>
+            </a:r>
+            <a:endParaRPr lang="en-US" altLang="en-US" sz="1800" dirty="0">
+              <a:solidFill>
+                <a:srgbClr val="262626"/>
+              </a:solidFill>
+            </a:endParaRPr>
+          </a:p>
+          <a:p>
+            <a:pPr defTabSz="342900">
+              <a:lnSpc>
+                <a:spcPct val="120000"/>
+              </a:lnSpc>
+            </a:pPr>
+            <a:endParaRPr lang="zh-CN" altLang="en-US" sz="1800" dirty="0">
+              <a:solidFill>
+                <a:srgbClr val="262626"/>
+              </a:solidFill>
+            </a:endParaRPr>
+          </a:p>
+          <a:p>
+            <a:pPr defTabSz="342900">
+              <a:lnSpc>
+                <a:spcPct val="120000"/>
+              </a:lnSpc>
+            </a:pPr>
+            <a:r>
+              <a:rPr lang="en-US" altLang="zh-CN" sz="1800" dirty="0">
+                <a:solidFill>
+                  <a:srgbClr val="262626"/>
+                </a:solidFill>
+              </a:rPr>
+              <a:t>Trend two: As the technology matures, we can see that the core challenge in the path of Blockchain’s large-scale adoption is </a:t>
+            </a:r>
+            <a:r>
+              <a:rPr lang="en-US" altLang="zh-CN" sz="1800" dirty="0">
+                <a:solidFill>
+                  <a:srgbClr val="FF0000"/>
+                </a:solidFill>
+              </a:rPr>
+              <a:t>stakeholder management and bringing competitors and unlikely collaborators</a:t>
+            </a:r>
+            <a:r>
+              <a:rPr lang="en-US" altLang="zh-CN" sz="1800" dirty="0">
+                <a:solidFill>
+                  <a:srgbClr val="262626"/>
+                </a:solidFill>
+              </a:rPr>
+              <a:t> together to solve shared problems. </a:t>
+            </a:r>
+            <a:endParaRPr lang="en-US" altLang="zh-CN" sz="1800" dirty="0">
+              <a:solidFill>
+                <a:srgbClr val="262626"/>
+              </a:solidFill>
+            </a:endParaRPr>
+          </a:p>
+        </p:txBody>
+      </p:sp>
+      <p:pic>
+        <p:nvPicPr>
+          <p:cNvPr id="4" name="图片 3"/>
+          <p:cNvPicPr>
+            <a:picLocks noChangeAspect="1"/>
+          </p:cNvPicPr>
+          <p:nvPr/>
+        </p:nvPicPr>
+        <p:blipFill>
+          <a:blip r:embed="rId1"/>
+          <a:stretch>
+            <a:fillRect/>
+          </a:stretch>
+        </p:blipFill>
+        <p:spPr>
+          <a:xfrm>
+            <a:off x="2969260" y="3544570"/>
+            <a:ext cx="3205480" cy="2914650"/>
+          </a:xfrm>
+          <a:prstGeom prst="rect">
+            <a:avLst/>
+          </a:prstGeom>
+        </p:spPr>
+      </p:pic>
+      <p:pic>
+        <p:nvPicPr>
+          <p:cNvPr id="5" name="图片 4"/>
+          <p:cNvPicPr>
+            <a:picLocks noChangeAspect="1"/>
+          </p:cNvPicPr>
+          <p:nvPr/>
+        </p:nvPicPr>
+        <p:blipFill>
+          <a:blip r:embed="rId2"/>
+          <a:stretch>
+            <a:fillRect/>
+          </a:stretch>
+        </p:blipFill>
+        <p:spPr>
+          <a:xfrm>
+            <a:off x="0" y="3544570"/>
+            <a:ext cx="3189605" cy="2873375"/>
+          </a:xfrm>
+          <a:prstGeom prst="rect">
+            <a:avLst/>
+          </a:prstGeom>
+        </p:spPr>
+      </p:pic>
+      <p:pic>
+        <p:nvPicPr>
+          <p:cNvPr id="6" name="图片 5"/>
+          <p:cNvPicPr>
+            <a:picLocks noChangeAspect="1"/>
+          </p:cNvPicPr>
+          <p:nvPr/>
+        </p:nvPicPr>
+        <p:blipFill>
+          <a:blip r:embed="rId3"/>
+          <a:stretch>
+            <a:fillRect/>
+          </a:stretch>
+        </p:blipFill>
+        <p:spPr>
+          <a:xfrm>
+            <a:off x="6012815" y="3544570"/>
+            <a:ext cx="3131185" cy="2787015"/>
+          </a:xfrm>
+          <a:prstGeom prst="rect">
+            <a:avLst/>
+          </a:prstGeom>
+        </p:spPr>
+      </p:pic>
+    </p:spTree>
+  </p:cSld>
+  <p:clrMapOvr>
+    <a:masterClrMapping/>
+  </p:clrMapOvr>
+</p:sld>
+</file>
+
+<file path=ppt/slides/slide19.xml><?xml version="1.0" encoding="utf-8"?>
+<p:sld xmlns:a="http://schemas.openxmlformats.org/drawingml/2006/main" xmlns:r="http://schemas.openxmlformats.org/officeDocument/2006/relationships" xmlns:p="http://schemas.openxmlformats.org/presentationml/2006/main">
+  <p:cSld>
+    <p:spTree>
+      <p:nvGrpSpPr>
+        <p:cNvPr id="1" name=""/>
+        <p:cNvGrpSpPr/>
+        <p:nvPr/>
+      </p:nvGrpSpPr>
+      <p:grpSpPr>
+        <a:xfrm>
+          <a:off x="0" y="0"/>
+          <a:ext cx="0" cy="0"/>
+          <a:chOff x="0" y="0"/>
+          <a:chExt cx="0" cy="0"/>
+        </a:xfrm>
+      </p:grpSpPr>
+      <p:sp>
+        <p:nvSpPr>
+          <p:cNvPr id="2" name="Title 1"/>
+          <p:cNvSpPr>
+            <a:spLocks noGrp="1"/>
+          </p:cNvSpPr>
+          <p:nvPr>
+            <p:ph type="title"/>
+          </p:nvPr>
+        </p:nvSpPr>
+        <p:spPr>
+          <a:xfrm>
+            <a:off x="628650" y="155263"/>
+            <a:ext cx="7886700" cy="526790"/>
+          </a:xfrm>
+        </p:spPr>
+        <p:txBody>
+          <a:bodyPr>
+            <a:normAutofit fontScale="90000"/>
+          </a:bodyPr>
+          <a:lstStyle/>
+          <a:p>
+            <a:pPr algn="ctr"/>
+            <a:r>
+              <a:rPr lang="en-US" altLang="en-US" sz="3200" b="1" dirty="0">
+                <a:solidFill>
+                  <a:srgbClr val="262626"/>
+                </a:solidFill>
+                <a:latin typeface="Calibri" panose="020F0502020204030204" pitchFamily="34" charset="0"/>
+                <a:cs typeface="Calibri" panose="020F0502020204030204" pitchFamily="34" charset="0"/>
+                <a:sym typeface="+mn-ea"/>
+              </a:rPr>
+              <a:t>Governance</a:t>
+            </a:r>
+            <a:endParaRPr lang="en-US" sz="3200" b="1" dirty="0">
+              <a:latin typeface="Calibri" panose="020F0502020204030204" pitchFamily="34" charset="0"/>
+              <a:cs typeface="Calibri" panose="020F0502020204030204" pitchFamily="34" charset="0"/>
+            </a:endParaRPr>
+          </a:p>
+        </p:txBody>
+      </p:sp>
+      <p:sp>
+        <p:nvSpPr>
+          <p:cNvPr id="3" name="Content Placeholder 2"/>
+          <p:cNvSpPr>
+            <a:spLocks noGrp="1"/>
+          </p:cNvSpPr>
+          <p:nvPr>
+            <p:ph idx="1"/>
+          </p:nvPr>
+        </p:nvSpPr>
+        <p:spPr>
+          <a:xfrm>
+            <a:off x="628650" y="989044"/>
+            <a:ext cx="7886700" cy="5605719"/>
+          </a:xfrm>
+        </p:spPr>
+        <p:txBody>
+          <a:bodyPr>
+            <a:normAutofit/>
+          </a:bodyPr>
+          <a:lstStyle/>
+          <a:p>
+            <a:pPr defTabSz="342900">
+              <a:lnSpc>
+                <a:spcPct val="120000"/>
+              </a:lnSpc>
+            </a:pPr>
+            <a:r>
+              <a:rPr lang="en-US" altLang="zh-CN" sz="1800" dirty="0">
+                <a:solidFill>
+                  <a:srgbClr val="262626"/>
+                </a:solidFill>
+              </a:rPr>
+              <a:t>Type 1:  Example Centralized ICO projects</a:t>
+            </a:r>
+            <a:endParaRPr lang="en-US" altLang="zh-CN" sz="1800" dirty="0">
+              <a:solidFill>
+                <a:srgbClr val="262626"/>
+              </a:solidFill>
+            </a:endParaRPr>
+          </a:p>
+          <a:p>
+            <a:pPr defTabSz="342900">
+              <a:lnSpc>
+                <a:spcPct val="120000"/>
+              </a:lnSpc>
+            </a:pPr>
+            <a:endParaRPr lang="en-US" altLang="zh-CN" sz="1800" dirty="0">
+              <a:solidFill>
+                <a:srgbClr val="262626"/>
+              </a:solidFill>
+            </a:endParaRPr>
+          </a:p>
+          <a:p>
+            <a:pPr defTabSz="342900">
+              <a:lnSpc>
+                <a:spcPct val="120000"/>
+              </a:lnSpc>
+            </a:pPr>
+            <a:r>
+              <a:rPr lang="en-US" altLang="zh-CN" sz="1800" dirty="0">
+                <a:solidFill>
+                  <a:srgbClr val="262626"/>
+                </a:solidFill>
+              </a:rPr>
+              <a:t>Orgs = partners: </a:t>
+            </a:r>
+            <a:endParaRPr lang="en-US" altLang="zh-CN" sz="1800" dirty="0">
+              <a:solidFill>
+                <a:srgbClr val="262626"/>
+              </a:solidFill>
+            </a:endParaRPr>
+          </a:p>
+          <a:p>
+            <a:pPr defTabSz="342900">
+              <a:lnSpc>
+                <a:spcPct val="120000"/>
+              </a:lnSpc>
+            </a:pPr>
+            <a:r>
+              <a:rPr lang="en-US" altLang="zh-CN" sz="1800" dirty="0">
+                <a:solidFill>
+                  <a:srgbClr val="262626"/>
+                </a:solidFill>
+              </a:rPr>
+              <a:t>exchanges</a:t>
+            </a:r>
+            <a:endParaRPr lang="en-US" altLang="zh-CN" sz="1800" dirty="0">
+              <a:solidFill>
+                <a:srgbClr val="262626"/>
+              </a:solidFill>
+            </a:endParaRPr>
+          </a:p>
+          <a:p>
+            <a:pPr defTabSz="342900">
+              <a:lnSpc>
+                <a:spcPct val="120000"/>
+              </a:lnSpc>
+            </a:pPr>
+            <a:r>
+              <a:rPr lang="en-US" altLang="zh-CN" sz="1800" dirty="0">
+                <a:solidFill>
+                  <a:srgbClr val="262626"/>
+                </a:solidFill>
+              </a:rPr>
+              <a:t>media</a:t>
+            </a:r>
+            <a:endParaRPr lang="en-US" altLang="zh-CN" sz="1800" dirty="0">
+              <a:solidFill>
+                <a:srgbClr val="262626"/>
+              </a:solidFill>
+            </a:endParaRPr>
+          </a:p>
+          <a:p>
+            <a:pPr defTabSz="342900">
+              <a:lnSpc>
+                <a:spcPct val="120000"/>
+              </a:lnSpc>
+            </a:pPr>
+            <a:r>
+              <a:rPr lang="en-US" altLang="zh-CN" sz="1800" dirty="0">
+                <a:solidFill>
+                  <a:srgbClr val="262626"/>
+                </a:solidFill>
+              </a:rPr>
+              <a:t>sales channel </a:t>
+            </a:r>
+            <a:endParaRPr lang="en-US" altLang="zh-CN" sz="1800" dirty="0">
+              <a:solidFill>
+                <a:srgbClr val="262626"/>
+              </a:solidFill>
+            </a:endParaRPr>
+          </a:p>
+          <a:p>
+            <a:pPr defTabSz="342900">
+              <a:lnSpc>
+                <a:spcPct val="120000"/>
+              </a:lnSpc>
+            </a:pPr>
+            <a:r>
+              <a:rPr lang="en-US" altLang="zh-CN" sz="1800" dirty="0">
+                <a:solidFill>
+                  <a:srgbClr val="262626"/>
+                </a:solidFill>
+              </a:rPr>
+              <a:t>they take tokens</a:t>
+            </a:r>
+            <a:endParaRPr lang="en-US" altLang="zh-CN" sz="1800" dirty="0">
+              <a:solidFill>
+                <a:srgbClr val="262626"/>
+              </a:solidFill>
+            </a:endParaRPr>
+          </a:p>
+          <a:p>
+            <a:pPr defTabSz="342900">
+              <a:lnSpc>
+                <a:spcPct val="120000"/>
+              </a:lnSpc>
+            </a:pPr>
+            <a:r>
+              <a:rPr lang="en-US" altLang="zh-CN" sz="1800" dirty="0">
+                <a:solidFill>
+                  <a:srgbClr val="262626"/>
+                </a:solidFill>
+              </a:rPr>
+              <a:t>and they help you promote. </a:t>
+            </a:r>
+            <a:endParaRPr lang="en-US" altLang="zh-CN" sz="1800" dirty="0">
+              <a:solidFill>
+                <a:srgbClr val="262626"/>
+              </a:solidFill>
+            </a:endParaRPr>
+          </a:p>
+          <a:p>
+            <a:pPr defTabSz="342900">
+              <a:lnSpc>
+                <a:spcPct val="120000"/>
+              </a:lnSpc>
+            </a:pPr>
+            <a:endParaRPr lang="en-US" altLang="zh-CN" sz="1800" dirty="0">
+              <a:solidFill>
+                <a:srgbClr val="262626"/>
+              </a:solidFill>
+            </a:endParaRPr>
+          </a:p>
+          <a:p>
+            <a:pPr defTabSz="342900">
+              <a:lnSpc>
+                <a:spcPct val="120000"/>
+              </a:lnSpc>
+            </a:pPr>
+            <a:r>
+              <a:rPr lang="en-US" altLang="zh-CN" sz="1800" dirty="0">
+                <a:solidFill>
+                  <a:srgbClr val="262626"/>
+                </a:solidFill>
+              </a:rPr>
+              <a:t>Your marketing fee get dramatically decreased, once they have consensus</a:t>
+            </a:r>
+            <a:endParaRPr lang="en-US" altLang="zh-CN" sz="1800" dirty="0">
+              <a:solidFill>
+                <a:srgbClr val="262626"/>
+              </a:solidFill>
+            </a:endParaRPr>
+          </a:p>
+        </p:txBody>
+      </p:sp>
+      <p:pic>
+        <p:nvPicPr>
+          <p:cNvPr id="5" name="图片 4"/>
+          <p:cNvPicPr>
+            <a:picLocks noChangeAspect="1"/>
+          </p:cNvPicPr>
+          <p:nvPr/>
+        </p:nvPicPr>
+        <p:blipFill>
+          <a:blip r:embed="rId1"/>
+          <a:stretch>
+            <a:fillRect/>
+          </a:stretch>
+        </p:blipFill>
+        <p:spPr>
+          <a:xfrm>
+            <a:off x="5325745" y="989330"/>
+            <a:ext cx="3189605" cy="2873375"/>
+          </a:xfrm>
+          <a:prstGeom prst="rect">
+            <a:avLst/>
+          </a:prstGeom>
+        </p:spPr>
+      </p:pic>
+    </p:spTree>
+  </p:cSld>
+  <p:clrMapOvr>
+    <a:masterClrMapping/>
+  </p:clrMapOvr>
+</p:sld>
+</file>
+
+<file path=ppt/slides/slide2.xml><?xml version="1.0" encoding="utf-8"?>
+<p:sld xmlns:a="http://schemas.openxmlformats.org/drawingml/2006/main" xmlns:r="http://schemas.openxmlformats.org/officeDocument/2006/relationships" xmlns:p="http://schemas.openxmlformats.org/presentationml/2006/main">
+  <p:cSld>
+    <p:spTree>
+      <p:nvGrpSpPr>
+        <p:cNvPr id="1" name=""/>
+        <p:cNvGrpSpPr/>
+        <p:nvPr/>
+      </p:nvGrpSpPr>
+      <p:grpSpPr>
+        <a:xfrm>
+          <a:off x="0" y="0"/>
+          <a:ext cx="0" cy="0"/>
+          <a:chOff x="0" y="0"/>
+          <a:chExt cx="0" cy="0"/>
+        </a:xfrm>
+      </p:grpSpPr>
+      <p:sp>
+        <p:nvSpPr>
+          <p:cNvPr id="2" name="Title 1"/>
+          <p:cNvSpPr>
+            <a:spLocks noGrp="1"/>
+          </p:cNvSpPr>
+          <p:nvPr>
+            <p:ph type="title"/>
+          </p:nvPr>
+        </p:nvSpPr>
+        <p:spPr>
+          <a:xfrm>
+            <a:off x="628650" y="155263"/>
+            <a:ext cx="7886700" cy="526790"/>
+          </a:xfrm>
+        </p:spPr>
+        <p:txBody>
+          <a:bodyPr>
+            <a:normAutofit fontScale="90000"/>
+          </a:bodyPr>
+          <a:lstStyle/>
+          <a:p>
+            <a:pPr algn="ctr"/>
+            <a:r>
+              <a:rPr lang="en-US" altLang="en-GB" sz="3200" b="1" dirty="0">
+                <a:latin typeface="Calibri" panose="020F0502020204030204" pitchFamily="34" charset="0"/>
+                <a:cs typeface="Calibri" panose="020F0502020204030204" pitchFamily="34" charset="0"/>
+                <a:sym typeface="+mn-ea"/>
+              </a:rPr>
+              <a:t>Blockchain Technology History</a:t>
+            </a:r>
+            <a:endParaRPr lang="en-US" sz="3200" b="1" dirty="0">
+              <a:latin typeface="Calibri" panose="020F0502020204030204" pitchFamily="34" charset="0"/>
+              <a:cs typeface="Calibri" panose="020F0502020204030204" pitchFamily="34" charset="0"/>
+            </a:endParaRPr>
+          </a:p>
+        </p:txBody>
+      </p:sp>
+      <p:sp>
+        <p:nvSpPr>
+          <p:cNvPr id="3" name="Content Placeholder 2"/>
+          <p:cNvSpPr>
+            <a:spLocks noGrp="1"/>
+          </p:cNvSpPr>
+          <p:nvPr>
+            <p:ph idx="1"/>
+          </p:nvPr>
+        </p:nvSpPr>
+        <p:spPr>
+          <a:xfrm>
+            <a:off x="628650" y="989044"/>
+            <a:ext cx="7886700" cy="5605719"/>
+          </a:xfrm>
+        </p:spPr>
+        <p:txBody>
+          <a:bodyPr>
+            <a:normAutofit/>
+          </a:bodyPr>
+          <a:lstStyle/>
+          <a:p>
+            <a:pPr defTabSz="342900">
+              <a:lnSpc>
+                <a:spcPct val="120000"/>
+              </a:lnSpc>
+            </a:pPr>
+            <a:r>
+              <a:rPr lang="en-US" altLang="en-US" sz="1800" dirty="0">
+                <a:solidFill>
+                  <a:srgbClr val="262626"/>
+                </a:solidFill>
+              </a:rPr>
+              <a:t>2016 -2018: most people think public chain is a universal solution</a:t>
+            </a:r>
+            <a:endParaRPr lang="en-US" altLang="en-US" sz="1800" dirty="0">
+              <a:solidFill>
+                <a:srgbClr val="262626"/>
+              </a:solidFill>
+            </a:endParaRPr>
+          </a:p>
+        </p:txBody>
+      </p:sp>
+      <p:pic>
+        <p:nvPicPr>
+          <p:cNvPr id="4" name="图片 3"/>
+          <p:cNvPicPr>
+            <a:picLocks noChangeAspect="1"/>
+          </p:cNvPicPr>
+          <p:nvPr/>
+        </p:nvPicPr>
+        <p:blipFill>
+          <a:blip r:embed="rId1"/>
+          <a:stretch>
+            <a:fillRect/>
+          </a:stretch>
+        </p:blipFill>
+        <p:spPr>
+          <a:xfrm>
+            <a:off x="647700" y="2028825"/>
+            <a:ext cx="7867650" cy="4829175"/>
+          </a:xfrm>
+          <a:prstGeom prst="rect">
+            <a:avLst/>
+          </a:prstGeom>
+        </p:spPr>
+      </p:pic>
+    </p:spTree>
+  </p:cSld>
+  <p:clrMapOvr>
+    <a:masterClrMapping/>
+  </p:clrMapOvr>
+</p:sld>
+</file>
+
+<file path=ppt/slides/slide20.xml><?xml version="1.0" encoding="utf-8"?>
+<p:sld xmlns:a="http://schemas.openxmlformats.org/drawingml/2006/main" xmlns:r="http://schemas.openxmlformats.org/officeDocument/2006/relationships" xmlns:p="http://schemas.openxmlformats.org/presentationml/2006/main">
+  <p:cSld>
+    <p:spTree>
+      <p:nvGrpSpPr>
+        <p:cNvPr id="1" name=""/>
+        <p:cNvGrpSpPr/>
+        <p:nvPr/>
+      </p:nvGrpSpPr>
+      <p:grpSpPr>
+        <a:xfrm>
+          <a:off x="0" y="0"/>
+          <a:ext cx="0" cy="0"/>
+          <a:chOff x="0" y="0"/>
+          <a:chExt cx="0" cy="0"/>
+        </a:xfrm>
+      </p:grpSpPr>
+      <p:sp>
+        <p:nvSpPr>
+          <p:cNvPr id="2" name="Title 1"/>
+          <p:cNvSpPr>
+            <a:spLocks noGrp="1"/>
+          </p:cNvSpPr>
+          <p:nvPr>
+            <p:ph type="title"/>
+          </p:nvPr>
+        </p:nvSpPr>
+        <p:spPr>
+          <a:xfrm>
+            <a:off x="628650" y="155263"/>
+            <a:ext cx="7886700" cy="526790"/>
+          </a:xfrm>
+        </p:spPr>
+        <p:txBody>
+          <a:bodyPr>
+            <a:normAutofit fontScale="90000"/>
+          </a:bodyPr>
+          <a:lstStyle/>
+          <a:p>
+            <a:pPr algn="ctr"/>
+            <a:r>
+              <a:rPr lang="en-US" altLang="en-US" sz="3200" b="1" dirty="0">
+                <a:solidFill>
+                  <a:srgbClr val="262626"/>
+                </a:solidFill>
+                <a:latin typeface="Calibri" panose="020F0502020204030204" pitchFamily="34" charset="0"/>
+                <a:cs typeface="Calibri" panose="020F0502020204030204" pitchFamily="34" charset="0"/>
+                <a:sym typeface="+mn-ea"/>
+              </a:rPr>
+              <a:t>Governance</a:t>
+            </a:r>
+            <a:endParaRPr lang="en-US" sz="3200" b="1" dirty="0">
+              <a:latin typeface="Calibri" panose="020F0502020204030204" pitchFamily="34" charset="0"/>
+              <a:cs typeface="Calibri" panose="020F0502020204030204" pitchFamily="34" charset="0"/>
+            </a:endParaRPr>
+          </a:p>
+        </p:txBody>
+      </p:sp>
+      <p:sp>
+        <p:nvSpPr>
+          <p:cNvPr id="3" name="Content Placeholder 2"/>
+          <p:cNvSpPr>
+            <a:spLocks noGrp="1"/>
+          </p:cNvSpPr>
+          <p:nvPr>
+            <p:ph idx="1"/>
+          </p:nvPr>
+        </p:nvSpPr>
+        <p:spPr>
+          <a:xfrm>
+            <a:off x="628650" y="989044"/>
+            <a:ext cx="7886700" cy="5605719"/>
+          </a:xfrm>
+        </p:spPr>
+        <p:txBody>
+          <a:bodyPr>
+            <a:normAutofit lnSpcReduction="10000"/>
+          </a:bodyPr>
+          <a:lstStyle/>
+          <a:p>
+            <a:pPr defTabSz="342900">
+              <a:lnSpc>
+                <a:spcPct val="120000"/>
+              </a:lnSpc>
+            </a:pPr>
+            <a:r>
+              <a:rPr lang="en-US" altLang="zh-CN" sz="1800" dirty="0">
+                <a:solidFill>
+                  <a:srgbClr val="262626"/>
+                </a:solidFill>
+              </a:rPr>
+              <a:t>Type 2: Example Defi Project</a:t>
+            </a:r>
+            <a:endParaRPr lang="en-US" altLang="zh-CN" sz="1800" dirty="0">
+              <a:solidFill>
+                <a:srgbClr val="262626"/>
+              </a:solidFill>
+            </a:endParaRPr>
+          </a:p>
+          <a:p>
+            <a:pPr defTabSz="342900">
+              <a:lnSpc>
+                <a:spcPct val="120000"/>
+              </a:lnSpc>
+            </a:pPr>
+            <a:r>
+              <a:rPr lang="en-US" altLang="zh-CN" sz="1800" dirty="0">
+                <a:solidFill>
+                  <a:srgbClr val="262626"/>
+                </a:solidFill>
+              </a:rPr>
+              <a:t>Governance smart contract</a:t>
+            </a:r>
+            <a:endParaRPr lang="en-US" altLang="zh-CN" sz="1800" dirty="0">
+              <a:solidFill>
+                <a:srgbClr val="262626"/>
+              </a:solidFill>
+            </a:endParaRPr>
+          </a:p>
+          <a:p>
+            <a:pPr defTabSz="342900">
+              <a:lnSpc>
+                <a:spcPct val="120000"/>
+              </a:lnSpc>
+            </a:pPr>
+            <a:r>
+              <a:rPr lang="en-US" altLang="zh-CN" sz="1800" dirty="0">
+                <a:solidFill>
+                  <a:srgbClr val="262626"/>
+                </a:solidFill>
+              </a:rPr>
+              <a:t>Defi smart contract platform</a:t>
+            </a:r>
+            <a:endParaRPr lang="en-US" altLang="zh-CN" sz="1800" dirty="0">
+              <a:solidFill>
+                <a:srgbClr val="262626"/>
+              </a:solidFill>
+            </a:endParaRPr>
+          </a:p>
+          <a:p>
+            <a:pPr defTabSz="342900">
+              <a:lnSpc>
+                <a:spcPct val="120000"/>
+              </a:lnSpc>
+            </a:pPr>
+            <a:r>
+              <a:rPr lang="en-US" altLang="zh-CN" sz="1800" dirty="0">
+                <a:solidFill>
+                  <a:srgbClr val="262626"/>
+                </a:solidFill>
+              </a:rPr>
+              <a:t>orgs = individuals / partners</a:t>
+            </a:r>
+            <a:endParaRPr lang="en-US" altLang="zh-CN" sz="1800" dirty="0">
+              <a:solidFill>
+                <a:srgbClr val="262626"/>
+              </a:solidFill>
+            </a:endParaRPr>
+          </a:p>
+          <a:p>
+            <a:pPr defTabSz="342900">
+              <a:lnSpc>
+                <a:spcPct val="120000"/>
+              </a:lnSpc>
+            </a:pPr>
+            <a:r>
+              <a:rPr lang="en-US" altLang="zh-CN" sz="1800" dirty="0">
+                <a:solidFill>
+                  <a:srgbClr val="262626"/>
+                </a:solidFill>
+                <a:sym typeface="+mn-ea"/>
+              </a:rPr>
+              <a:t>exchanges</a:t>
+            </a:r>
+            <a:endParaRPr lang="en-US" altLang="zh-CN" sz="1800" dirty="0">
+              <a:solidFill>
+                <a:srgbClr val="262626"/>
+              </a:solidFill>
+            </a:endParaRPr>
+          </a:p>
+          <a:p>
+            <a:pPr defTabSz="342900">
+              <a:lnSpc>
+                <a:spcPct val="120000"/>
+              </a:lnSpc>
+            </a:pPr>
+            <a:r>
+              <a:rPr lang="en-US" altLang="zh-CN" sz="1800" dirty="0">
+                <a:solidFill>
+                  <a:srgbClr val="262626"/>
+                </a:solidFill>
+                <a:sym typeface="+mn-ea"/>
+              </a:rPr>
+              <a:t>media</a:t>
+            </a:r>
+            <a:endParaRPr lang="en-US" altLang="zh-CN" sz="1800" dirty="0">
+              <a:solidFill>
+                <a:srgbClr val="262626"/>
+              </a:solidFill>
+            </a:endParaRPr>
+          </a:p>
+          <a:p>
+            <a:pPr defTabSz="342900">
+              <a:lnSpc>
+                <a:spcPct val="120000"/>
+              </a:lnSpc>
+            </a:pPr>
+            <a:r>
+              <a:rPr lang="en-US" altLang="zh-CN" sz="1800" dirty="0">
+                <a:solidFill>
+                  <a:srgbClr val="262626"/>
+                </a:solidFill>
+                <a:sym typeface="+mn-ea"/>
+              </a:rPr>
+              <a:t>sales channel </a:t>
+            </a:r>
+            <a:endParaRPr lang="en-US" altLang="zh-CN" sz="1800" dirty="0">
+              <a:solidFill>
+                <a:srgbClr val="262626"/>
+              </a:solidFill>
+            </a:endParaRPr>
+          </a:p>
+          <a:p>
+            <a:pPr defTabSz="342900">
+              <a:lnSpc>
+                <a:spcPct val="120000"/>
+              </a:lnSpc>
+            </a:pPr>
+            <a:r>
+              <a:rPr lang="en-US" altLang="zh-CN" sz="1800" dirty="0">
+                <a:solidFill>
+                  <a:srgbClr val="262626"/>
+                </a:solidFill>
+                <a:sym typeface="+mn-ea"/>
+              </a:rPr>
+              <a:t>they take tokens</a:t>
+            </a:r>
+            <a:endParaRPr lang="en-US" altLang="zh-CN" sz="1800" dirty="0">
+              <a:solidFill>
+                <a:srgbClr val="262626"/>
+              </a:solidFill>
+            </a:endParaRPr>
+          </a:p>
+          <a:p>
+            <a:pPr defTabSz="342900">
+              <a:lnSpc>
+                <a:spcPct val="120000"/>
+              </a:lnSpc>
+            </a:pPr>
+            <a:r>
+              <a:rPr lang="en-US" altLang="zh-CN" sz="1800" dirty="0">
+                <a:solidFill>
+                  <a:srgbClr val="262626"/>
+                </a:solidFill>
+                <a:sym typeface="+mn-ea"/>
+              </a:rPr>
+              <a:t>and they help you promote. </a:t>
+            </a:r>
+            <a:endParaRPr lang="en-US" altLang="zh-CN" sz="1800" dirty="0">
+              <a:solidFill>
+                <a:srgbClr val="262626"/>
+              </a:solidFill>
+              <a:sym typeface="+mn-ea"/>
+            </a:endParaRPr>
+          </a:p>
+          <a:p>
+            <a:pPr defTabSz="342900">
+              <a:lnSpc>
+                <a:spcPct val="120000"/>
+              </a:lnSpc>
+            </a:pPr>
+            <a:endParaRPr lang="en-US" altLang="zh-CN" sz="1800" dirty="0">
+              <a:solidFill>
+                <a:srgbClr val="262626"/>
+              </a:solidFill>
+              <a:sym typeface="+mn-ea"/>
+            </a:endParaRPr>
+          </a:p>
+          <a:p>
+            <a:pPr defTabSz="342900">
+              <a:lnSpc>
+                <a:spcPct val="120000"/>
+              </a:lnSpc>
+            </a:pPr>
+            <a:r>
+              <a:rPr lang="en-US" altLang="zh-CN" sz="1800" dirty="0">
+                <a:solidFill>
+                  <a:srgbClr val="262626"/>
+                </a:solidFill>
+                <a:sym typeface="+mn-ea"/>
+              </a:rPr>
+              <a:t>Your marketing fee get dramatically decreased, once they have consensus</a:t>
+            </a:r>
+            <a:endParaRPr lang="en-US" altLang="zh-CN" sz="1800" dirty="0">
+              <a:solidFill>
+                <a:srgbClr val="262626"/>
+              </a:solidFill>
+            </a:endParaRPr>
+          </a:p>
+        </p:txBody>
+      </p:sp>
+      <p:pic>
+        <p:nvPicPr>
+          <p:cNvPr id="4" name="图片 3"/>
+          <p:cNvPicPr>
+            <a:picLocks noChangeAspect="1"/>
+          </p:cNvPicPr>
+          <p:nvPr/>
+        </p:nvPicPr>
+        <p:blipFill>
+          <a:blip r:embed="rId1"/>
+          <a:stretch>
+            <a:fillRect/>
+          </a:stretch>
+        </p:blipFill>
+        <p:spPr>
+          <a:xfrm>
+            <a:off x="5212715" y="682625"/>
+            <a:ext cx="3205480" cy="2914650"/>
+          </a:xfrm>
+          <a:prstGeom prst="rect">
+            <a:avLst/>
+          </a:prstGeom>
+        </p:spPr>
+      </p:pic>
+    </p:spTree>
+  </p:cSld>
+  <p:clrMapOvr>
+    <a:masterClrMapping/>
+  </p:clrMapOvr>
+</p:sld>
+</file>
+
+<file path=ppt/slides/slide21.xml><?xml version="1.0" encoding="utf-8"?>
+<p:sld xmlns:a="http://schemas.openxmlformats.org/drawingml/2006/main" xmlns:r="http://schemas.openxmlformats.org/officeDocument/2006/relationships" xmlns:p="http://schemas.openxmlformats.org/presentationml/2006/main">
+  <p:cSld>
+    <p:spTree>
+      <p:nvGrpSpPr>
+        <p:cNvPr id="1" name=""/>
+        <p:cNvGrpSpPr/>
+        <p:nvPr/>
+      </p:nvGrpSpPr>
+      <p:grpSpPr>
+        <a:xfrm>
+          <a:off x="0" y="0"/>
+          <a:ext cx="0" cy="0"/>
+          <a:chOff x="0" y="0"/>
+          <a:chExt cx="0" cy="0"/>
+        </a:xfrm>
+      </p:grpSpPr>
+      <p:sp>
+        <p:nvSpPr>
+          <p:cNvPr id="2" name="Title 1"/>
+          <p:cNvSpPr>
+            <a:spLocks noGrp="1"/>
+          </p:cNvSpPr>
+          <p:nvPr>
+            <p:ph type="title"/>
+          </p:nvPr>
+        </p:nvSpPr>
+        <p:spPr>
+          <a:xfrm>
+            <a:off x="628650" y="155263"/>
+            <a:ext cx="7886700" cy="526790"/>
+          </a:xfrm>
+        </p:spPr>
+        <p:txBody>
+          <a:bodyPr>
+            <a:normAutofit fontScale="90000"/>
+          </a:bodyPr>
+          <a:lstStyle/>
+          <a:p>
+            <a:pPr algn="ctr"/>
+            <a:r>
+              <a:rPr lang="en-US" altLang="en-US" sz="3200" b="1" dirty="0">
+                <a:solidFill>
+                  <a:srgbClr val="262626"/>
+                </a:solidFill>
+                <a:latin typeface="Calibri" panose="020F0502020204030204" pitchFamily="34" charset="0"/>
+                <a:cs typeface="Calibri" panose="020F0502020204030204" pitchFamily="34" charset="0"/>
+                <a:sym typeface="+mn-ea"/>
+              </a:rPr>
+              <a:t>Governance</a:t>
+            </a:r>
+            <a:endParaRPr lang="en-US" sz="3200" b="1" dirty="0">
+              <a:latin typeface="Calibri" panose="020F0502020204030204" pitchFamily="34" charset="0"/>
+              <a:cs typeface="Calibri" panose="020F0502020204030204" pitchFamily="34" charset="0"/>
+            </a:endParaRPr>
+          </a:p>
+        </p:txBody>
+      </p:sp>
+      <p:sp>
+        <p:nvSpPr>
+          <p:cNvPr id="3" name="Content Placeholder 2"/>
+          <p:cNvSpPr>
+            <a:spLocks noGrp="1"/>
+          </p:cNvSpPr>
+          <p:nvPr>
+            <p:ph idx="1"/>
+          </p:nvPr>
+        </p:nvSpPr>
+        <p:spPr>
+          <a:xfrm>
+            <a:off x="628650" y="989044"/>
+            <a:ext cx="7886700" cy="5605719"/>
+          </a:xfrm>
+        </p:spPr>
+        <p:txBody>
+          <a:bodyPr>
+            <a:normAutofit/>
+          </a:bodyPr>
+          <a:lstStyle/>
+          <a:p>
+            <a:pPr defTabSz="342900">
+              <a:lnSpc>
+                <a:spcPct val="120000"/>
+              </a:lnSpc>
+            </a:pPr>
+            <a:r>
+              <a:rPr lang="en-US" altLang="zh-CN" sz="1800" dirty="0">
+                <a:solidFill>
+                  <a:srgbClr val="262626"/>
+                </a:solidFill>
+              </a:rPr>
+              <a:t>Type 3:</a:t>
+            </a:r>
+            <a:endParaRPr lang="en-US" altLang="zh-CN" sz="1800" dirty="0">
+              <a:solidFill>
+                <a:srgbClr val="262626"/>
+              </a:solidFill>
+            </a:endParaRPr>
+          </a:p>
+          <a:p>
+            <a:pPr defTabSz="342900">
+              <a:lnSpc>
+                <a:spcPct val="120000"/>
+              </a:lnSpc>
+            </a:pPr>
+            <a:r>
+              <a:rPr lang="en-US" altLang="zh-CN" sz="1800" dirty="0">
+                <a:solidFill>
+                  <a:srgbClr val="262626"/>
+                </a:solidFill>
+              </a:rPr>
+              <a:t>Example: </a:t>
+            </a:r>
+            <a:endParaRPr lang="en-US" altLang="zh-CN" sz="1800" dirty="0">
+              <a:solidFill>
+                <a:srgbClr val="262626"/>
+              </a:solidFill>
+            </a:endParaRPr>
+          </a:p>
+          <a:p>
+            <a:pPr defTabSz="342900">
+              <a:lnSpc>
+                <a:spcPct val="120000"/>
+              </a:lnSpc>
+            </a:pPr>
+            <a:r>
+              <a:rPr lang="en-US" altLang="zh-CN" sz="1800" dirty="0">
+                <a:solidFill>
+                  <a:srgbClr val="262626"/>
+                </a:solidFill>
+              </a:rPr>
+              <a:t>Governments / Big Corpration: </a:t>
+            </a:r>
+            <a:endParaRPr lang="en-US" altLang="zh-CN" sz="1800" dirty="0">
+              <a:solidFill>
+                <a:srgbClr val="262626"/>
+              </a:solidFill>
+            </a:endParaRPr>
+          </a:p>
+          <a:p>
+            <a:pPr defTabSz="342900">
+              <a:lnSpc>
+                <a:spcPct val="120000"/>
+              </a:lnSpc>
+            </a:pPr>
+            <a:r>
+              <a:rPr lang="en-US" altLang="zh-CN" sz="1800" dirty="0">
+                <a:solidFill>
+                  <a:srgbClr val="262626"/>
+                </a:solidFill>
+              </a:rPr>
+              <a:t>coordination between departments </a:t>
+            </a:r>
+            <a:endParaRPr lang="en-US" altLang="zh-CN" sz="1800" dirty="0">
+              <a:solidFill>
+                <a:srgbClr val="262626"/>
+              </a:solidFill>
+            </a:endParaRPr>
+          </a:p>
+          <a:p>
+            <a:pPr defTabSz="342900">
+              <a:lnSpc>
+                <a:spcPct val="120000"/>
+              </a:lnSpc>
+            </a:pPr>
+            <a:r>
+              <a:rPr lang="en-US" altLang="zh-CN" sz="1800" dirty="0">
+                <a:solidFill>
+                  <a:srgbClr val="262626"/>
+                </a:solidFill>
+              </a:rPr>
+              <a:t>Hyperledger Fabric</a:t>
+            </a:r>
+            <a:endParaRPr lang="en-US" altLang="zh-CN" sz="1800" dirty="0">
+              <a:solidFill>
+                <a:srgbClr val="262626"/>
+              </a:solidFill>
+            </a:endParaRPr>
+          </a:p>
+        </p:txBody>
+      </p:sp>
+      <p:pic>
+        <p:nvPicPr>
+          <p:cNvPr id="6" name="图片 5"/>
+          <p:cNvPicPr>
+            <a:picLocks noChangeAspect="1"/>
+          </p:cNvPicPr>
+          <p:nvPr/>
+        </p:nvPicPr>
+        <p:blipFill>
+          <a:blip r:embed="rId1"/>
+          <a:stretch>
+            <a:fillRect/>
+          </a:stretch>
+        </p:blipFill>
+        <p:spPr>
+          <a:xfrm>
+            <a:off x="5384165" y="682625"/>
+            <a:ext cx="3131185" cy="2787015"/>
+          </a:xfrm>
+          <a:prstGeom prst="rect">
+            <a:avLst/>
+          </a:prstGeom>
+        </p:spPr>
+      </p:pic>
+    </p:spTree>
+  </p:cSld>
+  <p:clrMapOvr>
+    <a:masterClrMapping/>
+  </p:clrMapOvr>
+</p:sld>
+</file>
+
+<file path=ppt/slides/slide22.xml><?xml version="1.0" encoding="utf-8"?>
+<p:sld xmlns:a="http://schemas.openxmlformats.org/drawingml/2006/main" xmlns:r="http://schemas.openxmlformats.org/officeDocument/2006/relationships" xmlns:p="http://schemas.openxmlformats.org/presentationml/2006/main">
+  <p:cSld>
+    <p:spTree>
+      <p:nvGrpSpPr>
+        <p:cNvPr id="1" name=""/>
+        <p:cNvGrpSpPr/>
+        <p:nvPr/>
+      </p:nvGrpSpPr>
+      <p:grpSpPr>
+        <a:xfrm>
+          <a:off x="0" y="0"/>
+          <a:ext cx="0" cy="0"/>
+          <a:chOff x="0" y="0"/>
+          <a:chExt cx="0" cy="0"/>
+        </a:xfrm>
+      </p:grpSpPr>
+      <p:sp>
+        <p:nvSpPr>
+          <p:cNvPr id="2" name="Title 1"/>
+          <p:cNvSpPr>
+            <a:spLocks noGrp="1"/>
+          </p:cNvSpPr>
+          <p:nvPr>
+            <p:ph type="title"/>
+          </p:nvPr>
+        </p:nvSpPr>
+        <p:spPr>
+          <a:xfrm>
+            <a:off x="628650" y="155263"/>
+            <a:ext cx="7886700" cy="526790"/>
+          </a:xfrm>
+        </p:spPr>
+        <p:txBody>
+          <a:bodyPr>
+            <a:normAutofit fontScale="90000"/>
+          </a:bodyPr>
+          <a:lstStyle/>
+          <a:p>
+            <a:pPr algn="ctr"/>
+            <a:r>
+              <a:rPr lang="en-US" altLang="en-US" sz="3200" b="1" dirty="0">
+                <a:solidFill>
+                  <a:srgbClr val="262626"/>
+                </a:solidFill>
+                <a:latin typeface="Calibri" panose="020F0502020204030204" pitchFamily="34" charset="0"/>
+                <a:cs typeface="Calibri" panose="020F0502020204030204" pitchFamily="34" charset="0"/>
+                <a:sym typeface="+mn-ea"/>
+              </a:rPr>
+              <a:t>Private (permissioned) blockchains</a:t>
+            </a:r>
+            <a:endParaRPr lang="en-US" sz="3200" b="1" dirty="0">
+              <a:latin typeface="Calibri" panose="020F0502020204030204" pitchFamily="34" charset="0"/>
+              <a:cs typeface="Calibri" panose="020F0502020204030204" pitchFamily="34" charset="0"/>
+            </a:endParaRPr>
+          </a:p>
+        </p:txBody>
+      </p:sp>
+      <p:sp>
+        <p:nvSpPr>
+          <p:cNvPr id="3" name="Content Placeholder 2"/>
+          <p:cNvSpPr>
+            <a:spLocks noGrp="1"/>
+          </p:cNvSpPr>
+          <p:nvPr>
+            <p:ph idx="1"/>
+          </p:nvPr>
+        </p:nvSpPr>
+        <p:spPr>
+          <a:xfrm>
+            <a:off x="628650" y="989044"/>
+            <a:ext cx="7886700" cy="5605719"/>
+          </a:xfrm>
+        </p:spPr>
+        <p:txBody>
+          <a:bodyPr>
+            <a:normAutofit/>
+          </a:bodyPr>
+          <a:lstStyle/>
+          <a:p>
+            <a:pPr defTabSz="342900">
+              <a:lnSpc>
+                <a:spcPct val="120000"/>
+              </a:lnSpc>
+            </a:pPr>
+            <a:r>
+              <a:rPr lang="en-US" altLang="en-US" sz="1800" dirty="0">
+                <a:solidFill>
+                  <a:srgbClr val="262626"/>
+                </a:solidFill>
+              </a:rPr>
+              <a:t>Why?</a:t>
+            </a:r>
+            <a:endParaRPr lang="en-US" altLang="en-US" sz="1800" dirty="0">
+              <a:solidFill>
+                <a:srgbClr val="262626"/>
+              </a:solidFill>
+            </a:endParaRPr>
+          </a:p>
+          <a:p>
+            <a:pPr defTabSz="342900">
+              <a:lnSpc>
+                <a:spcPct val="120000"/>
+              </a:lnSpc>
+            </a:pPr>
+            <a:endParaRPr lang="en-US" altLang="en-US" sz="1800" dirty="0">
+              <a:solidFill>
+                <a:srgbClr val="262626"/>
+              </a:solidFill>
+            </a:endParaRPr>
+          </a:p>
+          <a:p>
+            <a:pPr defTabSz="342900">
+              <a:lnSpc>
+                <a:spcPct val="120000"/>
+              </a:lnSpc>
+            </a:pPr>
+            <a:r>
+              <a:rPr lang="en-US" altLang="en-US" sz="1800" dirty="0">
+                <a:solidFill>
+                  <a:srgbClr val="262626"/>
+                </a:solidFill>
+              </a:rPr>
+              <a:t>1 more inter organizational collaboration and more efficient</a:t>
+            </a:r>
+            <a:endParaRPr lang="en-US" altLang="en-US" sz="1800" dirty="0">
+              <a:solidFill>
+                <a:srgbClr val="262626"/>
+              </a:solidFill>
+            </a:endParaRPr>
+          </a:p>
+          <a:p>
+            <a:pPr defTabSz="342900">
+              <a:lnSpc>
+                <a:spcPct val="120000"/>
+              </a:lnSpc>
+            </a:pPr>
+            <a:endParaRPr lang="en-US" altLang="en-US" sz="1800" dirty="0">
+              <a:solidFill>
+                <a:srgbClr val="262626"/>
+              </a:solidFill>
+            </a:endParaRPr>
+          </a:p>
+          <a:p>
+            <a:pPr defTabSz="342900">
+              <a:lnSpc>
+                <a:spcPct val="120000"/>
+              </a:lnSpc>
+            </a:pPr>
+            <a:r>
+              <a:rPr lang="en-US" altLang="en-US" sz="1800" dirty="0">
+                <a:solidFill>
+                  <a:srgbClr val="262626"/>
+                </a:solidFill>
+              </a:rPr>
+              <a:t>2 involve more potiential clients to join the community and become the “owner” of a company</a:t>
+            </a:r>
+            <a:endParaRPr lang="en-US" altLang="en-US" sz="1800" dirty="0">
+              <a:solidFill>
+                <a:srgbClr val="262626"/>
+              </a:solidFill>
+            </a:endParaRPr>
+          </a:p>
+          <a:p>
+            <a:pPr lvl="1" defTabSz="342900">
+              <a:lnSpc>
+                <a:spcPct val="120000"/>
+              </a:lnSpc>
+            </a:pPr>
+            <a:r>
+              <a:rPr lang="en-US" altLang="en-US" sz="1540" dirty="0">
+                <a:solidFill>
+                  <a:srgbClr val="262626"/>
+                </a:solidFill>
+              </a:rPr>
+              <a:t>markting</a:t>
+            </a:r>
+            <a:endParaRPr lang="en-US" altLang="en-US" sz="1540" dirty="0">
+              <a:solidFill>
+                <a:srgbClr val="262626"/>
+              </a:solidFill>
+            </a:endParaRPr>
+          </a:p>
+          <a:p>
+            <a:pPr lvl="1" defTabSz="342900">
+              <a:lnSpc>
+                <a:spcPct val="120000"/>
+              </a:lnSpc>
+            </a:pPr>
+            <a:r>
+              <a:rPr lang="en-US" altLang="en-US" sz="1540" dirty="0">
+                <a:solidFill>
+                  <a:srgbClr val="262626"/>
+                </a:solidFill>
+              </a:rPr>
+              <a:t>client loyalty</a:t>
+            </a:r>
+            <a:endParaRPr lang="en-US" altLang="en-US" sz="1540" dirty="0">
+              <a:solidFill>
+                <a:srgbClr val="262626"/>
+              </a:solidFill>
+            </a:endParaRPr>
+          </a:p>
+          <a:p>
+            <a:pPr lvl="1" defTabSz="342900">
+              <a:lnSpc>
+                <a:spcPct val="120000"/>
+              </a:lnSpc>
+            </a:pPr>
+            <a:endParaRPr lang="en-US" altLang="en-US" sz="1540" dirty="0">
+              <a:solidFill>
+                <a:srgbClr val="262626"/>
+              </a:solidFill>
+            </a:endParaRPr>
+          </a:p>
+          <a:p>
+            <a:pPr marL="228600" lvl="0" indent="-228600" defTabSz="342900">
+              <a:lnSpc>
+                <a:spcPct val="120000"/>
+              </a:lnSpc>
+              <a:buFont typeface="Arial" panose="020B0604020202020204" pitchFamily="34" charset="0"/>
+              <a:buChar char="•"/>
+            </a:pPr>
+            <a:r>
+              <a:rPr lang="en-US" altLang="en-US" sz="1800" dirty="0">
+                <a:solidFill>
+                  <a:srgbClr val="262626"/>
+                </a:solidFill>
+              </a:rPr>
+              <a:t>Mainstream solutions:</a:t>
+            </a:r>
+            <a:endParaRPr lang="en-US" altLang="en-US" sz="1800" dirty="0">
+              <a:solidFill>
+                <a:srgbClr val="262626"/>
+              </a:solidFill>
+            </a:endParaRPr>
+          </a:p>
+          <a:p>
+            <a:pPr marL="685800" lvl="1" indent="-228600" defTabSz="342900">
+              <a:lnSpc>
+                <a:spcPct val="120000"/>
+              </a:lnSpc>
+              <a:buFont typeface="Arial" panose="020B0604020202020204" pitchFamily="34" charset="0"/>
+              <a:buChar char="•"/>
+            </a:pPr>
+            <a:r>
+              <a:rPr lang="en-US" altLang="en-US" sz="1540" dirty="0">
+                <a:solidFill>
+                  <a:srgbClr val="262626"/>
+                </a:solidFill>
+              </a:rPr>
+              <a:t>Hyperledge Fabric</a:t>
+            </a:r>
+            <a:endParaRPr lang="en-US" altLang="en-US" sz="1540" dirty="0">
+              <a:solidFill>
+                <a:srgbClr val="262626"/>
+              </a:solidFill>
+            </a:endParaRPr>
+          </a:p>
+          <a:p>
+            <a:pPr marL="685800" lvl="1" indent="-228600" defTabSz="342900">
+              <a:lnSpc>
+                <a:spcPct val="120000"/>
+              </a:lnSpc>
+              <a:buFont typeface="Arial" panose="020B0604020202020204" pitchFamily="34" charset="0"/>
+              <a:buChar char="•"/>
+            </a:pPr>
+            <a:r>
+              <a:rPr lang="en-US" altLang="en-US" sz="1540" dirty="0">
+                <a:solidFill>
+                  <a:srgbClr val="262626"/>
+                </a:solidFill>
+              </a:rPr>
+              <a:t>Ethereum </a:t>
+            </a:r>
+            <a:endParaRPr lang="en-US" altLang="en-US" sz="1540" dirty="0">
+              <a:solidFill>
+                <a:srgbClr val="262626"/>
+              </a:solidFill>
+            </a:endParaRPr>
+          </a:p>
+          <a:p>
+            <a:pPr marL="685800" lvl="1" indent="-228600" defTabSz="342900">
+              <a:lnSpc>
+                <a:spcPct val="120000"/>
+              </a:lnSpc>
+              <a:buFont typeface="Arial" panose="020B0604020202020204" pitchFamily="34" charset="0"/>
+              <a:buChar char="•"/>
+            </a:pPr>
+            <a:r>
+              <a:rPr lang="en-US" altLang="en-US" sz="1540" dirty="0">
+                <a:solidFill>
+                  <a:srgbClr val="262626"/>
+                </a:solidFill>
+              </a:rPr>
+              <a:t>R3 Corda</a:t>
+            </a:r>
+            <a:endParaRPr lang="en-US" altLang="en-US" sz="1540" dirty="0">
+              <a:solidFill>
+                <a:srgbClr val="262626"/>
+              </a:solidFill>
+            </a:endParaRPr>
+          </a:p>
+        </p:txBody>
+      </p:sp>
+    </p:spTree>
+  </p:cSld>
+  <p:clrMapOvr>
+    <a:masterClrMapping/>
+  </p:clrMapOvr>
+</p:sld>
+</file>
+
+<file path=ppt/slides/slide23.xml><?xml version="1.0" encoding="utf-8"?>
+<p:sld xmlns:a="http://schemas.openxmlformats.org/drawingml/2006/main" xmlns:r="http://schemas.openxmlformats.org/officeDocument/2006/relationships" xmlns:p="http://schemas.openxmlformats.org/presentationml/2006/main">
+  <p:cSld>
+    <p:spTree>
+      <p:nvGrpSpPr>
+        <p:cNvPr id="1" name=""/>
+        <p:cNvGrpSpPr/>
+        <p:nvPr/>
+      </p:nvGrpSpPr>
+      <p:grpSpPr>
+        <a:xfrm>
+          <a:off x="0" y="0"/>
+          <a:ext cx="0" cy="0"/>
+          <a:chOff x="0" y="0"/>
+          <a:chExt cx="0" cy="0"/>
+        </a:xfrm>
+      </p:grpSpPr>
+      <p:sp>
+        <p:nvSpPr>
+          <p:cNvPr id="2" name="Title 1"/>
+          <p:cNvSpPr>
+            <a:spLocks noGrp="1"/>
+          </p:cNvSpPr>
+          <p:nvPr>
+            <p:ph type="title"/>
+          </p:nvPr>
+        </p:nvSpPr>
+        <p:spPr>
+          <a:xfrm>
+            <a:off x="628650" y="155263"/>
+            <a:ext cx="7886700" cy="526790"/>
+          </a:xfrm>
+        </p:spPr>
+        <p:txBody>
+          <a:bodyPr>
+            <a:normAutofit fontScale="90000"/>
+          </a:bodyPr>
+          <a:lstStyle/>
+          <a:p>
+            <a:pPr algn="ctr"/>
+            <a:r>
+              <a:rPr lang="en-US" altLang="en-US" sz="3200" b="1" dirty="0">
+                <a:solidFill>
+                  <a:srgbClr val="262626"/>
+                </a:solidFill>
+                <a:latin typeface="Calibri" panose="020F0502020204030204" pitchFamily="34" charset="0"/>
+                <a:cs typeface="Calibri" panose="020F0502020204030204" pitchFamily="34" charset="0"/>
+                <a:sym typeface="+mn-ea"/>
+              </a:rPr>
+              <a:t>Cross-Chain Solutions</a:t>
+            </a:r>
+            <a:endParaRPr lang="en-US" sz="3200" b="1" dirty="0">
+              <a:latin typeface="Calibri" panose="020F0502020204030204" pitchFamily="34" charset="0"/>
+              <a:cs typeface="Calibri" panose="020F0502020204030204" pitchFamily="34" charset="0"/>
+            </a:endParaRPr>
+          </a:p>
+        </p:txBody>
+      </p:sp>
+      <p:sp>
+        <p:nvSpPr>
+          <p:cNvPr id="3" name="Content Placeholder 2"/>
+          <p:cNvSpPr>
+            <a:spLocks noGrp="1"/>
+          </p:cNvSpPr>
+          <p:nvPr>
+            <p:ph idx="1"/>
+          </p:nvPr>
+        </p:nvSpPr>
+        <p:spPr>
+          <a:xfrm>
+            <a:off x="628650" y="989044"/>
+            <a:ext cx="7886700" cy="5605719"/>
+          </a:xfrm>
+        </p:spPr>
+        <p:txBody>
+          <a:bodyPr>
+            <a:normAutofit lnSpcReduction="10000"/>
+          </a:bodyPr>
+          <a:lstStyle/>
+          <a:p>
+            <a:pPr defTabSz="342900">
+              <a:lnSpc>
+                <a:spcPct val="120000"/>
+              </a:lnSpc>
+            </a:pPr>
+            <a:r>
+              <a:rPr lang="en-US" altLang="en-US" sz="1800" dirty="0">
+                <a:solidFill>
+                  <a:srgbClr val="262626"/>
+                </a:solidFill>
+              </a:rPr>
+              <a:t>Along with the blockchain demand increase, there will be a huge need for the crosschain solutions to connect different isolated chains</a:t>
+            </a:r>
+            <a:endParaRPr lang="en-US" altLang="en-US" sz="1800" dirty="0">
+              <a:solidFill>
+                <a:srgbClr val="262626"/>
+              </a:solidFill>
+            </a:endParaRPr>
+          </a:p>
+          <a:p>
+            <a:pPr defTabSz="342900">
+              <a:lnSpc>
+                <a:spcPct val="120000"/>
+              </a:lnSpc>
+            </a:pPr>
+            <a:endParaRPr lang="en-US" altLang="en-US" sz="1800" dirty="0">
+              <a:solidFill>
+                <a:srgbClr val="262626"/>
+              </a:solidFill>
+            </a:endParaRPr>
+          </a:p>
+          <a:p>
+            <a:pPr defTabSz="342900">
+              <a:lnSpc>
+                <a:spcPct val="120000"/>
+              </a:lnSpc>
+            </a:pPr>
+            <a:r>
+              <a:rPr lang="en-US" altLang="en-US" sz="1800" dirty="0">
+                <a:solidFill>
+                  <a:srgbClr val="262626"/>
+                </a:solidFill>
+              </a:rPr>
+              <a:t>Solutions:</a:t>
+            </a:r>
+            <a:endParaRPr lang="en-US" altLang="en-US" sz="1800" dirty="0">
+              <a:solidFill>
+                <a:srgbClr val="262626"/>
+              </a:solidFill>
+            </a:endParaRPr>
+          </a:p>
+          <a:p>
+            <a:pPr defTabSz="342900">
+              <a:lnSpc>
+                <a:spcPct val="120000"/>
+              </a:lnSpc>
+            </a:pPr>
+            <a:r>
+              <a:rPr lang="en-US" altLang="en-US" sz="1800" dirty="0">
+                <a:solidFill>
+                  <a:srgbClr val="262626"/>
+                </a:solidFill>
+              </a:rPr>
+              <a:t>1 Messaging Relay</a:t>
+            </a:r>
+            <a:endParaRPr lang="en-US" altLang="en-US" sz="1800" dirty="0">
+              <a:solidFill>
+                <a:srgbClr val="262626"/>
+              </a:solidFill>
+            </a:endParaRPr>
+          </a:p>
+          <a:p>
+            <a:pPr defTabSz="342900">
+              <a:lnSpc>
+                <a:spcPct val="120000"/>
+              </a:lnSpc>
+            </a:pPr>
+            <a:r>
+              <a:rPr lang="en-US" altLang="en-US" sz="1800" dirty="0">
+                <a:solidFill>
+                  <a:srgbClr val="262626"/>
+                </a:solidFill>
+              </a:rPr>
+              <a:t>2 Atomic Swap</a:t>
+            </a:r>
+            <a:endParaRPr lang="en-US" altLang="en-US" sz="1800" dirty="0">
+              <a:solidFill>
+                <a:srgbClr val="262626"/>
+              </a:solidFill>
+            </a:endParaRPr>
+          </a:p>
+          <a:p>
+            <a:pPr defTabSz="342900">
+              <a:lnSpc>
+                <a:spcPct val="120000"/>
+              </a:lnSpc>
+            </a:pPr>
+            <a:r>
+              <a:rPr lang="en-US" altLang="en-US" sz="1800" dirty="0">
+                <a:solidFill>
+                  <a:srgbClr val="262626"/>
+                </a:solidFill>
+              </a:rPr>
+              <a:t>3 Centralized Gateway</a:t>
+            </a:r>
+            <a:endParaRPr lang="en-US" altLang="en-US" sz="1800" dirty="0">
+              <a:solidFill>
+                <a:srgbClr val="262626"/>
+              </a:solidFill>
+            </a:endParaRPr>
+          </a:p>
+          <a:p>
+            <a:pPr defTabSz="342900">
+              <a:lnSpc>
+                <a:spcPct val="120000"/>
+              </a:lnSpc>
+            </a:pPr>
+            <a:endParaRPr lang="en-US" altLang="en-US" sz="1800" dirty="0">
+              <a:solidFill>
+                <a:srgbClr val="262626"/>
+              </a:solidFill>
+            </a:endParaRPr>
+          </a:p>
+        </p:txBody>
+      </p:sp>
+    </p:spTree>
+  </p:cSld>
+  <p:clrMapOvr>
+    <a:masterClrMapping/>
+  </p:clrMapOvr>
+</p:sld>
+</file>
+
+<file path=ppt/slides/slide24.xml><?xml version="1.0" encoding="utf-8"?>
+<p:sld xmlns:a="http://schemas.openxmlformats.org/drawingml/2006/main" xmlns:r="http://schemas.openxmlformats.org/officeDocument/2006/relationships" xmlns:p="http://schemas.openxmlformats.org/presentationml/2006/main">
+  <p:cSld>
+    <p:spTree>
+      <p:nvGrpSpPr>
+        <p:cNvPr id="1" name=""/>
+        <p:cNvGrpSpPr/>
+        <p:nvPr/>
+      </p:nvGrpSpPr>
+      <p:grpSpPr>
+        <a:xfrm>
+          <a:off x="0" y="0"/>
+          <a:ext cx="0" cy="0"/>
+          <a:chOff x="0" y="0"/>
+          <a:chExt cx="0" cy="0"/>
+        </a:xfrm>
+      </p:grpSpPr>
+      <p:sp>
+        <p:nvSpPr>
+          <p:cNvPr id="2" name="Title 1"/>
+          <p:cNvSpPr>
+            <a:spLocks noGrp="1"/>
+          </p:cNvSpPr>
+          <p:nvPr>
+            <p:ph type="title"/>
+          </p:nvPr>
+        </p:nvSpPr>
+        <p:spPr>
+          <a:xfrm>
+            <a:off x="628650" y="155263"/>
+            <a:ext cx="7886700" cy="526790"/>
+          </a:xfrm>
+        </p:spPr>
+        <p:txBody>
+          <a:bodyPr>
+            <a:normAutofit fontScale="90000"/>
+          </a:bodyPr>
+          <a:lstStyle/>
+          <a:p>
+            <a:pPr algn="ctr"/>
+            <a:r>
+              <a:rPr lang="en-US" altLang="en-US" sz="3200" b="1" dirty="0">
+                <a:solidFill>
+                  <a:srgbClr val="262626"/>
+                </a:solidFill>
+                <a:latin typeface="Calibri" panose="020F0502020204030204" pitchFamily="34" charset="0"/>
+                <a:cs typeface="Calibri" panose="020F0502020204030204" pitchFamily="34" charset="0"/>
+                <a:sym typeface="+mn-ea"/>
+              </a:rPr>
+              <a:t>Cross-Chain Solutions</a:t>
+            </a:r>
+            <a:endParaRPr lang="en-US" sz="3200" b="1" dirty="0">
+              <a:latin typeface="Calibri" panose="020F0502020204030204" pitchFamily="34" charset="0"/>
+              <a:cs typeface="Calibri" panose="020F0502020204030204" pitchFamily="34" charset="0"/>
+            </a:endParaRPr>
+          </a:p>
+        </p:txBody>
+      </p:sp>
+      <p:pic>
+        <p:nvPicPr>
+          <p:cNvPr id="4" name="图片 3" descr="497524_1_En_17_Fig1_HTML"/>
+          <p:cNvPicPr>
+            <a:picLocks noChangeAspect="1"/>
+          </p:cNvPicPr>
+          <p:nvPr/>
+        </p:nvPicPr>
+        <p:blipFill>
+          <a:blip r:embed="rId1"/>
+          <a:stretch>
+            <a:fillRect/>
+          </a:stretch>
+        </p:blipFill>
+        <p:spPr>
+          <a:xfrm>
+            <a:off x="628650" y="1546860"/>
+            <a:ext cx="7849870" cy="3959860"/>
+          </a:xfrm>
+          <a:prstGeom prst="rect">
+            <a:avLst/>
+          </a:prstGeom>
+        </p:spPr>
+      </p:pic>
+    </p:spTree>
+  </p:cSld>
+  <p:clrMapOvr>
+    <a:masterClrMapping/>
+  </p:clrMapOvr>
+</p:sld>
+</file>
+
+<file path=ppt/slides/slide25.xml><?xml version="1.0" encoding="utf-8"?>
+<p:sld xmlns:a="http://schemas.openxmlformats.org/drawingml/2006/main" xmlns:r="http://schemas.openxmlformats.org/officeDocument/2006/relationships" xmlns:p="http://schemas.openxmlformats.org/presentationml/2006/main">
+  <p:cSld>
+    <p:spTree>
+      <p:nvGrpSpPr>
+        <p:cNvPr id="1" name=""/>
+        <p:cNvGrpSpPr/>
+        <p:nvPr/>
+      </p:nvGrpSpPr>
+      <p:grpSpPr>
+        <a:xfrm>
+          <a:off x="0" y="0"/>
+          <a:ext cx="0" cy="0"/>
+          <a:chOff x="0" y="0"/>
+          <a:chExt cx="0" cy="0"/>
+        </a:xfrm>
+      </p:grpSpPr>
+      <p:sp>
+        <p:nvSpPr>
+          <p:cNvPr id="2" name="Title 1"/>
+          <p:cNvSpPr>
+            <a:spLocks noGrp="1"/>
+          </p:cNvSpPr>
+          <p:nvPr>
+            <p:ph type="title"/>
+          </p:nvPr>
+        </p:nvSpPr>
+        <p:spPr>
+          <a:xfrm>
+            <a:off x="628650" y="155263"/>
+            <a:ext cx="7886700" cy="526790"/>
+          </a:xfrm>
+        </p:spPr>
+        <p:txBody>
+          <a:bodyPr>
+            <a:normAutofit fontScale="90000"/>
+          </a:bodyPr>
+          <a:lstStyle/>
+          <a:p>
+            <a:pPr algn="ctr"/>
+            <a:r>
+              <a:rPr lang="en-US" altLang="en-US" sz="3200" b="1" dirty="0">
+                <a:solidFill>
+                  <a:srgbClr val="262626"/>
+                </a:solidFill>
+                <a:latin typeface="Calibri" panose="020F0502020204030204" pitchFamily="34" charset="0"/>
+                <a:cs typeface="Calibri" panose="020F0502020204030204" pitchFamily="34" charset="0"/>
+                <a:sym typeface="+mn-ea"/>
+              </a:rPr>
+              <a:t>Cross-Chain Solutions</a:t>
+            </a:r>
+            <a:endParaRPr lang="en-US" sz="3200" b="1" dirty="0">
+              <a:latin typeface="Calibri" panose="020F0502020204030204" pitchFamily="34" charset="0"/>
+              <a:cs typeface="Calibri" panose="020F0502020204030204" pitchFamily="34" charset="0"/>
+            </a:endParaRPr>
+          </a:p>
+        </p:txBody>
+      </p:sp>
+      <p:pic>
+        <p:nvPicPr>
+          <p:cNvPr id="6" name="图片 5" descr="1-KUjZ-o0t1E6clu7ZrDNgLQ"/>
+          <p:cNvPicPr>
+            <a:picLocks noChangeAspect="1"/>
+          </p:cNvPicPr>
+          <p:nvPr/>
+        </p:nvPicPr>
+        <p:blipFill>
+          <a:blip r:embed="rId1"/>
+          <a:stretch>
+            <a:fillRect/>
+          </a:stretch>
+        </p:blipFill>
+        <p:spPr>
+          <a:xfrm>
+            <a:off x="394970" y="1336675"/>
+            <a:ext cx="8121015" cy="5485130"/>
+          </a:xfrm>
+          <a:prstGeom prst="rect">
+            <a:avLst/>
+          </a:prstGeom>
+        </p:spPr>
+      </p:pic>
+    </p:spTree>
+  </p:cSld>
+  <p:clrMapOvr>
+    <a:masterClrMapping/>
+  </p:clrMapOvr>
+</p:sld>
+</file>
+
+<file path=ppt/slides/slide26.xml><?xml version="1.0" encoding="utf-8"?>
+<p:sld xmlns:a="http://schemas.openxmlformats.org/drawingml/2006/main" xmlns:r="http://schemas.openxmlformats.org/officeDocument/2006/relationships" xmlns:p="http://schemas.openxmlformats.org/presentationml/2006/main">
+  <p:cSld>
+    <p:spTree>
+      <p:nvGrpSpPr>
+        <p:cNvPr id="1" name=""/>
+        <p:cNvGrpSpPr/>
+        <p:nvPr/>
+      </p:nvGrpSpPr>
+      <p:grpSpPr>
+        <a:xfrm>
+          <a:off x="0" y="0"/>
+          <a:ext cx="0" cy="0"/>
+          <a:chOff x="0" y="0"/>
+          <a:chExt cx="0" cy="0"/>
+        </a:xfrm>
+      </p:grpSpPr>
+      <p:sp>
+        <p:nvSpPr>
+          <p:cNvPr id="2" name="Title 1"/>
+          <p:cNvSpPr>
+            <a:spLocks noGrp="1"/>
+          </p:cNvSpPr>
+          <p:nvPr>
+            <p:ph type="title"/>
+          </p:nvPr>
+        </p:nvSpPr>
+        <p:spPr>
+          <a:xfrm>
+            <a:off x="628650" y="155263"/>
+            <a:ext cx="7886700" cy="526790"/>
+          </a:xfrm>
+        </p:spPr>
+        <p:txBody>
+          <a:bodyPr>
+            <a:normAutofit fontScale="90000"/>
+          </a:bodyPr>
+          <a:lstStyle/>
+          <a:p>
+            <a:pPr algn="ctr"/>
+            <a:r>
+              <a:rPr lang="en-US" altLang="en-US" sz="3200" b="1" dirty="0">
+                <a:solidFill>
+                  <a:srgbClr val="262626"/>
+                </a:solidFill>
+                <a:latin typeface="Calibri" panose="020F0502020204030204" pitchFamily="34" charset="0"/>
+                <a:cs typeface="Calibri" panose="020F0502020204030204" pitchFamily="34" charset="0"/>
+                <a:sym typeface="+mn-ea"/>
+              </a:rPr>
+              <a:t>Cross-Chain Solutions</a:t>
+            </a:r>
+            <a:endParaRPr lang="en-US" sz="3200" b="1" dirty="0">
+              <a:latin typeface="Calibri" panose="020F0502020204030204" pitchFamily="34" charset="0"/>
+              <a:cs typeface="Calibri" panose="020F0502020204030204" pitchFamily="34" charset="0"/>
+            </a:endParaRPr>
+          </a:p>
+        </p:txBody>
+      </p:sp>
+      <p:sp>
+        <p:nvSpPr>
+          <p:cNvPr id="3" name="矩形 2"/>
+          <p:cNvSpPr/>
+          <p:nvPr/>
+        </p:nvSpPr>
+        <p:spPr>
+          <a:xfrm>
+            <a:off x="1858010" y="1975485"/>
+            <a:ext cx="479425" cy="3527425"/>
+          </a:xfrm>
+          <a:prstGeom prst="rect">
+            <a:avLst/>
+          </a:prstGeom>
+        </p:spPr>
+        <p:style>
+          <a:lnRef idx="2">
+            <a:schemeClr val="accent1">
+              <a:shade val="50000"/>
+            </a:schemeClr>
+          </a:lnRef>
+          <a:fillRef idx="1">
+            <a:schemeClr val="accent1"/>
+          </a:fillRef>
+          <a:effectRef idx="0">
+            <a:schemeClr val="accent1"/>
+          </a:effectRef>
+          <a:fontRef idx="minor">
+            <a:schemeClr val="lt1"/>
+          </a:fontRef>
+        </p:style>
+        <p:txBody>
+          <a:bodyPr rtlCol="0" anchor="ctr"/>
+          <a:p>
+            <a:pPr algn="ctr"/>
+            <a:endParaRPr lang="zh-CN" altLang="en-US"/>
+          </a:p>
+        </p:txBody>
+      </p:sp>
+      <p:sp>
+        <p:nvSpPr>
+          <p:cNvPr id="4" name="矩形 3"/>
+          <p:cNvSpPr/>
+          <p:nvPr/>
+        </p:nvSpPr>
+        <p:spPr>
+          <a:xfrm>
+            <a:off x="5230495" y="1975485"/>
+            <a:ext cx="479425" cy="3527425"/>
+          </a:xfrm>
+          <a:prstGeom prst="rect">
+            <a:avLst/>
+          </a:prstGeom>
+        </p:spPr>
+        <p:style>
+          <a:lnRef idx="2">
+            <a:schemeClr val="accent1">
+              <a:shade val="50000"/>
+            </a:schemeClr>
+          </a:lnRef>
+          <a:fillRef idx="1">
+            <a:schemeClr val="accent1"/>
+          </a:fillRef>
+          <a:effectRef idx="0">
+            <a:schemeClr val="accent1"/>
+          </a:effectRef>
+          <a:fontRef idx="minor">
+            <a:schemeClr val="lt1"/>
+          </a:fontRef>
+        </p:style>
+        <p:txBody>
+          <a:bodyPr rtlCol="0" anchor="ctr"/>
+          <a:p>
+            <a:pPr algn="ctr"/>
+            <a:endParaRPr lang="zh-CN" altLang="en-US"/>
+          </a:p>
+        </p:txBody>
+      </p:sp>
+      <p:sp>
+        <p:nvSpPr>
+          <p:cNvPr id="5" name="椭圆 4"/>
+          <p:cNvSpPr/>
+          <p:nvPr/>
+        </p:nvSpPr>
+        <p:spPr>
+          <a:xfrm>
+            <a:off x="3043555" y="2828925"/>
+            <a:ext cx="1481455" cy="1199515"/>
+          </a:xfrm>
+          <a:prstGeom prst="ellipse">
+            <a:avLst/>
+          </a:prstGeom>
+        </p:spPr>
+        <p:style>
+          <a:lnRef idx="2">
+            <a:schemeClr val="accent6"/>
+          </a:lnRef>
+          <a:fillRef idx="1">
+            <a:schemeClr val="lt1"/>
+          </a:fillRef>
+          <a:effectRef idx="0">
+            <a:schemeClr val="accent6"/>
+          </a:effectRef>
+          <a:fontRef idx="minor">
+            <a:schemeClr val="dk1"/>
+          </a:fontRef>
+        </p:style>
+        <p:txBody>
+          <a:bodyPr rtlCol="0" anchor="ctr"/>
+          <a:p>
+            <a:pPr algn="ctr"/>
             <a:r>
               <a:rPr lang="en-US" altLang="zh-CN"/>
-              <a:t>1. economic of scales, saving gas fee</a:t>
+              <a:t>Gateway</a:t>
             </a:r>
             <a:endParaRPr lang="en-US" altLang="zh-CN"/>
           </a:p>
-          <a:p>
+        </p:txBody>
+      </p:sp>
+      <p:sp>
+        <p:nvSpPr>
+          <p:cNvPr id="7" name="矩形 6"/>
+          <p:cNvSpPr/>
+          <p:nvPr/>
+        </p:nvSpPr>
+        <p:spPr>
+          <a:xfrm>
+            <a:off x="1844040" y="2356485"/>
+            <a:ext cx="479425" cy="366395"/>
+          </a:xfrm>
+          <a:prstGeom prst="rect">
+            <a:avLst/>
+          </a:prstGeom>
+        </p:spPr>
+        <p:style>
+          <a:lnRef idx="2">
+            <a:schemeClr val="accent6"/>
+          </a:lnRef>
+          <a:fillRef idx="1">
+            <a:schemeClr val="lt1"/>
+          </a:fillRef>
+          <a:effectRef idx="0">
+            <a:schemeClr val="accent6"/>
+          </a:effectRef>
+          <a:fontRef idx="minor">
+            <a:schemeClr val="dk1"/>
+          </a:fontRef>
+        </p:style>
+        <p:txBody>
+          <a:bodyPr rtlCol="0" anchor="ctr"/>
+          <a:p>
+            <a:pPr algn="ctr"/>
             <a:r>
               <a:rPr lang="en-US" altLang="zh-CN"/>
-              <a:t>2. aggregator, one stop shop</a:t>
+              <a:t>G</a:t>
             </a:r>
             <a:endParaRPr lang="en-US" altLang="zh-CN"/>
+          </a:p>
+        </p:txBody>
+      </p:sp>
+      <p:sp>
+        <p:nvSpPr>
+          <p:cNvPr id="8" name="矩形 7"/>
+          <p:cNvSpPr/>
+          <p:nvPr/>
+        </p:nvSpPr>
+        <p:spPr>
+          <a:xfrm>
+            <a:off x="1858010" y="3711575"/>
+            <a:ext cx="479425" cy="366395"/>
+          </a:xfrm>
+          <a:prstGeom prst="rect">
+            <a:avLst/>
+          </a:prstGeom>
+        </p:spPr>
+        <p:style>
+          <a:lnRef idx="2">
+            <a:schemeClr val="accent6"/>
+          </a:lnRef>
+          <a:fillRef idx="1">
+            <a:schemeClr val="lt1"/>
+          </a:fillRef>
+          <a:effectRef idx="0">
+            <a:schemeClr val="accent6"/>
+          </a:effectRef>
+          <a:fontRef idx="minor">
+            <a:schemeClr val="dk1"/>
+          </a:fontRef>
+        </p:style>
+        <p:txBody>
+          <a:bodyPr rtlCol="0" anchor="ctr"/>
+          <a:p>
+            <a:pPr algn="ctr"/>
+            <a:r>
+              <a:rPr lang="en-US" altLang="zh-CN"/>
+              <a:t>A</a:t>
+            </a:r>
+            <a:endParaRPr lang="en-US" altLang="zh-CN"/>
+          </a:p>
+        </p:txBody>
+      </p:sp>
+      <p:sp>
+        <p:nvSpPr>
+          <p:cNvPr id="9" name="矩形 8"/>
+          <p:cNvSpPr/>
+          <p:nvPr/>
+        </p:nvSpPr>
+        <p:spPr>
+          <a:xfrm>
+            <a:off x="5230495" y="3711575"/>
+            <a:ext cx="479425" cy="366395"/>
+          </a:xfrm>
+          <a:prstGeom prst="rect">
+            <a:avLst/>
+          </a:prstGeom>
+        </p:spPr>
+        <p:style>
+          <a:lnRef idx="2">
+            <a:schemeClr val="accent6"/>
+          </a:lnRef>
+          <a:fillRef idx="1">
+            <a:schemeClr val="lt1"/>
+          </a:fillRef>
+          <a:effectRef idx="0">
+            <a:schemeClr val="accent6"/>
+          </a:effectRef>
+          <a:fontRef idx="minor">
+            <a:schemeClr val="dk1"/>
+          </a:fontRef>
+        </p:style>
+        <p:txBody>
+          <a:bodyPr rtlCol="0" anchor="ctr"/>
+          <a:p>
+            <a:pPr algn="ctr"/>
+            <a:r>
+              <a:rPr lang="en-US" altLang="zh-CN"/>
+              <a:t>A</a:t>
+            </a:r>
+            <a:endParaRPr lang="en-US" altLang="zh-CN"/>
+          </a:p>
+        </p:txBody>
+      </p:sp>
+      <p:sp>
+        <p:nvSpPr>
+          <p:cNvPr id="10" name="矩形 9"/>
+          <p:cNvSpPr/>
+          <p:nvPr/>
+        </p:nvSpPr>
+        <p:spPr>
+          <a:xfrm>
+            <a:off x="5230495" y="2356485"/>
+            <a:ext cx="479425" cy="366395"/>
+          </a:xfrm>
+          <a:prstGeom prst="rect">
+            <a:avLst/>
+          </a:prstGeom>
+        </p:spPr>
+        <p:style>
+          <a:lnRef idx="2">
+            <a:schemeClr val="accent6"/>
+          </a:lnRef>
+          <a:fillRef idx="1">
+            <a:schemeClr val="lt1"/>
+          </a:fillRef>
+          <a:effectRef idx="0">
+            <a:schemeClr val="accent6"/>
+          </a:effectRef>
+          <a:fontRef idx="minor">
+            <a:schemeClr val="dk1"/>
+          </a:fontRef>
+        </p:style>
+        <p:txBody>
+          <a:bodyPr rtlCol="0" anchor="ctr"/>
+          <a:p>
+            <a:pPr algn="ctr"/>
+            <a:r>
+              <a:rPr lang="en-US" altLang="zh-CN"/>
+              <a:t>G</a:t>
+            </a:r>
+            <a:endParaRPr lang="en-US" altLang="zh-CN"/>
+          </a:p>
+        </p:txBody>
+      </p:sp>
+      <p:cxnSp>
+        <p:nvCxnSpPr>
+          <p:cNvPr id="11" name="曲线连接符 10"/>
+          <p:cNvCxnSpPr>
+            <a:stCxn id="9" idx="3"/>
+            <a:endCxn id="10" idx="3"/>
+          </p:cNvCxnSpPr>
+          <p:nvPr/>
+        </p:nvCxnSpPr>
+        <p:spPr>
+          <a:xfrm flipV="1">
+            <a:off x="5709920" y="2540000"/>
+            <a:ext cx="3175" cy="1355090"/>
+          </a:xfrm>
+          <a:prstGeom prst="curvedConnector3">
+            <a:avLst>
+              <a:gd name="adj1" fmla="val 7500000"/>
+            </a:avLst>
+          </a:prstGeom>
+          <a:ln>
+            <a:tailEnd type="arrow"/>
+          </a:ln>
+        </p:spPr>
+        <p:style>
+          <a:lnRef idx="1">
+            <a:schemeClr val="accent1"/>
+          </a:lnRef>
+          <a:fillRef idx="0">
+            <a:schemeClr val="accent1"/>
+          </a:fillRef>
+          <a:effectRef idx="0">
+            <a:schemeClr val="accent1"/>
+          </a:effectRef>
+          <a:fontRef idx="minor">
+            <a:schemeClr val="tx1"/>
+          </a:fontRef>
+        </p:style>
+      </p:cxnSp>
+      <p:cxnSp>
+        <p:nvCxnSpPr>
+          <p:cNvPr id="12" name="曲线连接符 11"/>
+          <p:cNvCxnSpPr>
+            <a:stCxn id="7" idx="1"/>
+            <a:endCxn id="8" idx="1"/>
+          </p:cNvCxnSpPr>
+          <p:nvPr/>
+        </p:nvCxnSpPr>
+        <p:spPr>
+          <a:xfrm rot="10800000" flipH="1" flipV="1">
+            <a:off x="1844040" y="2540000"/>
+            <a:ext cx="13970" cy="1355090"/>
+          </a:xfrm>
+          <a:prstGeom prst="curvedConnector3">
+            <a:avLst>
+              <a:gd name="adj1" fmla="val -1704545"/>
+            </a:avLst>
+          </a:prstGeom>
+          <a:ln>
+            <a:tailEnd type="arrow"/>
+          </a:ln>
+        </p:spPr>
+        <p:style>
+          <a:lnRef idx="1">
+            <a:schemeClr val="accent1"/>
+          </a:lnRef>
+          <a:fillRef idx="0">
+            <a:schemeClr val="accent1"/>
+          </a:fillRef>
+          <a:effectRef idx="0">
+            <a:schemeClr val="accent1"/>
+          </a:effectRef>
+          <a:fontRef idx="minor">
+            <a:schemeClr val="tx1"/>
+          </a:fontRef>
+        </p:style>
+      </p:cxnSp>
+      <p:cxnSp>
+        <p:nvCxnSpPr>
+          <p:cNvPr id="13" name="直接箭头连接符 12"/>
+          <p:cNvCxnSpPr>
+            <a:stCxn id="10" idx="1"/>
+            <a:endCxn id="5" idx="6"/>
+          </p:cNvCxnSpPr>
+          <p:nvPr/>
+        </p:nvCxnSpPr>
+        <p:spPr>
+          <a:xfrm flipH="1">
+            <a:off x="4525010" y="2540000"/>
+            <a:ext cx="705485" cy="889000"/>
+          </a:xfrm>
+          <a:prstGeom prst="straightConnector1">
+            <a:avLst/>
+          </a:prstGeom>
+          <a:ln>
+            <a:tailEnd type="arrow"/>
+          </a:ln>
+        </p:spPr>
+        <p:style>
+          <a:lnRef idx="1">
+            <a:schemeClr val="accent1"/>
+          </a:lnRef>
+          <a:fillRef idx="0">
+            <a:schemeClr val="accent1"/>
+          </a:fillRef>
+          <a:effectRef idx="0">
+            <a:schemeClr val="accent1"/>
+          </a:effectRef>
+          <a:fontRef idx="minor">
+            <a:schemeClr val="tx1"/>
+          </a:fontRef>
+        </p:style>
+      </p:cxnSp>
+      <p:cxnSp>
+        <p:nvCxnSpPr>
+          <p:cNvPr id="14" name="直接箭头连接符 13"/>
+          <p:cNvCxnSpPr>
+            <a:stCxn id="5" idx="2"/>
+            <a:endCxn id="7" idx="3"/>
+          </p:cNvCxnSpPr>
+          <p:nvPr/>
+        </p:nvCxnSpPr>
+        <p:spPr>
+          <a:xfrm flipH="1" flipV="1">
+            <a:off x="2323465" y="2540000"/>
+            <a:ext cx="720090" cy="889000"/>
+          </a:xfrm>
+          <a:prstGeom prst="straightConnector1">
+            <a:avLst/>
+          </a:prstGeom>
+          <a:ln>
+            <a:tailEnd type="arrow"/>
+          </a:ln>
+        </p:spPr>
+        <p:style>
+          <a:lnRef idx="1">
+            <a:schemeClr val="accent1"/>
+          </a:lnRef>
+          <a:fillRef idx="0">
+            <a:schemeClr val="accent1"/>
+          </a:fillRef>
+          <a:effectRef idx="0">
+            <a:schemeClr val="accent1"/>
+          </a:effectRef>
+          <a:fontRef idx="minor">
+            <a:schemeClr val="tx1"/>
+          </a:fontRef>
+        </p:style>
+      </p:cxnSp>
+    </p:spTree>
+  </p:cSld>
+  <p:clrMapOvr>
+    <a:masterClrMapping/>
+  </p:clrMapOvr>
+</p:sld>
+</file>
+
+<file path=ppt/slides/slide27.xml><?xml version="1.0" encoding="utf-8"?>
+<p:sld xmlns:a="http://schemas.openxmlformats.org/drawingml/2006/main" xmlns:r="http://schemas.openxmlformats.org/officeDocument/2006/relationships" xmlns:p="http://schemas.openxmlformats.org/presentationml/2006/main">
+  <p:cSld>
+    <p:spTree>
+      <p:nvGrpSpPr>
+        <p:cNvPr id="1" name=""/>
+        <p:cNvGrpSpPr/>
+        <p:nvPr/>
+      </p:nvGrpSpPr>
+      <p:grpSpPr>
+        <a:xfrm>
+          <a:off x="0" y="0"/>
+          <a:ext cx="0" cy="0"/>
+          <a:chOff x="0" y="0"/>
+          <a:chExt cx="0" cy="0"/>
+        </a:xfrm>
+      </p:grpSpPr>
+      <p:sp>
+        <p:nvSpPr>
+          <p:cNvPr id="2" name="Title 1"/>
+          <p:cNvSpPr>
+            <a:spLocks noGrp="1"/>
+          </p:cNvSpPr>
+          <p:nvPr>
+            <p:ph type="title"/>
+          </p:nvPr>
+        </p:nvSpPr>
+        <p:spPr>
+          <a:xfrm>
+            <a:off x="628650" y="155263"/>
+            <a:ext cx="7886700" cy="526790"/>
+          </a:xfrm>
+        </p:spPr>
+        <p:txBody>
+          <a:bodyPr>
+            <a:normAutofit fontScale="90000"/>
+          </a:bodyPr>
+          <a:lstStyle/>
+          <a:p>
+            <a:pPr algn="ctr"/>
+            <a:r>
+              <a:rPr lang="en-US" altLang="en-US" sz="3200" b="1" dirty="0">
+                <a:solidFill>
+                  <a:srgbClr val="262626"/>
+                </a:solidFill>
+                <a:latin typeface="Calibri" panose="020F0502020204030204" pitchFamily="34" charset="0"/>
+                <a:cs typeface="Calibri" panose="020F0502020204030204" pitchFamily="34" charset="0"/>
+                <a:sym typeface="+mn-ea"/>
+              </a:rPr>
+              <a:t>Cross-Chain Solutions</a:t>
+            </a:r>
+            <a:endParaRPr lang="en-US" sz="3200" b="1" dirty="0">
+              <a:latin typeface="Calibri" panose="020F0502020204030204" pitchFamily="34" charset="0"/>
+              <a:cs typeface="Calibri" panose="020F0502020204030204" pitchFamily="34" charset="0"/>
+            </a:endParaRPr>
+          </a:p>
+        </p:txBody>
+      </p:sp>
+      <p:sp>
+        <p:nvSpPr>
+          <p:cNvPr id="3" name="Content Placeholder 2"/>
+          <p:cNvSpPr>
+            <a:spLocks noGrp="1"/>
+          </p:cNvSpPr>
+          <p:nvPr>
+            <p:ph idx="1"/>
+          </p:nvPr>
+        </p:nvSpPr>
+        <p:spPr>
+          <a:xfrm>
+            <a:off x="628650" y="989044"/>
+            <a:ext cx="7886700" cy="5605719"/>
+          </a:xfrm>
+        </p:spPr>
+        <p:txBody>
+          <a:bodyPr>
+            <a:normAutofit lnSpcReduction="10000"/>
+          </a:bodyPr>
+          <a:lstStyle/>
+          <a:p>
+            <a:pPr defTabSz="342900">
+              <a:lnSpc>
+                <a:spcPct val="120000"/>
+              </a:lnSpc>
+            </a:pPr>
+            <a:r>
+              <a:rPr lang="en-US" altLang="en-US" sz="1800" dirty="0">
+                <a:solidFill>
+                  <a:srgbClr val="262626"/>
+                </a:solidFill>
+              </a:rPr>
+              <a:t>Difference: </a:t>
+            </a:r>
+            <a:endParaRPr lang="en-US" altLang="en-US" sz="1800" dirty="0">
+              <a:solidFill>
+                <a:srgbClr val="262626"/>
+              </a:solidFill>
+            </a:endParaRPr>
+          </a:p>
+          <a:p>
+            <a:pPr defTabSz="342900">
+              <a:lnSpc>
+                <a:spcPct val="120000"/>
+              </a:lnSpc>
+            </a:pPr>
+            <a:endParaRPr lang="en-US" altLang="en-US" sz="1800" dirty="0">
+              <a:solidFill>
+                <a:srgbClr val="262626"/>
+              </a:solidFill>
+            </a:endParaRPr>
+          </a:p>
+          <a:p>
+            <a:pPr defTabSz="342900">
+              <a:lnSpc>
+                <a:spcPct val="120000"/>
+              </a:lnSpc>
+            </a:pPr>
+            <a:r>
+              <a:rPr lang="en-US" altLang="en-US" sz="1800" dirty="0">
+                <a:solidFill>
+                  <a:srgbClr val="262626"/>
+                </a:solidFill>
+              </a:rPr>
+              <a:t>Messaging Relay: the token is a proxy</a:t>
+            </a:r>
+            <a:endParaRPr lang="en-US" altLang="en-US" sz="1800" dirty="0">
+              <a:solidFill>
+                <a:srgbClr val="262626"/>
+              </a:solidFill>
+            </a:endParaRPr>
+          </a:p>
+          <a:p>
+            <a:pPr defTabSz="342900">
+              <a:lnSpc>
+                <a:spcPct val="120000"/>
+              </a:lnSpc>
+            </a:pPr>
+            <a:r>
+              <a:rPr lang="en-US" altLang="en-US" sz="1800" dirty="0">
+                <a:solidFill>
+                  <a:srgbClr val="262626"/>
+                </a:solidFill>
+              </a:rPr>
+              <a:t>Atomic : the token is authentic</a:t>
+            </a:r>
+            <a:endParaRPr lang="en-US" altLang="en-US" sz="1800" dirty="0">
+              <a:solidFill>
+                <a:srgbClr val="262626"/>
+              </a:solidFill>
+            </a:endParaRPr>
+          </a:p>
+          <a:p>
+            <a:pPr defTabSz="342900">
+              <a:lnSpc>
+                <a:spcPct val="120000"/>
+              </a:lnSpc>
+            </a:pPr>
+            <a:r>
+              <a:rPr lang="en-US" altLang="en-US" sz="1800" dirty="0">
+                <a:solidFill>
+                  <a:srgbClr val="262626"/>
+                </a:solidFill>
+              </a:rPr>
+              <a:t>Gateway: centralized program</a:t>
+            </a:r>
+            <a:endParaRPr lang="en-US" altLang="en-US" sz="1800" dirty="0">
+              <a:solidFill>
+                <a:srgbClr val="262626"/>
+              </a:solidFill>
+            </a:endParaRPr>
+          </a:p>
+        </p:txBody>
+      </p:sp>
+    </p:spTree>
+  </p:cSld>
+  <p:clrMapOvr>
+    <a:masterClrMapping/>
+  </p:clrMapOvr>
+</p:sld>
+</file>
+
+<file path=ppt/slides/slide28.xml><?xml version="1.0" encoding="utf-8"?>
+<p:sld xmlns:a="http://schemas.openxmlformats.org/drawingml/2006/main" xmlns:r="http://schemas.openxmlformats.org/officeDocument/2006/relationships" xmlns:p="http://schemas.openxmlformats.org/presentationml/2006/main">
+  <p:cSld>
+    <p:spTree>
+      <p:nvGrpSpPr>
+        <p:cNvPr id="1" name=""/>
+        <p:cNvGrpSpPr/>
+        <p:nvPr/>
+      </p:nvGrpSpPr>
+      <p:grpSpPr>
+        <a:xfrm>
+          <a:off x="0" y="0"/>
+          <a:ext cx="0" cy="0"/>
+          <a:chOff x="0" y="0"/>
+          <a:chExt cx="0" cy="0"/>
+        </a:xfrm>
+      </p:grpSpPr>
+      <p:sp>
+        <p:nvSpPr>
+          <p:cNvPr id="2" name="Title 1"/>
+          <p:cNvSpPr>
+            <a:spLocks noGrp="1"/>
+          </p:cNvSpPr>
+          <p:nvPr>
+            <p:ph type="title"/>
+          </p:nvPr>
+        </p:nvSpPr>
+        <p:spPr>
+          <a:xfrm>
+            <a:off x="628650" y="155263"/>
+            <a:ext cx="7886700" cy="526790"/>
+          </a:xfrm>
+        </p:spPr>
+        <p:txBody>
+          <a:bodyPr>
+            <a:normAutofit fontScale="90000"/>
+          </a:bodyPr>
+          <a:lstStyle/>
+          <a:p>
+            <a:pPr algn="ctr"/>
+            <a:r>
+              <a:rPr lang="en-US" altLang="en-US" sz="3200" b="1" dirty="0">
+                <a:solidFill>
+                  <a:srgbClr val="262626"/>
+                </a:solidFill>
+                <a:latin typeface="Calibri" panose="020F0502020204030204" pitchFamily="34" charset="0"/>
+                <a:cs typeface="Calibri" panose="020F0502020204030204" pitchFamily="34" charset="0"/>
+                <a:sym typeface="+mn-ea"/>
+              </a:rPr>
+              <a:t>Sharding</a:t>
+            </a:r>
+            <a:endParaRPr lang="en-US" sz="3200" b="1" dirty="0">
+              <a:latin typeface="Calibri" panose="020F0502020204030204" pitchFamily="34" charset="0"/>
+              <a:cs typeface="Calibri" panose="020F0502020204030204" pitchFamily="34" charset="0"/>
+            </a:endParaRPr>
+          </a:p>
+        </p:txBody>
+      </p:sp>
+      <p:sp>
+        <p:nvSpPr>
+          <p:cNvPr id="6" name="内容占位符 5"/>
+          <p:cNvSpPr/>
+          <p:nvPr>
+            <p:ph idx="1"/>
+          </p:nvPr>
+        </p:nvSpPr>
+        <p:spPr/>
+        <p:txBody>
+          <a:bodyPr/>
+          <a:p>
+            <a:endParaRPr lang="zh-CN" altLang="en-US"/>
+          </a:p>
+        </p:txBody>
+      </p:sp>
+      <p:pic>
+        <p:nvPicPr>
+          <p:cNvPr id="7" name="图片 6" descr="0-ufBJ5S8YX0IGIqng"/>
+          <p:cNvPicPr>
+            <a:picLocks noChangeAspect="1"/>
+          </p:cNvPicPr>
+          <p:nvPr/>
+        </p:nvPicPr>
+        <p:blipFill>
+          <a:blip r:embed="rId1"/>
+          <a:stretch>
+            <a:fillRect/>
+          </a:stretch>
+        </p:blipFill>
+        <p:spPr>
+          <a:xfrm>
+            <a:off x="628650" y="1294130"/>
+            <a:ext cx="8299450" cy="5306695"/>
+          </a:xfrm>
+          <a:prstGeom prst="rect">
+            <a:avLst/>
+          </a:prstGeom>
+        </p:spPr>
+      </p:pic>
+    </p:spTree>
+  </p:cSld>
+  <p:clrMapOvr>
+    <a:masterClrMapping/>
+  </p:clrMapOvr>
+</p:sld>
+</file>
+
+<file path=ppt/slides/slide3.xml><?xml version="1.0" encoding="utf-8"?>
+<p:sld xmlns:a="http://schemas.openxmlformats.org/drawingml/2006/main" xmlns:r="http://schemas.openxmlformats.org/officeDocument/2006/relationships" xmlns:p="http://schemas.openxmlformats.org/presentationml/2006/main">
+  <p:cSld>
+    <p:spTree>
+      <p:nvGrpSpPr>
+        <p:cNvPr id="1" name=""/>
+        <p:cNvGrpSpPr/>
+        <p:nvPr/>
+      </p:nvGrpSpPr>
+      <p:grpSpPr>
+        <a:xfrm>
+          <a:off x="0" y="0"/>
+          <a:ext cx="0" cy="0"/>
+          <a:chOff x="0" y="0"/>
+          <a:chExt cx="0" cy="0"/>
+        </a:xfrm>
+      </p:grpSpPr>
+      <p:sp>
+        <p:nvSpPr>
+          <p:cNvPr id="2" name="Title 1"/>
+          <p:cNvSpPr>
+            <a:spLocks noGrp="1"/>
+          </p:cNvSpPr>
+          <p:nvPr>
+            <p:ph type="title"/>
+          </p:nvPr>
+        </p:nvSpPr>
+        <p:spPr>
+          <a:xfrm>
+            <a:off x="628650" y="155263"/>
+            <a:ext cx="7886700" cy="526790"/>
+          </a:xfrm>
+        </p:spPr>
+        <p:txBody>
+          <a:bodyPr>
+            <a:normAutofit fontScale="90000"/>
+          </a:bodyPr>
+          <a:lstStyle/>
+          <a:p>
+            <a:pPr algn="ctr"/>
+            <a:r>
+              <a:rPr lang="en-US" altLang="en-GB" sz="3200" b="1" dirty="0">
+                <a:latin typeface="Calibri" panose="020F0502020204030204" pitchFamily="34" charset="0"/>
+                <a:cs typeface="Calibri" panose="020F0502020204030204" pitchFamily="34" charset="0"/>
+                <a:sym typeface="+mn-ea"/>
+              </a:rPr>
+              <a:t>Blockchain Technology History</a:t>
+            </a:r>
+            <a:endParaRPr lang="en-US" sz="3200" b="1" dirty="0">
+              <a:latin typeface="Calibri" panose="020F0502020204030204" pitchFamily="34" charset="0"/>
+              <a:cs typeface="Calibri" panose="020F0502020204030204" pitchFamily="34" charset="0"/>
+            </a:endParaRPr>
+          </a:p>
+        </p:txBody>
+      </p:sp>
+      <p:sp>
+        <p:nvSpPr>
+          <p:cNvPr id="3" name="Content Placeholder 2"/>
+          <p:cNvSpPr>
+            <a:spLocks noGrp="1"/>
+          </p:cNvSpPr>
+          <p:nvPr>
+            <p:ph idx="1"/>
+          </p:nvPr>
+        </p:nvSpPr>
+        <p:spPr>
+          <a:xfrm>
+            <a:off x="628650" y="989044"/>
+            <a:ext cx="7886700" cy="5605719"/>
+          </a:xfrm>
+        </p:spPr>
+        <p:txBody>
+          <a:bodyPr>
+            <a:normAutofit/>
+          </a:bodyPr>
+          <a:lstStyle/>
+          <a:p>
+            <a:pPr defTabSz="342900">
+              <a:lnSpc>
+                <a:spcPct val="120000"/>
+              </a:lnSpc>
+            </a:pPr>
+            <a:r>
+              <a:rPr lang="en-US" altLang="en-US" sz="1800" dirty="0">
+                <a:solidFill>
+                  <a:srgbClr val="262626"/>
+                </a:solidFill>
+              </a:rPr>
+              <a:t>As results:</a:t>
+            </a:r>
+            <a:endParaRPr lang="en-US" altLang="en-US" sz="1800" dirty="0">
+              <a:solidFill>
+                <a:srgbClr val="262626"/>
+              </a:solidFill>
+            </a:endParaRPr>
+          </a:p>
+          <a:p>
+            <a:pPr defTabSz="342900">
+              <a:lnSpc>
+                <a:spcPct val="120000"/>
+              </a:lnSpc>
+            </a:pPr>
+            <a:r>
+              <a:rPr lang="en-US" altLang="en-US" sz="1800" dirty="0">
+                <a:solidFill>
+                  <a:srgbClr val="262626"/>
+                </a:solidFill>
+              </a:rPr>
+              <a:t>1. huge amount of captitals were invested into the public chain projects</a:t>
+            </a:r>
+            <a:endParaRPr lang="en-US" altLang="en-US" sz="1800" dirty="0">
+              <a:solidFill>
+                <a:srgbClr val="262626"/>
+              </a:solidFill>
+            </a:endParaRPr>
+          </a:p>
+          <a:p>
+            <a:pPr defTabSz="342900">
+              <a:lnSpc>
+                <a:spcPct val="120000"/>
+              </a:lnSpc>
+            </a:pPr>
+            <a:r>
+              <a:rPr lang="en-US" altLang="en-US" sz="1800" dirty="0">
+                <a:solidFill>
+                  <a:srgbClr val="262626"/>
+                </a:solidFill>
+              </a:rPr>
+              <a:t>2. it still cannot solve blockchain impossible triangle problem</a:t>
+            </a:r>
+            <a:endParaRPr lang="en-US" altLang="en-US" sz="1800" dirty="0">
+              <a:solidFill>
+                <a:srgbClr val="262626"/>
+              </a:solidFill>
+            </a:endParaRPr>
+          </a:p>
+          <a:p>
+            <a:pPr defTabSz="342900">
+              <a:lnSpc>
+                <a:spcPct val="120000"/>
+              </a:lnSpc>
+            </a:pPr>
+            <a:r>
+              <a:rPr lang="en-US" altLang="en-US" sz="1800" dirty="0">
+                <a:solidFill>
+                  <a:srgbClr val="262626"/>
+                </a:solidFill>
+              </a:rPr>
+              <a:t>( A blockchain system cannot simultaneously combine decentralization, scalability and security)</a:t>
+            </a:r>
+            <a:endParaRPr lang="en-US" altLang="en-US" sz="1800" dirty="0">
+              <a:solidFill>
+                <a:srgbClr val="262626"/>
+              </a:solidFill>
+            </a:endParaRPr>
+          </a:p>
+          <a:p>
+            <a:pPr defTabSz="342900">
+              <a:lnSpc>
+                <a:spcPct val="120000"/>
+              </a:lnSpc>
+            </a:pPr>
+            <a:endParaRPr lang="en-US" altLang="en-US" sz="1800" dirty="0">
+              <a:solidFill>
+                <a:srgbClr val="262626"/>
+              </a:solidFill>
+            </a:endParaRPr>
+          </a:p>
+          <a:p>
+            <a:pPr defTabSz="342900">
+              <a:lnSpc>
+                <a:spcPct val="120000"/>
+              </a:lnSpc>
+            </a:pPr>
+            <a:r>
+              <a:rPr lang="en-US" altLang="en-US" sz="1800" dirty="0">
+                <a:solidFill>
+                  <a:srgbClr val="262626"/>
+                </a:solidFill>
+              </a:rPr>
+              <a:t>then looking for a tradeoff between </a:t>
+            </a:r>
+            <a:endParaRPr lang="en-US" altLang="en-US" sz="1800" dirty="0">
+              <a:solidFill>
+                <a:srgbClr val="262626"/>
+              </a:solidFill>
+            </a:endParaRPr>
+          </a:p>
+          <a:p>
+            <a:pPr marL="0" indent="0" defTabSz="342900">
+              <a:lnSpc>
+                <a:spcPct val="120000"/>
+              </a:lnSpc>
+              <a:buNone/>
+            </a:pPr>
+            <a:r>
+              <a:rPr lang="en-US" altLang="en-US" sz="1800" dirty="0">
+                <a:solidFill>
+                  <a:srgbClr val="262626"/>
+                </a:solidFill>
+              </a:rPr>
+              <a:t>Decentraliztion and Scalability</a:t>
+            </a:r>
+            <a:endParaRPr lang="en-US" altLang="en-US" sz="1800" dirty="0">
+              <a:solidFill>
+                <a:srgbClr val="262626"/>
+              </a:solidFill>
+            </a:endParaRPr>
+          </a:p>
+          <a:p>
+            <a:pPr marL="0" indent="0" defTabSz="342900">
+              <a:lnSpc>
+                <a:spcPct val="120000"/>
+              </a:lnSpc>
+              <a:buNone/>
+            </a:pPr>
+            <a:endParaRPr lang="en-US" altLang="en-US" sz="1800" dirty="0">
+              <a:solidFill>
+                <a:srgbClr val="262626"/>
+              </a:solidFill>
+            </a:endParaRPr>
+          </a:p>
+        </p:txBody>
+      </p:sp>
+      <p:pic>
+        <p:nvPicPr>
+          <p:cNvPr id="6" name="图片 5"/>
+          <p:cNvPicPr>
+            <a:picLocks noChangeAspect="1"/>
+          </p:cNvPicPr>
+          <p:nvPr/>
+        </p:nvPicPr>
+        <p:blipFill>
+          <a:blip r:embed="rId1"/>
+          <a:stretch>
+            <a:fillRect/>
+          </a:stretch>
+        </p:blipFill>
+        <p:spPr>
+          <a:xfrm>
+            <a:off x="5057775" y="3362325"/>
+            <a:ext cx="4086225" cy="3495675"/>
+          </a:xfrm>
+          <a:prstGeom prst="rect">
+            <a:avLst/>
+          </a:prstGeom>
+        </p:spPr>
+      </p:pic>
+    </p:spTree>
+  </p:cSld>
+  <p:clrMapOvr>
+    <a:masterClrMapping/>
+  </p:clrMapOvr>
+</p:sld>
+</file>
+
+<file path=ppt/slides/slide4.xml><?xml version="1.0" encoding="utf-8"?>
+<p:sld xmlns:a="http://schemas.openxmlformats.org/drawingml/2006/main" xmlns:r="http://schemas.openxmlformats.org/officeDocument/2006/relationships" xmlns:p="http://schemas.openxmlformats.org/presentationml/2006/main">
+  <p:cSld>
+    <p:spTree>
+      <p:nvGrpSpPr>
+        <p:cNvPr id="1" name=""/>
+        <p:cNvGrpSpPr/>
+        <p:nvPr/>
+      </p:nvGrpSpPr>
+      <p:grpSpPr>
+        <a:xfrm>
+          <a:off x="0" y="0"/>
+          <a:ext cx="0" cy="0"/>
+          <a:chOff x="0" y="0"/>
+          <a:chExt cx="0" cy="0"/>
+        </a:xfrm>
+      </p:grpSpPr>
+      <p:sp>
+        <p:nvSpPr>
+          <p:cNvPr id="2" name="Title 1"/>
+          <p:cNvSpPr>
+            <a:spLocks noGrp="1"/>
+          </p:cNvSpPr>
+          <p:nvPr>
+            <p:ph type="title"/>
+          </p:nvPr>
+        </p:nvSpPr>
+        <p:spPr>
+          <a:xfrm>
+            <a:off x="628650" y="155263"/>
+            <a:ext cx="7886700" cy="526790"/>
+          </a:xfrm>
+        </p:spPr>
+        <p:txBody>
+          <a:bodyPr>
+            <a:normAutofit fontScale="90000"/>
+          </a:bodyPr>
+          <a:lstStyle/>
+          <a:p>
+            <a:pPr algn="ctr"/>
+            <a:r>
+              <a:rPr lang="en-US" altLang="en-GB" sz="3200" b="1" dirty="0">
+                <a:latin typeface="Calibri" panose="020F0502020204030204" pitchFamily="34" charset="0"/>
+                <a:cs typeface="Calibri" panose="020F0502020204030204" pitchFamily="34" charset="0"/>
+                <a:sym typeface="+mn-ea"/>
+              </a:rPr>
+              <a:t>Blockchain Technology History</a:t>
+            </a:r>
+            <a:endParaRPr lang="en-US" sz="3200" b="1" dirty="0">
+              <a:latin typeface="Calibri" panose="020F0502020204030204" pitchFamily="34" charset="0"/>
+              <a:cs typeface="Calibri" panose="020F0502020204030204" pitchFamily="34" charset="0"/>
+            </a:endParaRPr>
+          </a:p>
+        </p:txBody>
+      </p:sp>
+      <p:sp>
+        <p:nvSpPr>
+          <p:cNvPr id="3" name="Content Placeholder 2"/>
+          <p:cNvSpPr>
+            <a:spLocks noGrp="1"/>
+          </p:cNvSpPr>
+          <p:nvPr>
+            <p:ph idx="1"/>
+          </p:nvPr>
+        </p:nvSpPr>
+        <p:spPr>
+          <a:xfrm>
+            <a:off x="628650" y="989044"/>
+            <a:ext cx="7886700" cy="5605719"/>
+          </a:xfrm>
+        </p:spPr>
+        <p:txBody>
+          <a:bodyPr>
+            <a:normAutofit/>
+          </a:bodyPr>
+          <a:lstStyle/>
+          <a:p>
+            <a:pPr defTabSz="342900">
+              <a:lnSpc>
+                <a:spcPct val="120000"/>
+              </a:lnSpc>
+            </a:pPr>
+            <a:r>
+              <a:rPr lang="en-US" altLang="en-US" sz="1800" dirty="0">
+                <a:solidFill>
+                  <a:srgbClr val="262626"/>
+                </a:solidFill>
+              </a:rPr>
+              <a:t>2019 -2020: Application Specific Chain (Ethereum: 14 tps)</a:t>
+            </a:r>
+            <a:endParaRPr lang="en-US" altLang="en-US" sz="1540" dirty="0">
+              <a:solidFill>
+                <a:srgbClr val="262626"/>
+              </a:solidFill>
+            </a:endParaRPr>
+          </a:p>
+        </p:txBody>
+      </p:sp>
+      <p:pic>
+        <p:nvPicPr>
+          <p:cNvPr id="5" name="图片 4"/>
+          <p:cNvPicPr>
+            <a:picLocks noChangeAspect="1"/>
+          </p:cNvPicPr>
+          <p:nvPr/>
+        </p:nvPicPr>
+        <p:blipFill>
+          <a:blip r:embed="rId1"/>
+          <a:stretch>
+            <a:fillRect/>
+          </a:stretch>
+        </p:blipFill>
+        <p:spPr>
+          <a:xfrm>
+            <a:off x="1387475" y="1659890"/>
+            <a:ext cx="7756525" cy="4264660"/>
+          </a:xfrm>
+          <a:prstGeom prst="rect">
+            <a:avLst/>
+          </a:prstGeom>
+        </p:spPr>
+      </p:pic>
+    </p:spTree>
+  </p:cSld>
+  <p:clrMapOvr>
+    <a:masterClrMapping/>
+  </p:clrMapOvr>
+</p:sld>
+</file>
+
+<file path=ppt/slides/slide5.xml><?xml version="1.0" encoding="utf-8"?>
+<p:sld xmlns:a="http://schemas.openxmlformats.org/drawingml/2006/main" xmlns:r="http://schemas.openxmlformats.org/officeDocument/2006/relationships" xmlns:p="http://schemas.openxmlformats.org/presentationml/2006/main">
+  <p:cSld>
+    <p:spTree>
+      <p:nvGrpSpPr>
+        <p:cNvPr id="1" name=""/>
+        <p:cNvGrpSpPr/>
+        <p:nvPr/>
+      </p:nvGrpSpPr>
+      <p:grpSpPr>
+        <a:xfrm>
+          <a:off x="0" y="0"/>
+          <a:ext cx="0" cy="0"/>
+          <a:chOff x="0" y="0"/>
+          <a:chExt cx="0" cy="0"/>
+        </a:xfrm>
+      </p:grpSpPr>
+      <p:sp>
+        <p:nvSpPr>
+          <p:cNvPr id="2" name="Title 1"/>
+          <p:cNvSpPr>
+            <a:spLocks noGrp="1"/>
+          </p:cNvSpPr>
+          <p:nvPr>
+            <p:ph type="title"/>
+          </p:nvPr>
+        </p:nvSpPr>
+        <p:spPr>
+          <a:xfrm>
+            <a:off x="628650" y="155263"/>
+            <a:ext cx="7886700" cy="526790"/>
+          </a:xfrm>
+        </p:spPr>
+        <p:txBody>
+          <a:bodyPr>
+            <a:normAutofit fontScale="90000"/>
+          </a:bodyPr>
+          <a:lstStyle/>
+          <a:p>
+            <a:pPr algn="ctr"/>
+            <a:r>
+              <a:rPr lang="en-US" altLang="en-GB" sz="3200" b="1" dirty="0">
+                <a:latin typeface="Calibri" panose="020F0502020204030204" pitchFamily="34" charset="0"/>
+                <a:cs typeface="Calibri" panose="020F0502020204030204" pitchFamily="34" charset="0"/>
+                <a:sym typeface="+mn-ea"/>
+              </a:rPr>
+              <a:t>Blockchain Technology History</a:t>
+            </a:r>
+            <a:endParaRPr lang="en-US" sz="3200" b="1" dirty="0">
+              <a:latin typeface="Calibri" panose="020F0502020204030204" pitchFamily="34" charset="0"/>
+              <a:cs typeface="Calibri" panose="020F0502020204030204" pitchFamily="34" charset="0"/>
+            </a:endParaRPr>
+          </a:p>
+        </p:txBody>
+      </p:sp>
+      <p:sp>
+        <p:nvSpPr>
+          <p:cNvPr id="3" name="Content Placeholder 2"/>
+          <p:cNvSpPr>
+            <a:spLocks noGrp="1"/>
+          </p:cNvSpPr>
+          <p:nvPr>
+            <p:ph idx="1"/>
+          </p:nvPr>
+        </p:nvSpPr>
+        <p:spPr>
+          <a:xfrm>
+            <a:off x="628650" y="989044"/>
+            <a:ext cx="7886700" cy="5605719"/>
+          </a:xfrm>
+        </p:spPr>
+        <p:txBody>
+          <a:bodyPr>
+            <a:normAutofit/>
+          </a:bodyPr>
+          <a:lstStyle/>
+          <a:p>
+            <a:pPr marL="228600" lvl="0" indent="-228600" defTabSz="342900">
+              <a:lnSpc>
+                <a:spcPct val="120000"/>
+              </a:lnSpc>
+              <a:buFont typeface="Arial" panose="020B0604020202020204" pitchFamily="34" charset="0"/>
+              <a:buChar char="•"/>
+            </a:pPr>
+            <a:r>
+              <a:rPr lang="en-US" altLang="en-US" sz="1800" dirty="0">
+                <a:solidFill>
+                  <a:srgbClr val="262626"/>
+                </a:solidFill>
+              </a:rPr>
+              <a:t>1. Each chain is only designed for one business logic / business</a:t>
+            </a:r>
+            <a:endParaRPr lang="en-US" altLang="en-US" sz="1800" dirty="0">
+              <a:solidFill>
+                <a:srgbClr val="262626"/>
+              </a:solidFill>
+            </a:endParaRPr>
+          </a:p>
+          <a:p>
+            <a:pPr marL="228600" lvl="0" indent="-228600" defTabSz="342900">
+              <a:lnSpc>
+                <a:spcPct val="120000"/>
+              </a:lnSpc>
+              <a:buFont typeface="Arial" panose="020B0604020202020204" pitchFamily="34" charset="0"/>
+              <a:buChar char="•"/>
+            </a:pPr>
+            <a:r>
+              <a:rPr lang="en-US" altLang="en-US" sz="1800" dirty="0">
+                <a:solidFill>
+                  <a:srgbClr val="262626"/>
+                </a:solidFill>
+              </a:rPr>
+              <a:t>2. Naturally, limit the number of validators</a:t>
+            </a:r>
+            <a:endParaRPr lang="en-US" altLang="en-US" sz="1800" dirty="0">
+              <a:solidFill>
+                <a:srgbClr val="262626"/>
+              </a:solidFill>
+            </a:endParaRPr>
+          </a:p>
+          <a:p>
+            <a:pPr marL="228600" lvl="0" indent="-228600" defTabSz="342900">
+              <a:lnSpc>
+                <a:spcPct val="120000"/>
+              </a:lnSpc>
+              <a:buFont typeface="Arial" panose="020B0604020202020204" pitchFamily="34" charset="0"/>
+              <a:buChar char="•"/>
+            </a:pPr>
+            <a:r>
+              <a:rPr lang="en-US" altLang="en-US" sz="1800" dirty="0">
+                <a:solidFill>
+                  <a:srgbClr val="262626"/>
+                </a:solidFill>
+              </a:rPr>
+              <a:t>3. As a result, the chain gets more centralized</a:t>
+            </a:r>
+            <a:endParaRPr lang="en-US" altLang="en-US" sz="1800" dirty="0">
+              <a:solidFill>
+                <a:srgbClr val="262626"/>
+              </a:solidFill>
+            </a:endParaRPr>
+          </a:p>
+          <a:p>
+            <a:pPr marL="228600" lvl="0" indent="-228600" defTabSz="342900">
+              <a:lnSpc>
+                <a:spcPct val="120000"/>
+              </a:lnSpc>
+              <a:buFont typeface="Arial" panose="020B0604020202020204" pitchFamily="34" charset="0"/>
+              <a:buChar char="•"/>
+            </a:pPr>
+            <a:endParaRPr lang="en-US" altLang="en-US" sz="1800" dirty="0">
+              <a:solidFill>
+                <a:srgbClr val="262626"/>
+              </a:solidFill>
+            </a:endParaRPr>
+          </a:p>
+          <a:p>
+            <a:pPr marL="228600" lvl="0" indent="-228600" defTabSz="342900">
+              <a:lnSpc>
+                <a:spcPct val="120000"/>
+              </a:lnSpc>
+              <a:buFont typeface="Arial" panose="020B0604020202020204" pitchFamily="34" charset="0"/>
+              <a:buChar char="•"/>
+            </a:pPr>
+            <a:r>
+              <a:rPr lang="en-US" altLang="en-US" sz="1800" dirty="0">
+                <a:solidFill>
+                  <a:srgbClr val="262626"/>
+                </a:solidFill>
+              </a:rPr>
+              <a:t>It sacrifices decentraliztion and makes the chain faster and the ecosystem more scalable</a:t>
+            </a:r>
+            <a:endParaRPr lang="en-US" altLang="en-US" sz="1800" dirty="0">
+              <a:solidFill>
+                <a:srgbClr val="262626"/>
+              </a:solidFill>
+            </a:endParaRPr>
+          </a:p>
+          <a:p>
+            <a:pPr marL="0" lvl="1" indent="-228600" defTabSz="342900">
+              <a:lnSpc>
+                <a:spcPct val="120000"/>
+              </a:lnSpc>
+              <a:buFont typeface="Arial" panose="020B0604020202020204" pitchFamily="34" charset="0"/>
+              <a:buChar char="•"/>
+            </a:pPr>
+            <a:endParaRPr lang="en-US" altLang="en-US" sz="1800" dirty="0">
+              <a:solidFill>
+                <a:srgbClr val="262626"/>
+              </a:solidFill>
+              <a:sym typeface="+mn-ea"/>
+            </a:endParaRPr>
+          </a:p>
+          <a:p>
+            <a:pPr marL="0" lvl="1" indent="-228600" defTabSz="342900">
+              <a:lnSpc>
+                <a:spcPct val="120000"/>
+              </a:lnSpc>
+              <a:buFont typeface="Arial" panose="020B0604020202020204" pitchFamily="34" charset="0"/>
+              <a:buChar char="•"/>
+            </a:pPr>
+            <a:r>
+              <a:rPr lang="en-US" altLang="en-US" sz="1800" dirty="0">
+                <a:solidFill>
+                  <a:srgbClr val="262626"/>
+                </a:solidFill>
+                <a:sym typeface="+mn-ea"/>
+              </a:rPr>
+              <a:t>It makes commercial adption possible</a:t>
+            </a:r>
+            <a:endParaRPr lang="en-US" altLang="en-US" sz="1800" dirty="0">
+              <a:solidFill>
+                <a:srgbClr val="262626"/>
+              </a:solidFill>
+            </a:endParaRPr>
+          </a:p>
+          <a:p>
+            <a:pPr marL="228600" lvl="0" indent="-228600" defTabSz="342900">
+              <a:lnSpc>
+                <a:spcPct val="120000"/>
+              </a:lnSpc>
+              <a:buFont typeface="Arial" panose="020B0604020202020204" pitchFamily="34" charset="0"/>
+              <a:buChar char="•"/>
+            </a:pPr>
+            <a:endParaRPr lang="en-US" altLang="en-US" sz="1800" dirty="0">
+              <a:solidFill>
+                <a:srgbClr val="262626"/>
+              </a:solidFill>
+            </a:endParaRPr>
+          </a:p>
+        </p:txBody>
+      </p:sp>
+    </p:spTree>
+  </p:cSld>
+  <p:clrMapOvr>
+    <a:masterClrMapping/>
+  </p:clrMapOvr>
+</p:sld>
+</file>
+
+<file path=ppt/slides/slide6.xml><?xml version="1.0" encoding="utf-8"?>
+<p:sld xmlns:a="http://schemas.openxmlformats.org/drawingml/2006/main" xmlns:r="http://schemas.openxmlformats.org/officeDocument/2006/relationships" xmlns:p="http://schemas.openxmlformats.org/presentationml/2006/main">
+  <p:cSld>
+    <p:spTree>
+      <p:nvGrpSpPr>
+        <p:cNvPr id="1" name=""/>
+        <p:cNvGrpSpPr/>
+        <p:nvPr/>
+      </p:nvGrpSpPr>
+      <p:grpSpPr>
+        <a:xfrm>
+          <a:off x="0" y="0"/>
+          <a:ext cx="0" cy="0"/>
+          <a:chOff x="0" y="0"/>
+          <a:chExt cx="0" cy="0"/>
+        </a:xfrm>
+      </p:grpSpPr>
+      <p:sp>
+        <p:nvSpPr>
+          <p:cNvPr id="2" name="Title 1"/>
+          <p:cNvSpPr>
+            <a:spLocks noGrp="1"/>
+          </p:cNvSpPr>
+          <p:nvPr>
+            <p:ph type="title"/>
+          </p:nvPr>
+        </p:nvSpPr>
+        <p:spPr>
+          <a:xfrm>
+            <a:off x="628650" y="155263"/>
+            <a:ext cx="7886700" cy="526790"/>
+          </a:xfrm>
+        </p:spPr>
+        <p:txBody>
+          <a:bodyPr>
+            <a:normAutofit fontScale="90000"/>
+          </a:bodyPr>
+          <a:lstStyle/>
+          <a:p>
+            <a:pPr algn="ctr"/>
+            <a:r>
+              <a:rPr lang="en-US" altLang="en-GB" sz="3200" b="1" dirty="0">
+                <a:latin typeface="Calibri" panose="020F0502020204030204" pitchFamily="34" charset="0"/>
+                <a:cs typeface="Calibri" panose="020F0502020204030204" pitchFamily="34" charset="0"/>
+                <a:sym typeface="+mn-ea"/>
+              </a:rPr>
+              <a:t>Blockchain Technology Trends</a:t>
+            </a:r>
+            <a:endParaRPr lang="en-US" sz="3200" b="1" dirty="0">
+              <a:latin typeface="Calibri" panose="020F0502020204030204" pitchFamily="34" charset="0"/>
+              <a:cs typeface="Calibri" panose="020F0502020204030204" pitchFamily="34" charset="0"/>
+            </a:endParaRPr>
+          </a:p>
+        </p:txBody>
+      </p:sp>
+      <p:sp>
+        <p:nvSpPr>
+          <p:cNvPr id="3" name="Content Placeholder 2"/>
+          <p:cNvSpPr>
+            <a:spLocks noGrp="1"/>
+          </p:cNvSpPr>
+          <p:nvPr>
+            <p:ph idx="1"/>
+          </p:nvPr>
+        </p:nvSpPr>
+        <p:spPr>
+          <a:xfrm>
+            <a:off x="628650" y="989044"/>
+            <a:ext cx="7886700" cy="5605719"/>
+          </a:xfrm>
+        </p:spPr>
+        <p:txBody>
+          <a:bodyPr>
+            <a:normAutofit/>
+          </a:bodyPr>
+          <a:lstStyle/>
+          <a:p>
+            <a:pPr defTabSz="342900">
+              <a:lnSpc>
+                <a:spcPct val="120000"/>
+              </a:lnSpc>
+            </a:pPr>
+            <a:r>
+              <a:rPr lang="en-US" altLang="en-US" sz="1800" dirty="0">
+                <a:solidFill>
+                  <a:srgbClr val="262626"/>
+                </a:solidFill>
+              </a:rPr>
+              <a:t>DeFi frameworks are getting mature</a:t>
+            </a:r>
+            <a:endParaRPr lang="en-US" altLang="en-US" sz="1800" dirty="0">
+              <a:solidFill>
+                <a:srgbClr val="262626"/>
+              </a:solidFill>
+            </a:endParaRPr>
+          </a:p>
+          <a:p>
+            <a:pPr defTabSz="342900">
+              <a:lnSpc>
+                <a:spcPct val="120000"/>
+              </a:lnSpc>
+            </a:pPr>
+            <a:endParaRPr lang="en-US" altLang="en-US" sz="1800" dirty="0">
+              <a:solidFill>
+                <a:srgbClr val="262626"/>
+              </a:solidFill>
+            </a:endParaRPr>
+          </a:p>
+          <a:p>
+            <a:pPr defTabSz="342900">
+              <a:lnSpc>
+                <a:spcPct val="120000"/>
+              </a:lnSpc>
+            </a:pPr>
+            <a:r>
+              <a:rPr lang="en-US" altLang="en-US" sz="1800" dirty="0">
+                <a:solidFill>
+                  <a:srgbClr val="262626"/>
+                </a:solidFill>
+              </a:rPr>
+              <a:t>Governance is critical</a:t>
+            </a:r>
+            <a:endParaRPr lang="en-US" altLang="en-US" sz="1800" dirty="0">
+              <a:solidFill>
+                <a:srgbClr val="262626"/>
+              </a:solidFill>
+            </a:endParaRPr>
+          </a:p>
+          <a:p>
+            <a:pPr defTabSz="342900">
+              <a:lnSpc>
+                <a:spcPct val="120000"/>
+              </a:lnSpc>
+            </a:pPr>
+            <a:endParaRPr lang="en-US" altLang="en-US" sz="1800" dirty="0">
+              <a:solidFill>
+                <a:srgbClr val="262626"/>
+              </a:solidFill>
+            </a:endParaRPr>
+          </a:p>
+          <a:p>
+            <a:pPr defTabSz="342900">
+              <a:lnSpc>
+                <a:spcPct val="120000"/>
+              </a:lnSpc>
+            </a:pPr>
+            <a:r>
+              <a:rPr lang="en-US" altLang="en-US" sz="1800" dirty="0">
+                <a:solidFill>
+                  <a:srgbClr val="262626"/>
+                </a:solidFill>
+              </a:rPr>
+              <a:t> Private (permissioned) blockchains will dominate</a:t>
+            </a:r>
+            <a:endParaRPr lang="en-US" altLang="en-US" sz="1800" dirty="0">
+              <a:solidFill>
+                <a:srgbClr val="262626"/>
+              </a:solidFill>
+            </a:endParaRPr>
+          </a:p>
+          <a:p>
+            <a:pPr marL="228600" lvl="0" indent="-228600" defTabSz="342900">
+              <a:lnSpc>
+                <a:spcPct val="120000"/>
+              </a:lnSpc>
+              <a:buFont typeface="Arial" panose="020B0604020202020204" pitchFamily="34" charset="0"/>
+              <a:buChar char="•"/>
+            </a:pPr>
+            <a:endParaRPr lang="en-US" altLang="en-US" sz="1800" dirty="0">
+              <a:solidFill>
+                <a:srgbClr val="262626"/>
+              </a:solidFill>
+            </a:endParaRPr>
+          </a:p>
+          <a:p>
+            <a:pPr marL="228600" lvl="0" indent="-228600" defTabSz="342900">
+              <a:lnSpc>
+                <a:spcPct val="120000"/>
+              </a:lnSpc>
+              <a:buFont typeface="Arial" panose="020B0604020202020204" pitchFamily="34" charset="0"/>
+              <a:buChar char="•"/>
+            </a:pPr>
+            <a:r>
+              <a:rPr lang="en-US" altLang="en-US" sz="1800" dirty="0">
+                <a:solidFill>
+                  <a:srgbClr val="262626"/>
+                </a:solidFill>
+              </a:rPr>
+              <a:t>Adaption of cross-chain solutions</a:t>
+            </a:r>
+            <a:endParaRPr lang="en-US" altLang="en-US" sz="1800" dirty="0">
+              <a:solidFill>
+                <a:srgbClr val="262626"/>
+              </a:solidFill>
+            </a:endParaRPr>
+          </a:p>
+          <a:p>
+            <a:pPr marL="228600" lvl="0" indent="-228600" defTabSz="342900">
+              <a:lnSpc>
+                <a:spcPct val="120000"/>
+              </a:lnSpc>
+              <a:buFont typeface="Arial" panose="020B0604020202020204" pitchFamily="34" charset="0"/>
+              <a:buChar char="•"/>
+            </a:pPr>
+            <a:endParaRPr lang="en-US" altLang="en-US" sz="1800" dirty="0">
+              <a:solidFill>
+                <a:srgbClr val="262626"/>
+              </a:solidFill>
+            </a:endParaRPr>
+          </a:p>
+          <a:p>
+            <a:pPr marL="228600" lvl="0" indent="-228600" defTabSz="342900">
+              <a:lnSpc>
+                <a:spcPct val="120000"/>
+              </a:lnSpc>
+              <a:buFont typeface="Arial" panose="020B0604020202020204" pitchFamily="34" charset="0"/>
+              <a:buChar char="•"/>
+            </a:pPr>
+            <a:r>
+              <a:rPr lang="en-US" altLang="en-US" sz="1800" dirty="0">
+                <a:solidFill>
+                  <a:srgbClr val="262626"/>
+                </a:solidFill>
+              </a:rPr>
+              <a:t>Sharding</a:t>
+            </a:r>
+            <a:endParaRPr lang="en-US" altLang="en-US" sz="1800" dirty="0">
+              <a:solidFill>
+                <a:srgbClr val="262626"/>
+              </a:solidFill>
+            </a:endParaRPr>
           </a:p>
         </p:txBody>
       </p:sp>
@@ -9841,7 +14140,7 @@
                 <a:cs typeface="Calibri" panose="020F0502020204030204" pitchFamily="34" charset="0"/>
                 <a:sym typeface="+mn-ea"/>
               </a:rPr>
-              <a:t>The Mechanism of Yam</a:t>
+              <a:t>DeFi</a:t>
             </a:r>
             <a:endParaRPr lang="en-US" sz="3200" b="1" dirty="0">
               <a:latin typeface="Calibri" panose="020F0502020204030204" pitchFamily="34" charset="0"/>
@@ -9852,757 +14151,267 @@
       </p:sp>
       <p:sp>
         <p:nvSpPr>
-          <p:cNvPr id="5" name="矩形 4"/>
-          <p:cNvSpPr/>
-          <p:nvPr/>
+          <p:cNvPr id="3" name="Content Placeholder 2"/>
+          <p:cNvSpPr>
+            <a:spLocks noGrp="1"/>
+          </p:cNvSpPr>
+          <p:nvPr>
+            <p:ph idx="1"/>
+          </p:nvPr>
         </p:nvSpPr>
         <p:spPr>
           <a:xfrm>
-            <a:off x="2032000" y="1569720"/>
-            <a:ext cx="777875" cy="648335"/>
+            <a:off x="628650" y="989044"/>
+            <a:ext cx="7886700" cy="5605719"/>
           </a:xfrm>
-          <a:prstGeom prst="rect">
-            <a:avLst/>
-          </a:prstGeom>
         </p:spPr>
-        <p:style>
-          <a:lnRef idx="2">
-            <a:schemeClr val="accent1">
-              <a:shade val="50000"/>
-            </a:schemeClr>
-          </a:lnRef>
-          <a:fillRef idx="1">
-            <a:schemeClr val="accent1"/>
-          </a:fillRef>
-          <a:effectRef idx="0">
-            <a:schemeClr val="accent1"/>
-          </a:effectRef>
-          <a:fontRef idx="minor">
-            <a:schemeClr val="lt1"/>
-          </a:fontRef>
-        </p:style>
         <p:txBody>
-          <a:bodyPr rtlCol="0" anchor="ctr"/>
-          <a:p>
-            <a:pPr algn="ctr"/>
-            <a:r>
-              <a:rPr lang="en-US" altLang="zh-CN"/>
-              <a:t>ETH Pool</a:t>
-            </a:r>
-            <a:endParaRPr lang="en-US" altLang="zh-CN"/>
+          <a:bodyPr>
+            <a:normAutofit lnSpcReduction="10000"/>
+          </a:bodyPr>
+          <a:lstStyle/>
+          <a:p>
+            <a:pPr defTabSz="342900">
+              <a:lnSpc>
+                <a:spcPct val="120000"/>
+              </a:lnSpc>
+            </a:pPr>
+            <a:r>
+              <a:rPr lang="en-US" altLang="en-US" sz="1800" b="1" i="1" dirty="0">
+                <a:solidFill>
+                  <a:srgbClr val="262626"/>
+                </a:solidFill>
+              </a:rPr>
+              <a:t>Thus far, 2020 hasn’t been the best of years for many. But for decentralised finance, or DeFi, 2020 has been a period of stratospheric growth, with the total value locked in rising from under $1bn, to just under </a:t>
+            </a:r>
+            <a:r>
+              <a:rPr lang="en-US" altLang="en-US" sz="1800" b="1" i="1" dirty="0">
+                <a:solidFill>
+                  <a:srgbClr val="FF0000"/>
+                </a:solidFill>
+              </a:rPr>
+              <a:t>$8bn</a:t>
+            </a:r>
+            <a:r>
+              <a:rPr lang="en-US" altLang="en-US" sz="1800" b="1" i="1" dirty="0">
+                <a:solidFill>
+                  <a:srgbClr val="262626"/>
+                </a:solidFill>
+              </a:rPr>
+              <a:t> on Sep. 15, 2020</a:t>
+            </a:r>
+            <a:endParaRPr lang="en-US" altLang="en-US" sz="1800" b="1" i="1" dirty="0">
+              <a:solidFill>
+                <a:srgbClr val="262626"/>
+              </a:solidFill>
+            </a:endParaRPr>
+          </a:p>
+          <a:p>
+            <a:pPr defTabSz="342900">
+              <a:lnSpc>
+                <a:spcPct val="120000"/>
+              </a:lnSpc>
+            </a:pPr>
+            <a:endParaRPr lang="en-US" altLang="en-US" sz="1800" b="1" i="1" dirty="0">
+              <a:solidFill>
+                <a:srgbClr val="262626"/>
+              </a:solidFill>
+            </a:endParaRPr>
+          </a:p>
+          <a:p>
+            <a:pPr defTabSz="342900">
+              <a:lnSpc>
+                <a:spcPct val="120000"/>
+              </a:lnSpc>
+            </a:pPr>
+            <a:r>
+              <a:rPr lang="en-US" altLang="en-US" sz="1800" b="1" i="1" dirty="0">
+                <a:solidFill>
+                  <a:srgbClr val="262626"/>
+                </a:solidFill>
+              </a:rPr>
+              <a:t>Why is Defi important? The frameworks are getting mature, after the the real assets being mapped to the chain, lots of new business models will emerge, lots of new job opportunities.</a:t>
+            </a:r>
+            <a:endParaRPr lang="en-US" altLang="en-US" sz="1800" b="1" i="1" dirty="0">
+              <a:solidFill>
+                <a:srgbClr val="262626"/>
+              </a:solidFill>
+            </a:endParaRPr>
+          </a:p>
+          <a:p>
+            <a:pPr defTabSz="342900">
+              <a:lnSpc>
+                <a:spcPct val="120000"/>
+              </a:lnSpc>
+            </a:pPr>
+            <a:endParaRPr lang="en-US" altLang="en-US" sz="1800" b="1" i="1" dirty="0">
+              <a:solidFill>
+                <a:srgbClr val="262626"/>
+              </a:solidFill>
+            </a:endParaRPr>
+          </a:p>
+          <a:p>
+            <a:pPr defTabSz="342900">
+              <a:lnSpc>
+                <a:spcPct val="120000"/>
+              </a:lnSpc>
+            </a:pPr>
+            <a:r>
+              <a:rPr lang="en-US" altLang="en-US" sz="1800" dirty="0">
+                <a:solidFill>
+                  <a:srgbClr val="262626"/>
+                </a:solidFill>
+              </a:rPr>
+              <a:t>Type of Defi:</a:t>
+            </a:r>
+            <a:endParaRPr lang="en-US" altLang="en-US" sz="1800" dirty="0">
+              <a:solidFill>
+                <a:srgbClr val="262626"/>
+              </a:solidFill>
+            </a:endParaRPr>
+          </a:p>
+          <a:p>
+            <a:pPr lvl="1" defTabSz="342900">
+              <a:lnSpc>
+                <a:spcPct val="120000"/>
+              </a:lnSpc>
+            </a:pPr>
+            <a:r>
+              <a:rPr lang="en-US" altLang="en-US" sz="1540" dirty="0">
+                <a:solidFill>
+                  <a:srgbClr val="262626"/>
+                </a:solidFill>
+              </a:rPr>
+              <a:t>Yield Farming (e.g, Yam, APY Finance)</a:t>
+            </a:r>
+            <a:endParaRPr lang="en-US" altLang="en-US" sz="1540" dirty="0">
+              <a:solidFill>
+                <a:srgbClr val="262626"/>
+              </a:solidFill>
+            </a:endParaRPr>
+          </a:p>
+          <a:p>
+            <a:pPr lvl="1" defTabSz="342900">
+              <a:lnSpc>
+                <a:spcPct val="120000"/>
+              </a:lnSpc>
+            </a:pPr>
+            <a:r>
+              <a:rPr lang="en-US" altLang="en-US" sz="1540" dirty="0">
+                <a:solidFill>
+                  <a:srgbClr val="262626"/>
+                </a:solidFill>
+              </a:rPr>
+              <a:t>Insurance (e.g, Nexus Mutual) </a:t>
+            </a:r>
+            <a:endParaRPr lang="en-US" altLang="en-US" sz="1540" dirty="0">
+              <a:solidFill>
+                <a:srgbClr val="262626"/>
+              </a:solidFill>
+            </a:endParaRPr>
+          </a:p>
+          <a:p>
+            <a:pPr lvl="1" defTabSz="342900">
+              <a:lnSpc>
+                <a:spcPct val="120000"/>
+              </a:lnSpc>
+            </a:pPr>
+            <a:r>
+              <a:rPr lang="en-US" altLang="en-US" sz="1540" dirty="0">
+                <a:solidFill>
+                  <a:srgbClr val="262626"/>
+                </a:solidFill>
+              </a:rPr>
+              <a:t>Predictions Market (e.g., Augur and others)</a:t>
+            </a:r>
+            <a:endParaRPr lang="en-US" altLang="en-US" sz="1540" dirty="0">
+              <a:solidFill>
+                <a:srgbClr val="262626"/>
+              </a:solidFill>
+            </a:endParaRPr>
+          </a:p>
+          <a:p>
+            <a:pPr lvl="1" defTabSz="342900">
+              <a:lnSpc>
+                <a:spcPct val="120000"/>
+              </a:lnSpc>
+            </a:pPr>
+            <a:r>
+              <a:rPr lang="en-US" altLang="en-US" sz="1540" dirty="0">
+                <a:solidFill>
+                  <a:srgbClr val="262626"/>
+                </a:solidFill>
+              </a:rPr>
+              <a:t>Decentralized leverage trading (e.g., dYdX)</a:t>
+            </a:r>
+            <a:endParaRPr lang="en-US" altLang="en-US" sz="1540" dirty="0">
+              <a:solidFill>
+                <a:srgbClr val="262626"/>
+              </a:solidFill>
+            </a:endParaRPr>
+          </a:p>
+          <a:p>
+            <a:pPr lvl="1" defTabSz="342900">
+              <a:lnSpc>
+                <a:spcPct val="120000"/>
+              </a:lnSpc>
+            </a:pPr>
+            <a:r>
+              <a:rPr lang="en-US" altLang="en-US" sz="1540" dirty="0">
+                <a:solidFill>
+                  <a:srgbClr val="262626"/>
+                </a:solidFill>
+              </a:rPr>
+              <a:t>Lending Protocols  (e.g.,  Compound, Aave, InstaDApp, and more)</a:t>
+            </a:r>
+            <a:endParaRPr lang="en-US" altLang="en-US" sz="1540" dirty="0">
+              <a:solidFill>
+                <a:srgbClr val="262626"/>
+              </a:solidFill>
+            </a:endParaRPr>
+          </a:p>
+          <a:p>
+            <a:pPr lvl="1" defTabSz="342900">
+              <a:lnSpc>
+                <a:spcPct val="120000"/>
+              </a:lnSpc>
+            </a:pPr>
+            <a:r>
+              <a:rPr lang="en-US" altLang="en-US" sz="1540" dirty="0">
+                <a:solidFill>
+                  <a:srgbClr val="262626"/>
+                </a:solidFill>
+              </a:rPr>
+              <a:t>Synthetic assets (e.g., UMA)</a:t>
+            </a:r>
+            <a:endParaRPr lang="en-US" altLang="en-US" sz="1540" dirty="0">
+              <a:solidFill>
+                <a:srgbClr val="262626"/>
+              </a:solidFill>
+            </a:endParaRPr>
+          </a:p>
+          <a:p>
+            <a:pPr lvl="1" defTabSz="342900">
+              <a:lnSpc>
+                <a:spcPct val="120000"/>
+              </a:lnSpc>
+            </a:pPr>
+            <a:r>
+              <a:rPr lang="en-US" altLang="en-US" sz="1540" dirty="0">
+                <a:solidFill>
+                  <a:srgbClr val="262626"/>
+                </a:solidFill>
+              </a:rPr>
+              <a:t>Stable Coins</a:t>
+            </a:r>
+            <a:endParaRPr lang="en-US" altLang="en-US" sz="1540" dirty="0">
+              <a:solidFill>
+                <a:srgbClr val="262626"/>
+              </a:solidFill>
+            </a:endParaRPr>
           </a:p>
         </p:txBody>
       </p:sp>
-      <p:sp>
-        <p:nvSpPr>
-          <p:cNvPr id="6" name="矩形 5"/>
-          <p:cNvSpPr/>
-          <p:nvPr/>
-        </p:nvSpPr>
-        <p:spPr>
-          <a:xfrm>
-            <a:off x="2032000" y="2446020"/>
-            <a:ext cx="777875" cy="648335"/>
-          </a:xfrm>
-          <a:prstGeom prst="rect">
-            <a:avLst/>
-          </a:prstGeom>
-        </p:spPr>
-        <p:style>
-          <a:lnRef idx="2">
-            <a:schemeClr val="accent1">
-              <a:shade val="50000"/>
-            </a:schemeClr>
-          </a:lnRef>
-          <a:fillRef idx="1">
-            <a:schemeClr val="accent1"/>
-          </a:fillRef>
-          <a:effectRef idx="0">
-            <a:schemeClr val="accent1"/>
-          </a:effectRef>
-          <a:fontRef idx="minor">
-            <a:schemeClr val="lt1"/>
-          </a:fontRef>
-        </p:style>
-        <p:txBody>
-          <a:bodyPr rtlCol="0" anchor="ctr"/>
-          <a:p>
-            <a:pPr algn="ctr"/>
-            <a:r>
-              <a:rPr lang="en-US" altLang="zh-CN"/>
-              <a:t>MKR Pool</a:t>
-            </a:r>
-            <a:endParaRPr lang="en-US" altLang="zh-CN"/>
-          </a:p>
-        </p:txBody>
-      </p:sp>
-      <p:sp>
-        <p:nvSpPr>
-          <p:cNvPr id="7" name="矩形 6"/>
-          <p:cNvSpPr/>
-          <p:nvPr/>
-        </p:nvSpPr>
-        <p:spPr>
-          <a:xfrm>
-            <a:off x="2032000" y="3336925"/>
-            <a:ext cx="777875" cy="648335"/>
-          </a:xfrm>
-          <a:prstGeom prst="rect">
-            <a:avLst/>
-          </a:prstGeom>
-        </p:spPr>
-        <p:style>
-          <a:lnRef idx="2">
-            <a:schemeClr val="accent1">
-              <a:shade val="50000"/>
-            </a:schemeClr>
-          </a:lnRef>
-          <a:fillRef idx="1">
-            <a:schemeClr val="accent1"/>
-          </a:fillRef>
-          <a:effectRef idx="0">
-            <a:schemeClr val="accent1"/>
-          </a:effectRef>
-          <a:fontRef idx="minor">
-            <a:schemeClr val="lt1"/>
-          </a:fontRef>
-        </p:style>
-        <p:txBody>
-          <a:bodyPr rtlCol="0" anchor="ctr"/>
-          <a:p>
-            <a:pPr algn="ctr"/>
-            <a:r>
-              <a:rPr lang="en-US" altLang="zh-CN"/>
-              <a:t>COMPPool</a:t>
-            </a:r>
-            <a:endParaRPr lang="en-US" altLang="zh-CN"/>
-          </a:p>
-        </p:txBody>
-      </p:sp>
-      <p:sp>
-        <p:nvSpPr>
-          <p:cNvPr id="9" name="矩形 8"/>
-          <p:cNvSpPr/>
-          <p:nvPr/>
-        </p:nvSpPr>
-        <p:spPr>
-          <a:xfrm>
-            <a:off x="3498850" y="2446020"/>
-            <a:ext cx="777875" cy="648335"/>
-          </a:xfrm>
-          <a:prstGeom prst="rect">
-            <a:avLst/>
-          </a:prstGeom>
-        </p:spPr>
-        <p:style>
-          <a:lnRef idx="2">
-            <a:schemeClr val="accent1">
-              <a:shade val="50000"/>
-            </a:schemeClr>
-          </a:lnRef>
-          <a:fillRef idx="1">
-            <a:schemeClr val="accent1"/>
-          </a:fillRef>
-          <a:effectRef idx="0">
-            <a:schemeClr val="accent1"/>
-          </a:effectRef>
-          <a:fontRef idx="minor">
-            <a:schemeClr val="lt1"/>
-          </a:fontRef>
-        </p:style>
-        <p:txBody>
-          <a:bodyPr rtlCol="0" anchor="ctr"/>
-          <a:p>
-            <a:pPr algn="ctr"/>
-            <a:r>
-              <a:rPr lang="en-US" altLang="zh-CN"/>
-              <a:t>YAM</a:t>
-            </a:r>
-            <a:endParaRPr lang="en-US" altLang="zh-CN"/>
-          </a:p>
-        </p:txBody>
-      </p:sp>
-      <p:cxnSp>
-        <p:nvCxnSpPr>
-          <p:cNvPr id="10" name="直接箭头连接符 9"/>
-          <p:cNvCxnSpPr>
-            <a:stCxn id="5" idx="3"/>
-            <a:endCxn id="9" idx="1"/>
-          </p:cNvCxnSpPr>
-          <p:nvPr/>
-        </p:nvCxnSpPr>
-        <p:spPr>
-          <a:xfrm>
-            <a:off x="2809875" y="1894205"/>
-            <a:ext cx="688975" cy="876300"/>
-          </a:xfrm>
-          <a:prstGeom prst="straightConnector1">
-            <a:avLst/>
-          </a:prstGeom>
-          <a:ln>
-            <a:tailEnd type="arrow"/>
-          </a:ln>
-        </p:spPr>
-        <p:style>
-          <a:lnRef idx="1">
-            <a:schemeClr val="accent1"/>
-          </a:lnRef>
-          <a:fillRef idx="0">
-            <a:schemeClr val="accent1"/>
-          </a:fillRef>
-          <a:effectRef idx="0">
-            <a:schemeClr val="accent1"/>
-          </a:effectRef>
-          <a:fontRef idx="minor">
-            <a:schemeClr val="tx1"/>
-          </a:fontRef>
-        </p:style>
-      </p:cxnSp>
-      <p:cxnSp>
-        <p:nvCxnSpPr>
-          <p:cNvPr id="11" name="直接箭头连接符 10"/>
-          <p:cNvCxnSpPr>
-            <a:stCxn id="6" idx="3"/>
-            <a:endCxn id="9" idx="1"/>
-          </p:cNvCxnSpPr>
-          <p:nvPr/>
-        </p:nvCxnSpPr>
-        <p:spPr>
-          <a:xfrm>
-            <a:off x="2809875" y="2770505"/>
-            <a:ext cx="688975" cy="0"/>
-          </a:xfrm>
-          <a:prstGeom prst="straightConnector1">
-            <a:avLst/>
-          </a:prstGeom>
-          <a:ln>
-            <a:tailEnd type="arrow"/>
-          </a:ln>
-        </p:spPr>
-        <p:style>
-          <a:lnRef idx="1">
-            <a:schemeClr val="accent1"/>
-          </a:lnRef>
-          <a:fillRef idx="0">
-            <a:schemeClr val="accent1"/>
-          </a:fillRef>
-          <a:effectRef idx="0">
-            <a:schemeClr val="accent1"/>
-          </a:effectRef>
-          <a:fontRef idx="minor">
-            <a:schemeClr val="tx1"/>
-          </a:fontRef>
-        </p:style>
-      </p:cxnSp>
-      <p:cxnSp>
-        <p:nvCxnSpPr>
-          <p:cNvPr id="12" name="直接箭头连接符 11"/>
-          <p:cNvCxnSpPr>
-            <a:stCxn id="7" idx="3"/>
-          </p:cNvCxnSpPr>
-          <p:nvPr/>
-        </p:nvCxnSpPr>
-        <p:spPr>
-          <a:xfrm flipV="1">
-            <a:off x="2809875" y="2770505"/>
-            <a:ext cx="688975" cy="890905"/>
-          </a:xfrm>
-          <a:prstGeom prst="straightConnector1">
-            <a:avLst/>
-          </a:prstGeom>
-          <a:ln>
-            <a:tailEnd type="arrow"/>
-          </a:ln>
-        </p:spPr>
-        <p:style>
-          <a:lnRef idx="1">
-            <a:schemeClr val="accent1"/>
-          </a:lnRef>
-          <a:fillRef idx="0">
-            <a:schemeClr val="accent1"/>
-          </a:fillRef>
-          <a:effectRef idx="0">
-            <a:schemeClr val="accent1"/>
-          </a:effectRef>
-          <a:fontRef idx="minor">
-            <a:schemeClr val="tx1"/>
-          </a:fontRef>
-        </p:style>
-      </p:cxnSp>
-      <p:cxnSp>
-        <p:nvCxnSpPr>
-          <p:cNvPr id="13" name="直接箭头连接符 12"/>
-          <p:cNvCxnSpPr>
-            <a:stCxn id="21" idx="3"/>
-            <a:endCxn id="9" idx="1"/>
-          </p:cNvCxnSpPr>
-          <p:nvPr/>
-        </p:nvCxnSpPr>
-        <p:spPr>
-          <a:xfrm flipV="1">
-            <a:off x="2809875" y="2770505"/>
-            <a:ext cx="688975" cy="2675255"/>
-          </a:xfrm>
-          <a:prstGeom prst="straightConnector1">
-            <a:avLst/>
-          </a:prstGeom>
-          <a:ln>
-            <a:tailEnd type="arrow"/>
-          </a:ln>
-        </p:spPr>
-        <p:style>
-          <a:lnRef idx="1">
-            <a:schemeClr val="accent1"/>
-          </a:lnRef>
-          <a:fillRef idx="0">
-            <a:schemeClr val="accent1"/>
-          </a:fillRef>
-          <a:effectRef idx="0">
-            <a:schemeClr val="accent1"/>
-          </a:effectRef>
-          <a:fontRef idx="minor">
-            <a:schemeClr val="tx1"/>
-          </a:fontRef>
-        </p:style>
-      </p:cxnSp>
-      <p:sp>
-        <p:nvSpPr>
-          <p:cNvPr id="14" name="文本框 13"/>
-          <p:cNvSpPr txBox="1"/>
-          <p:nvPr/>
-        </p:nvSpPr>
-        <p:spPr>
-          <a:xfrm>
-            <a:off x="2982595" y="3985260"/>
-            <a:ext cx="878840" cy="368300"/>
-          </a:xfrm>
-          <a:prstGeom prst="rect">
-            <a:avLst/>
-          </a:prstGeom>
-          <a:noFill/>
-        </p:spPr>
-        <p:txBody>
-          <a:bodyPr wrap="square" rtlCol="0">
-            <a:spAutoFit/>
-          </a:bodyPr>
-          <a:p>
-            <a:r>
-              <a:rPr lang="en-US" altLang="zh-CN"/>
-              <a:t>staking</a:t>
-            </a:r>
-            <a:endParaRPr lang="en-US" altLang="zh-CN"/>
-          </a:p>
-        </p:txBody>
-      </p:sp>
-      <p:cxnSp>
-        <p:nvCxnSpPr>
-          <p:cNvPr id="15" name="直接箭头连接符 14"/>
-          <p:cNvCxnSpPr>
-            <a:stCxn id="9" idx="3"/>
-            <a:endCxn id="16" idx="1"/>
-          </p:cNvCxnSpPr>
-          <p:nvPr/>
-        </p:nvCxnSpPr>
-        <p:spPr>
-          <a:xfrm>
-            <a:off x="4276725" y="2770505"/>
-            <a:ext cx="878840" cy="0"/>
-          </a:xfrm>
-          <a:prstGeom prst="straightConnector1">
-            <a:avLst/>
-          </a:prstGeom>
-          <a:ln>
-            <a:tailEnd type="arrow"/>
-          </a:ln>
-        </p:spPr>
-        <p:style>
-          <a:lnRef idx="1">
-            <a:schemeClr val="accent1"/>
-          </a:lnRef>
-          <a:fillRef idx="0">
-            <a:schemeClr val="accent1"/>
-          </a:fillRef>
-          <a:effectRef idx="0">
-            <a:schemeClr val="accent1"/>
-          </a:effectRef>
-          <a:fontRef idx="minor">
-            <a:schemeClr val="tx1"/>
-          </a:fontRef>
-        </p:style>
-      </p:cxnSp>
-      <p:sp>
-        <p:nvSpPr>
-          <p:cNvPr id="16" name="矩形 15"/>
-          <p:cNvSpPr/>
-          <p:nvPr/>
-        </p:nvSpPr>
-        <p:spPr>
-          <a:xfrm>
-            <a:off x="5155565" y="2446020"/>
-            <a:ext cx="777875" cy="648335"/>
-          </a:xfrm>
-          <a:prstGeom prst="rect">
-            <a:avLst/>
-          </a:prstGeom>
-        </p:spPr>
-        <p:style>
-          <a:lnRef idx="2">
-            <a:schemeClr val="accent1">
-              <a:shade val="50000"/>
-            </a:schemeClr>
-          </a:lnRef>
-          <a:fillRef idx="1">
-            <a:schemeClr val="accent1"/>
-          </a:fillRef>
-          <a:effectRef idx="0">
-            <a:schemeClr val="accent1"/>
-          </a:effectRef>
-          <a:fontRef idx="minor">
-            <a:schemeClr val="lt1"/>
-          </a:fontRef>
-        </p:style>
-        <p:txBody>
-          <a:bodyPr rtlCol="0" anchor="ctr"/>
-          <a:p>
-            <a:pPr algn="ctr"/>
-            <a:r>
-              <a:rPr lang="en-US" altLang="zh-CN"/>
-              <a:t>YAM/ETH</a:t>
-            </a:r>
-            <a:endParaRPr lang="en-US" altLang="zh-CN"/>
-          </a:p>
-        </p:txBody>
-      </p:sp>
-      <p:sp>
-        <p:nvSpPr>
-          <p:cNvPr id="17" name="文本框 16"/>
-          <p:cNvSpPr txBox="1"/>
-          <p:nvPr/>
-        </p:nvSpPr>
-        <p:spPr>
-          <a:xfrm>
-            <a:off x="4276725" y="3985260"/>
-            <a:ext cx="878840" cy="368300"/>
-          </a:xfrm>
-          <a:prstGeom prst="rect">
-            <a:avLst/>
-          </a:prstGeom>
-          <a:noFill/>
-        </p:spPr>
-        <p:txBody>
-          <a:bodyPr wrap="square" rtlCol="0">
-            <a:spAutoFit/>
-          </a:bodyPr>
-          <a:p>
-            <a:r>
-              <a:rPr lang="en-US" altLang="zh-CN"/>
-              <a:t>staking</a:t>
-            </a:r>
-            <a:endParaRPr lang="en-US" altLang="zh-CN"/>
-          </a:p>
-        </p:txBody>
-      </p:sp>
-      <p:sp>
-        <p:nvSpPr>
-          <p:cNvPr id="18" name="矩形 17"/>
-          <p:cNvSpPr/>
-          <p:nvPr/>
-        </p:nvSpPr>
-        <p:spPr>
-          <a:xfrm>
-            <a:off x="3498850" y="3336925"/>
-            <a:ext cx="777875" cy="648335"/>
-          </a:xfrm>
-          <a:prstGeom prst="rect">
-            <a:avLst/>
-          </a:prstGeom>
-        </p:spPr>
-        <p:style>
-          <a:lnRef idx="2">
-            <a:schemeClr val="accent1">
-              <a:shade val="50000"/>
-            </a:schemeClr>
-          </a:lnRef>
-          <a:fillRef idx="1">
-            <a:schemeClr val="accent1"/>
-          </a:fillRef>
-          <a:effectRef idx="0">
-            <a:schemeClr val="accent1"/>
-          </a:effectRef>
-          <a:fontRef idx="minor">
-            <a:schemeClr val="lt1"/>
-          </a:fontRef>
-        </p:style>
-        <p:txBody>
-          <a:bodyPr rtlCol="0" anchor="ctr"/>
-          <a:p>
-            <a:pPr algn="ctr"/>
-            <a:r>
-              <a:rPr lang="en-US" altLang="zh-CN"/>
-              <a:t>ETH</a:t>
-            </a:r>
-            <a:endParaRPr lang="en-US" altLang="zh-CN"/>
-          </a:p>
-        </p:txBody>
-      </p:sp>
-      <p:cxnSp>
-        <p:nvCxnSpPr>
-          <p:cNvPr id="19" name="直接箭头连接符 18"/>
-          <p:cNvCxnSpPr>
-            <a:stCxn id="18" idx="3"/>
-            <a:endCxn id="16" idx="1"/>
-          </p:cNvCxnSpPr>
-          <p:nvPr/>
-        </p:nvCxnSpPr>
-        <p:spPr>
-          <a:xfrm flipV="1">
-            <a:off x="4276725" y="2770505"/>
-            <a:ext cx="878840" cy="890905"/>
-          </a:xfrm>
-          <a:prstGeom prst="straightConnector1">
-            <a:avLst/>
-          </a:prstGeom>
-          <a:ln>
-            <a:tailEnd type="arrow"/>
-          </a:ln>
-        </p:spPr>
-        <p:style>
-          <a:lnRef idx="1">
-            <a:schemeClr val="accent1"/>
-          </a:lnRef>
-          <a:fillRef idx="0">
-            <a:schemeClr val="accent1"/>
-          </a:fillRef>
-          <a:effectRef idx="0">
-            <a:schemeClr val="accent1"/>
-          </a:effectRef>
-          <a:fontRef idx="minor">
-            <a:schemeClr val="tx1"/>
-          </a:fontRef>
-        </p:style>
-      </p:cxnSp>
-      <p:sp>
-        <p:nvSpPr>
-          <p:cNvPr id="20" name="文本框 19"/>
-          <p:cNvSpPr txBox="1"/>
-          <p:nvPr/>
-        </p:nvSpPr>
-        <p:spPr>
-          <a:xfrm>
-            <a:off x="1095375" y="2449195"/>
-            <a:ext cx="735330" cy="645160"/>
-          </a:xfrm>
-          <a:prstGeom prst="rect">
-            <a:avLst/>
-          </a:prstGeom>
-          <a:noFill/>
-        </p:spPr>
-        <p:txBody>
-          <a:bodyPr wrap="square" rtlCol="0">
-            <a:spAutoFit/>
-          </a:bodyPr>
-          <a:p>
-            <a:r>
-              <a:rPr lang="en-US" altLang="zh-CN"/>
-              <a:t>X1 yield</a:t>
-            </a:r>
-            <a:endParaRPr lang="en-US" altLang="zh-CN"/>
-          </a:p>
-        </p:txBody>
-      </p:sp>
-      <p:sp>
-        <p:nvSpPr>
-          <p:cNvPr id="21" name="矩形 20"/>
-          <p:cNvSpPr/>
-          <p:nvPr/>
-        </p:nvSpPr>
-        <p:spPr>
-          <a:xfrm>
-            <a:off x="1831340" y="5020310"/>
-            <a:ext cx="978535" cy="850265"/>
-          </a:xfrm>
-          <a:prstGeom prst="rect">
-            <a:avLst/>
-          </a:prstGeom>
-        </p:spPr>
-        <p:style>
-          <a:lnRef idx="1">
-            <a:schemeClr val="accent2"/>
-          </a:lnRef>
-          <a:fillRef idx="3">
-            <a:schemeClr val="accent2"/>
-          </a:fillRef>
-          <a:effectRef idx="2">
-            <a:schemeClr val="accent2"/>
-          </a:effectRef>
-          <a:fontRef idx="minor">
-            <a:schemeClr val="lt1"/>
-          </a:fontRef>
-        </p:style>
-        <p:txBody>
-          <a:bodyPr rtlCol="0" anchor="ctr"/>
-          <a:p>
-            <a:pPr algn="ctr"/>
-            <a:r>
-              <a:rPr lang="en-US" altLang="zh-CN"/>
-              <a:t>UNIV2 Yam</a:t>
-            </a:r>
-            <a:endParaRPr lang="en-US" altLang="zh-CN"/>
-          </a:p>
-          <a:p>
-            <a:pPr algn="ctr"/>
-            <a:r>
-              <a:rPr lang="en-US" altLang="zh-CN"/>
-              <a:t>Pool</a:t>
-            </a:r>
-            <a:endParaRPr lang="en-US" altLang="zh-CN"/>
-          </a:p>
-        </p:txBody>
-      </p:sp>
-      <p:sp>
-        <p:nvSpPr>
-          <p:cNvPr id="22" name="文本框 21"/>
-          <p:cNvSpPr txBox="1"/>
-          <p:nvPr/>
-        </p:nvSpPr>
-        <p:spPr>
-          <a:xfrm>
-            <a:off x="1095375" y="5023485"/>
-            <a:ext cx="735330" cy="645160"/>
-          </a:xfrm>
-          <a:prstGeom prst="rect">
-            <a:avLst/>
-          </a:prstGeom>
-          <a:noFill/>
-        </p:spPr>
-        <p:txBody>
-          <a:bodyPr wrap="square" rtlCol="0">
-            <a:spAutoFit/>
-          </a:bodyPr>
-          <a:p>
-            <a:r>
-              <a:rPr lang="en-US" altLang="zh-CN"/>
-              <a:t>X5 yield</a:t>
-            </a:r>
-            <a:endParaRPr lang="en-US" altLang="zh-CN"/>
-          </a:p>
-        </p:txBody>
-      </p:sp>
-      <p:sp>
-        <p:nvSpPr>
-          <p:cNvPr id="23" name="矩形 22"/>
-          <p:cNvSpPr/>
-          <p:nvPr/>
-        </p:nvSpPr>
-        <p:spPr>
-          <a:xfrm>
-            <a:off x="6622415" y="2449195"/>
-            <a:ext cx="1007745" cy="648335"/>
-          </a:xfrm>
-          <a:prstGeom prst="rect">
-            <a:avLst/>
-          </a:prstGeom>
-        </p:spPr>
-        <p:style>
-          <a:lnRef idx="2">
-            <a:schemeClr val="accent1">
-              <a:shade val="50000"/>
-            </a:schemeClr>
-          </a:lnRef>
-          <a:fillRef idx="1">
-            <a:schemeClr val="accent1"/>
-          </a:fillRef>
-          <a:effectRef idx="0">
-            <a:schemeClr val="accent1"/>
-          </a:effectRef>
-          <a:fontRef idx="minor">
-            <a:schemeClr val="lt1"/>
-          </a:fontRef>
-        </p:style>
-        <p:txBody>
-          <a:bodyPr rtlCol="0" anchor="ctr"/>
-          <a:p>
-            <a:pPr algn="ctr"/>
-            <a:r>
-              <a:rPr lang="en-US" altLang="zh-CN"/>
-              <a:t>UNIV2/YAM</a:t>
-            </a:r>
-            <a:endParaRPr lang="zh-CN" altLang="en-US"/>
-          </a:p>
-        </p:txBody>
-      </p:sp>
-      <p:cxnSp>
-        <p:nvCxnSpPr>
-          <p:cNvPr id="24" name="直接箭头连接符 23"/>
-          <p:cNvCxnSpPr>
-            <a:stCxn id="16" idx="3"/>
-            <a:endCxn id="23" idx="1"/>
-          </p:cNvCxnSpPr>
-          <p:nvPr/>
-        </p:nvCxnSpPr>
-        <p:spPr>
-          <a:xfrm>
-            <a:off x="5933440" y="2770505"/>
-            <a:ext cx="688975" cy="3175"/>
-          </a:xfrm>
-          <a:prstGeom prst="straightConnector1">
-            <a:avLst/>
-          </a:prstGeom>
-          <a:ln>
-            <a:tailEnd type="arrow"/>
-          </a:ln>
-        </p:spPr>
-        <p:style>
-          <a:lnRef idx="1">
-            <a:schemeClr val="accent1"/>
-          </a:lnRef>
-          <a:fillRef idx="0">
-            <a:schemeClr val="accent1"/>
-          </a:fillRef>
-          <a:effectRef idx="0">
-            <a:schemeClr val="accent1"/>
-          </a:effectRef>
-          <a:fontRef idx="minor">
-            <a:schemeClr val="tx1"/>
-          </a:fontRef>
-        </p:style>
-      </p:cxnSp>
-      <p:cxnSp>
-        <p:nvCxnSpPr>
-          <p:cNvPr id="25" name="曲线连接符 24"/>
-          <p:cNvCxnSpPr>
-            <a:stCxn id="23" idx="2"/>
-            <a:endCxn id="21" idx="3"/>
-          </p:cNvCxnSpPr>
-          <p:nvPr/>
-        </p:nvCxnSpPr>
-        <p:spPr>
-          <a:xfrm rot="5400000">
-            <a:off x="3794125" y="2113280"/>
-            <a:ext cx="2348230" cy="4316730"/>
-          </a:xfrm>
-          <a:prstGeom prst="curvedConnector2">
-            <a:avLst/>
-          </a:prstGeom>
-          <a:ln>
-            <a:tailEnd type="arrow"/>
-          </a:ln>
-        </p:spPr>
-        <p:style>
-          <a:lnRef idx="1">
-            <a:schemeClr val="accent1"/>
-          </a:lnRef>
-          <a:fillRef idx="0">
-            <a:schemeClr val="accent1"/>
-          </a:fillRef>
-          <a:effectRef idx="0">
-            <a:schemeClr val="accent1"/>
-          </a:effectRef>
-          <a:fontRef idx="minor">
-            <a:schemeClr val="tx1"/>
-          </a:fontRef>
-        </p:style>
-      </p:cxnSp>
     </p:spTree>
   </p:cSld>
   <p:clrMapOvr>
@@ -10655,20 +14464,8 @@
               <a:rPr lang="en-US" sz="3200" b="1" dirty="0">
                 <a:latin typeface="Calibri" panose="020F0502020204030204" pitchFamily="34" charset="0"/>
                 <a:cs typeface="Calibri" panose="020F0502020204030204" pitchFamily="34" charset="0"/>
-                <a:sym typeface="+mn-ea"/>
               </a:rPr>
-              <a:t>The Mechanism of </a:t>
-            </a:r>
-            <a:r>
-              <a:rPr lang="en-US" altLang="en-US" sz="3200" b="1" dirty="0">
-                <a:solidFill>
-                  <a:srgbClr val="262626"/>
-                </a:solidFill>
-                <a:latin typeface="Calibri" panose="020F0502020204030204" pitchFamily="34" charset="0"/>
-                <a:cs typeface="Calibri" panose="020F0502020204030204" pitchFamily="34" charset="0"/>
-                <a:sym typeface="+mn-ea"/>
-              </a:rPr>
-              <a:t>Nexus Mutual</a:t>
+              <a:t>The Mechanism of Compond</a:t>
             </a:r>
             <a:endParaRPr lang="en-US" sz="3200" b="1" dirty="0">
               <a:latin typeface="Calibri" panose="020F0502020204030204" pitchFamily="34" charset="0"/>
@@ -10679,7 +14476,7 @@
       </p:sp>
       <p:pic>
         <p:nvPicPr>
-          <p:cNvPr id="3" name="图片 2"/>
+          <p:cNvPr id="9" name="图片 8"/>
           <p:cNvPicPr>
             <a:picLocks noChangeAspect="1"/>
           </p:cNvPicPr>
@@ -10693,8 +14490,8 @@
         </p:blipFill>
         <p:spPr>
           <a:xfrm>
-            <a:off x="628650" y="869950"/>
-            <a:ext cx="7639050" cy="4076700"/>
+            <a:off x="0" y="3124200"/>
+            <a:ext cx="6419850" cy="3733800"/>
           </a:xfrm>
           <a:prstGeom prst="rect">
             <a:avLst/>
@@ -10703,14 +14500,108 @@
       </p:pic>
       <p:sp>
         <p:nvSpPr>
-          <p:cNvPr id="4" name="矩形 3"/>
+          <p:cNvPr id="23" name="Content Placeholder 2"/>
+          <p:cNvSpPr>
+            <a:spLocks noGrp="1"/>
+          </p:cNvSpPr>
+          <p:nvPr>
+            <p:ph idx="1"/>
+          </p:nvPr>
+        </p:nvSpPr>
+        <p:spPr>
+          <a:xfrm>
+            <a:off x="628650" y="989044"/>
+            <a:ext cx="7886700" cy="5605719"/>
+          </a:xfrm>
+        </p:spPr>
+        <p:txBody>
+          <a:bodyPr>
+            <a:normAutofit lnSpcReduction="10000"/>
+          </a:bodyPr>
+          <a:p>
+            <a:pPr defTabSz="342900">
+              <a:lnSpc>
+                <a:spcPct val="120000"/>
+              </a:lnSpc>
+            </a:pPr>
+            <a:r>
+              <a:rPr lang="en-US" altLang="en-US" sz="1540" dirty="0">
+                <a:solidFill>
+                  <a:srgbClr val="262626"/>
+                </a:solidFill>
+              </a:rPr>
+              <a:t>The value of the collateral &gt; the borrowed money </a:t>
+            </a:r>
+            <a:endParaRPr lang="en-US" altLang="en-US" sz="1540" dirty="0">
+              <a:solidFill>
+                <a:srgbClr val="262626"/>
+              </a:solidFill>
+            </a:endParaRPr>
+          </a:p>
+          <a:p>
+            <a:pPr defTabSz="342900">
+              <a:lnSpc>
+                <a:spcPct val="120000"/>
+              </a:lnSpc>
+            </a:pPr>
+            <a:r>
+              <a:rPr lang="en-US" altLang="en-US" sz="1540" dirty="0">
+                <a:solidFill>
+                  <a:srgbClr val="262626"/>
+                </a:solidFill>
+              </a:rPr>
+              <a:t>Increase the leverage for traders</a:t>
+            </a:r>
+            <a:endParaRPr lang="en-US" altLang="en-US" sz="1540" dirty="0">
+              <a:solidFill>
+                <a:srgbClr val="262626"/>
+              </a:solidFill>
+            </a:endParaRPr>
+          </a:p>
+          <a:p>
+            <a:pPr defTabSz="342900">
+              <a:lnSpc>
+                <a:spcPct val="120000"/>
+              </a:lnSpc>
+            </a:pPr>
+            <a:r>
+              <a:rPr lang="en-US" altLang="en-US" sz="1540" dirty="0">
+                <a:solidFill>
+                  <a:srgbClr val="262626"/>
+                </a:solidFill>
+              </a:rPr>
+              <a:t>it could drop below a certain threshold which would trigger the smart contract to close the position (also called liquidation)</a:t>
+            </a:r>
+            <a:endParaRPr lang="en-US" altLang="en-US" sz="1540" dirty="0">
+              <a:solidFill>
+                <a:srgbClr val="262626"/>
+              </a:solidFill>
+            </a:endParaRPr>
+          </a:p>
+          <a:p>
+            <a:pPr defTabSz="342900">
+              <a:lnSpc>
+                <a:spcPct val="120000"/>
+              </a:lnSpc>
+            </a:pPr>
+            <a:endParaRPr lang="en-US" altLang="en-US" sz="1540" dirty="0">
+              <a:solidFill>
+                <a:srgbClr val="262626"/>
+              </a:solidFill>
+            </a:endParaRPr>
+          </a:p>
+        </p:txBody>
+      </p:sp>
+      <p:sp>
+        <p:nvSpPr>
+          <p:cNvPr id="3" name="矩形 2"/>
           <p:cNvSpPr/>
           <p:nvPr/>
         </p:nvSpPr>
         <p:spPr>
           <a:xfrm>
-            <a:off x="1036955" y="5315585"/>
-            <a:ext cx="1167130" cy="605155"/>
+            <a:off x="7202805" y="3284220"/>
+            <a:ext cx="1312545" cy="1016000"/>
           </a:xfrm>
           <a:prstGeom prst="rect">
             <a:avLst/>
@@ -10718,15 +14609,15 @@
         </p:spPr>
         <p:style>
           <a:lnRef idx="2">
-            <a:schemeClr val="accent1">
+            <a:schemeClr val="accent3">
               <a:shade val="50000"/>
             </a:schemeClr>
           </a:lnRef>
           <a:fillRef idx="1">
-            <a:schemeClr val="accent1"/>
+            <a:schemeClr val="accent3"/>
           </a:fillRef>
           <a:effectRef idx="0">
-            <a:schemeClr val="accent1"/>
+            <a:schemeClr val="accent3"/>
           </a:effectRef>
           <a:fontRef idx="minor">
             <a:schemeClr val="lt1"/>
@@ -10738,15 +14629,7 @@
             <a:pPr algn="ctr"/>
             <a:r>
               <a:rPr lang="en-US" altLang="zh-CN"/>
-              <a:t>Deposite</a:t>
-            </a:r>
-            <a:endParaRPr lang="en-US" altLang="zh-CN"/>
-          </a:p>
-          <a:p>
-            <a:pPr algn="ctr"/>
-            <a:r>
-              <a:rPr lang="en-US" altLang="zh-CN"/>
-              <a:t>ETH</a:t>
+              <a:t>ETH </a:t>
             </a:r>
             <a:endParaRPr lang="en-US" altLang="zh-CN"/>
           </a:p>
@@ -10754,16 +14637,17 @@
       </p:sp>
       <p:cxnSp>
         <p:nvCxnSpPr>
-          <p:cNvPr id="8" name="直接箭头连接符 7"/>
+          <p:cNvPr id="4" name="直接箭头连接符 3"/>
           <p:cNvCxnSpPr>
-            <a:stCxn id="4" idx="3"/>
+            <a:stCxn id="3" idx="1"/>
+            <a:endCxn id="9" idx="3"/>
           </p:cNvCxnSpPr>
           <p:nvPr/>
         </p:nvCxnSpPr>
         <p:spPr>
-          <a:xfrm flipV="1">
-            <a:off x="2204085" y="5603875"/>
-            <a:ext cx="807085" cy="14605"/>
+          <a:xfrm flipH="1">
+            <a:off x="6419850" y="3792220"/>
+            <a:ext cx="782955" cy="1198880"/>
           </a:xfrm>
           <a:prstGeom prst="straightConnector1">
             <a:avLst/>
@@ -10789,14 +14673,14 @@
       </p:cxnSp>
       <p:sp>
         <p:nvSpPr>
-          <p:cNvPr id="26" name="矩形 25"/>
+          <p:cNvPr id="5" name="矩形 4"/>
           <p:cNvSpPr/>
           <p:nvPr/>
         </p:nvSpPr>
         <p:spPr>
           <a:xfrm>
-            <a:off x="3011170" y="5315585"/>
-            <a:ext cx="1167130" cy="605155"/>
+            <a:off x="7202805" y="5198745"/>
+            <a:ext cx="1312545" cy="1016000"/>
           </a:xfrm>
           <a:prstGeom prst="rect">
             <a:avLst/>
@@ -10804,15 +14688,15 @@
         </p:spPr>
         <p:style>
           <a:lnRef idx="2">
-            <a:schemeClr val="accent1">
+            <a:schemeClr val="accent3">
               <a:shade val="50000"/>
             </a:schemeClr>
           </a:lnRef>
           <a:fillRef idx="1">
-            <a:schemeClr val="accent1"/>
+            <a:schemeClr val="accent3"/>
           </a:fillRef>
           <a:effectRef idx="0">
-            <a:schemeClr val="accent1"/>
+            <a:schemeClr val="accent3"/>
           </a:effectRef>
           <a:fontRef idx="minor">
             <a:schemeClr val="lt1"/>
@@ -10824,58 +14708,7 @@
             <a:pPr algn="ctr"/>
             <a:r>
               <a:rPr lang="en-US" altLang="zh-CN"/>
-              <a:t>Capital</a:t>
-            </a:r>
-            <a:endParaRPr lang="en-US" altLang="zh-CN"/>
-          </a:p>
-          <a:p>
-            <a:pPr algn="ctr"/>
-            <a:r>
-              <a:rPr lang="en-US" altLang="zh-CN"/>
-              <a:t>Pool</a:t>
-            </a:r>
-            <a:endParaRPr lang="en-US" altLang="zh-CN"/>
-          </a:p>
-        </p:txBody>
-      </p:sp>
-      <p:sp>
-        <p:nvSpPr>
-          <p:cNvPr id="27" name="矩形 26"/>
-          <p:cNvSpPr/>
-          <p:nvPr/>
-        </p:nvSpPr>
-        <p:spPr>
-          <a:xfrm>
-            <a:off x="4985385" y="5293995"/>
-            <a:ext cx="1167130" cy="605155"/>
-          </a:xfrm>
-          <a:prstGeom prst="rect">
-            <a:avLst/>
-          </a:prstGeom>
-        </p:spPr>
-        <p:style>
-          <a:lnRef idx="2">
-            <a:schemeClr val="accent1">
-              <a:shade val="50000"/>
-            </a:schemeClr>
-          </a:lnRef>
-          <a:fillRef idx="1">
-            <a:schemeClr val="accent1"/>
-          </a:fillRef>
-          <a:effectRef idx="0">
-            <a:schemeClr val="accent1"/>
-          </a:effectRef>
-          <a:fontRef idx="minor">
-            <a:schemeClr val="lt1"/>
-          </a:fontRef>
-        </p:style>
-        <p:txBody>
-          <a:bodyPr rtlCol="0" anchor="ctr"/>
-          <a:p>
-            <a:pPr algn="ctr"/>
-            <a:r>
-              <a:rPr lang="en-US" altLang="zh-CN"/>
-              <a:t>NXM</a:t>
+              <a:t>DAI</a:t>
             </a:r>
             <a:endParaRPr lang="en-US" altLang="zh-CN"/>
           </a:p>
@@ -10883,14 +14716,17 @@
       </p:sp>
       <p:cxnSp>
         <p:nvCxnSpPr>
-          <p:cNvPr id="28" name="直接箭头连接符 27"/>
-          <p:cNvCxnSpPr/>
+          <p:cNvPr id="6" name="直接箭头连接符 5"/>
+          <p:cNvCxnSpPr>
+            <a:stCxn id="9" idx="3"/>
+            <a:endCxn id="5" idx="1"/>
+          </p:cNvCxnSpPr>
           <p:nvPr/>
         </p:nvCxnSpPr>
         <p:spPr>
-          <a:xfrm flipV="1">
-            <a:off x="4178300" y="5589270"/>
-            <a:ext cx="807085" cy="14605"/>
+          <a:xfrm>
+            <a:off x="6419850" y="4991100"/>
+            <a:ext cx="782955" cy="715645"/>
           </a:xfrm>
           <a:prstGeom prst="straightConnector1">
             <a:avLst/>
@@ -10914,70 +14750,42 @@
           </a:fontRef>
         </p:style>
       </p:cxnSp>
-      <p:cxnSp>
-        <p:nvCxnSpPr>
-          <p:cNvPr id="29" name="肘形连接符 28"/>
-          <p:cNvCxnSpPr>
-            <a:stCxn id="26" idx="2"/>
-            <a:endCxn id="27" idx="2"/>
-          </p:cNvCxnSpPr>
+      <p:sp>
+        <p:nvSpPr>
+          <p:cNvPr id="7" name="L 形 6"/>
+          <p:cNvSpPr/>
           <p:nvPr/>
-        </p:nvCxnSpPr>
+        </p:nvSpPr>
         <p:spPr>
-          <a:xfrm rot="5400000" flipH="1" flipV="1">
-            <a:off x="4570730" y="4922520"/>
-            <a:ext cx="21590" cy="1974215"/>
+          <a:xfrm rot="18900000">
+            <a:off x="7647305" y="4492625"/>
+            <a:ext cx="423545" cy="408940"/>
           </a:xfrm>
-          <a:prstGeom prst="bentConnector3">
-            <a:avLst>
-              <a:gd name="adj1" fmla="val -1101471"/>
-            </a:avLst>
+          <a:prstGeom prst="corner">
+            <a:avLst/>
           </a:prstGeom>
-          <a:ln>
-            <a:tailEnd type="arrow"/>
-          </a:ln>
         </p:spPr>
         <p:style>
-          <a:lnRef idx="1">
-            <a:schemeClr val="accent1"/>
+          <a:lnRef idx="2">
+            <a:schemeClr val="accent1">
+              <a:shade val="50000"/>
+            </a:schemeClr>
           </a:lnRef>
-          <a:fillRef idx="0">
+          <a:fillRef idx="1">
             <a:schemeClr val="accent1"/>
           </a:fillRef>
           <a:effectRef idx="0">
             <a:schemeClr val="accent1"/>
           </a:effectRef>
           <a:fontRef idx="minor">
-            <a:schemeClr val="tx1"/>
+            <a:schemeClr val="lt1"/>
           </a:fontRef>
         </p:style>
-      </p:cxnSp>
-      <p:sp>
-        <p:nvSpPr>
-          <p:cNvPr id="30" name="文本框 29"/>
-          <p:cNvSpPr txBox="1"/>
-          <p:nvPr/>
-        </p:nvSpPr>
-        <p:spPr>
-          <a:xfrm>
-            <a:off x="3594100" y="6237605"/>
-            <a:ext cx="1974215" cy="368300"/>
-          </a:xfrm>
-          <a:prstGeom prst="rect">
-            <a:avLst/>
-          </a:prstGeom>
-          <a:noFill/>
-        </p:spPr>
         <p:txBody>
-          <a:bodyPr wrap="square" rtlCol="0">
-            <a:spAutoFit/>
-          </a:bodyPr>
-          <a:p>
-            <a:r>
-              <a:rPr lang="en-US" altLang="zh-CN"/>
-              <a:t>Insurance Profit</a:t>
-            </a:r>
-            <a:endParaRPr lang="en-US" altLang="zh-CN"/>
+          <a:bodyPr rtlCol="0" anchor="ctr"/>
+          <a:p>
+            <a:pPr algn="ctr"/>
+            <a:endParaRPr lang="zh-CN" altLang="en-US"/>
           </a:p>
         </p:txBody>
       </p:sp>
@@ -11033,9 +14841,8 @@
               <a:rPr lang="en-US" sz="3200" b="1" dirty="0">
                 <a:latin typeface="Calibri" panose="020F0502020204030204" pitchFamily="34" charset="0"/>
                 <a:cs typeface="Calibri" panose="020F0502020204030204" pitchFamily="34" charset="0"/>
-                <a:sym typeface="+mn-ea"/>
               </a:rPr>
-              <a:t>The Mechanism of UMA</a:t>
+              <a:t>The Mechanism of Compond</a:t>
             </a:r>
             <a:endParaRPr lang="en-US" sz="3200" b="1" dirty="0">
               <a:latin typeface="Calibri" panose="020F0502020204030204" pitchFamily="34" charset="0"/>
@@ -11044,32 +14851,274 @@
           </a:p>
         </p:txBody>
       </p:sp>
-      <p:pic>
-        <p:nvPicPr>
-          <p:cNvPr id="5" name="内容占位符 4"/>
-          <p:cNvPicPr>
-            <a:picLocks noChangeAspect="1"/>
-          </p:cNvPicPr>
+      <p:sp>
+        <p:nvSpPr>
+          <p:cNvPr id="23" name="Content Placeholder 2"/>
+          <p:cNvSpPr>
+            <a:spLocks noGrp="1"/>
+          </p:cNvSpPr>
           <p:nvPr>
             <p:ph idx="1"/>
           </p:nvPr>
-        </p:nvPicPr>
-        <p:blipFill>
-          <a:blip r:embed="rId1"/>
-          <a:stretch>
-            <a:fillRect/>
-          </a:stretch>
-        </p:blipFill>
+        </p:nvSpPr>
         <p:spPr>
           <a:xfrm>
-            <a:off x="1104900" y="1852930"/>
-            <a:ext cx="6934200" cy="3152775"/>
+            <a:off x="628650" y="989044"/>
+            <a:ext cx="7886700" cy="5605719"/>
           </a:xfrm>
-          <a:prstGeom prst="rect">
-            <a:avLst/>
-          </a:prstGeom>
         </p:spPr>
-      </p:pic>
+        <p:txBody>
+          <a:bodyPr>
+            <a:normAutofit lnSpcReduction="20000"/>
+          </a:bodyPr>
+          <a:p>
+            <a:pPr defTabSz="342900">
+              <a:lnSpc>
+                <a:spcPct val="120000"/>
+              </a:lnSpc>
+            </a:pPr>
+            <a:r>
+              <a:rPr lang="en-US" altLang="en-US" sz="1800" dirty="0">
+                <a:solidFill>
+                  <a:srgbClr val="262626"/>
+                </a:solidFill>
+                <a:sym typeface="+mn-ea"/>
+              </a:rPr>
+              <a:t>Drawback: </a:t>
+            </a:r>
+            <a:endParaRPr lang="en-US" altLang="en-US" sz="1800" dirty="0">
+              <a:solidFill>
+                <a:srgbClr val="262626"/>
+              </a:solidFill>
+              <a:sym typeface="+mn-ea"/>
+            </a:endParaRPr>
+          </a:p>
+          <a:p>
+            <a:pPr defTabSz="342900">
+              <a:lnSpc>
+                <a:spcPct val="120000"/>
+              </a:lnSpc>
+            </a:pPr>
+            <a:r>
+              <a:rPr lang="en-US" altLang="en-US" sz="1800" dirty="0">
+                <a:solidFill>
+                  <a:srgbClr val="262626"/>
+                </a:solidFill>
+                <a:sym typeface="+mn-ea"/>
+              </a:rPr>
+              <a:t>This cannot make a credit loan</a:t>
+            </a:r>
+            <a:endParaRPr lang="en-US" altLang="en-US" sz="1800" dirty="0">
+              <a:solidFill>
+                <a:srgbClr val="262626"/>
+              </a:solidFill>
+              <a:sym typeface="+mn-ea"/>
+            </a:endParaRPr>
+          </a:p>
+          <a:p>
+            <a:pPr defTabSz="342900">
+              <a:lnSpc>
+                <a:spcPct val="120000"/>
+              </a:lnSpc>
+            </a:pPr>
+            <a:r>
+              <a:rPr lang="en-US" altLang="en-US" sz="1800" dirty="0">
+                <a:solidFill>
+                  <a:srgbClr val="262626"/>
+                </a:solidFill>
+                <a:sym typeface="+mn-ea"/>
+              </a:rPr>
+              <a:t>Advantage:</a:t>
+            </a:r>
+            <a:endParaRPr lang="en-US" altLang="en-US" sz="1800" dirty="0">
+              <a:solidFill>
+                <a:srgbClr val="262626"/>
+              </a:solidFill>
+              <a:sym typeface="+mn-ea"/>
+            </a:endParaRPr>
+          </a:p>
+          <a:p>
+            <a:pPr defTabSz="342900">
+              <a:lnSpc>
+                <a:spcPct val="120000"/>
+              </a:lnSpc>
+            </a:pPr>
+            <a:r>
+              <a:rPr lang="en-US" altLang="en-US" sz="1800" dirty="0">
+                <a:solidFill>
+                  <a:srgbClr val="262626"/>
+                </a:solidFill>
+              </a:rPr>
+              <a:t>It matches trustless lending and borrowing needs, makes the money more efficient</a:t>
+            </a:r>
+            <a:endParaRPr lang="en-US" altLang="en-US" sz="1800" dirty="0">
+              <a:solidFill>
+                <a:srgbClr val="262626"/>
+              </a:solidFill>
+            </a:endParaRPr>
+          </a:p>
+          <a:p>
+            <a:pPr defTabSz="342900">
+              <a:lnSpc>
+                <a:spcPct val="120000"/>
+              </a:lnSpc>
+            </a:pPr>
+            <a:endParaRPr lang="en-US" altLang="en-US" sz="1800" dirty="0">
+              <a:solidFill>
+                <a:srgbClr val="262626"/>
+              </a:solidFill>
+            </a:endParaRPr>
+          </a:p>
+          <a:p>
+            <a:pPr defTabSz="342900">
+              <a:lnSpc>
+                <a:spcPct val="120000"/>
+              </a:lnSpc>
+            </a:pPr>
+            <a:r>
+              <a:rPr lang="en-US" altLang="en-US" sz="1800" dirty="0">
+                <a:solidFill>
+                  <a:srgbClr val="262626"/>
+                </a:solidFill>
+              </a:rPr>
+              <a:t>Possible Applications in the real world:</a:t>
+            </a:r>
+            <a:endParaRPr lang="en-US" altLang="en-US" sz="1800" dirty="0">
+              <a:solidFill>
+                <a:srgbClr val="262626"/>
+              </a:solidFill>
+            </a:endParaRPr>
+          </a:p>
+          <a:p>
+            <a:pPr defTabSz="342900">
+              <a:lnSpc>
+                <a:spcPct val="120000"/>
+              </a:lnSpc>
+            </a:pPr>
+            <a:r>
+              <a:rPr lang="en-US" altLang="en-US" sz="1800" dirty="0">
+                <a:solidFill>
+                  <a:srgbClr val="262626"/>
+                </a:solidFill>
+              </a:rPr>
+              <a:t>Once real assets mapped to the chain, we can use the the same framwork, to add liquidity to the illiquid assets. </a:t>
+            </a:r>
+            <a:endParaRPr lang="en-US" altLang="en-US" sz="1800" dirty="0">
+              <a:solidFill>
+                <a:srgbClr val="262626"/>
+              </a:solidFill>
+            </a:endParaRPr>
+          </a:p>
+          <a:p>
+            <a:pPr defTabSz="342900">
+              <a:lnSpc>
+                <a:spcPct val="120000"/>
+              </a:lnSpc>
+            </a:pPr>
+            <a:endParaRPr lang="en-US" altLang="en-US" sz="1800" dirty="0">
+              <a:solidFill>
+                <a:srgbClr val="262626"/>
+              </a:solidFill>
+            </a:endParaRPr>
+          </a:p>
+          <a:p>
+            <a:pPr defTabSz="342900">
+              <a:lnSpc>
+                <a:spcPct val="120000"/>
+              </a:lnSpc>
+            </a:pPr>
+            <a:r>
+              <a:rPr lang="en-US" altLang="en-US" sz="1800" dirty="0">
+                <a:solidFill>
+                  <a:srgbClr val="262626"/>
+                </a:solidFill>
+              </a:rPr>
+              <a:t>Why people would like to participant </a:t>
+            </a:r>
+            <a:endParaRPr lang="en-US" altLang="en-US" sz="1800" dirty="0">
+              <a:solidFill>
+                <a:srgbClr val="262626"/>
+              </a:solidFill>
+            </a:endParaRPr>
+          </a:p>
+          <a:p>
+            <a:pPr defTabSz="342900">
+              <a:lnSpc>
+                <a:spcPct val="120000"/>
+              </a:lnSpc>
+            </a:pPr>
+            <a:r>
+              <a:rPr lang="en-US" altLang="en-US" sz="1800" dirty="0">
+                <a:solidFill>
+                  <a:srgbClr val="262626"/>
+                </a:solidFill>
+              </a:rPr>
+              <a:t>1. It gives an opportunity to</a:t>
+            </a:r>
+            <a:r>
+              <a:rPr lang="en-US" altLang="en-US" sz="1800" dirty="0">
+                <a:solidFill>
+                  <a:srgbClr val="FF0000"/>
+                </a:solidFill>
+              </a:rPr>
+              <a:t> token </a:t>
+            </a:r>
+            <a:r>
+              <a:rPr lang="en-US" altLang="en-US" sz="1800" dirty="0">
+                <a:solidFill>
+                  <a:srgbClr val="FF0000"/>
+                </a:solidFill>
+                <a:sym typeface="+mn-ea"/>
+              </a:rPr>
+              <a:t>hoarders</a:t>
+            </a:r>
+            <a:r>
+              <a:rPr lang="en-US" altLang="en-US" sz="1800" dirty="0">
+                <a:solidFill>
+                  <a:srgbClr val="262626"/>
+                </a:solidFill>
+                <a:sym typeface="+mn-ea"/>
+              </a:rPr>
+              <a:t> to earn interest while </a:t>
+            </a:r>
+            <a:r>
+              <a:rPr lang="en-US" altLang="en-US" sz="1800" dirty="0">
+                <a:solidFill>
+                  <a:srgbClr val="262626"/>
+                </a:solidFill>
+                <a:sym typeface="+mn-ea"/>
+              </a:rPr>
+              <a:t>still having their tokens</a:t>
+            </a:r>
+            <a:endParaRPr lang="en-US" altLang="en-US" sz="1800" dirty="0">
+              <a:solidFill>
+                <a:srgbClr val="262626"/>
+              </a:solidFill>
+              <a:sym typeface="+mn-ea"/>
+            </a:endParaRPr>
+          </a:p>
+          <a:p>
+            <a:pPr defTabSz="342900">
+              <a:lnSpc>
+                <a:spcPct val="120000"/>
+              </a:lnSpc>
+            </a:pPr>
+            <a:r>
+              <a:rPr lang="en-US" altLang="en-US" sz="1800" dirty="0">
+                <a:solidFill>
+                  <a:srgbClr val="262626"/>
+                </a:solidFill>
+              </a:rPr>
+              <a:t>2. It satifyies the risk takers needs in a fair environment</a:t>
+            </a:r>
+            <a:endParaRPr lang="en-US" altLang="en-US" sz="1800" dirty="0">
+              <a:solidFill>
+                <a:srgbClr val="262626"/>
+              </a:solidFill>
+            </a:endParaRPr>
+          </a:p>
+        </p:txBody>
+      </p:sp>
     </p:spTree>
   </p:cSld>
   <p:clrMapOvr>

--- a/BCI - Day1 - Intro 1 Blockchain Technology Trends.pptx
+++ b/BCI - Day1 - Intro 1 Blockchain Technology Trends.pptx
@@ -24,18 +24,19 @@
     <p:sldId id="1827" r:id="rId17"/>
     <p:sldId id="1881" r:id="rId18"/>
     <p:sldId id="1818" r:id="rId19"/>
-    <p:sldId id="1865" r:id="rId20"/>
-    <p:sldId id="1819" r:id="rId21"/>
-    <p:sldId id="1882" r:id="rId22"/>
-    <p:sldId id="1883" r:id="rId23"/>
-    <p:sldId id="1884" r:id="rId24"/>
-    <p:sldId id="1820" r:id="rId25"/>
-    <p:sldId id="1821" r:id="rId26"/>
-    <p:sldId id="1828" r:id="rId27"/>
-    <p:sldId id="1829" r:id="rId28"/>
-    <p:sldId id="1885" r:id="rId29"/>
-    <p:sldId id="1875" r:id="rId30"/>
-    <p:sldId id="1822" r:id="rId31"/>
+    <p:sldId id="1902" r:id="rId20"/>
+    <p:sldId id="1865" r:id="rId21"/>
+    <p:sldId id="1819" r:id="rId22"/>
+    <p:sldId id="1882" r:id="rId23"/>
+    <p:sldId id="1883" r:id="rId24"/>
+    <p:sldId id="1884" r:id="rId25"/>
+    <p:sldId id="1820" r:id="rId26"/>
+    <p:sldId id="1821" r:id="rId27"/>
+    <p:sldId id="1828" r:id="rId28"/>
+    <p:sldId id="1829" r:id="rId29"/>
+    <p:sldId id="1885" r:id="rId30"/>
+    <p:sldId id="1875" r:id="rId31"/>
+    <p:sldId id="1822" r:id="rId32"/>
   </p:sldIdLst>
   <p:sldSz cx="9144000" cy="6858000" type="screen4x3"/>
   <p:notesSz cx="7315200" cy="9601200"/>
@@ -7271,7 +7272,7 @@
                 <a:latin typeface="Calibri" panose="020F0502020204030204" pitchFamily="34" charset="0"/>
                 <a:cs typeface="Calibri" panose="020F0502020204030204" pitchFamily="34" charset="0"/>
               </a:rPr>
-              <a:t>The Mechanism of APY (robo-advisor)</a:t>
+              <a:t>The Mechanism of APY (robot-advisor)</a:t>
             </a:r>
             <a:endParaRPr lang="en-US" sz="3200" b="1" dirty="0">
               <a:latin typeface="Calibri" panose="020F0502020204030204" pitchFamily="34" charset="0"/>
@@ -10341,6 +10342,408 @@
       </p:sp>
       <p:sp>
         <p:nvSpPr>
+          <p:cNvPr id="23" name="Content Placeholder 2"/>
+          <p:cNvSpPr>
+            <a:spLocks noGrp="1"/>
+          </p:cNvSpPr>
+          <p:nvPr/>
+        </p:nvSpPr>
+        <p:spPr>
+          <a:xfrm>
+            <a:off x="628650" y="989044"/>
+            <a:ext cx="7886700" cy="5605719"/>
+          </a:xfrm>
+          <a:prstGeom prst="rect">
+            <a:avLst/>
+          </a:prstGeom>
+        </p:spPr>
+        <p:txBody>
+          <a:bodyPr vert="horz" lIns="91440" tIns="45720" rIns="91440" bIns="45720" rtlCol="0">
+            <a:normAutofit/>
+          </a:bodyPr>
+          <a:lstStyle>
+            <a:lvl1pPr marL="228600" indent="-228600" algn="l" defTabSz="914400" rtl="0" eaLnBrk="1" latinLnBrk="0" hangingPunct="1">
+              <a:lnSpc>
+                <a:spcPct val="90000"/>
+              </a:lnSpc>
+              <a:spcBef>
+                <a:spcPts val="1000"/>
+              </a:spcBef>
+              <a:buFont typeface="Arial" panose="020B0604020202020204" pitchFamily="34" charset="0"/>
+              <a:buChar char="•"/>
+              <a:defRPr sz="2800" kern="1200">
+                <a:solidFill>
+                  <a:schemeClr val="tx1"/>
+                </a:solidFill>
+                <a:latin typeface="+mn-lt"/>
+                <a:ea typeface="+mn-ea"/>
+                <a:cs typeface="+mn-cs"/>
+              </a:defRPr>
+            </a:lvl1pPr>
+            <a:lvl2pPr marL="685800" indent="-228600" algn="l" defTabSz="914400" rtl="0" eaLnBrk="1" latinLnBrk="0" hangingPunct="1">
+              <a:lnSpc>
+                <a:spcPct val="90000"/>
+              </a:lnSpc>
+              <a:spcBef>
+                <a:spcPts val="500"/>
+              </a:spcBef>
+              <a:buFont typeface="Arial" panose="020B0604020202020204" pitchFamily="34" charset="0"/>
+              <a:buChar char="•"/>
+              <a:defRPr sz="2400" kern="1200">
+                <a:solidFill>
+                  <a:schemeClr val="tx1"/>
+                </a:solidFill>
+                <a:latin typeface="+mn-lt"/>
+                <a:ea typeface="+mn-ea"/>
+                <a:cs typeface="+mn-cs"/>
+              </a:defRPr>
+            </a:lvl2pPr>
+            <a:lvl3pPr marL="1143000" indent="-228600" algn="l" defTabSz="914400" rtl="0" eaLnBrk="1" latinLnBrk="0" hangingPunct="1">
+              <a:lnSpc>
+                <a:spcPct val="90000"/>
+              </a:lnSpc>
+              <a:spcBef>
+                <a:spcPts val="500"/>
+              </a:spcBef>
+              <a:buFont typeface="Arial" panose="020B0604020202020204" pitchFamily="34" charset="0"/>
+              <a:buChar char="•"/>
+              <a:defRPr sz="2000" kern="1200">
+                <a:solidFill>
+                  <a:schemeClr val="tx1"/>
+                </a:solidFill>
+                <a:latin typeface="+mn-lt"/>
+                <a:ea typeface="+mn-ea"/>
+                <a:cs typeface="+mn-cs"/>
+              </a:defRPr>
+            </a:lvl3pPr>
+            <a:lvl4pPr marL="1600200" indent="-228600" algn="l" defTabSz="914400" rtl="0" eaLnBrk="1" latinLnBrk="0" hangingPunct="1">
+              <a:lnSpc>
+                <a:spcPct val="90000"/>
+              </a:lnSpc>
+              <a:spcBef>
+                <a:spcPts val="500"/>
+              </a:spcBef>
+              <a:buFont typeface="Arial" panose="020B0604020202020204" pitchFamily="34" charset="0"/>
+              <a:buChar char="•"/>
+              <a:defRPr sz="1800" kern="1200">
+                <a:solidFill>
+                  <a:schemeClr val="tx1"/>
+                </a:solidFill>
+                <a:latin typeface="+mn-lt"/>
+                <a:ea typeface="+mn-ea"/>
+                <a:cs typeface="+mn-cs"/>
+              </a:defRPr>
+            </a:lvl4pPr>
+            <a:lvl5pPr marL="2057400" indent="-228600" algn="l" defTabSz="914400" rtl="0" eaLnBrk="1" latinLnBrk="0" hangingPunct="1">
+              <a:lnSpc>
+                <a:spcPct val="90000"/>
+              </a:lnSpc>
+              <a:spcBef>
+                <a:spcPts val="500"/>
+              </a:spcBef>
+              <a:buFont typeface="Arial" panose="020B0604020202020204" pitchFamily="34" charset="0"/>
+              <a:buChar char="•"/>
+              <a:defRPr sz="1800" kern="1200">
+                <a:solidFill>
+                  <a:schemeClr val="tx1"/>
+                </a:solidFill>
+                <a:latin typeface="+mn-lt"/>
+                <a:ea typeface="+mn-ea"/>
+                <a:cs typeface="+mn-cs"/>
+              </a:defRPr>
+            </a:lvl5pPr>
+            <a:lvl6pPr marL="2514600" indent="-228600" algn="l" defTabSz="914400" rtl="0" eaLnBrk="1" latinLnBrk="0" hangingPunct="1">
+              <a:lnSpc>
+                <a:spcPct val="90000"/>
+              </a:lnSpc>
+              <a:spcBef>
+                <a:spcPts val="500"/>
+              </a:spcBef>
+              <a:buFont typeface="Arial" panose="020B0604020202020204" pitchFamily="34" charset="0"/>
+              <a:buChar char="•"/>
+              <a:defRPr sz="1800" kern="1200">
+                <a:solidFill>
+                  <a:schemeClr val="tx1"/>
+                </a:solidFill>
+                <a:latin typeface="+mn-lt"/>
+                <a:ea typeface="+mn-ea"/>
+                <a:cs typeface="+mn-cs"/>
+              </a:defRPr>
+            </a:lvl6pPr>
+            <a:lvl7pPr marL="2971800" indent="-228600" algn="l" defTabSz="914400" rtl="0" eaLnBrk="1" latinLnBrk="0" hangingPunct="1">
+              <a:lnSpc>
+                <a:spcPct val="90000"/>
+              </a:lnSpc>
+              <a:spcBef>
+                <a:spcPts val="500"/>
+              </a:spcBef>
+              <a:buFont typeface="Arial" panose="020B0604020202020204" pitchFamily="34" charset="0"/>
+              <a:buChar char="•"/>
+              <a:defRPr sz="1800" kern="1200">
+                <a:solidFill>
+                  <a:schemeClr val="tx1"/>
+                </a:solidFill>
+                <a:latin typeface="+mn-lt"/>
+                <a:ea typeface="+mn-ea"/>
+                <a:cs typeface="+mn-cs"/>
+              </a:defRPr>
+            </a:lvl7pPr>
+            <a:lvl8pPr marL="3429000" indent="-228600" algn="l" defTabSz="914400" rtl="0" eaLnBrk="1" latinLnBrk="0" hangingPunct="1">
+              <a:lnSpc>
+                <a:spcPct val="90000"/>
+              </a:lnSpc>
+              <a:spcBef>
+                <a:spcPts val="500"/>
+              </a:spcBef>
+              <a:buFont typeface="Arial" panose="020B0604020202020204" pitchFamily="34" charset="0"/>
+              <a:buChar char="•"/>
+              <a:defRPr sz="1800" kern="1200">
+                <a:solidFill>
+                  <a:schemeClr val="tx1"/>
+                </a:solidFill>
+                <a:latin typeface="+mn-lt"/>
+                <a:ea typeface="+mn-ea"/>
+                <a:cs typeface="+mn-cs"/>
+              </a:defRPr>
+            </a:lvl8pPr>
+            <a:lvl9pPr marL="3886200" indent="-228600" algn="l" defTabSz="914400" rtl="0" eaLnBrk="1" latinLnBrk="0" hangingPunct="1">
+              <a:lnSpc>
+                <a:spcPct val="90000"/>
+              </a:lnSpc>
+              <a:spcBef>
+                <a:spcPts val="500"/>
+              </a:spcBef>
+              <a:buFont typeface="Arial" panose="020B0604020202020204" pitchFamily="34" charset="0"/>
+              <a:buChar char="•"/>
+              <a:defRPr sz="1800" kern="1200">
+                <a:solidFill>
+                  <a:schemeClr val="tx1"/>
+                </a:solidFill>
+                <a:latin typeface="+mn-lt"/>
+                <a:ea typeface="+mn-ea"/>
+                <a:cs typeface="+mn-cs"/>
+              </a:defRPr>
+            </a:lvl9pPr>
+          </a:lstStyle>
+          <a:p>
+            <a:pPr marL="0" indent="0" defTabSz="342900">
+              <a:lnSpc>
+                <a:spcPct val="120000"/>
+              </a:lnSpc>
+              <a:buNone/>
+            </a:pPr>
+            <a:r>
+              <a:rPr lang="en-US" altLang="zh-CN" sz="1800" dirty="0">
+                <a:solidFill>
+                  <a:srgbClr val="262626"/>
+                </a:solidFill>
+              </a:rPr>
+              <a:t>A healthy financial market:</a:t>
+            </a:r>
+            <a:endParaRPr lang="en-US" altLang="zh-CN" sz="1800" dirty="0">
+              <a:solidFill>
+                <a:srgbClr val="262626"/>
+              </a:solidFill>
+            </a:endParaRPr>
+          </a:p>
+          <a:p>
+            <a:pPr marL="0" indent="0" defTabSz="342900">
+              <a:lnSpc>
+                <a:spcPct val="120000"/>
+              </a:lnSpc>
+              <a:buNone/>
+            </a:pPr>
+            <a:endParaRPr lang="en-US" altLang="zh-CN" sz="1800" dirty="0">
+              <a:solidFill>
+                <a:srgbClr val="262626"/>
+              </a:solidFill>
+            </a:endParaRPr>
+          </a:p>
+          <a:p>
+            <a:pPr marL="0" indent="0" defTabSz="342900">
+              <a:lnSpc>
+                <a:spcPct val="120000"/>
+              </a:lnSpc>
+              <a:buNone/>
+            </a:pPr>
+            <a:r>
+              <a:rPr lang="en-US" altLang="zh-CN" sz="1800" dirty="0">
+                <a:solidFill>
+                  <a:srgbClr val="262626"/>
+                </a:solidFill>
+              </a:rPr>
+              <a:t>4 type of players:</a:t>
+            </a:r>
+            <a:endParaRPr lang="en-US" altLang="zh-CN" sz="1800" dirty="0">
+              <a:solidFill>
+                <a:srgbClr val="262626"/>
+              </a:solidFill>
+            </a:endParaRPr>
+          </a:p>
+          <a:p>
+            <a:pPr marL="0" indent="0" defTabSz="342900">
+              <a:lnSpc>
+                <a:spcPct val="120000"/>
+              </a:lnSpc>
+              <a:buNone/>
+            </a:pPr>
+            <a:r>
+              <a:rPr lang="en-US" altLang="zh-CN" sz="1800" dirty="0">
+                <a:solidFill>
+                  <a:srgbClr val="262626"/>
+                </a:solidFill>
+              </a:rPr>
+              <a:t>Business: hedage operational risk / Dividend</a:t>
+            </a:r>
+            <a:endParaRPr lang="en-US" altLang="zh-CN" sz="1800" dirty="0">
+              <a:solidFill>
+                <a:srgbClr val="262626"/>
+              </a:solidFill>
+            </a:endParaRPr>
+          </a:p>
+          <a:p>
+            <a:pPr marL="0" indent="0" defTabSz="342900">
+              <a:lnSpc>
+                <a:spcPct val="120000"/>
+              </a:lnSpc>
+              <a:buNone/>
+            </a:pPr>
+            <a:r>
+              <a:rPr lang="en-US" altLang="zh-CN" sz="1800" dirty="0">
+                <a:solidFill>
+                  <a:srgbClr val="262626"/>
+                </a:solidFill>
+              </a:rPr>
+              <a:t>Investors: </a:t>
+            </a:r>
+            <a:endParaRPr lang="en-US" altLang="zh-CN" sz="1800" dirty="0">
+              <a:solidFill>
+                <a:srgbClr val="262626"/>
+              </a:solidFill>
+            </a:endParaRPr>
+          </a:p>
+          <a:p>
+            <a:pPr marL="0" indent="0" defTabSz="342900">
+              <a:lnSpc>
+                <a:spcPct val="120000"/>
+              </a:lnSpc>
+              <a:buNone/>
+            </a:pPr>
+            <a:r>
+              <a:rPr lang="en-US" altLang="zh-CN" sz="1800" dirty="0">
+                <a:solidFill>
+                  <a:srgbClr val="262626"/>
+                </a:solidFill>
+              </a:rPr>
+              <a:t>Speclutators: adding liqudity</a:t>
+            </a:r>
+            <a:endParaRPr lang="zh-CN" altLang="en-US" sz="1800" dirty="0">
+              <a:solidFill>
+                <a:srgbClr val="262626"/>
+              </a:solidFill>
+            </a:endParaRPr>
+          </a:p>
+          <a:p>
+            <a:pPr marL="0" indent="0" defTabSz="342900">
+              <a:lnSpc>
+                <a:spcPct val="120000"/>
+              </a:lnSpc>
+              <a:buNone/>
+            </a:pPr>
+            <a:r>
+              <a:rPr lang="en-US" altLang="zh-CN" sz="1800" dirty="0">
+                <a:solidFill>
+                  <a:srgbClr val="262626"/>
+                </a:solidFill>
+              </a:rPr>
+              <a:t>Intermediaries: issuing</a:t>
+            </a:r>
+            <a:endParaRPr lang="en-US" altLang="zh-CN" sz="1800" dirty="0">
+              <a:solidFill>
+                <a:srgbClr val="262626"/>
+              </a:solidFill>
+            </a:endParaRPr>
+          </a:p>
+          <a:p>
+            <a:pPr marL="0" indent="0" defTabSz="342900">
+              <a:lnSpc>
+                <a:spcPct val="120000"/>
+              </a:lnSpc>
+              <a:buNone/>
+            </a:pPr>
+            <a:endParaRPr lang="zh-CN" altLang="en-US" sz="1800" dirty="0">
+              <a:solidFill>
+                <a:srgbClr val="262626"/>
+              </a:solidFill>
+            </a:endParaRPr>
+          </a:p>
+        </p:txBody>
+      </p:sp>
+    </p:spTree>
+  </p:cSld>
+  <p:clrMapOvr>
+    <a:masterClrMapping/>
+  </p:clrMapOvr>
+</p:sld>
+</file>
+
+<file path=ppt/slides/slide18.xml><?xml version="1.0" encoding="utf-8"?>
+<p:sld xmlns:a="http://schemas.openxmlformats.org/drawingml/2006/main" xmlns:r="http://schemas.openxmlformats.org/officeDocument/2006/relationships" xmlns:p="http://schemas.openxmlformats.org/presentationml/2006/main">
+  <p:cSld>
+    <p:spTree>
+      <p:nvGrpSpPr>
+        <p:cNvPr id="1" name=""/>
+        <p:cNvGrpSpPr/>
+        <p:nvPr/>
+      </p:nvGrpSpPr>
+      <p:grpSpPr>
+        <a:xfrm>
+          <a:off x="0" y="0"/>
+          <a:ext cx="0" cy="0"/>
+          <a:chOff x="0" y="0"/>
+          <a:chExt cx="0" cy="0"/>
+        </a:xfrm>
+      </p:grpSpPr>
+      <p:sp>
+        <p:nvSpPr>
+          <p:cNvPr id="2" name="Title 1"/>
+          <p:cNvSpPr>
+            <a:spLocks noGrp="1"/>
+          </p:cNvSpPr>
+          <p:nvPr>
+            <p:ph type="title"/>
+          </p:nvPr>
+        </p:nvSpPr>
+        <p:spPr>
+          <a:xfrm>
+            <a:off x="628650" y="155263"/>
+            <a:ext cx="7886700" cy="526790"/>
+          </a:xfrm>
+        </p:spPr>
+        <p:txBody>
+          <a:bodyPr>
+            <a:normAutofit fontScale="90000"/>
+          </a:bodyPr>
+          <a:lstStyle/>
+          <a:p>
+            <a:pPr algn="ctr"/>
+            <a:r>
+              <a:rPr lang="en-US" sz="3200" b="1" dirty="0">
+                <a:latin typeface="Calibri" panose="020F0502020204030204" pitchFamily="34" charset="0"/>
+                <a:cs typeface="Calibri" panose="020F0502020204030204" pitchFamily="34" charset="0"/>
+                <a:sym typeface="+mn-ea"/>
+              </a:rPr>
+              <a:t>Enlightment of DeFi</a:t>
+            </a:r>
+            <a:endParaRPr lang="en-US" sz="3200" b="1" dirty="0">
+              <a:latin typeface="Calibri" panose="020F0502020204030204" pitchFamily="34" charset="0"/>
+              <a:cs typeface="Calibri" panose="020F0502020204030204" pitchFamily="34" charset="0"/>
+            </a:endParaRPr>
+          </a:p>
+        </p:txBody>
+      </p:sp>
+      <p:sp>
+        <p:nvSpPr>
           <p:cNvPr id="3" name="Content Placeholder 2"/>
           <p:cNvSpPr>
             <a:spLocks noGrp="1"/>
@@ -10534,7 +10937,7 @@
 </p:sld>
 </file>
 
-<file path=ppt/slides/slide18.xml><?xml version="1.0" encoding="utf-8"?>
+<file path=ppt/slides/slide19.xml><?xml version="1.0" encoding="utf-8"?>
 <p:sld xmlns:a="http://schemas.openxmlformats.org/drawingml/2006/main" xmlns:r="http://schemas.openxmlformats.org/officeDocument/2006/relationships" xmlns:p="http://schemas.openxmlformats.org/presentationml/2006/main">
   <p:cSld>
     <p:spTree>
@@ -10763,303 +11166,6 @@
 </p:sld>
 </file>
 
-<file path=ppt/slides/slide19.xml><?xml version="1.0" encoding="utf-8"?>
-<p:sld xmlns:a="http://schemas.openxmlformats.org/drawingml/2006/main" xmlns:r="http://schemas.openxmlformats.org/officeDocument/2006/relationships" xmlns:p="http://schemas.openxmlformats.org/presentationml/2006/main">
-  <p:cSld>
-    <p:spTree>
-      <p:nvGrpSpPr>
-        <p:cNvPr id="1" name=""/>
-        <p:cNvGrpSpPr/>
-        <p:nvPr/>
-      </p:nvGrpSpPr>
-      <p:grpSpPr>
-        <a:xfrm>
-          <a:off x="0" y="0"/>
-          <a:ext cx="0" cy="0"/>
-          <a:chOff x="0" y="0"/>
-          <a:chExt cx="0" cy="0"/>
-        </a:xfrm>
-      </p:grpSpPr>
-      <p:sp>
-        <p:nvSpPr>
-          <p:cNvPr id="2" name="Title 1"/>
-          <p:cNvSpPr>
-            <a:spLocks noGrp="1"/>
-          </p:cNvSpPr>
-          <p:nvPr>
-            <p:ph type="title"/>
-          </p:nvPr>
-        </p:nvSpPr>
-        <p:spPr>
-          <a:xfrm>
-            <a:off x="628650" y="155263"/>
-            <a:ext cx="7886700" cy="526790"/>
-          </a:xfrm>
-        </p:spPr>
-        <p:txBody>
-          <a:bodyPr>
-            <a:normAutofit fontScale="90000"/>
-          </a:bodyPr>
-          <a:lstStyle/>
-          <a:p>
-            <a:pPr algn="ctr"/>
-            <a:r>
-              <a:rPr lang="en-US" altLang="en-US" sz="3200" b="1" dirty="0">
-                <a:solidFill>
-                  <a:srgbClr val="262626"/>
-                </a:solidFill>
-                <a:latin typeface="Calibri" panose="020F0502020204030204" pitchFamily="34" charset="0"/>
-                <a:cs typeface="Calibri" panose="020F0502020204030204" pitchFamily="34" charset="0"/>
-                <a:sym typeface="+mn-ea"/>
-              </a:rPr>
-              <a:t>Governance</a:t>
-            </a:r>
-            <a:endParaRPr lang="en-US" sz="3200" b="1" dirty="0">
-              <a:latin typeface="Calibri" panose="020F0502020204030204" pitchFamily="34" charset="0"/>
-              <a:cs typeface="Calibri" panose="020F0502020204030204" pitchFamily="34" charset="0"/>
-            </a:endParaRPr>
-          </a:p>
-        </p:txBody>
-      </p:sp>
-      <p:sp>
-        <p:nvSpPr>
-          <p:cNvPr id="3" name="Content Placeholder 2"/>
-          <p:cNvSpPr>
-            <a:spLocks noGrp="1"/>
-          </p:cNvSpPr>
-          <p:nvPr>
-            <p:ph idx="1"/>
-          </p:nvPr>
-        </p:nvSpPr>
-        <p:spPr>
-          <a:xfrm>
-            <a:off x="628650" y="989044"/>
-            <a:ext cx="7886700" cy="5605719"/>
-          </a:xfrm>
-        </p:spPr>
-        <p:txBody>
-          <a:bodyPr>
-            <a:normAutofit/>
-          </a:bodyPr>
-          <a:lstStyle/>
-          <a:p>
-            <a:pPr defTabSz="342900">
-              <a:lnSpc>
-                <a:spcPct val="120000"/>
-              </a:lnSpc>
-            </a:pPr>
-            <a:r>
-              <a:rPr lang="en-US" altLang="zh-CN" sz="1800" dirty="0">
-                <a:solidFill>
-                  <a:srgbClr val="262626"/>
-                </a:solidFill>
-              </a:rPr>
-              <a:t>Type 1:  Example Centralized ICO projects</a:t>
-            </a:r>
-            <a:endParaRPr lang="en-US" altLang="zh-CN" sz="1800" dirty="0">
-              <a:solidFill>
-                <a:srgbClr val="262626"/>
-              </a:solidFill>
-            </a:endParaRPr>
-          </a:p>
-          <a:p>
-            <a:pPr defTabSz="342900">
-              <a:lnSpc>
-                <a:spcPct val="120000"/>
-              </a:lnSpc>
-            </a:pPr>
-            <a:endParaRPr lang="en-US" altLang="zh-CN" sz="1800" dirty="0">
-              <a:solidFill>
-                <a:srgbClr val="262626"/>
-              </a:solidFill>
-            </a:endParaRPr>
-          </a:p>
-          <a:p>
-            <a:pPr defTabSz="342900">
-              <a:lnSpc>
-                <a:spcPct val="120000"/>
-              </a:lnSpc>
-            </a:pPr>
-            <a:r>
-              <a:rPr lang="en-US" altLang="zh-CN" sz="1800" dirty="0">
-                <a:solidFill>
-                  <a:srgbClr val="262626"/>
-                </a:solidFill>
-              </a:rPr>
-              <a:t>Orgs = partners: </a:t>
-            </a:r>
-            <a:endParaRPr lang="en-US" altLang="zh-CN" sz="1800" dirty="0">
-              <a:solidFill>
-                <a:srgbClr val="262626"/>
-              </a:solidFill>
-            </a:endParaRPr>
-          </a:p>
-          <a:p>
-            <a:pPr defTabSz="342900">
-              <a:lnSpc>
-                <a:spcPct val="120000"/>
-              </a:lnSpc>
-            </a:pPr>
-            <a:r>
-              <a:rPr lang="en-US" altLang="zh-CN" sz="1800" dirty="0">
-                <a:solidFill>
-                  <a:srgbClr val="262626"/>
-                </a:solidFill>
-              </a:rPr>
-              <a:t>exchanges</a:t>
-            </a:r>
-            <a:endParaRPr lang="en-US" altLang="zh-CN" sz="1800" dirty="0">
-              <a:solidFill>
-                <a:srgbClr val="262626"/>
-              </a:solidFill>
-            </a:endParaRPr>
-          </a:p>
-          <a:p>
-            <a:pPr defTabSz="342900">
-              <a:lnSpc>
-                <a:spcPct val="120000"/>
-              </a:lnSpc>
-            </a:pPr>
-            <a:r>
-              <a:rPr lang="en-US" altLang="zh-CN" sz="1800" dirty="0">
-                <a:solidFill>
-                  <a:srgbClr val="262626"/>
-                </a:solidFill>
-              </a:rPr>
-              <a:t>media</a:t>
-            </a:r>
-            <a:endParaRPr lang="en-US" altLang="zh-CN" sz="1800" dirty="0">
-              <a:solidFill>
-                <a:srgbClr val="262626"/>
-              </a:solidFill>
-            </a:endParaRPr>
-          </a:p>
-          <a:p>
-            <a:pPr defTabSz="342900">
-              <a:lnSpc>
-                <a:spcPct val="120000"/>
-              </a:lnSpc>
-            </a:pPr>
-            <a:r>
-              <a:rPr lang="en-US" altLang="zh-CN" sz="1800" dirty="0">
-                <a:solidFill>
-                  <a:srgbClr val="262626"/>
-                </a:solidFill>
-              </a:rPr>
-              <a:t>sales channel </a:t>
-            </a:r>
-            <a:endParaRPr lang="en-US" altLang="zh-CN" sz="1800" dirty="0">
-              <a:solidFill>
-                <a:srgbClr val="262626"/>
-              </a:solidFill>
-            </a:endParaRPr>
-          </a:p>
-          <a:p>
-            <a:pPr defTabSz="342900">
-              <a:lnSpc>
-                <a:spcPct val="120000"/>
-              </a:lnSpc>
-            </a:pPr>
-            <a:r>
-              <a:rPr lang="en-US" altLang="zh-CN" sz="1800" dirty="0">
-                <a:solidFill>
-                  <a:srgbClr val="262626"/>
-                </a:solidFill>
-              </a:rPr>
-              <a:t>they take tokens</a:t>
-            </a:r>
-            <a:endParaRPr lang="en-US" altLang="zh-CN" sz="1800" dirty="0">
-              <a:solidFill>
-                <a:srgbClr val="262626"/>
-              </a:solidFill>
-            </a:endParaRPr>
-          </a:p>
-          <a:p>
-            <a:pPr defTabSz="342900">
-              <a:lnSpc>
-                <a:spcPct val="120000"/>
-              </a:lnSpc>
-            </a:pPr>
-            <a:r>
-              <a:rPr lang="en-US" altLang="zh-CN" sz="1800" dirty="0">
-                <a:solidFill>
-                  <a:srgbClr val="262626"/>
-                </a:solidFill>
-              </a:rPr>
-              <a:t>and they help you promote. </a:t>
-            </a:r>
-            <a:endParaRPr lang="en-US" altLang="zh-CN" sz="1800" dirty="0">
-              <a:solidFill>
-                <a:srgbClr val="262626"/>
-              </a:solidFill>
-            </a:endParaRPr>
-          </a:p>
-          <a:p>
-            <a:pPr defTabSz="342900">
-              <a:lnSpc>
-                <a:spcPct val="120000"/>
-              </a:lnSpc>
-            </a:pPr>
-            <a:endParaRPr lang="en-US" altLang="zh-CN" sz="1800" dirty="0">
-              <a:solidFill>
-                <a:srgbClr val="262626"/>
-              </a:solidFill>
-            </a:endParaRPr>
-          </a:p>
-          <a:p>
-            <a:pPr defTabSz="342900">
-              <a:lnSpc>
-                <a:spcPct val="120000"/>
-              </a:lnSpc>
-            </a:pPr>
-            <a:r>
-              <a:rPr lang="en-US" altLang="zh-CN" sz="1800" dirty="0">
-                <a:solidFill>
-                  <a:srgbClr val="262626"/>
-                </a:solidFill>
-              </a:rPr>
-              <a:t>Your marketing fee get dramatically decreased, once they have consensus</a:t>
-            </a:r>
-            <a:endParaRPr lang="en-US" altLang="zh-CN" sz="1800" dirty="0">
-              <a:solidFill>
-                <a:srgbClr val="262626"/>
-              </a:solidFill>
-            </a:endParaRPr>
-          </a:p>
-        </p:txBody>
-      </p:sp>
-      <p:pic>
-        <p:nvPicPr>
-          <p:cNvPr id="5" name="图片 4"/>
-          <p:cNvPicPr>
-            <a:picLocks noChangeAspect="1"/>
-          </p:cNvPicPr>
-          <p:nvPr/>
-        </p:nvPicPr>
-        <p:blipFill>
-          <a:blip r:embed="rId1"/>
-          <a:stretch>
-            <a:fillRect/>
-          </a:stretch>
-        </p:blipFill>
-        <p:spPr>
-          <a:xfrm>
-            <a:off x="5325745" y="989330"/>
-            <a:ext cx="3189605" cy="2873375"/>
-          </a:xfrm>
-          <a:prstGeom prst="rect">
-            <a:avLst/>
-          </a:prstGeom>
-        </p:spPr>
-      </p:pic>
-    </p:spTree>
-  </p:cSld>
-  <p:clrMapOvr>
-    <a:masterClrMapping/>
-  </p:clrMapOvr>
-</p:sld>
-</file>
-
 <file path=ppt/slides/slide2.xml><?xml version="1.0" encoding="utf-8"?>
 <p:sld xmlns:a="http://schemas.openxmlformats.org/drawingml/2006/main" xmlns:r="http://schemas.openxmlformats.org/officeDocument/2006/relationships" xmlns:p="http://schemas.openxmlformats.org/presentationml/2006/main">
   <p:cSld>
@@ -11266,7 +11372,7 @@
         </p:spPr>
         <p:txBody>
           <a:bodyPr>
-            <a:normAutofit lnSpcReduction="10000"/>
+            <a:normAutofit/>
           </a:bodyPr>
           <a:lstStyle/>
           <a:p>
@@ -11281,178 +11387,12 @@
                   <a:srgbClr val="262626"/>
                 </a:solidFill>
               </a:rPr>
-              <a:t>Type 2: Example Defi Project</a:t>
+              <a:t>Type 1:  Example Centralized ICO projects</a:t>
             </a:r>
             <a:endParaRPr lang="en-US" altLang="zh-CN" sz="1800" dirty="0">
               <a:solidFill>
                 <a:srgbClr val="262626"/>
               </a:solidFill>
-            </a:endParaRPr>
-          </a:p>
-          <a:p>
-            <a:pPr defTabSz="342900">
-              <a:lnSpc>
-                <a:spcPct val="120000"/>
-              </a:lnSpc>
-            </a:pPr>
-            <a:r>
-              <a:rPr lang="en-US" altLang="zh-CN" sz="1800" dirty="0">
-                <a:solidFill>
-                  <a:srgbClr val="262626"/>
-                </a:solidFill>
-              </a:rPr>
-              <a:t>Governance smart contract</a:t>
-            </a:r>
-            <a:endParaRPr lang="en-US" altLang="zh-CN" sz="1800" dirty="0">
-              <a:solidFill>
-                <a:srgbClr val="262626"/>
-              </a:solidFill>
-            </a:endParaRPr>
-          </a:p>
-          <a:p>
-            <a:pPr defTabSz="342900">
-              <a:lnSpc>
-                <a:spcPct val="120000"/>
-              </a:lnSpc>
-            </a:pPr>
-            <a:r>
-              <a:rPr lang="en-US" altLang="zh-CN" sz="1800" dirty="0">
-                <a:solidFill>
-                  <a:srgbClr val="262626"/>
-                </a:solidFill>
-              </a:rPr>
-              <a:t>Defi smart contract platform</a:t>
-            </a:r>
-            <a:endParaRPr lang="en-US" altLang="zh-CN" sz="1800" dirty="0">
-              <a:solidFill>
-                <a:srgbClr val="262626"/>
-              </a:solidFill>
-            </a:endParaRPr>
-          </a:p>
-          <a:p>
-            <a:pPr defTabSz="342900">
-              <a:lnSpc>
-                <a:spcPct val="120000"/>
-              </a:lnSpc>
-            </a:pPr>
-            <a:r>
-              <a:rPr lang="en-US" altLang="zh-CN" sz="1800" dirty="0">
-                <a:solidFill>
-                  <a:srgbClr val="262626"/>
-                </a:solidFill>
-              </a:rPr>
-              <a:t>orgs = individuals / partners</a:t>
-            </a:r>
-            <a:endParaRPr lang="en-US" altLang="zh-CN" sz="1800" dirty="0">
-              <a:solidFill>
-                <a:srgbClr val="262626"/>
-              </a:solidFill>
-            </a:endParaRPr>
-          </a:p>
-          <a:p>
-            <a:pPr defTabSz="342900">
-              <a:lnSpc>
-                <a:spcPct val="120000"/>
-              </a:lnSpc>
-            </a:pPr>
-            <a:r>
-              <a:rPr lang="en-US" altLang="zh-CN" sz="1800" dirty="0">
-                <a:solidFill>
-                  <a:srgbClr val="262626"/>
-                </a:solidFill>
-                <a:sym typeface="+mn-ea"/>
-              </a:rPr>
-              <a:t>exchanges</a:t>
-            </a:r>
-            <a:endParaRPr lang="en-US" altLang="zh-CN" sz="1800" dirty="0">
-              <a:solidFill>
-                <a:srgbClr val="262626"/>
-              </a:solidFill>
-            </a:endParaRPr>
-          </a:p>
-          <a:p>
-            <a:pPr defTabSz="342900">
-              <a:lnSpc>
-                <a:spcPct val="120000"/>
-              </a:lnSpc>
-            </a:pPr>
-            <a:r>
-              <a:rPr lang="en-US" altLang="zh-CN" sz="1800" dirty="0">
-                <a:solidFill>
-                  <a:srgbClr val="262626"/>
-                </a:solidFill>
-                <a:sym typeface="+mn-ea"/>
-              </a:rPr>
-              <a:t>media</a:t>
-            </a:r>
-            <a:endParaRPr lang="en-US" altLang="zh-CN" sz="1800" dirty="0">
-              <a:solidFill>
-                <a:srgbClr val="262626"/>
-              </a:solidFill>
-            </a:endParaRPr>
-          </a:p>
-          <a:p>
-            <a:pPr defTabSz="342900">
-              <a:lnSpc>
-                <a:spcPct val="120000"/>
-              </a:lnSpc>
-            </a:pPr>
-            <a:r>
-              <a:rPr lang="en-US" altLang="zh-CN" sz="1800" dirty="0">
-                <a:solidFill>
-                  <a:srgbClr val="262626"/>
-                </a:solidFill>
-                <a:sym typeface="+mn-ea"/>
-              </a:rPr>
-              <a:t>sales channel </a:t>
-            </a:r>
-            <a:endParaRPr lang="en-US" altLang="zh-CN" sz="1800" dirty="0">
-              <a:solidFill>
-                <a:srgbClr val="262626"/>
-              </a:solidFill>
-            </a:endParaRPr>
-          </a:p>
-          <a:p>
-            <a:pPr defTabSz="342900">
-              <a:lnSpc>
-                <a:spcPct val="120000"/>
-              </a:lnSpc>
-            </a:pPr>
-            <a:r>
-              <a:rPr lang="en-US" altLang="zh-CN" sz="1800" dirty="0">
-                <a:solidFill>
-                  <a:srgbClr val="262626"/>
-                </a:solidFill>
-                <a:sym typeface="+mn-ea"/>
-              </a:rPr>
-              <a:t>they take tokens</a:t>
-            </a:r>
-            <a:endParaRPr lang="en-US" altLang="zh-CN" sz="1800" dirty="0">
-              <a:solidFill>
-                <a:srgbClr val="262626"/>
-              </a:solidFill>
-            </a:endParaRPr>
-          </a:p>
-          <a:p>
-            <a:pPr defTabSz="342900">
-              <a:lnSpc>
-                <a:spcPct val="120000"/>
-              </a:lnSpc>
-            </a:pPr>
-            <a:r>
-              <a:rPr lang="en-US" altLang="zh-CN" sz="1800" dirty="0">
-                <a:solidFill>
-                  <a:srgbClr val="262626"/>
-                </a:solidFill>
-                <a:sym typeface="+mn-ea"/>
-              </a:rPr>
-              <a:t>and they help you promote. </a:t>
-            </a:r>
-            <a:endParaRPr lang="en-US" altLang="zh-CN" sz="1800" dirty="0">
-              <a:solidFill>
-                <a:srgbClr val="262626"/>
-              </a:solidFill>
-              <a:sym typeface="+mn-ea"/>
             </a:endParaRPr>
           </a:p>
           <a:p>
@@ -11465,7 +11405,6 @@
               <a:solidFill>
                 <a:srgbClr val="262626"/>
               </a:solidFill>
-              <a:sym typeface="+mn-ea"/>
             </a:endParaRPr>
           </a:p>
           <a:p>
@@ -11479,9 +11418,8 @@
                 <a:solidFill>
                   <a:srgbClr val="262626"/>
                 </a:solidFill>
-                <a:sym typeface="+mn-ea"/>
-              </a:rPr>
-              <a:t>Your marketing fee get dramatically decreased, once they have consensus</a:t>
+              </a:rPr>
+              <a:t>Orgs = partners: </a:t>
             </a:r>
             <a:endParaRPr lang="en-US" altLang="zh-CN" sz="1800" dirty="0">
               <a:solidFill>
@@ -11489,11 +11427,143 @@
               </a:solidFill>
             </a:endParaRPr>
           </a:p>
+          <a:p>
+            <a:pPr defTabSz="342900">
+              <a:lnSpc>
+                <a:spcPct val="120000"/>
+              </a:lnSpc>
+            </a:pPr>
+            <a:r>
+              <a:rPr lang="en-US" altLang="zh-CN" sz="1800" dirty="0">
+                <a:solidFill>
+                  <a:srgbClr val="262626"/>
+                </a:solidFill>
+              </a:rPr>
+              <a:t>exchanges</a:t>
+            </a:r>
+            <a:endParaRPr lang="en-US" altLang="zh-CN" sz="1800" dirty="0">
+              <a:solidFill>
+                <a:srgbClr val="262626"/>
+              </a:solidFill>
+            </a:endParaRPr>
+          </a:p>
+          <a:p>
+            <a:pPr defTabSz="342900">
+              <a:lnSpc>
+                <a:spcPct val="120000"/>
+              </a:lnSpc>
+            </a:pPr>
+            <a:r>
+              <a:rPr lang="en-US" altLang="zh-CN" sz="1800" dirty="0">
+                <a:solidFill>
+                  <a:srgbClr val="262626"/>
+                </a:solidFill>
+              </a:rPr>
+              <a:t>media</a:t>
+            </a:r>
+            <a:endParaRPr lang="en-US" altLang="zh-CN" sz="1800" dirty="0">
+              <a:solidFill>
+                <a:srgbClr val="262626"/>
+              </a:solidFill>
+            </a:endParaRPr>
+          </a:p>
+          <a:p>
+            <a:pPr defTabSz="342900">
+              <a:lnSpc>
+                <a:spcPct val="120000"/>
+              </a:lnSpc>
+            </a:pPr>
+            <a:r>
+              <a:rPr lang="en-US" altLang="zh-CN" sz="1800" dirty="0">
+                <a:solidFill>
+                  <a:srgbClr val="262626"/>
+                </a:solidFill>
+              </a:rPr>
+              <a:t>sales channel </a:t>
+            </a:r>
+            <a:endParaRPr lang="en-US" altLang="zh-CN" sz="1800" dirty="0">
+              <a:solidFill>
+                <a:srgbClr val="262626"/>
+              </a:solidFill>
+            </a:endParaRPr>
+          </a:p>
+          <a:p>
+            <a:pPr defTabSz="342900">
+              <a:lnSpc>
+                <a:spcPct val="120000"/>
+              </a:lnSpc>
+            </a:pPr>
+            <a:r>
+              <a:rPr lang="en-US" altLang="zh-CN" sz="1800" dirty="0">
+                <a:solidFill>
+                  <a:srgbClr val="262626"/>
+                </a:solidFill>
+              </a:rPr>
+              <a:t>they take tokens</a:t>
+            </a:r>
+            <a:endParaRPr lang="en-US" altLang="zh-CN" sz="1800" dirty="0">
+              <a:solidFill>
+                <a:srgbClr val="262626"/>
+              </a:solidFill>
+            </a:endParaRPr>
+          </a:p>
+          <a:p>
+            <a:pPr defTabSz="342900">
+              <a:lnSpc>
+                <a:spcPct val="120000"/>
+              </a:lnSpc>
+            </a:pPr>
+            <a:r>
+              <a:rPr lang="en-US" altLang="zh-CN" sz="1800" dirty="0">
+                <a:solidFill>
+                  <a:srgbClr val="262626"/>
+                </a:solidFill>
+              </a:rPr>
+              <a:t>and they help you promote. </a:t>
+            </a:r>
+            <a:endParaRPr lang="en-US" altLang="zh-CN" sz="1800" dirty="0">
+              <a:solidFill>
+                <a:srgbClr val="262626"/>
+              </a:solidFill>
+            </a:endParaRPr>
+          </a:p>
+          <a:p>
+            <a:pPr defTabSz="342900">
+              <a:lnSpc>
+                <a:spcPct val="120000"/>
+              </a:lnSpc>
+            </a:pPr>
+            <a:endParaRPr lang="en-US" altLang="zh-CN" sz="1800" dirty="0">
+              <a:solidFill>
+                <a:srgbClr val="262626"/>
+              </a:solidFill>
+            </a:endParaRPr>
+          </a:p>
+          <a:p>
+            <a:pPr defTabSz="342900">
+              <a:lnSpc>
+                <a:spcPct val="120000"/>
+              </a:lnSpc>
+            </a:pPr>
+            <a:r>
+              <a:rPr lang="en-US" altLang="zh-CN" sz="1800" dirty="0">
+                <a:solidFill>
+                  <a:srgbClr val="262626"/>
+                </a:solidFill>
+              </a:rPr>
+              <a:t>Your marketing fee get dramatically decreased, once they have consensus</a:t>
+            </a:r>
+            <a:endParaRPr lang="en-US" altLang="zh-CN" sz="1800" dirty="0">
+              <a:solidFill>
+                <a:srgbClr val="262626"/>
+              </a:solidFill>
+            </a:endParaRPr>
+          </a:p>
         </p:txBody>
       </p:sp>
       <p:pic>
         <p:nvPicPr>
-          <p:cNvPr id="4" name="图片 3"/>
+          <p:cNvPr id="5" name="图片 4"/>
           <p:cNvPicPr>
             <a:picLocks noChangeAspect="1"/>
           </p:cNvPicPr>
@@ -11507,8 +11577,8 @@
         </p:blipFill>
         <p:spPr>
           <a:xfrm>
-            <a:off x="5212715" y="682625"/>
-            <a:ext cx="3205480" cy="2914650"/>
+            <a:off x="5325745" y="989330"/>
+            <a:ext cx="3189605" cy="2873375"/>
           </a:xfrm>
           <a:prstGeom prst="rect">
             <a:avLst/>
@@ -11599,7 +11669,7 @@
         </p:spPr>
         <p:txBody>
           <a:bodyPr>
-            <a:normAutofit/>
+            <a:normAutofit lnSpcReduction="10000"/>
           </a:bodyPr>
           <a:lstStyle/>
           <a:p>
@@ -11614,7 +11684,7 @@
                   <a:srgbClr val="262626"/>
                 </a:solidFill>
               </a:rPr>
-              <a:t>Type 3:</a:t>
+              <a:t>Type 2: Example Defi Project</a:t>
             </a:r>
             <a:endParaRPr lang="en-US" altLang="zh-CN" sz="1800" dirty="0">
               <a:solidFill>
@@ -11634,7 +11704,7 @@
                   <a:srgbClr val="262626"/>
                 </a:solidFill>
               </a:rPr>
-              <a:t>Example: </a:t>
+              <a:t>Governance smart contract</a:t>
             </a:r>
             <a:endParaRPr lang="en-US" altLang="zh-CN" sz="1800" dirty="0">
               <a:solidFill>
@@ -11654,7 +11724,7 @@
                   <a:srgbClr val="262626"/>
                 </a:solidFill>
               </a:rPr>
-              <a:t>Governments / Big Corpration: </a:t>
+              <a:t>Defi smart contract platform</a:t>
             </a:r>
             <a:endParaRPr lang="en-US" altLang="zh-CN" sz="1800" dirty="0">
               <a:solidFill>
@@ -11674,7 +11744,7 @@
                   <a:srgbClr val="262626"/>
                 </a:solidFill>
               </a:rPr>
-              <a:t>coordination between departments </a:t>
+              <a:t>orgs = individuals / partners</a:t>
             </a:r>
             <a:endParaRPr lang="en-US" altLang="zh-CN" sz="1800" dirty="0">
               <a:solidFill>
@@ -11693,8 +11763,9 @@
                 <a:solidFill>
                   <a:srgbClr val="262626"/>
                 </a:solidFill>
-              </a:rPr>
-              <a:t>Hyperledger Fabric</a:t>
+                <a:sym typeface="+mn-ea"/>
+              </a:rPr>
+              <a:t>exchanges</a:t>
             </a:r>
             <a:endParaRPr lang="en-US" altLang="zh-CN" sz="1800" dirty="0">
               <a:solidFill>
@@ -11702,11 +11773,130 @@
               </a:solidFill>
             </a:endParaRPr>
           </a:p>
+          <a:p>
+            <a:pPr defTabSz="342900">
+              <a:lnSpc>
+                <a:spcPct val="120000"/>
+              </a:lnSpc>
+            </a:pPr>
+            <a:r>
+              <a:rPr lang="en-US" altLang="zh-CN" sz="1800" dirty="0">
+                <a:solidFill>
+                  <a:srgbClr val="262626"/>
+                </a:solidFill>
+                <a:sym typeface="+mn-ea"/>
+              </a:rPr>
+              <a:t>media</a:t>
+            </a:r>
+            <a:endParaRPr lang="en-US" altLang="zh-CN" sz="1800" dirty="0">
+              <a:solidFill>
+                <a:srgbClr val="262626"/>
+              </a:solidFill>
+            </a:endParaRPr>
+          </a:p>
+          <a:p>
+            <a:pPr defTabSz="342900">
+              <a:lnSpc>
+                <a:spcPct val="120000"/>
+              </a:lnSpc>
+            </a:pPr>
+            <a:r>
+              <a:rPr lang="en-US" altLang="zh-CN" sz="1800" dirty="0">
+                <a:solidFill>
+                  <a:srgbClr val="262626"/>
+                </a:solidFill>
+                <a:sym typeface="+mn-ea"/>
+              </a:rPr>
+              <a:t>sales channel </a:t>
+            </a:r>
+            <a:endParaRPr lang="en-US" altLang="zh-CN" sz="1800" dirty="0">
+              <a:solidFill>
+                <a:srgbClr val="262626"/>
+              </a:solidFill>
+            </a:endParaRPr>
+          </a:p>
+          <a:p>
+            <a:pPr defTabSz="342900">
+              <a:lnSpc>
+                <a:spcPct val="120000"/>
+              </a:lnSpc>
+            </a:pPr>
+            <a:r>
+              <a:rPr lang="en-US" altLang="zh-CN" sz="1800" dirty="0">
+                <a:solidFill>
+                  <a:srgbClr val="262626"/>
+                </a:solidFill>
+                <a:sym typeface="+mn-ea"/>
+              </a:rPr>
+              <a:t>they take tokens</a:t>
+            </a:r>
+            <a:endParaRPr lang="en-US" altLang="zh-CN" sz="1800" dirty="0">
+              <a:solidFill>
+                <a:srgbClr val="262626"/>
+              </a:solidFill>
+            </a:endParaRPr>
+          </a:p>
+          <a:p>
+            <a:pPr defTabSz="342900">
+              <a:lnSpc>
+                <a:spcPct val="120000"/>
+              </a:lnSpc>
+            </a:pPr>
+            <a:r>
+              <a:rPr lang="en-US" altLang="zh-CN" sz="1800" dirty="0">
+                <a:solidFill>
+                  <a:srgbClr val="262626"/>
+                </a:solidFill>
+                <a:sym typeface="+mn-ea"/>
+              </a:rPr>
+              <a:t>and they help you promote. </a:t>
+            </a:r>
+            <a:endParaRPr lang="en-US" altLang="zh-CN" sz="1800" dirty="0">
+              <a:solidFill>
+                <a:srgbClr val="262626"/>
+              </a:solidFill>
+              <a:sym typeface="+mn-ea"/>
+            </a:endParaRPr>
+          </a:p>
+          <a:p>
+            <a:pPr defTabSz="342900">
+              <a:lnSpc>
+                <a:spcPct val="120000"/>
+              </a:lnSpc>
+            </a:pPr>
+            <a:endParaRPr lang="en-US" altLang="zh-CN" sz="1800" dirty="0">
+              <a:solidFill>
+                <a:srgbClr val="262626"/>
+              </a:solidFill>
+              <a:sym typeface="+mn-ea"/>
+            </a:endParaRPr>
+          </a:p>
+          <a:p>
+            <a:pPr defTabSz="342900">
+              <a:lnSpc>
+                <a:spcPct val="120000"/>
+              </a:lnSpc>
+            </a:pPr>
+            <a:r>
+              <a:rPr lang="en-US" altLang="zh-CN" sz="1800" dirty="0">
+                <a:solidFill>
+                  <a:srgbClr val="262626"/>
+                </a:solidFill>
+                <a:sym typeface="+mn-ea"/>
+              </a:rPr>
+              <a:t>Your marketing fee get dramatically decreased, once they have consensus</a:t>
+            </a:r>
+            <a:endParaRPr lang="en-US" altLang="zh-CN" sz="1800" dirty="0">
+              <a:solidFill>
+                <a:srgbClr val="262626"/>
+              </a:solidFill>
+            </a:endParaRPr>
+          </a:p>
         </p:txBody>
       </p:sp>
       <p:pic>
         <p:nvPicPr>
-          <p:cNvPr id="6" name="图片 5"/>
+          <p:cNvPr id="4" name="图片 3"/>
           <p:cNvPicPr>
             <a:picLocks noChangeAspect="1"/>
           </p:cNvPicPr>
@@ -11720,8 +11910,8 @@
         </p:blipFill>
         <p:spPr>
           <a:xfrm>
-            <a:off x="5384165" y="682625"/>
-            <a:ext cx="3131185" cy="2787015"/>
+            <a:off x="5212715" y="682625"/>
+            <a:ext cx="3205480" cy="2914650"/>
           </a:xfrm>
           <a:prstGeom prst="rect">
             <a:avLst/>
@@ -11785,7 +11975,7 @@
                 <a:cs typeface="Calibri" panose="020F0502020204030204" pitchFamily="34" charset="0"/>
                 <a:sym typeface="+mn-ea"/>
               </a:rPr>
-              <a:t>Private (permissioned) blockchains</a:t>
+              <a:t>Governance</a:t>
             </a:r>
             <a:endParaRPr lang="en-US" sz="3200" b="1" dirty="0">
               <a:latin typeface="Calibri" panose="020F0502020204030204" pitchFamily="34" charset="0"/>
@@ -11822,14 +12012,14 @@
               </a:lnSpc>
             </a:pPr>
             <a:r>
-              <a:rPr lang="en-US" altLang="en-US" sz="1800" dirty="0">
+              <a:rPr lang="en-US" altLang="zh-CN" sz="1800" dirty="0">
                 <a:solidFill>
                   <a:srgbClr val="262626"/>
                 </a:solidFill>
               </a:rPr>
-              <a:t>Why?</a:t>
-            </a:r>
-            <a:endParaRPr lang="en-US" altLang="en-US" sz="1800" dirty="0">
+              <a:t>Type 3:</a:t>
+            </a:r>
+            <a:endParaRPr lang="en-US" altLang="zh-CN" sz="1800" dirty="0">
               <a:solidFill>
                 <a:srgbClr val="262626"/>
               </a:solidFill>
@@ -11841,7 +12031,15 @@
                 <a:spcPct val="120000"/>
               </a:lnSpc>
             </a:pPr>
-            <a:endParaRPr lang="en-US" altLang="en-US" sz="1800" dirty="0">
+            <a:r>
+              <a:rPr lang="en-US" altLang="zh-CN" sz="1800" dirty="0">
+                <a:solidFill>
+                  <a:srgbClr val="262626"/>
+                </a:solidFill>
+              </a:rPr>
+              <a:t>Example: </a:t>
+            </a:r>
+            <a:endParaRPr lang="en-US" altLang="zh-CN" sz="1800" dirty="0">
               <a:solidFill>
                 <a:srgbClr val="262626"/>
               </a:solidFill>
@@ -11854,14 +12052,14 @@
               </a:lnSpc>
             </a:pPr>
             <a:r>
-              <a:rPr lang="en-US" altLang="en-US" sz="1800" dirty="0">
+              <a:rPr lang="en-US" altLang="zh-CN" sz="1800" dirty="0">
                 <a:solidFill>
                   <a:srgbClr val="262626"/>
                 </a:solidFill>
               </a:rPr>
-              <a:t>1 more inter organizational collaboration and more efficient</a:t>
-            </a:r>
-            <a:endParaRPr lang="en-US" altLang="en-US" sz="1800" dirty="0">
+              <a:t>Governments / Big Corpration: </a:t>
+            </a:r>
+            <a:endParaRPr lang="en-US" altLang="zh-CN" sz="1800" dirty="0">
               <a:solidFill>
                 <a:srgbClr val="262626"/>
               </a:solidFill>
@@ -11873,7 +12071,15 @@
                 <a:spcPct val="120000"/>
               </a:lnSpc>
             </a:pPr>
-            <a:endParaRPr lang="en-US" altLang="en-US" sz="1800" dirty="0">
+            <a:r>
+              <a:rPr lang="en-US" altLang="zh-CN" sz="1800" dirty="0">
+                <a:solidFill>
+                  <a:srgbClr val="262626"/>
+                </a:solidFill>
+              </a:rPr>
+              <a:t>coordination between departments </a:t>
+            </a:r>
+            <a:endParaRPr lang="en-US" altLang="zh-CN" sz="1800" dirty="0">
               <a:solidFill>
                 <a:srgbClr val="262626"/>
               </a:solidFill>
@@ -11886,161 +12092,45 @@
               </a:lnSpc>
             </a:pPr>
             <a:r>
-              <a:rPr lang="en-US" altLang="en-US" sz="1800" dirty="0">
+              <a:rPr lang="en-US" altLang="zh-CN" sz="1800" dirty="0">
                 <a:solidFill>
                   <a:srgbClr val="262626"/>
                 </a:solidFill>
               </a:rPr>
-              <a:t>2 involve more potiential clients to join the community and become the “owner” of a company</a:t>
-            </a:r>
-            <a:endParaRPr lang="en-US" altLang="en-US" sz="1800" dirty="0">
+              <a:t>Hyperledger Fabric</a:t>
+            </a:r>
+            <a:endParaRPr lang="en-US" altLang="zh-CN" sz="1800" dirty="0">
               <a:solidFill>
                 <a:srgbClr val="262626"/>
               </a:solidFill>
             </a:endParaRPr>
           </a:p>
-          <a:p>
-            <a:pPr lvl="1" defTabSz="342900">
-              <a:lnSpc>
-                <a:spcPct val="120000"/>
-              </a:lnSpc>
-            </a:pPr>
-            <a:r>
-              <a:rPr lang="en-US" altLang="en-US" sz="1540" dirty="0">
-                <a:solidFill>
-                  <a:srgbClr val="262626"/>
-                </a:solidFill>
-              </a:rPr>
-              <a:t>markting</a:t>
-            </a:r>
-            <a:endParaRPr lang="en-US" altLang="en-US" sz="1540" dirty="0">
-              <a:solidFill>
-                <a:srgbClr val="262626"/>
-              </a:solidFill>
-            </a:endParaRPr>
-          </a:p>
-          <a:p>
-            <a:pPr lvl="1" defTabSz="342900">
-              <a:lnSpc>
-                <a:spcPct val="120000"/>
-              </a:lnSpc>
-            </a:pPr>
-            <a:r>
-              <a:rPr lang="en-US" altLang="en-US" sz="1540" dirty="0">
-                <a:solidFill>
-                  <a:srgbClr val="262626"/>
-                </a:solidFill>
-              </a:rPr>
-              <a:t>client loyalty</a:t>
-            </a:r>
-            <a:endParaRPr lang="en-US" altLang="en-US" sz="1540" dirty="0">
-              <a:solidFill>
-                <a:srgbClr val="262626"/>
-              </a:solidFill>
-            </a:endParaRPr>
-          </a:p>
-          <a:p>
-            <a:pPr lvl="1" defTabSz="342900">
-              <a:lnSpc>
-                <a:spcPct val="120000"/>
-              </a:lnSpc>
-            </a:pPr>
-            <a:endParaRPr lang="en-US" altLang="en-US" sz="1540" dirty="0">
-              <a:solidFill>
-                <a:srgbClr val="262626"/>
-              </a:solidFill>
-            </a:endParaRPr>
-          </a:p>
-          <a:p>
-            <a:pPr marL="228600" lvl="0" indent="-228600" defTabSz="342900">
-              <a:lnSpc>
-                <a:spcPct val="120000"/>
-              </a:lnSpc>
-              <a:buFont typeface="Arial" panose="020B0604020202020204" pitchFamily="34" charset="0"/>
-              <a:buChar char="•"/>
-            </a:pPr>
-            <a:r>
-              <a:rPr lang="en-US" altLang="en-US" sz="1800" dirty="0">
-                <a:solidFill>
-                  <a:srgbClr val="262626"/>
-                </a:solidFill>
-              </a:rPr>
-              <a:t>Mainstream solutions:</a:t>
-            </a:r>
-            <a:endParaRPr lang="en-US" altLang="en-US" sz="1800" dirty="0">
-              <a:solidFill>
-                <a:srgbClr val="262626"/>
-              </a:solidFill>
-            </a:endParaRPr>
-          </a:p>
-          <a:p>
-            <a:pPr marL="685800" lvl="1" indent="-228600" defTabSz="342900">
-              <a:lnSpc>
-                <a:spcPct val="120000"/>
-              </a:lnSpc>
-              <a:buFont typeface="Arial" panose="020B0604020202020204" pitchFamily="34" charset="0"/>
-              <a:buChar char="•"/>
-            </a:pPr>
-            <a:r>
-              <a:rPr lang="en-US" altLang="en-US" sz="1540" dirty="0">
-                <a:solidFill>
-                  <a:srgbClr val="262626"/>
-                </a:solidFill>
-              </a:rPr>
-              <a:t>Hyperledge Fabric</a:t>
-            </a:r>
-            <a:endParaRPr lang="en-US" altLang="en-US" sz="1540" dirty="0">
-              <a:solidFill>
-                <a:srgbClr val="262626"/>
-              </a:solidFill>
-            </a:endParaRPr>
-          </a:p>
-          <a:p>
-            <a:pPr marL="685800" lvl="1" indent="-228600" defTabSz="342900">
-              <a:lnSpc>
-                <a:spcPct val="120000"/>
-              </a:lnSpc>
-              <a:buFont typeface="Arial" panose="020B0604020202020204" pitchFamily="34" charset="0"/>
-              <a:buChar char="•"/>
-            </a:pPr>
-            <a:r>
-              <a:rPr lang="en-US" altLang="en-US" sz="1540" dirty="0">
-                <a:solidFill>
-                  <a:srgbClr val="262626"/>
-                </a:solidFill>
-              </a:rPr>
-              <a:t>Ethereum </a:t>
-            </a:r>
-            <a:endParaRPr lang="en-US" altLang="en-US" sz="1540" dirty="0">
-              <a:solidFill>
-                <a:srgbClr val="262626"/>
-              </a:solidFill>
-            </a:endParaRPr>
-          </a:p>
-          <a:p>
-            <a:pPr marL="685800" lvl="1" indent="-228600" defTabSz="342900">
-              <a:lnSpc>
-                <a:spcPct val="120000"/>
-              </a:lnSpc>
-              <a:buFont typeface="Arial" panose="020B0604020202020204" pitchFamily="34" charset="0"/>
-              <a:buChar char="•"/>
-            </a:pPr>
-            <a:r>
-              <a:rPr lang="en-US" altLang="en-US" sz="1540" dirty="0">
-                <a:solidFill>
-                  <a:srgbClr val="262626"/>
-                </a:solidFill>
-              </a:rPr>
-              <a:t>R3 Corda</a:t>
-            </a:r>
-            <a:endParaRPr lang="en-US" altLang="en-US" sz="1540" dirty="0">
-              <a:solidFill>
-                <a:srgbClr val="262626"/>
-              </a:solidFill>
-            </a:endParaRPr>
-          </a:p>
         </p:txBody>
       </p:sp>
+      <p:pic>
+        <p:nvPicPr>
+          <p:cNvPr id="6" name="图片 5"/>
+          <p:cNvPicPr>
+            <a:picLocks noChangeAspect="1"/>
+          </p:cNvPicPr>
+          <p:nvPr/>
+        </p:nvPicPr>
+        <p:blipFill>
+          <a:blip r:embed="rId1"/>
+          <a:stretch>
+            <a:fillRect/>
+          </a:stretch>
+        </p:blipFill>
+        <p:spPr>
+          <a:xfrm>
+            <a:off x="5384165" y="682625"/>
+            <a:ext cx="3131185" cy="2787015"/>
+          </a:xfrm>
+          <a:prstGeom prst="rect">
+            <a:avLst/>
+          </a:prstGeom>
+        </p:spPr>
+      </p:pic>
     </p:spTree>
   </p:cSld>
   <p:clrMapOvr>
@@ -12098,7 +12188,7 @@
                 <a:cs typeface="Calibri" panose="020F0502020204030204" pitchFamily="34" charset="0"/>
                 <a:sym typeface="+mn-ea"/>
               </a:rPr>
-              <a:t>Cross-Chain Solutions</a:t>
+              <a:t>Private (permissioned) blockchains</a:t>
             </a:r>
             <a:endParaRPr lang="en-US" sz="3200" b="1" dirty="0">
               <a:latin typeface="Calibri" panose="020F0502020204030204" pitchFamily="34" charset="0"/>
@@ -12125,7 +12215,7 @@
         </p:spPr>
         <p:txBody>
           <a:bodyPr>
-            <a:normAutofit lnSpcReduction="10000"/>
+            <a:normAutofit/>
           </a:bodyPr>
           <a:lstStyle/>
           <a:p>
@@ -12140,7 +12230,7 @@
                   <a:srgbClr val="262626"/>
                 </a:solidFill>
               </a:rPr>
-              <a:t>Along with the blockchain demand increase, there will be a huge need for the crosschain solutions to connect different isolated chains</a:t>
+              <a:t>Why?</a:t>
             </a:r>
             <a:endParaRPr lang="en-US" altLang="en-US" sz="1800" dirty="0">
               <a:solidFill>
@@ -12172,7 +12262,7 @@
                   <a:srgbClr val="262626"/>
                 </a:solidFill>
               </a:rPr>
-              <a:t>Solutions:</a:t>
+              <a:t>1 more inter organizational collaboration and more efficient</a:t>
             </a:r>
             <a:endParaRPr lang="en-US" altLang="en-US" sz="1800" dirty="0">
               <a:solidFill>
@@ -12186,14 +12276,6 @@
                 <a:spcPct val="120000"/>
               </a:lnSpc>
             </a:pPr>
-            <a:r>
-              <a:rPr lang="en-US" altLang="en-US" sz="1800" dirty="0">
-                <a:solidFill>
-                  <a:srgbClr val="262626"/>
-                </a:solidFill>
-              </a:rPr>
-              <a:t>1 Messaging Relay</a:t>
-            </a:r>
             <a:endParaRPr lang="en-US" altLang="en-US" sz="1800" dirty="0">
               <a:solidFill>
                 <a:srgbClr val="262626"/>
@@ -12212,7 +12294,7 @@
                   <a:srgbClr val="262626"/>
                 </a:solidFill>
               </a:rPr>
-              <a:t>2 Atomic Swap</a:t>
+              <a:t>2 involve more potiential clients to join the community and become the “owner” of a company</a:t>
             </a:r>
             <a:endParaRPr lang="en-US" altLang="en-US" sz="1800" dirty="0">
               <a:solidFill>
@@ -12221,18 +12303,72 @@
             </a:endParaRPr>
           </a:p>
           <a:p>
-            <a:pPr defTabSz="342900">
+            <a:pPr lvl="1" defTabSz="342900">
               <a:lnSpc>
                 <a:spcPct val="120000"/>
               </a:lnSpc>
             </a:pPr>
             <a:r>
+              <a:rPr lang="en-US" altLang="en-US" sz="1540" dirty="0">
+                <a:solidFill>
+                  <a:srgbClr val="262626"/>
+                </a:solidFill>
+              </a:rPr>
+              <a:t>markting</a:t>
+            </a:r>
+            <a:endParaRPr lang="en-US" altLang="en-US" sz="1540" dirty="0">
+              <a:solidFill>
+                <a:srgbClr val="262626"/>
+              </a:solidFill>
+            </a:endParaRPr>
+          </a:p>
+          <a:p>
+            <a:pPr lvl="1" defTabSz="342900">
+              <a:lnSpc>
+                <a:spcPct val="120000"/>
+              </a:lnSpc>
+            </a:pPr>
+            <a:r>
+              <a:rPr lang="en-US" altLang="en-US" sz="1540" dirty="0">
+                <a:solidFill>
+                  <a:srgbClr val="262626"/>
+                </a:solidFill>
+              </a:rPr>
+              <a:t>client loyalty</a:t>
+            </a:r>
+            <a:endParaRPr lang="en-US" altLang="en-US" sz="1540" dirty="0">
+              <a:solidFill>
+                <a:srgbClr val="262626"/>
+              </a:solidFill>
+            </a:endParaRPr>
+          </a:p>
+          <a:p>
+            <a:pPr lvl="1" defTabSz="342900">
+              <a:lnSpc>
+                <a:spcPct val="120000"/>
+              </a:lnSpc>
+            </a:pPr>
+            <a:endParaRPr lang="en-US" altLang="en-US" sz="1540" dirty="0">
+              <a:solidFill>
+                <a:srgbClr val="262626"/>
+              </a:solidFill>
+            </a:endParaRPr>
+          </a:p>
+          <a:p>
+            <a:pPr marL="228600" lvl="0" indent="-228600" defTabSz="342900">
+              <a:lnSpc>
+                <a:spcPct val="120000"/>
+              </a:lnSpc>
+              <a:buFont typeface="Arial" panose="020B0604020202020204" pitchFamily="34" charset="0"/>
+              <a:buChar char="•"/>
+            </a:pPr>
+            <a:r>
               <a:rPr lang="en-US" altLang="en-US" sz="1800" dirty="0">
                 <a:solidFill>
                   <a:srgbClr val="262626"/>
                 </a:solidFill>
               </a:rPr>
-              <a:t>3 Centralized Gateway</a:t>
+              <a:t>Mainstream solutions:</a:t>
             </a:r>
             <a:endParaRPr lang="en-US" altLang="en-US" sz="1800" dirty="0">
               <a:solidFill>
@@ -12241,12 +12377,66 @@
             </a:endParaRPr>
           </a:p>
           <a:p>
-            <a:pPr defTabSz="342900">
+            <a:pPr marL="685800" lvl="1" indent="-228600" defTabSz="342900">
               <a:lnSpc>
                 <a:spcPct val="120000"/>
               </a:lnSpc>
+              <a:buFont typeface="Arial" panose="020B0604020202020204" pitchFamily="34" charset="0"/>
+              <a:buChar char="•"/>
             </a:pPr>
-            <a:endParaRPr lang="en-US" altLang="en-US" sz="1800" dirty="0">
+            <a:r>
+              <a:rPr lang="en-US" altLang="en-US" sz="1540" dirty="0">
+                <a:solidFill>
+                  <a:srgbClr val="262626"/>
+                </a:solidFill>
+              </a:rPr>
+              <a:t>Hyperledge Fabric</a:t>
+            </a:r>
+            <a:endParaRPr lang="en-US" altLang="en-US" sz="1540" dirty="0">
+              <a:solidFill>
+                <a:srgbClr val="262626"/>
+              </a:solidFill>
+            </a:endParaRPr>
+          </a:p>
+          <a:p>
+            <a:pPr marL="685800" lvl="1" indent="-228600" defTabSz="342900">
+              <a:lnSpc>
+                <a:spcPct val="120000"/>
+              </a:lnSpc>
+              <a:buFont typeface="Arial" panose="020B0604020202020204" pitchFamily="34" charset="0"/>
+              <a:buChar char="•"/>
+            </a:pPr>
+            <a:r>
+              <a:rPr lang="en-US" altLang="en-US" sz="1540" dirty="0">
+                <a:solidFill>
+                  <a:srgbClr val="262626"/>
+                </a:solidFill>
+              </a:rPr>
+              <a:t>Ethereum </a:t>
+            </a:r>
+            <a:endParaRPr lang="en-US" altLang="en-US" sz="1540" dirty="0">
+              <a:solidFill>
+                <a:srgbClr val="262626"/>
+              </a:solidFill>
+            </a:endParaRPr>
+          </a:p>
+          <a:p>
+            <a:pPr marL="685800" lvl="1" indent="-228600" defTabSz="342900">
+              <a:lnSpc>
+                <a:spcPct val="120000"/>
+              </a:lnSpc>
+              <a:buFont typeface="Arial" panose="020B0604020202020204" pitchFamily="34" charset="0"/>
+              <a:buChar char="•"/>
+            </a:pPr>
+            <a:r>
+              <a:rPr lang="en-US" altLang="en-US" sz="1540" dirty="0">
+                <a:solidFill>
+                  <a:srgbClr val="262626"/>
+                </a:solidFill>
+              </a:rPr>
+              <a:t>R3 Corda</a:t>
+            </a:r>
+            <a:endParaRPr lang="en-US" altLang="en-US" sz="1540" dirty="0">
               <a:solidFill>
                 <a:srgbClr val="262626"/>
               </a:solidFill>
@@ -12320,30 +12510,153 @@
           </a:p>
         </p:txBody>
       </p:sp>
-      <p:pic>
-        <p:nvPicPr>
-          <p:cNvPr id="4" name="图片 3" descr="497524_1_En_17_Fig1_HTML"/>
-          <p:cNvPicPr>
-            <a:picLocks noChangeAspect="1"/>
-          </p:cNvPicPr>
-          <p:nvPr/>
-        </p:nvPicPr>
-        <p:blipFill>
-          <a:blip r:embed="rId1"/>
-          <a:stretch>
-            <a:fillRect/>
-          </a:stretch>
-        </p:blipFill>
+      <p:sp>
+        <p:nvSpPr>
+          <p:cNvPr id="3" name="Content Placeholder 2"/>
+          <p:cNvSpPr>
+            <a:spLocks noGrp="1"/>
+          </p:cNvSpPr>
+          <p:nvPr>
+            <p:ph idx="1"/>
+          </p:nvPr>
+        </p:nvSpPr>
         <p:spPr>
           <a:xfrm>
-            <a:off x="628650" y="1546860"/>
-            <a:ext cx="7849870" cy="3959860"/>
+            <a:off x="628650" y="989044"/>
+            <a:ext cx="7886700" cy="5605719"/>
           </a:xfrm>
-          <a:prstGeom prst="rect">
-            <a:avLst/>
-          </a:prstGeom>
         </p:spPr>
-      </p:pic>
+        <p:txBody>
+          <a:bodyPr>
+            <a:normAutofit lnSpcReduction="10000"/>
+          </a:bodyPr>
+          <a:lstStyle/>
+          <a:p>
+            <a:pPr defTabSz="342900">
+              <a:lnSpc>
+                <a:spcPct val="120000"/>
+              </a:lnSpc>
+            </a:pPr>
+            <a:r>
+              <a:rPr lang="en-US" altLang="en-US" sz="1800" dirty="0">
+                <a:solidFill>
+                  <a:srgbClr val="262626"/>
+                </a:solidFill>
+              </a:rPr>
+              <a:t>Along with the blockchain demand increase, there will be a huge need for the crosschain solutions to connect different isolated chains</a:t>
+            </a:r>
+            <a:endParaRPr lang="en-US" altLang="en-US" sz="1800" dirty="0">
+              <a:solidFill>
+                <a:srgbClr val="262626"/>
+              </a:solidFill>
+            </a:endParaRPr>
+          </a:p>
+          <a:p>
+            <a:pPr defTabSz="342900">
+              <a:lnSpc>
+                <a:spcPct val="120000"/>
+              </a:lnSpc>
+            </a:pPr>
+            <a:endParaRPr lang="en-US" altLang="en-US" sz="1800" dirty="0">
+              <a:solidFill>
+                <a:srgbClr val="262626"/>
+              </a:solidFill>
+            </a:endParaRPr>
+          </a:p>
+          <a:p>
+            <a:pPr defTabSz="342900">
+              <a:lnSpc>
+                <a:spcPct val="120000"/>
+              </a:lnSpc>
+            </a:pPr>
+            <a:r>
+              <a:rPr lang="en-US" altLang="en-US" sz="1800" dirty="0">
+                <a:solidFill>
+                  <a:srgbClr val="262626"/>
+                </a:solidFill>
+              </a:rPr>
+              <a:t>Solutions:</a:t>
+            </a:r>
+            <a:endParaRPr lang="en-US" altLang="en-US" sz="1800" dirty="0">
+              <a:solidFill>
+                <a:srgbClr val="262626"/>
+              </a:solidFill>
+            </a:endParaRPr>
+          </a:p>
+          <a:p>
+            <a:pPr defTabSz="342900">
+              <a:lnSpc>
+                <a:spcPct val="120000"/>
+              </a:lnSpc>
+            </a:pPr>
+            <a:r>
+              <a:rPr lang="en-US" altLang="en-US" sz="1800" dirty="0">
+                <a:solidFill>
+                  <a:srgbClr val="262626"/>
+                </a:solidFill>
+              </a:rPr>
+              <a:t>1 Messaging Relay</a:t>
+            </a:r>
+            <a:endParaRPr lang="en-US" altLang="en-US" sz="1800" dirty="0">
+              <a:solidFill>
+                <a:srgbClr val="262626"/>
+              </a:solidFill>
+            </a:endParaRPr>
+          </a:p>
+          <a:p>
+            <a:pPr defTabSz="342900">
+              <a:lnSpc>
+                <a:spcPct val="120000"/>
+              </a:lnSpc>
+            </a:pPr>
+            <a:r>
+              <a:rPr lang="en-US" altLang="en-US" sz="1800" dirty="0">
+                <a:solidFill>
+                  <a:srgbClr val="262626"/>
+                </a:solidFill>
+              </a:rPr>
+              <a:t>2 Atomic Swap</a:t>
+            </a:r>
+            <a:endParaRPr lang="en-US" altLang="en-US" sz="1800" dirty="0">
+              <a:solidFill>
+                <a:srgbClr val="262626"/>
+              </a:solidFill>
+            </a:endParaRPr>
+          </a:p>
+          <a:p>
+            <a:pPr defTabSz="342900">
+              <a:lnSpc>
+                <a:spcPct val="120000"/>
+              </a:lnSpc>
+            </a:pPr>
+            <a:r>
+              <a:rPr lang="en-US" altLang="en-US" sz="1800" dirty="0">
+                <a:solidFill>
+                  <a:srgbClr val="262626"/>
+                </a:solidFill>
+              </a:rPr>
+              <a:t>3 Centralized Gateway</a:t>
+            </a:r>
+            <a:endParaRPr lang="en-US" altLang="en-US" sz="1800" dirty="0">
+              <a:solidFill>
+                <a:srgbClr val="262626"/>
+              </a:solidFill>
+            </a:endParaRPr>
+          </a:p>
+          <a:p>
+            <a:pPr defTabSz="342900">
+              <a:lnSpc>
+                <a:spcPct val="120000"/>
+              </a:lnSpc>
+            </a:pPr>
+            <a:endParaRPr lang="en-US" altLang="en-US" sz="1800" dirty="0">
+              <a:solidFill>
+                <a:srgbClr val="262626"/>
+              </a:solidFill>
+            </a:endParaRPr>
+          </a:p>
+        </p:txBody>
+      </p:sp>
     </p:spTree>
   </p:cSld>
   <p:clrMapOvr>
@@ -12412,6 +12725,96 @@
       </p:sp>
       <p:pic>
         <p:nvPicPr>
+          <p:cNvPr id="4" name="图片 3" descr="497524_1_En_17_Fig1_HTML"/>
+          <p:cNvPicPr>
+            <a:picLocks noChangeAspect="1"/>
+          </p:cNvPicPr>
+          <p:nvPr/>
+        </p:nvPicPr>
+        <p:blipFill>
+          <a:blip r:embed="rId1"/>
+          <a:stretch>
+            <a:fillRect/>
+          </a:stretch>
+        </p:blipFill>
+        <p:spPr>
+          <a:xfrm>
+            <a:off x="628650" y="1546860"/>
+            <a:ext cx="7849870" cy="3959860"/>
+          </a:xfrm>
+          <a:prstGeom prst="rect">
+            <a:avLst/>
+          </a:prstGeom>
+        </p:spPr>
+      </p:pic>
+    </p:spTree>
+  </p:cSld>
+  <p:clrMapOvr>
+    <a:masterClrMapping/>
+  </p:clrMapOvr>
+</p:sld>
+</file>
+
+<file path=ppt/slides/slide26.xml><?xml version="1.0" encoding="utf-8"?>
+<p:sld xmlns:a="http://schemas.openxmlformats.org/drawingml/2006/main" xmlns:r="http://schemas.openxmlformats.org/officeDocument/2006/relationships" xmlns:p="http://schemas.openxmlformats.org/presentationml/2006/main">
+  <p:cSld>
+    <p:spTree>
+      <p:nvGrpSpPr>
+        <p:cNvPr id="1" name=""/>
+        <p:cNvGrpSpPr/>
+        <p:nvPr/>
+      </p:nvGrpSpPr>
+      <p:grpSpPr>
+        <a:xfrm>
+          <a:off x="0" y="0"/>
+          <a:ext cx="0" cy="0"/>
+          <a:chOff x="0" y="0"/>
+          <a:chExt cx="0" cy="0"/>
+        </a:xfrm>
+      </p:grpSpPr>
+      <p:sp>
+        <p:nvSpPr>
+          <p:cNvPr id="2" name="Title 1"/>
+          <p:cNvSpPr>
+            <a:spLocks noGrp="1"/>
+          </p:cNvSpPr>
+          <p:nvPr>
+            <p:ph type="title"/>
+          </p:nvPr>
+        </p:nvSpPr>
+        <p:spPr>
+          <a:xfrm>
+            <a:off x="628650" y="155263"/>
+            <a:ext cx="7886700" cy="526790"/>
+          </a:xfrm>
+        </p:spPr>
+        <p:txBody>
+          <a:bodyPr>
+            <a:normAutofit fontScale="90000"/>
+          </a:bodyPr>
+          <a:lstStyle/>
+          <a:p>
+            <a:pPr algn="ctr"/>
+            <a:r>
+              <a:rPr lang="en-US" altLang="en-US" sz="3200" b="1" dirty="0">
+                <a:solidFill>
+                  <a:srgbClr val="262626"/>
+                </a:solidFill>
+                <a:latin typeface="Calibri" panose="020F0502020204030204" pitchFamily="34" charset="0"/>
+                <a:cs typeface="Calibri" panose="020F0502020204030204" pitchFamily="34" charset="0"/>
+                <a:sym typeface="+mn-ea"/>
+              </a:rPr>
+              <a:t>Cross-Chain Solutions</a:t>
+            </a:r>
+            <a:endParaRPr lang="en-US" sz="3200" b="1" dirty="0">
+              <a:latin typeface="Calibri" panose="020F0502020204030204" pitchFamily="34" charset="0"/>
+              <a:cs typeface="Calibri" panose="020F0502020204030204" pitchFamily="34" charset="0"/>
+            </a:endParaRPr>
+          </a:p>
+        </p:txBody>
+      </p:sp>
+      <p:pic>
+        <p:nvPicPr>
           <p:cNvPr id="6" name="图片 5" descr="1-KUjZ-o0t1E6clu7ZrDNgLQ"/>
           <p:cNvPicPr>
             <a:picLocks noChangeAspect="1"/>
@@ -12442,7 +12845,7 @@
 </p:sld>
 </file>
 
-<file path=ppt/slides/slide26.xml><?xml version="1.0" encoding="utf-8"?>
+<file path=ppt/slides/slide27.xml><?xml version="1.0" encoding="utf-8"?>
 <p:sld xmlns:a="http://schemas.openxmlformats.org/drawingml/2006/main" xmlns:r="http://schemas.openxmlformats.org/officeDocument/2006/relationships" xmlns:p="http://schemas.openxmlformats.org/presentationml/2006/main">
   <p:cSld>
     <p:spTree>
@@ -12939,7 +13342,7 @@
 </p:sld>
 </file>
 
-<file path=ppt/slides/slide27.xml><?xml version="1.0" encoding="utf-8"?>
+<file path=ppt/slides/slide28.xml><?xml version="1.0" encoding="utf-8"?>
 <p:sld xmlns:a="http://schemas.openxmlformats.org/drawingml/2006/main" xmlns:r="http://schemas.openxmlformats.org/officeDocument/2006/relationships" xmlns:p="http://schemas.openxmlformats.org/presentationml/2006/main">
   <p:cSld>
     <p:spTree>
@@ -13120,7 +13523,7 @@
 </p:sld>
 </file>
 
-<file path=ppt/slides/slide28.xml><?xml version="1.0" encoding="utf-8"?>
+<file path=ppt/slides/slide29.xml><?xml version="1.0" encoding="utf-8"?>
 <p:sld xmlns:a="http://schemas.openxmlformats.org/drawingml/2006/main" xmlns:r="http://schemas.openxmlformats.org/officeDocument/2006/relationships" xmlns:p="http://schemas.openxmlformats.org/presentationml/2006/main">
   <p:cSld>
     <p:spTree>

--- a/BCI - Day1 - Intro 1 Blockchain Technology Trends.pptx
+++ b/BCI - Day1 - Intro 1 Blockchain Technology Trends.pptx
@@ -5,38 +5,38 @@
     <p:sldMasterId id="2147483648" r:id="rId1"/>
   </p:sldMasterIdLst>
   <p:notesMasterIdLst>
-    <p:notesMasterId r:id="rId4"/>
+    <p:notesMasterId r:id="rId31"/>
   </p:notesMasterIdLst>
   <p:sldIdLst>
-    <p:sldId id="1837" r:id="rId3"/>
-    <p:sldId id="1850" r:id="rId5"/>
-    <p:sldId id="1876" r:id="rId6"/>
-    <p:sldId id="1877" r:id="rId7"/>
-    <p:sldId id="1851" r:id="rId8"/>
-    <p:sldId id="1551" r:id="rId9"/>
-    <p:sldId id="1826" r:id="rId10"/>
-    <p:sldId id="1816" r:id="rId11"/>
-    <p:sldId id="1878" r:id="rId12"/>
-    <p:sldId id="1864" r:id="rId13"/>
-    <p:sldId id="1879" r:id="rId14"/>
-    <p:sldId id="1817" r:id="rId15"/>
-    <p:sldId id="1880" r:id="rId16"/>
-    <p:sldId id="1827" r:id="rId17"/>
-    <p:sldId id="1881" r:id="rId18"/>
-    <p:sldId id="1818" r:id="rId19"/>
-    <p:sldId id="1902" r:id="rId20"/>
-    <p:sldId id="1865" r:id="rId21"/>
-    <p:sldId id="1819" r:id="rId22"/>
-    <p:sldId id="1882" r:id="rId23"/>
-    <p:sldId id="1883" r:id="rId24"/>
-    <p:sldId id="1884" r:id="rId25"/>
-    <p:sldId id="1820" r:id="rId26"/>
-    <p:sldId id="1821" r:id="rId27"/>
-    <p:sldId id="1828" r:id="rId28"/>
-    <p:sldId id="1829" r:id="rId29"/>
-    <p:sldId id="1885" r:id="rId30"/>
-    <p:sldId id="1875" r:id="rId31"/>
-    <p:sldId id="1822" r:id="rId32"/>
+    <p:sldId id="1837" r:id="rId2"/>
+    <p:sldId id="1850" r:id="rId3"/>
+    <p:sldId id="1876" r:id="rId4"/>
+    <p:sldId id="1877" r:id="rId5"/>
+    <p:sldId id="1851" r:id="rId6"/>
+    <p:sldId id="1551" r:id="rId7"/>
+    <p:sldId id="1826" r:id="rId8"/>
+    <p:sldId id="1816" r:id="rId9"/>
+    <p:sldId id="1878" r:id="rId10"/>
+    <p:sldId id="1864" r:id="rId11"/>
+    <p:sldId id="1879" r:id="rId12"/>
+    <p:sldId id="1817" r:id="rId13"/>
+    <p:sldId id="1880" r:id="rId14"/>
+    <p:sldId id="1827" r:id="rId15"/>
+    <p:sldId id="1881" r:id="rId16"/>
+    <p:sldId id="1818" r:id="rId17"/>
+    <p:sldId id="1902" r:id="rId18"/>
+    <p:sldId id="1865" r:id="rId19"/>
+    <p:sldId id="1819" r:id="rId20"/>
+    <p:sldId id="1882" r:id="rId21"/>
+    <p:sldId id="1883" r:id="rId22"/>
+    <p:sldId id="1884" r:id="rId23"/>
+    <p:sldId id="1820" r:id="rId24"/>
+    <p:sldId id="1821" r:id="rId25"/>
+    <p:sldId id="1828" r:id="rId26"/>
+    <p:sldId id="1829" r:id="rId27"/>
+    <p:sldId id="1885" r:id="rId28"/>
+    <p:sldId id="1875" r:id="rId29"/>
+    <p:sldId id="1822" r:id="rId30"/>
   </p:sldIdLst>
   <p:sldSz cx="9144000" cy="6858000" type="screen4x3"/>
   <p:notesSz cx="7315200" cy="9601200"/>
@@ -135,6 +135,22 @@
       </a:defRPr>
     </a:lvl9pPr>
   </p:defaultTextStyle>
+  <p:extLst>
+    <p:ext uri="{EFAFB233-063F-42B5-8137-9DF3F51BA10A}">
+      <p15:sldGuideLst xmlns:p15="http://schemas.microsoft.com/office/powerpoint/2012/main">
+        <p15:guide id="1" orient="horz" pos="2160">
+          <p15:clr>
+            <a:srgbClr val="A4A3A4"/>
+          </p15:clr>
+        </p15:guide>
+        <p15:guide id="2" pos="2850">
+          <p15:clr>
+            <a:srgbClr val="A4A3A4"/>
+          </p15:clr>
+        </p15:guide>
+      </p15:sldGuideLst>
+    </p:ext>
+  </p:extLst>
 </p:presentation>
 </file>
 
@@ -142,6 +158,35 @@
 <p:cmAuthorLst xmlns:a="http://schemas.openxmlformats.org/drawingml/2006/main" xmlns:r="http://schemas.openxmlformats.org/officeDocument/2006/relationships" xmlns:p="http://schemas.openxmlformats.org/presentationml/2006/main">
   <p:cmAuthor id="1" name="Peter Yan" initials="PY" lastIdx="1" clrIdx="0"/>
 </p:cmAuthorLst>
+</file>
+
+<file path=ppt/changesInfos/changesInfo1.xml><?xml version="1.0" encoding="utf-8"?>
+<pc:chgInfo xmlns:a="http://schemas.openxmlformats.org/drawingml/2006/main" xmlns:r="http://schemas.openxmlformats.org/officeDocument/2006/relationships" xmlns:ac="http://schemas.microsoft.com/office/drawing/2013/main/command" xmlns:pc="http://schemas.microsoft.com/office/powerpoint/2013/main/command">
+  <pc:docChgLst>
+    <pc:chgData name="Chee Wee Chua" userId="5fb630bc9e19550d" providerId="LiveId" clId="{C8740031-7BBC-44B5-AE37-459DDE5813AC}"/>
+    <pc:docChg chg="modSld">
+      <pc:chgData name="Chee Wee Chua" userId="5fb630bc9e19550d" providerId="LiveId" clId="{C8740031-7BBC-44B5-AE37-459DDE5813AC}" dt="2021-02-16T03:07:21.789" v="1" actId="20577"/>
+      <pc:docMkLst>
+        <pc:docMk/>
+      </pc:docMkLst>
+      <pc:sldChg chg="modSp mod">
+        <pc:chgData name="Chee Wee Chua" userId="5fb630bc9e19550d" providerId="LiveId" clId="{C8740031-7BBC-44B5-AE37-459DDE5813AC}" dt="2021-02-16T03:07:21.789" v="1" actId="20577"/>
+        <pc:sldMkLst>
+          <pc:docMk/>
+          <pc:sldMk cId="0" sldId="1864"/>
+        </pc:sldMkLst>
+        <pc:spChg chg="mod">
+          <ac:chgData name="Chee Wee Chua" userId="5fb630bc9e19550d" providerId="LiveId" clId="{C8740031-7BBC-44B5-AE37-459DDE5813AC}" dt="2021-02-16T03:07:21.789" v="1" actId="20577"/>
+          <ac:spMkLst>
+            <pc:docMk/>
+            <pc:sldMk cId="0" sldId="1864"/>
+            <ac:spMk id="13" creationId="{00000000-0000-0000-0000-000000000000}"/>
+          </ac:spMkLst>
+        </pc:spChg>
+      </pc:sldChg>
+    </pc:docChg>
+  </pc:docChgLst>
+</pc:chgInfo>
 </file>
 
 <file path=ppt/notesMasters/notesMaster1.xml><?xml version="1.0" encoding="utf-8"?>
@@ -226,6 +271,7 @@
           <a:p>
             <a:fld id="{3ACEC32E-EEDF-4F6F-9227-E6EDC3686343}" type="datetimeFigureOut">
               <a:rPr lang="en-US" smtClean="0"/>
+              <a:t>2/16/2021</a:t>
             </a:fld>
             <a:endParaRPr lang="en-US"/>
           </a:p>
@@ -292,7 +338,6 @@
               <a:rPr lang="en-US"/>
               <a:t>Click to edit Master text styles</a:t>
             </a:r>
-            <a:endParaRPr lang="en-US"/>
           </a:p>
           <a:p>
             <a:pPr lvl="1"/>
@@ -300,7 +345,6 @@
               <a:rPr lang="en-US"/>
               <a:t>Second level</a:t>
             </a:r>
-            <a:endParaRPr lang="en-US"/>
           </a:p>
           <a:p>
             <a:pPr lvl="2"/>
@@ -308,7 +352,6 @@
               <a:rPr lang="en-US"/>
               <a:t>Third level</a:t>
             </a:r>
-            <a:endParaRPr lang="en-US"/>
           </a:p>
           <a:p>
             <a:pPr lvl="3"/>
@@ -316,7 +359,6 @@
               <a:rPr lang="en-US"/>
               <a:t>Fourth level</a:t>
             </a:r>
-            <a:endParaRPr lang="en-US"/>
           </a:p>
           <a:p>
             <a:pPr lvl="4"/>
@@ -324,7 +366,6 @@
               <a:rPr lang="en-US"/>
               <a:t>Fifth level</a:t>
             </a:r>
-            <a:endParaRPr lang="en-US"/>
           </a:p>
         </p:txBody>
       </p:sp>
@@ -388,6 +429,7 @@
           <a:p>
             <a:fld id="{E21EC080-2224-427D-8004-F896D4FDE802}" type="slidenum">
               <a:rPr lang="en-US" smtClean="0"/>
+              <a:t>‹#›</a:t>
             </a:fld>
             <a:endParaRPr lang="en-US"/>
           </a:p>
@@ -500,11 +542,20 @@
         <p:cNvGrpSpPr/>
         <p:nvPr/>
       </p:nvGrpSpPr>
-      <p:grpSpPr/>
+      <p:grpSpPr>
+        <a:xfrm>
+          <a:off x="0" y="0"/>
+          <a:ext cx="0" cy="0"/>
+          <a:chOff x="0" y="0"/>
+          <a:chExt cx="0" cy="0"/>
+        </a:xfrm>
+      </p:grpSpPr>
       <p:sp>
         <p:nvSpPr>
           <p:cNvPr id="2" name="幻灯片图像占位符 1"/>
-          <p:cNvSpPr/>
+          <p:cNvSpPr>
+            <a:spLocks noGrp="1" noRot="1" noChangeAspect="1"/>
+          </p:cNvSpPr>
           <p:nvPr>
             <p:ph type="sldImg" idx="2"/>
           </p:nvPr>
@@ -514,7 +565,9 @@
       <p:sp>
         <p:nvSpPr>
           <p:cNvPr id="3" name="文本占位符 2"/>
-          <p:cNvSpPr/>
+          <p:cNvSpPr>
+            <a:spLocks noGrp="1"/>
+          </p:cNvSpPr>
           <p:nvPr>
             <p:ph type="body" idx="3"/>
           </p:nvPr>
@@ -522,6 +575,7 @@
         <p:spPr/>
         <p:txBody>
           <a:bodyPr/>
+          <a:lstStyle/>
           <a:p>
             <a:endParaRPr lang="zh-CN" altLang="en-US"/>
           </a:p>
@@ -580,7 +634,6 @@
               <a:rPr lang="en-US"/>
               <a:t>Click to edit Master title style</a:t>
             </a:r>
-            <a:endParaRPr lang="en-US"/>
           </a:p>
         </p:txBody>
       </p:sp>
@@ -645,7 +698,6 @@
               <a:rPr lang="en-US"/>
               <a:t>Click to edit Master subtitle style</a:t>
             </a:r>
-            <a:endParaRPr lang="en-US"/>
           </a:p>
         </p:txBody>
       </p:sp>
@@ -666,6 +718,7 @@
           <a:p>
             <a:fld id="{ED18584A-46E0-4748-9A73-182D262C1888}" type="datetimeFigureOut">
               <a:rPr lang="en-US" smtClean="0"/>
+              <a:t>2/16/2021</a:t>
             </a:fld>
             <a:endParaRPr lang="en-US"/>
           </a:p>
@@ -707,6 +760,7 @@
           <a:p>
             <a:fld id="{1C11C2CC-ED7A-44FF-B284-7411D3F2E85A}" type="slidenum">
               <a:rPr lang="en-US" smtClean="0"/>
+              <a:t>‹#›</a:t>
             </a:fld>
             <a:endParaRPr lang="en-US"/>
           </a:p>
@@ -756,7 +810,6 @@
               <a:rPr lang="en-US"/>
               <a:t>Click to edit Master title style</a:t>
             </a:r>
-            <a:endParaRPr lang="en-US"/>
           </a:p>
         </p:txBody>
       </p:sp>
@@ -780,7 +833,6 @@
               <a:rPr lang="en-US"/>
               <a:t>Edit Master text styles</a:t>
             </a:r>
-            <a:endParaRPr lang="en-US"/>
           </a:p>
           <a:p>
             <a:pPr lvl="1"/>
@@ -788,7 +840,6 @@
               <a:rPr lang="en-US"/>
               <a:t>Second level</a:t>
             </a:r>
-            <a:endParaRPr lang="en-US"/>
           </a:p>
           <a:p>
             <a:pPr lvl="2"/>
@@ -796,7 +847,6 @@
               <a:rPr lang="en-US"/>
               <a:t>Third level</a:t>
             </a:r>
-            <a:endParaRPr lang="en-US"/>
           </a:p>
           <a:p>
             <a:pPr lvl="3"/>
@@ -804,7 +854,6 @@
               <a:rPr lang="en-US"/>
               <a:t>Fourth level</a:t>
             </a:r>
-            <a:endParaRPr lang="en-US"/>
           </a:p>
           <a:p>
             <a:pPr lvl="4"/>
@@ -812,7 +861,6 @@
               <a:rPr lang="en-US"/>
               <a:t>Fifth level</a:t>
             </a:r>
-            <a:endParaRPr lang="en-US"/>
           </a:p>
         </p:txBody>
       </p:sp>
@@ -833,6 +881,7 @@
           <a:p>
             <a:fld id="{ED18584A-46E0-4748-9A73-182D262C1888}" type="datetimeFigureOut">
               <a:rPr lang="en-US" smtClean="0"/>
+              <a:t>2/16/2021</a:t>
             </a:fld>
             <a:endParaRPr lang="en-US"/>
           </a:p>
@@ -874,6 +923,7 @@
           <a:p>
             <a:fld id="{1C11C2CC-ED7A-44FF-B284-7411D3F2E85A}" type="slidenum">
               <a:rPr lang="en-US" smtClean="0"/>
+              <a:t>‹#›</a:t>
             </a:fld>
             <a:endParaRPr lang="en-US"/>
           </a:p>
@@ -928,7 +978,6 @@
               <a:rPr lang="en-US"/>
               <a:t>Click to edit Master title style</a:t>
             </a:r>
-            <a:endParaRPr lang="en-US"/>
           </a:p>
         </p:txBody>
       </p:sp>
@@ -957,7 +1006,6 @@
               <a:rPr lang="en-US"/>
               <a:t>Edit Master text styles</a:t>
             </a:r>
-            <a:endParaRPr lang="en-US"/>
           </a:p>
           <a:p>
             <a:pPr lvl="1"/>
@@ -965,7 +1013,6 @@
               <a:rPr lang="en-US"/>
               <a:t>Second level</a:t>
             </a:r>
-            <a:endParaRPr lang="en-US"/>
           </a:p>
           <a:p>
             <a:pPr lvl="2"/>
@@ -973,7 +1020,6 @@
               <a:rPr lang="en-US"/>
               <a:t>Third level</a:t>
             </a:r>
-            <a:endParaRPr lang="en-US"/>
           </a:p>
           <a:p>
             <a:pPr lvl="3"/>
@@ -981,7 +1027,6 @@
               <a:rPr lang="en-US"/>
               <a:t>Fourth level</a:t>
             </a:r>
-            <a:endParaRPr lang="en-US"/>
           </a:p>
           <a:p>
             <a:pPr lvl="4"/>
@@ -989,7 +1034,6 @@
               <a:rPr lang="en-US"/>
               <a:t>Fifth level</a:t>
             </a:r>
-            <a:endParaRPr lang="en-US"/>
           </a:p>
         </p:txBody>
       </p:sp>
@@ -1010,6 +1054,7 @@
           <a:p>
             <a:fld id="{ED18584A-46E0-4748-9A73-182D262C1888}" type="datetimeFigureOut">
               <a:rPr lang="en-US" smtClean="0"/>
+              <a:t>2/16/2021</a:t>
             </a:fld>
             <a:endParaRPr lang="en-US"/>
           </a:p>
@@ -1051,6 +1096,7 @@
           <a:p>
             <a:fld id="{1C11C2CC-ED7A-44FF-B284-7411D3F2E85A}" type="slidenum">
               <a:rPr lang="en-US" smtClean="0"/>
+              <a:t>‹#›</a:t>
             </a:fld>
             <a:endParaRPr lang="en-US"/>
           </a:p>
@@ -1107,6 +1153,7 @@
           <a:p>
             <a:fld id="{86CB4B4D-7CA3-9044-876B-883B54F8677D}" type="slidenum">
               <a:rPr/>
+              <a:t>‹#›</a:t>
             </a:fld>
             <a:endParaRPr/>
           </a:p>
@@ -1233,6 +1280,7 @@
           <a:p>
             <a:fld id="{86CB4B4D-7CA3-9044-876B-883B54F8677D}" type="slidenum">
               <a:rPr/>
+              <a:t>‹#›</a:t>
             </a:fld>
             <a:endParaRPr/>
           </a:p>
@@ -1299,7 +1347,6 @@
               <a:rPr lang="en-US" noProof="0" dirty="0"/>
               <a:t>Insert Image</a:t>
             </a:r>
-            <a:endParaRPr lang="en-US" noProof="0" dirty="0"/>
           </a:p>
         </p:txBody>
       </p:sp>
@@ -1338,7 +1385,6 @@
               <a:rPr lang="en-US" noProof="0"/>
               <a:t>TITLE</a:t>
             </a:r>
-            <a:endParaRPr lang="en-US" noProof="0"/>
           </a:p>
         </p:txBody>
       </p:sp>
@@ -1384,7 +1430,6 @@
               <a:rPr lang="en-US" noProof="0"/>
               <a:t>Subtitle</a:t>
             </a:r>
-            <a:endParaRPr lang="en-US" noProof="0"/>
           </a:p>
         </p:txBody>
       </p:sp>
@@ -1432,7 +1477,6 @@
               <a:rPr lang="en-US"/>
               <a:t>Click to edit Master title style</a:t>
             </a:r>
-            <a:endParaRPr lang="en-US"/>
           </a:p>
         </p:txBody>
       </p:sp>
@@ -1456,7 +1500,6 @@
               <a:rPr lang="en-US" dirty="0"/>
               <a:t>Edit Master text styles</a:t>
             </a:r>
-            <a:endParaRPr lang="en-US" dirty="0"/>
           </a:p>
           <a:p>
             <a:pPr lvl="1"/>
@@ -1464,7 +1507,6 @@
               <a:rPr lang="en-US" dirty="0"/>
               <a:t>Second level</a:t>
             </a:r>
-            <a:endParaRPr lang="en-US" dirty="0"/>
           </a:p>
           <a:p>
             <a:pPr lvl="2"/>
@@ -1472,7 +1514,6 @@
               <a:rPr lang="en-US" dirty="0"/>
               <a:t>Third level</a:t>
             </a:r>
-            <a:endParaRPr lang="en-US" dirty="0"/>
           </a:p>
           <a:p>
             <a:pPr lvl="3"/>
@@ -1480,7 +1521,6 @@
               <a:rPr lang="en-US" dirty="0"/>
               <a:t>Fourth level</a:t>
             </a:r>
-            <a:endParaRPr lang="en-US" dirty="0"/>
           </a:p>
           <a:p>
             <a:pPr lvl="4"/>
@@ -1488,7 +1528,6 @@
               <a:rPr lang="en-US" dirty="0"/>
               <a:t>Fifth level</a:t>
             </a:r>
-            <a:endParaRPr lang="en-US" dirty="0"/>
           </a:p>
         </p:txBody>
       </p:sp>
@@ -1509,6 +1548,7 @@
           <a:p>
             <a:fld id="{ED18584A-46E0-4748-9A73-182D262C1888}" type="datetimeFigureOut">
               <a:rPr lang="en-US" smtClean="0"/>
+              <a:t>2/16/2021</a:t>
             </a:fld>
             <a:endParaRPr lang="en-US"/>
           </a:p>
@@ -1550,6 +1590,7 @@
           <a:p>
             <a:fld id="{1C11C2CC-ED7A-44FF-B284-7411D3F2E85A}" type="slidenum">
               <a:rPr lang="en-US" smtClean="0"/>
+              <a:t>‹#›</a:t>
             </a:fld>
             <a:endParaRPr lang="en-US"/>
           </a:p>
@@ -1608,7 +1649,6 @@
               <a:rPr lang="en-US"/>
               <a:t>Click to edit Master title style</a:t>
             </a:r>
-            <a:endParaRPr lang="en-US"/>
           </a:p>
         </p:txBody>
       </p:sp>
@@ -1728,7 +1768,6 @@
               <a:rPr lang="en-US"/>
               <a:t>Edit Master text styles</a:t>
             </a:r>
-            <a:endParaRPr lang="en-US"/>
           </a:p>
         </p:txBody>
       </p:sp>
@@ -1749,6 +1788,7 @@
           <a:p>
             <a:fld id="{ED18584A-46E0-4748-9A73-182D262C1888}" type="datetimeFigureOut">
               <a:rPr lang="en-US" smtClean="0"/>
+              <a:t>2/16/2021</a:t>
             </a:fld>
             <a:endParaRPr lang="en-US"/>
           </a:p>
@@ -1790,6 +1830,7 @@
           <a:p>
             <a:fld id="{1C11C2CC-ED7A-44FF-B284-7411D3F2E85A}" type="slidenum">
               <a:rPr lang="en-US" smtClean="0"/>
+              <a:t>‹#›</a:t>
             </a:fld>
             <a:endParaRPr lang="en-US"/>
           </a:p>
@@ -1839,7 +1880,6 @@
               <a:rPr lang="en-US"/>
               <a:t>Click to edit Master title style</a:t>
             </a:r>
-            <a:endParaRPr lang="en-US"/>
           </a:p>
         </p:txBody>
       </p:sp>
@@ -1868,7 +1908,6 @@
               <a:rPr lang="en-US"/>
               <a:t>Edit Master text styles</a:t>
             </a:r>
-            <a:endParaRPr lang="en-US"/>
           </a:p>
           <a:p>
             <a:pPr lvl="1"/>
@@ -1876,7 +1915,6 @@
               <a:rPr lang="en-US"/>
               <a:t>Second level</a:t>
             </a:r>
-            <a:endParaRPr lang="en-US"/>
           </a:p>
           <a:p>
             <a:pPr lvl="2"/>
@@ -1884,7 +1922,6 @@
               <a:rPr lang="en-US"/>
               <a:t>Third level</a:t>
             </a:r>
-            <a:endParaRPr lang="en-US"/>
           </a:p>
           <a:p>
             <a:pPr lvl="3"/>
@@ -1892,7 +1929,6 @@
               <a:rPr lang="en-US"/>
               <a:t>Fourth level</a:t>
             </a:r>
-            <a:endParaRPr lang="en-US"/>
           </a:p>
           <a:p>
             <a:pPr lvl="4"/>
@@ -1900,7 +1936,6 @@
               <a:rPr lang="en-US"/>
               <a:t>Fifth level</a:t>
             </a:r>
-            <a:endParaRPr lang="en-US"/>
           </a:p>
         </p:txBody>
       </p:sp>
@@ -1929,7 +1964,6 @@
               <a:rPr lang="en-US"/>
               <a:t>Edit Master text styles</a:t>
             </a:r>
-            <a:endParaRPr lang="en-US"/>
           </a:p>
           <a:p>
             <a:pPr lvl="1"/>
@@ -1937,7 +1971,6 @@
               <a:rPr lang="en-US"/>
               <a:t>Second level</a:t>
             </a:r>
-            <a:endParaRPr lang="en-US"/>
           </a:p>
           <a:p>
             <a:pPr lvl="2"/>
@@ -1945,7 +1978,6 @@
               <a:rPr lang="en-US"/>
               <a:t>Third level</a:t>
             </a:r>
-            <a:endParaRPr lang="en-US"/>
           </a:p>
           <a:p>
             <a:pPr lvl="3"/>
@@ -1953,7 +1985,6 @@
               <a:rPr lang="en-US"/>
               <a:t>Fourth level</a:t>
             </a:r>
-            <a:endParaRPr lang="en-US"/>
           </a:p>
           <a:p>
             <a:pPr lvl="4"/>
@@ -1961,7 +1992,6 @@
               <a:rPr lang="en-US"/>
               <a:t>Fifth level</a:t>
             </a:r>
-            <a:endParaRPr lang="en-US"/>
           </a:p>
         </p:txBody>
       </p:sp>
@@ -1982,6 +2012,7 @@
           <a:p>
             <a:fld id="{ED18584A-46E0-4748-9A73-182D262C1888}" type="datetimeFigureOut">
               <a:rPr lang="en-US" smtClean="0"/>
+              <a:t>2/16/2021</a:t>
             </a:fld>
             <a:endParaRPr lang="en-US"/>
           </a:p>
@@ -2023,6 +2054,7 @@
           <a:p>
             <a:fld id="{1C11C2CC-ED7A-44FF-B284-7411D3F2E85A}" type="slidenum">
               <a:rPr lang="en-US" smtClean="0"/>
+              <a:t>‹#›</a:t>
             </a:fld>
             <a:endParaRPr lang="en-US"/>
           </a:p>
@@ -2077,7 +2109,6 @@
               <a:rPr lang="en-US"/>
               <a:t>Click to edit Master title style</a:t>
             </a:r>
-            <a:endParaRPr lang="en-US"/>
           </a:p>
         </p:txBody>
       </p:sp>
@@ -2143,7 +2174,6 @@
               <a:rPr lang="en-US"/>
               <a:t>Edit Master text styles</a:t>
             </a:r>
-            <a:endParaRPr lang="en-US"/>
           </a:p>
         </p:txBody>
       </p:sp>
@@ -2172,7 +2202,6 @@
               <a:rPr lang="en-US"/>
               <a:t>Edit Master text styles</a:t>
             </a:r>
-            <a:endParaRPr lang="en-US"/>
           </a:p>
           <a:p>
             <a:pPr lvl="1"/>
@@ -2180,7 +2209,6 @@
               <a:rPr lang="en-US"/>
               <a:t>Second level</a:t>
             </a:r>
-            <a:endParaRPr lang="en-US"/>
           </a:p>
           <a:p>
             <a:pPr lvl="2"/>
@@ -2188,7 +2216,6 @@
               <a:rPr lang="en-US"/>
               <a:t>Third level</a:t>
             </a:r>
-            <a:endParaRPr lang="en-US"/>
           </a:p>
           <a:p>
             <a:pPr lvl="3"/>
@@ -2196,7 +2223,6 @@
               <a:rPr lang="en-US"/>
               <a:t>Fourth level</a:t>
             </a:r>
-            <a:endParaRPr lang="en-US"/>
           </a:p>
           <a:p>
             <a:pPr lvl="4"/>
@@ -2204,7 +2230,6 @@
               <a:rPr lang="en-US"/>
               <a:t>Fifth level</a:t>
             </a:r>
-            <a:endParaRPr lang="en-US"/>
           </a:p>
         </p:txBody>
       </p:sp>
@@ -2270,7 +2295,6 @@
               <a:rPr lang="en-US"/>
               <a:t>Edit Master text styles</a:t>
             </a:r>
-            <a:endParaRPr lang="en-US"/>
           </a:p>
         </p:txBody>
       </p:sp>
@@ -2299,7 +2323,6 @@
               <a:rPr lang="en-US"/>
               <a:t>Edit Master text styles</a:t>
             </a:r>
-            <a:endParaRPr lang="en-US"/>
           </a:p>
           <a:p>
             <a:pPr lvl="1"/>
@@ -2307,7 +2330,6 @@
               <a:rPr lang="en-US"/>
               <a:t>Second level</a:t>
             </a:r>
-            <a:endParaRPr lang="en-US"/>
           </a:p>
           <a:p>
             <a:pPr lvl="2"/>
@@ -2315,7 +2337,6 @@
               <a:rPr lang="en-US"/>
               <a:t>Third level</a:t>
             </a:r>
-            <a:endParaRPr lang="en-US"/>
           </a:p>
           <a:p>
             <a:pPr lvl="3"/>
@@ -2323,7 +2344,6 @@
               <a:rPr lang="en-US"/>
               <a:t>Fourth level</a:t>
             </a:r>
-            <a:endParaRPr lang="en-US"/>
           </a:p>
           <a:p>
             <a:pPr lvl="4"/>
@@ -2331,7 +2351,6 @@
               <a:rPr lang="en-US"/>
               <a:t>Fifth level</a:t>
             </a:r>
-            <a:endParaRPr lang="en-US"/>
           </a:p>
         </p:txBody>
       </p:sp>
@@ -2352,6 +2371,7 @@
           <a:p>
             <a:fld id="{ED18584A-46E0-4748-9A73-182D262C1888}" type="datetimeFigureOut">
               <a:rPr lang="en-US" smtClean="0"/>
+              <a:t>2/16/2021</a:t>
             </a:fld>
             <a:endParaRPr lang="en-US"/>
           </a:p>
@@ -2393,6 +2413,7 @@
           <a:p>
             <a:fld id="{1C11C2CC-ED7A-44FF-B284-7411D3F2E85A}" type="slidenum">
               <a:rPr lang="en-US" smtClean="0"/>
+              <a:t>‹#›</a:t>
             </a:fld>
             <a:endParaRPr lang="en-US"/>
           </a:p>
@@ -2442,7 +2463,6 @@
               <a:rPr lang="en-US"/>
               <a:t>Click to edit Master title style</a:t>
             </a:r>
-            <a:endParaRPr lang="en-US"/>
           </a:p>
         </p:txBody>
       </p:sp>
@@ -2463,6 +2483,7 @@
           <a:p>
             <a:fld id="{ED18584A-46E0-4748-9A73-182D262C1888}" type="datetimeFigureOut">
               <a:rPr lang="en-US" smtClean="0"/>
+              <a:t>2/16/2021</a:t>
             </a:fld>
             <a:endParaRPr lang="en-US"/>
           </a:p>
@@ -2504,6 +2525,7 @@
           <a:p>
             <a:fld id="{1C11C2CC-ED7A-44FF-B284-7411D3F2E85A}" type="slidenum">
               <a:rPr lang="en-US" smtClean="0"/>
+              <a:t>‹#›</a:t>
             </a:fld>
             <a:endParaRPr lang="en-US"/>
           </a:p>
@@ -2551,6 +2573,7 @@
           <a:p>
             <a:fld id="{ED18584A-46E0-4748-9A73-182D262C1888}" type="datetimeFigureOut">
               <a:rPr lang="en-US" smtClean="0"/>
+              <a:t>2/16/2021</a:t>
             </a:fld>
             <a:endParaRPr lang="en-US"/>
           </a:p>
@@ -2592,6 +2615,7 @@
           <a:p>
             <a:fld id="{1C11C2CC-ED7A-44FF-B284-7411D3F2E85A}" type="slidenum">
               <a:rPr lang="en-US" smtClean="0"/>
+              <a:t>‹#›</a:t>
             </a:fld>
             <a:endParaRPr lang="en-US"/>
           </a:p>
@@ -2650,7 +2674,6 @@
               <a:rPr lang="en-US"/>
               <a:t>Click to edit Master title style</a:t>
             </a:r>
-            <a:endParaRPr lang="en-US"/>
           </a:p>
         </p:txBody>
       </p:sp>
@@ -2707,7 +2730,6 @@
               <a:rPr lang="en-US"/>
               <a:t>Edit Master text styles</a:t>
             </a:r>
-            <a:endParaRPr lang="en-US"/>
           </a:p>
           <a:p>
             <a:pPr lvl="1"/>
@@ -2715,7 +2737,6 @@
               <a:rPr lang="en-US"/>
               <a:t>Second level</a:t>
             </a:r>
-            <a:endParaRPr lang="en-US"/>
           </a:p>
           <a:p>
             <a:pPr lvl="2"/>
@@ -2723,7 +2744,6 @@
               <a:rPr lang="en-US"/>
               <a:t>Third level</a:t>
             </a:r>
-            <a:endParaRPr lang="en-US"/>
           </a:p>
           <a:p>
             <a:pPr lvl="3"/>
@@ -2731,7 +2751,6 @@
               <a:rPr lang="en-US"/>
               <a:t>Fourth level</a:t>
             </a:r>
-            <a:endParaRPr lang="en-US"/>
           </a:p>
           <a:p>
             <a:pPr lvl="4"/>
@@ -2739,7 +2758,6 @@
               <a:rPr lang="en-US"/>
               <a:t>Fifth level</a:t>
             </a:r>
-            <a:endParaRPr lang="en-US"/>
           </a:p>
         </p:txBody>
       </p:sp>
@@ -2805,7 +2823,6 @@
               <a:rPr lang="en-US"/>
               <a:t>Edit Master text styles</a:t>
             </a:r>
-            <a:endParaRPr lang="en-US"/>
           </a:p>
         </p:txBody>
       </p:sp>
@@ -2826,6 +2843,7 @@
           <a:p>
             <a:fld id="{ED18584A-46E0-4748-9A73-182D262C1888}" type="datetimeFigureOut">
               <a:rPr lang="en-US" smtClean="0"/>
+              <a:t>2/16/2021</a:t>
             </a:fld>
             <a:endParaRPr lang="en-US"/>
           </a:p>
@@ -2867,6 +2885,7 @@
           <a:p>
             <a:fld id="{1C11C2CC-ED7A-44FF-B284-7411D3F2E85A}" type="slidenum">
               <a:rPr lang="en-US" smtClean="0"/>
+              <a:t>‹#›</a:t>
             </a:fld>
             <a:endParaRPr lang="en-US"/>
           </a:p>
@@ -2925,7 +2944,6 @@
               <a:rPr lang="en-US"/>
               <a:t>Click to edit Master title style</a:t>
             </a:r>
-            <a:endParaRPr lang="en-US"/>
           </a:p>
         </p:txBody>
       </p:sp>
@@ -3052,7 +3070,6 @@
               <a:rPr lang="en-US"/>
               <a:t>Edit Master text styles</a:t>
             </a:r>
-            <a:endParaRPr lang="en-US"/>
           </a:p>
         </p:txBody>
       </p:sp>
@@ -3073,6 +3090,7 @@
           <a:p>
             <a:fld id="{ED18584A-46E0-4748-9A73-182D262C1888}" type="datetimeFigureOut">
               <a:rPr lang="en-US" smtClean="0"/>
+              <a:t>2/16/2021</a:t>
             </a:fld>
             <a:endParaRPr lang="en-US"/>
           </a:p>
@@ -3114,6 +3132,7 @@
           <a:p>
             <a:fld id="{1C11C2CC-ED7A-44FF-B284-7411D3F2E85A}" type="slidenum">
               <a:rPr lang="en-US" smtClean="0"/>
+              <a:t>‹#›</a:t>
             </a:fld>
             <a:endParaRPr lang="en-US"/>
           </a:p>
@@ -3178,7 +3197,6 @@
               <a:rPr lang="en-US"/>
               <a:t>Click to edit Master title style</a:t>
             </a:r>
-            <a:endParaRPr lang="en-US"/>
           </a:p>
         </p:txBody>
       </p:sp>
@@ -3212,7 +3230,6 @@
               <a:rPr lang="en-US"/>
               <a:t>Edit Master text styles</a:t>
             </a:r>
-            <a:endParaRPr lang="en-US"/>
           </a:p>
           <a:p>
             <a:pPr lvl="1"/>
@@ -3220,7 +3237,6 @@
               <a:rPr lang="en-US"/>
               <a:t>Second level</a:t>
             </a:r>
-            <a:endParaRPr lang="en-US"/>
           </a:p>
           <a:p>
             <a:pPr lvl="2"/>
@@ -3228,7 +3244,6 @@
               <a:rPr lang="en-US"/>
               <a:t>Third level</a:t>
             </a:r>
-            <a:endParaRPr lang="en-US"/>
           </a:p>
           <a:p>
             <a:pPr lvl="3"/>
@@ -3236,7 +3251,6 @@
               <a:rPr lang="en-US"/>
               <a:t>Fourth level</a:t>
             </a:r>
-            <a:endParaRPr lang="en-US"/>
           </a:p>
           <a:p>
             <a:pPr lvl="4"/>
@@ -3244,7 +3258,6 @@
               <a:rPr lang="en-US"/>
               <a:t>Fifth level</a:t>
             </a:r>
-            <a:endParaRPr lang="en-US"/>
           </a:p>
         </p:txBody>
       </p:sp>
@@ -3283,6 +3296,7 @@
           <a:p>
             <a:fld id="{ED18584A-46E0-4748-9A73-182D262C1888}" type="datetimeFigureOut">
               <a:rPr lang="en-US" smtClean="0"/>
+              <a:t>2/16/2021</a:t>
             </a:fld>
             <a:endParaRPr lang="en-US"/>
           </a:p>
@@ -3360,6 +3374,7 @@
           <a:p>
             <a:fld id="{1C11C2CC-ED7A-44FF-B284-7411D3F2E85A}" type="slidenum">
               <a:rPr lang="en-US" smtClean="0"/>
+              <a:t>‹#›</a:t>
             </a:fld>
             <a:endParaRPr lang="en-US"/>
           </a:p>
@@ -3760,11 +3775,6 @@
               </a:rPr>
               <a:t>Enterprise Blockchain Developers (Intermediate)</a:t>
             </a:r>
-            <a:endParaRPr lang="en-US" sz="3200" dirty="0">
-              <a:solidFill>
-                <a:schemeClr val="tx2"/>
-              </a:solidFill>
-            </a:endParaRPr>
           </a:p>
         </p:txBody>
       </p:sp>
@@ -3777,7 +3787,7 @@
           <p:nvPr/>
         </p:nvPicPr>
         <p:blipFill rotWithShape="1">
-          <a:blip r:embed="rId1"/>
+          <a:blip r:embed="rId3"/>
           <a:srcRect t="9158" b="9158"/>
           <a:stretch>
             <a:fillRect/>
@@ -3797,7 +3807,7 @@
         <p:nvGrpSpPr>
           <p:cNvPr id="26" name="Group 18"/>
           <p:cNvGrpSpPr>
-            <a:grpSpLocks noGrp="1" noRot="1" noChangeAspect="1" noMove="1" noResize="1" noUngrp="1"/>
+            <a:grpSpLocks noGrp="1" noUngrp="1" noRot="1" noChangeAspect="1" noMove="1" noResize="1"/>
           </p:cNvGrpSpPr>
           <p:nvPr/>
         </p:nvGrpSpPr>
@@ -6972,7 +6982,7 @@
           <p:nvPr/>
         </p:nvPicPr>
         <p:blipFill>
-          <a:blip r:embed="rId2">
+          <a:blip r:embed="rId4">
             <a:extLst>
               <a:ext uri="{28A0092B-C50C-407E-A947-70E740481C1C}">
                 <a14:useLocalDpi xmlns:a14="http://schemas.microsoft.com/office/drawing/2010/main" val="0"/>
@@ -7002,7 +7012,7 @@
           <p:nvPr/>
         </p:nvPicPr>
         <p:blipFill>
-          <a:blip r:embed="rId3">
+          <a:blip r:embed="rId5">
             <a:extLst>
               <a:ext uri="{28A0092B-C50C-407E-A947-70E740481C1C}">
                 <a14:useLocalDpi xmlns:a14="http://schemas.microsoft.com/office/drawing/2010/main" val="0"/>
@@ -7032,7 +7042,7 @@
           <p:nvPr/>
         </p:nvPicPr>
         <p:blipFill>
-          <a:blip r:embed="rId4" cstate="print">
+          <a:blip r:embed="rId6" cstate="print">
             <a:extLst>
               <a:ext uri="{28A0092B-C50C-407E-A947-70E740481C1C}">
                 <a14:useLocalDpi xmlns:a14="http://schemas.microsoft.com/office/drawing/2010/main" val="0"/>
@@ -7079,7 +7089,6 @@
               <a:rPr lang="en-SG" sz="1050" dirty="0"/>
               <a:t>In support of</a:t>
             </a:r>
-            <a:endParaRPr lang="en-SG" sz="1050" dirty="0"/>
           </a:p>
         </p:txBody>
       </p:sp>
@@ -7092,7 +7101,7 @@
           <p:nvPr/>
         </p:nvPicPr>
         <p:blipFill>
-          <a:blip r:embed="rId5" cstate="print">
+          <a:blip r:embed="rId7" cstate="print">
             <a:extLst>
               <a:ext uri="{28A0092B-C50C-407E-A947-70E740481C1C}">
                 <a14:useLocalDpi xmlns:a14="http://schemas.microsoft.com/office/drawing/2010/main" val="0"/>
@@ -7133,7 +7142,7 @@
           <p:nvPr/>
         </p:nvPicPr>
         <p:blipFill>
-          <a:blip r:embed="rId6" cstate="print">
+          <a:blip r:embed="rId8" cstate="print">
             <a:extLst>
               <a:ext uri="{28A0092B-C50C-407E-A947-70E740481C1C}">
                 <a14:useLocalDpi xmlns:a14="http://schemas.microsoft.com/office/drawing/2010/main" val="0"/>
@@ -7191,7 +7200,6 @@
               <a:rPr lang="en-SG" sz="1050" dirty="0"/>
               <a:t>Powered By</a:t>
             </a:r>
-            <a:endParaRPr lang="en-SG" sz="1050" dirty="0"/>
           </a:p>
         </p:txBody>
       </p:sp>
@@ -7204,7 +7212,7 @@
           <p:nvPr/>
         </p:nvPicPr>
         <p:blipFill>
-          <a:blip r:embed="rId7"/>
+          <a:blip r:embed="rId9"/>
           <a:stretch>
             <a:fillRect/>
           </a:stretch>
@@ -7274,10 +7282,6 @@
               </a:rPr>
               <a:t>The Mechanism of APY (robot-advisor)</a:t>
             </a:r>
-            <a:endParaRPr lang="en-US" sz="3200" b="1" dirty="0">
-              <a:latin typeface="Calibri" panose="020F0502020204030204" pitchFamily="34" charset="0"/>
-              <a:cs typeface="Calibri" panose="020F0502020204030204" pitchFamily="34" charset="0"/>
-            </a:endParaRPr>
           </a:p>
         </p:txBody>
       </p:sp>
@@ -7314,13 +7318,13 @@
         </p:style>
         <p:txBody>
           <a:bodyPr rtlCol="0" anchor="ctr"/>
+          <a:lstStyle/>
           <a:p>
             <a:pPr algn="ctr"/>
             <a:r>
               <a:rPr lang="en-US" altLang="zh-CN"/>
               <a:t>Stable Coins</a:t>
             </a:r>
-            <a:endParaRPr lang="en-US" altLang="zh-CN"/>
           </a:p>
         </p:txBody>
       </p:sp>
@@ -7357,13 +7361,13 @@
         </p:style>
         <p:txBody>
           <a:bodyPr rtlCol="0" anchor="ctr"/>
+          <a:lstStyle/>
           <a:p>
             <a:pPr algn="ctr"/>
             <a:r>
               <a:rPr lang="en-US" altLang="zh-CN"/>
               <a:t>Smart Contract</a:t>
             </a:r>
-            <a:endParaRPr lang="en-US" altLang="zh-CN"/>
           </a:p>
         </p:txBody>
       </p:sp>
@@ -7400,6 +7404,7 @@
         </p:style>
         <p:txBody>
           <a:bodyPr rtlCol="0" anchor="ctr"/>
+          <a:lstStyle/>
           <a:p>
             <a:pPr algn="ctr"/>
             <a:endParaRPr lang="zh-CN" altLang="en-US"/>
@@ -7462,12 +7467,12 @@
           <a:bodyPr wrap="square" rtlCol="0">
             <a:spAutoFit/>
           </a:bodyPr>
+          <a:lstStyle/>
           <a:p>
             <a:r>
               <a:rPr lang="en-US" altLang="zh-CN"/>
               <a:t>deposit</a:t>
             </a:r>
-            <a:endParaRPr lang="en-US" altLang="zh-CN"/>
           </a:p>
         </p:txBody>
       </p:sp>
@@ -7480,7 +7485,7 @@
           <p:nvPr/>
         </p:nvPicPr>
         <p:blipFill>
-          <a:blip r:embed="rId1"/>
+          <a:blip r:embed="rId2"/>
           <a:stretch>
             <a:fillRect/>
           </a:stretch>
@@ -7528,13 +7533,13 @@
         </p:style>
         <p:txBody>
           <a:bodyPr rtlCol="0" anchor="ctr"/>
+          <a:lstStyle/>
           <a:p>
             <a:pPr algn="ctr"/>
             <a:r>
               <a:rPr lang="en-US" altLang="zh-CN"/>
               <a:t>LP</a:t>
             </a:r>
-            <a:endParaRPr lang="en-US" altLang="zh-CN"/>
           </a:p>
           <a:p>
             <a:pPr algn="ctr"/>
@@ -7542,7 +7547,6 @@
               <a:rPr lang="en-US" altLang="zh-CN"/>
               <a:t>APT</a:t>
             </a:r>
-            <a:endParaRPr lang="en-US" altLang="zh-CN"/>
           </a:p>
         </p:txBody>
       </p:sp>
@@ -7579,13 +7583,13 @@
         </p:style>
         <p:txBody>
           <a:bodyPr rtlCol="0" anchor="ctr"/>
+          <a:lstStyle/>
           <a:p>
             <a:pPr algn="ctr"/>
             <a:r>
               <a:rPr lang="en-US" altLang="zh-CN"/>
               <a:t>APY</a:t>
             </a:r>
-            <a:endParaRPr lang="en-US" altLang="zh-CN"/>
           </a:p>
         </p:txBody>
       </p:sp>
@@ -7609,12 +7613,12 @@
           <a:bodyPr wrap="square" rtlCol="0">
             <a:spAutoFit/>
           </a:bodyPr>
-          <a:p>
-            <a:r>
-              <a:rPr lang="en-US" altLang="zh-CN"/>
-              <a:t>Obtian Receipt</a:t>
-            </a:r>
-            <a:endParaRPr lang="en-US" altLang="zh-CN"/>
+          <a:lstStyle/>
+          <a:p>
+            <a:r>
+              <a:rPr lang="en-US" altLang="zh-CN" dirty="0"/>
+              <a:t>Obtain Receipt</a:t>
+            </a:r>
           </a:p>
         </p:txBody>
       </p:sp>
@@ -7674,12 +7678,12 @@
           <a:bodyPr wrap="square" rtlCol="0">
             <a:spAutoFit/>
           </a:bodyPr>
+          <a:lstStyle/>
           <a:p>
             <a:r>
               <a:rPr lang="en-US" altLang="zh-CN"/>
               <a:t>auto mine</a:t>
             </a:r>
-            <a:endParaRPr lang="en-US" altLang="zh-CN"/>
           </a:p>
         </p:txBody>
       </p:sp>
@@ -7779,12 +7783,12 @@
           <a:bodyPr wrap="square" rtlCol="0">
             <a:spAutoFit/>
           </a:bodyPr>
+          <a:lstStyle/>
           <a:p>
             <a:r>
               <a:rPr lang="en-US" altLang="zh-CN"/>
               <a:t>RedeemReceipt</a:t>
             </a:r>
-            <a:endParaRPr lang="en-US" altLang="zh-CN"/>
           </a:p>
         </p:txBody>
       </p:sp>
@@ -7843,12 +7847,12 @@
           <a:bodyPr wrap="square" rtlCol="0">
             <a:spAutoFit/>
           </a:bodyPr>
+          <a:lstStyle/>
           <a:p>
             <a:r>
               <a:rPr lang="en-US" altLang="zh-CN"/>
               <a:t>The percentage of yield</a:t>
             </a:r>
-            <a:endParaRPr lang="en-US" altLang="zh-CN"/>
           </a:p>
         </p:txBody>
       </p:sp>
@@ -7942,6 +7946,7 @@
           <a:bodyPr>
             <a:normAutofit/>
           </a:bodyPr>
+          <a:lstStyle/>
           <a:p>
             <a:pPr defTabSz="342900">
               <a:lnSpc>
@@ -7957,12 +7962,6 @@
               </a:rPr>
               <a:t>Drawback: </a:t>
             </a:r>
-            <a:endParaRPr lang="en-US" altLang="en-US" sz="1800" dirty="0">
-              <a:solidFill>
-                <a:srgbClr val="262626"/>
-              </a:solidFill>
-              <a:sym typeface="+mn-ea"/>
-            </a:endParaRPr>
           </a:p>
           <a:p>
             <a:pPr defTabSz="342900">
@@ -7979,12 +7978,6 @@
               </a:rPr>
               <a:t>Increase the systematic risk</a:t>
             </a:r>
-            <a:endParaRPr lang="en-US" altLang="en-US" sz="1800" dirty="0">
-              <a:solidFill>
-                <a:srgbClr val="262626"/>
-              </a:solidFill>
-              <a:sym typeface="+mn-ea"/>
-            </a:endParaRPr>
           </a:p>
           <a:p>
             <a:pPr lvl="1" defTabSz="342900">
@@ -8001,12 +7994,6 @@
               </a:rPr>
               <a:t>if one platform has problem, the effect would be amplified</a:t>
             </a:r>
-            <a:endParaRPr lang="en-US" altLang="en-US" sz="1540" dirty="0">
-              <a:solidFill>
-                <a:srgbClr val="262626"/>
-              </a:solidFill>
-              <a:sym typeface="+mn-ea"/>
-            </a:endParaRPr>
           </a:p>
           <a:p>
             <a:pPr defTabSz="342900">
@@ -8036,12 +8023,6 @@
               </a:rPr>
               <a:t>Advantage:</a:t>
             </a:r>
-            <a:endParaRPr lang="en-US" altLang="en-US" sz="1800" dirty="0">
-              <a:solidFill>
-                <a:srgbClr val="262626"/>
-              </a:solidFill>
-              <a:sym typeface="+mn-ea"/>
-            </a:endParaRPr>
           </a:p>
           <a:p>
             <a:pPr defTabSz="342900">
@@ -8069,9 +8050,6 @@
               </a:rPr>
               <a:t>2. aggregator, one stop shop add more liqudity to the market</a:t>
             </a:r>
-            <a:endParaRPr lang="en-US" altLang="zh-CN" sz="1800">
-              <a:sym typeface="+mn-ea"/>
-            </a:endParaRPr>
           </a:p>
           <a:p>
             <a:pPr marL="0" indent="0" defTabSz="342900">
@@ -8198,13 +8176,13 @@
           </p:style>
           <p:txBody>
             <a:bodyPr rtlCol="0" anchor="ctr"/>
+            <a:lstStyle/>
             <a:p>
               <a:pPr algn="ctr"/>
               <a:r>
                 <a:rPr lang="en-US" altLang="zh-CN"/>
                 <a:t>ETH</a:t>
               </a:r>
-              <a:endParaRPr lang="en-US" altLang="zh-CN"/>
             </a:p>
           </p:txBody>
         </p:sp>
@@ -8241,13 +8219,13 @@
           </p:style>
           <p:txBody>
             <a:bodyPr rtlCol="0" anchor="ctr"/>
+            <a:lstStyle/>
             <a:p>
               <a:pPr algn="ctr"/>
               <a:r>
                 <a:rPr lang="en-US" altLang="zh-CN"/>
                 <a:t>ETH Pool</a:t>
               </a:r>
-              <a:endParaRPr lang="en-US" altLang="zh-CN"/>
             </a:p>
           </p:txBody>
         </p:sp>
@@ -8284,13 +8262,13 @@
           </p:style>
           <p:txBody>
             <a:bodyPr rtlCol="0" anchor="ctr"/>
+            <a:lstStyle/>
             <a:p>
               <a:pPr algn="ctr"/>
               <a:r>
                 <a:rPr lang="en-US" altLang="zh-CN"/>
                 <a:t>MKR Pool</a:t>
               </a:r>
-              <a:endParaRPr lang="en-US" altLang="zh-CN"/>
             </a:p>
           </p:txBody>
         </p:sp>
@@ -8327,13 +8305,13 @@
           </p:style>
           <p:txBody>
             <a:bodyPr rtlCol="0" anchor="ctr"/>
+            <a:lstStyle/>
             <a:p>
               <a:pPr algn="ctr"/>
               <a:r>
                 <a:rPr lang="en-US" altLang="zh-CN"/>
                 <a:t>COMPPool</a:t>
               </a:r>
-              <a:endParaRPr lang="en-US" altLang="zh-CN"/>
             </a:p>
           </p:txBody>
         </p:sp>
@@ -8370,13 +8348,13 @@
           </p:style>
           <p:txBody>
             <a:bodyPr rtlCol="0" anchor="ctr"/>
+            <a:lstStyle/>
             <a:p>
               <a:pPr algn="ctr"/>
               <a:r>
                 <a:rPr lang="en-US" altLang="zh-CN"/>
                 <a:t>YAM</a:t>
               </a:r>
-              <a:endParaRPr lang="en-US" altLang="zh-CN"/>
             </a:p>
           </p:txBody>
         </p:sp>
@@ -8543,12 +8521,12 @@
             <a:bodyPr wrap="square" rtlCol="0">
               <a:spAutoFit/>
             </a:bodyPr>
+            <a:lstStyle/>
             <a:p>
               <a:r>
                 <a:rPr lang="en-US" altLang="zh-CN"/>
                 <a:t>staking</a:t>
               </a:r>
-              <a:endParaRPr lang="en-US" altLang="zh-CN"/>
             </a:p>
           </p:txBody>
         </p:sp>
@@ -8621,13 +8599,13 @@
           </p:style>
           <p:txBody>
             <a:bodyPr rtlCol="0" anchor="ctr"/>
+            <a:lstStyle/>
             <a:p>
               <a:pPr algn="ctr"/>
               <a:r>
                 <a:rPr lang="en-US" altLang="zh-CN"/>
                 <a:t>YAM/ETH</a:t>
               </a:r>
-              <a:endParaRPr lang="en-US" altLang="zh-CN"/>
             </a:p>
           </p:txBody>
         </p:sp>
@@ -8651,12 +8629,12 @@
             <a:bodyPr wrap="square" rtlCol="0">
               <a:spAutoFit/>
             </a:bodyPr>
+            <a:lstStyle/>
             <a:p>
               <a:r>
                 <a:rPr lang="en-US" altLang="zh-CN"/>
                 <a:t>staking</a:t>
               </a:r>
-              <a:endParaRPr lang="en-US" altLang="zh-CN"/>
             </a:p>
           </p:txBody>
         </p:sp>
@@ -8716,12 +8694,12 @@
             <a:bodyPr wrap="square" rtlCol="0">
               <a:spAutoFit/>
             </a:bodyPr>
+            <a:lstStyle/>
             <a:p>
               <a:r>
                 <a:rPr lang="en-US" altLang="zh-CN"/>
                 <a:t>X1 yield</a:t>
               </a:r>
-              <a:endParaRPr lang="en-US" altLang="zh-CN"/>
             </a:p>
           </p:txBody>
         </p:sp>
@@ -8756,13 +8734,13 @@
           </p:style>
           <p:txBody>
             <a:bodyPr rtlCol="0" anchor="ctr"/>
+            <a:lstStyle/>
             <a:p>
               <a:pPr algn="ctr"/>
               <a:r>
                 <a:rPr lang="en-US" altLang="zh-CN"/>
                 <a:t>UNIV2 Yam</a:t>
               </a:r>
-              <a:endParaRPr lang="en-US" altLang="zh-CN"/>
             </a:p>
             <a:p>
               <a:pPr algn="ctr"/>
@@ -8770,7 +8748,6 @@
                 <a:rPr lang="en-US" altLang="zh-CN"/>
                 <a:t>Pool</a:t>
               </a:r>
-              <a:endParaRPr lang="en-US" altLang="zh-CN"/>
             </a:p>
           </p:txBody>
         </p:sp>
@@ -8794,12 +8771,12 @@
             <a:bodyPr wrap="square" rtlCol="0">
               <a:spAutoFit/>
             </a:bodyPr>
+            <a:lstStyle/>
             <a:p>
               <a:r>
                 <a:rPr lang="en-US" altLang="zh-CN"/>
                 <a:t>X5 yield</a:t>
               </a:r>
-              <a:endParaRPr lang="en-US" altLang="zh-CN"/>
             </a:p>
           </p:txBody>
         </p:sp>
@@ -8836,6 +8813,7 @@
           </p:style>
           <p:txBody>
             <a:bodyPr rtlCol="0" anchor="ctr"/>
+            <a:lstStyle/>
             <a:p>
               <a:pPr algn="ctr"/>
               <a:r>
@@ -8939,6 +8917,7 @@
           <a:bodyPr>
             <a:normAutofit lnSpcReduction="10000"/>
           </a:bodyPr>
+          <a:lstStyle/>
           <a:p>
             <a:pPr defTabSz="342900">
               <a:lnSpc>
@@ -8952,6 +8931,22 @@
                 </a:solidFill>
               </a:rPr>
               <a:t>Heat up the market as it brings the Wealth Effect, and stimulates the token hoarders</a:t>
+            </a:r>
+          </a:p>
+          <a:p>
+            <a:pPr defTabSz="342900">
+              <a:lnSpc>
+                <a:spcPct val="120000"/>
+              </a:lnSpc>
+            </a:pPr>
+            <a:r>
+              <a:rPr lang="en-US" altLang="en-US" sz="1535" dirty="0">
+                <a:solidFill>
+                  <a:srgbClr val="262626"/>
+                </a:solidFill>
+                <a:sym typeface="+mn-ea"/>
+              </a:rPr>
+              <a:t>In the first place, Yam is worthless, What is the incentive to add liquidity in uniswap? </a:t>
             </a:r>
             <a:endParaRPr lang="en-US" altLang="en-US" sz="1540" dirty="0">
               <a:solidFill>
@@ -8966,56 +8961,30 @@
               </a:lnSpc>
             </a:pPr>
             <a:r>
+              <a:rPr lang="en-US" altLang="en-US" sz="1540" dirty="0">
+                <a:solidFill>
+                  <a:srgbClr val="262626"/>
+                </a:solidFill>
+              </a:rPr>
+              <a:t>More new participants joining the game than </a:t>
+            </a:r>
+            <a:r>
               <a:rPr lang="en-US" altLang="en-US" sz="1535" dirty="0">
                 <a:solidFill>
                   <a:srgbClr val="262626"/>
                 </a:solidFill>
                 <a:sym typeface="+mn-ea"/>
               </a:rPr>
-              <a:t>In the first place, Yam is worthless, What is the incentive to add liquidity in uniswap? </a:t>
-            </a:r>
-            <a:endParaRPr lang="en-US" altLang="en-US" sz="1540" dirty="0">
-              <a:solidFill>
-                <a:srgbClr val="262626"/>
-              </a:solidFill>
-            </a:endParaRPr>
-          </a:p>
-          <a:p>
-            <a:pPr defTabSz="342900">
-              <a:lnSpc>
-                <a:spcPct val="120000"/>
-              </a:lnSpc>
-            </a:pPr>
+              <a:t>leaving game</a:t>
+            </a:r>
             <a:r>
               <a:rPr lang="en-US" altLang="en-US" sz="1540" dirty="0">
                 <a:solidFill>
                   <a:srgbClr val="262626"/>
                 </a:solidFill>
               </a:rPr>
-              <a:t>More new participants joining the game than </a:t>
-            </a:r>
-            <a:r>
-              <a:rPr lang="en-US" altLang="en-US" sz="1535" dirty="0">
-                <a:solidFill>
-                  <a:srgbClr val="262626"/>
-                </a:solidFill>
-                <a:sym typeface="+mn-ea"/>
-              </a:rPr>
-              <a:t>leaving game</a:t>
-            </a:r>
-            <a:r>
-              <a:rPr lang="en-US" altLang="en-US" sz="1540" dirty="0">
-                <a:solidFill>
-                  <a:srgbClr val="262626"/>
-                </a:solidFill>
-              </a:rPr>
               <a:t> -&gt; price increase -&gt; more participants until market depth poor -&gt; price decrease -&gt; market collapse</a:t>
             </a:r>
-            <a:endParaRPr lang="en-US" altLang="en-US" sz="1540" dirty="0">
-              <a:solidFill>
-                <a:srgbClr val="262626"/>
-              </a:solidFill>
-            </a:endParaRPr>
           </a:p>
           <a:p>
             <a:pPr defTabSz="342900">
@@ -9114,6 +9083,7 @@
           <a:bodyPr>
             <a:normAutofit/>
           </a:bodyPr>
+          <a:lstStyle/>
           <a:p>
             <a:pPr defTabSz="342900">
               <a:lnSpc>
@@ -9129,12 +9099,6 @@
               </a:rPr>
               <a:t>Drawback: </a:t>
             </a:r>
-            <a:endParaRPr lang="en-US" altLang="en-US" sz="1800" dirty="0">
-              <a:solidFill>
-                <a:srgbClr val="262626"/>
-              </a:solidFill>
-              <a:sym typeface="+mn-ea"/>
-            </a:endParaRPr>
           </a:p>
           <a:p>
             <a:pPr defTabSz="342900">
@@ -9151,12 +9115,6 @@
               </a:rPr>
               <a:t>“Ponzi scheme”</a:t>
             </a:r>
-            <a:endParaRPr lang="en-US" altLang="en-US" sz="1800" dirty="0">
-              <a:solidFill>
-                <a:srgbClr val="262626"/>
-              </a:solidFill>
-              <a:sym typeface="+mn-ea"/>
-            </a:endParaRPr>
           </a:p>
           <a:p>
             <a:pPr defTabSz="342900">
@@ -9186,12 +9144,6 @@
               </a:rPr>
               <a:t>Incentives:</a:t>
             </a:r>
-            <a:endParaRPr lang="en-US" altLang="en-US" sz="1800" dirty="0">
-              <a:solidFill>
-                <a:srgbClr val="262626"/>
-              </a:solidFill>
-              <a:sym typeface="+mn-ea"/>
-            </a:endParaRPr>
           </a:p>
           <a:p>
             <a:pPr defTabSz="342900">
@@ -9215,16 +9167,7 @@
                 </a:solidFill>
                 <a:sym typeface="+mn-ea"/>
               </a:rPr>
-              <a:t> token </a:t>
-            </a:r>
-            <a:r>
-              <a:rPr lang="en-US" altLang="en-US" sz="1800" dirty="0">
-                <a:solidFill>
-                  <a:srgbClr val="FF0000"/>
-                </a:solidFill>
-                <a:sym typeface="+mn-ea"/>
-              </a:rPr>
-              <a:t>hoarders</a:t>
+              <a:t> token hoarders</a:t>
             </a:r>
             <a:r>
               <a:rPr lang="en-US" altLang="en-US" sz="1800" dirty="0">
@@ -9352,7 +9295,7 @@
           <p:nvPr/>
         </p:nvPicPr>
         <p:blipFill>
-          <a:blip r:embed="rId1"/>
+          <a:blip r:embed="rId2"/>
           <a:stretch>
             <a:fillRect/>
           </a:stretch>
@@ -9414,13 +9357,13 @@
           </p:style>
           <p:txBody>
             <a:bodyPr rtlCol="0" anchor="ctr"/>
+            <a:lstStyle/>
             <a:p>
               <a:pPr algn="ctr"/>
               <a:r>
                 <a:rPr lang="en-US" altLang="zh-CN"/>
                 <a:t>Deposite</a:t>
               </a:r>
-              <a:endParaRPr lang="en-US" altLang="zh-CN"/>
             </a:p>
             <a:p>
               <a:pPr algn="ctr"/>
@@ -9428,7 +9371,6 @@
                 <a:rPr lang="en-US" altLang="zh-CN"/>
                 <a:t>ETH</a:t>
               </a:r>
-              <a:endParaRPr lang="en-US" altLang="zh-CN"/>
             </a:p>
           </p:txBody>
         </p:sp>
@@ -9500,13 +9442,13 @@
           </p:style>
           <p:txBody>
             <a:bodyPr rtlCol="0" anchor="ctr"/>
+            <a:lstStyle/>
             <a:p>
               <a:pPr algn="ctr"/>
               <a:r>
                 <a:rPr lang="en-US" altLang="zh-CN"/>
                 <a:t>Capital</a:t>
               </a:r>
-              <a:endParaRPr lang="en-US" altLang="zh-CN"/>
             </a:p>
             <a:p>
               <a:pPr algn="ctr"/>
@@ -9514,7 +9456,6 @@
                 <a:rPr lang="en-US" altLang="zh-CN"/>
                 <a:t>Pool</a:t>
               </a:r>
-              <a:endParaRPr lang="en-US" altLang="zh-CN"/>
             </a:p>
           </p:txBody>
         </p:sp>
@@ -9551,13 +9492,13 @@
           </p:style>
           <p:txBody>
             <a:bodyPr rtlCol="0" anchor="ctr"/>
+            <a:lstStyle/>
             <a:p>
               <a:pPr algn="ctr"/>
               <a:r>
                 <a:rPr lang="en-US" altLang="zh-CN"/>
                 <a:t>NXM</a:t>
               </a:r>
-              <a:endParaRPr lang="en-US" altLang="zh-CN"/>
             </a:p>
           </p:txBody>
         </p:sp>
@@ -9652,12 +9593,12 @@
             <a:bodyPr wrap="square" rtlCol="0">
               <a:spAutoFit/>
             </a:bodyPr>
+            <a:lstStyle/>
             <a:p>
               <a:r>
                 <a:rPr lang="en-US" altLang="zh-CN"/>
                 <a:t>Insurance Profit</a:t>
               </a:r>
-              <a:endParaRPr lang="en-US" altLang="zh-CN"/>
             </a:p>
           </p:txBody>
         </p:sp>
@@ -9682,6 +9623,7 @@
           <a:bodyPr>
             <a:normAutofit lnSpcReduction="10000"/>
           </a:bodyPr>
+          <a:lstStyle/>
           <a:p>
             <a:pPr defTabSz="342900">
               <a:lnSpc>
@@ -9696,11 +9638,6 @@
               </a:rPr>
               <a:t>Hard to find conterparties</a:t>
             </a:r>
-            <a:endParaRPr lang="en-US" altLang="en-US" sz="1540" dirty="0">
-              <a:solidFill>
-                <a:srgbClr val="262626"/>
-              </a:solidFill>
-            </a:endParaRPr>
           </a:p>
           <a:p>
             <a:pPr defTabSz="342900">
@@ -9810,6 +9747,7 @@
           <a:bodyPr>
             <a:normAutofit/>
           </a:bodyPr>
+          <a:lstStyle/>
           <a:p>
             <a:pPr defTabSz="342900">
               <a:lnSpc>
@@ -9825,12 +9763,6 @@
               </a:rPr>
               <a:t>Catiple provision, Governance, Risk Assessment, and Claim assessment are all decentralized.</a:t>
             </a:r>
-            <a:endParaRPr lang="en-US" altLang="en-US" sz="1800" dirty="0">
-              <a:solidFill>
-                <a:srgbClr val="262626"/>
-              </a:solidFill>
-              <a:sym typeface="+mn-ea"/>
-            </a:endParaRPr>
           </a:p>
           <a:p>
             <a:pPr defTabSz="342900">
@@ -9845,23 +9777,8 @@
                 </a:solidFill>
                 <a:sym typeface="+mn-ea"/>
               </a:rPr>
-              <a:t>Smart Contract Cover, crypto wallet cover, as well as more standard products, like earthquake cover</a:t>
-            </a:r>
-            <a:r>
-              <a:rPr lang="en-US" altLang="en-US" sz="1800" dirty="0">
-                <a:solidFill>
-                  <a:srgbClr val="262626"/>
-                </a:solidFill>
-                <a:sym typeface="+mn-ea"/>
-              </a:rPr>
-              <a:t>, in essence, p2p insurance would be very easy to become gambling, taking their bets. why?</a:t>
-            </a:r>
-            <a:endParaRPr lang="en-US" altLang="en-US" sz="1800" dirty="0">
-              <a:solidFill>
-                <a:srgbClr val="262626"/>
-              </a:solidFill>
-              <a:sym typeface="+mn-ea"/>
-            </a:endParaRPr>
+              <a:t>Smart Contract Cover, crypto wallet cover, as well as more standard products, like earthquake cover, in essence, p2p insurance would be very easy to become gambling, taking their bets. why?</a:t>
+            </a:r>
           </a:p>
           <a:p>
             <a:pPr defTabSz="342900">
@@ -9971,14 +9888,14 @@
         <p:nvPicPr>
           <p:cNvPr id="5" name="内容占位符 4"/>
           <p:cNvPicPr>
-            <a:picLocks noChangeAspect="1"/>
+            <a:picLocks noGrp="1" noChangeAspect="1"/>
           </p:cNvPicPr>
           <p:nvPr>
             <p:ph idx="1"/>
           </p:nvPr>
         </p:nvPicPr>
         <p:blipFill>
-          <a:blip r:embed="rId1"/>
+          <a:blip r:embed="rId2"/>
           <a:stretch>
             <a:fillRect/>
           </a:stretch>
@@ -10193,12 +10110,6 @@
               </a:rPr>
               <a:t>this is gambling, why?</a:t>
             </a:r>
-            <a:endParaRPr lang="en-US" altLang="en-US" sz="1800" dirty="0">
-              <a:solidFill>
-                <a:srgbClr val="262626"/>
-              </a:solidFill>
-              <a:sym typeface="+mn-ea"/>
-            </a:endParaRPr>
           </a:p>
           <a:p>
             <a:pPr defTabSz="342900">
@@ -10213,8 +10124,15 @@
                 </a:solidFill>
                 <a:sym typeface="+mn-ea"/>
               </a:rPr>
-              <a:t>Deposit more than the s</a:t>
-            </a:r>
+              <a:t>Deposit more than the synthetic asset, like Apple.</a:t>
+            </a:r>
+          </a:p>
+          <a:p>
+            <a:pPr defTabSz="342900">
+              <a:lnSpc>
+                <a:spcPct val="120000"/>
+              </a:lnSpc>
+            </a:pPr>
             <a:r>
               <a:rPr lang="en-US" altLang="en-US" sz="1800" dirty="0">
                 <a:solidFill>
@@ -10222,45 +10140,8 @@
                 </a:solidFill>
                 <a:sym typeface="+mn-ea"/>
               </a:rPr>
-              <a:t>ynthetic </a:t>
-            </a:r>
-            <a:r>
-              <a:rPr lang="en-US" altLang="en-US" sz="1800" dirty="0">
-                <a:solidFill>
-                  <a:srgbClr val="262626"/>
-                </a:solidFill>
-                <a:sym typeface="+mn-ea"/>
-              </a:rPr>
-              <a:t>asset, like Apple.</a:t>
-            </a:r>
-            <a:endParaRPr lang="en-US" altLang="en-US" sz="1800" dirty="0">
-              <a:solidFill>
-                <a:srgbClr val="262626"/>
-              </a:solidFill>
-              <a:sym typeface="+mn-ea"/>
-            </a:endParaRPr>
-          </a:p>
-          <a:p>
-            <a:pPr defTabSz="342900">
-              <a:lnSpc>
-                <a:spcPct val="120000"/>
-              </a:lnSpc>
-            </a:pPr>
-            <a:r>
-              <a:rPr lang="en-US" altLang="en-US" sz="1800" dirty="0">
-                <a:solidFill>
-                  <a:srgbClr val="262626"/>
-                </a:solidFill>
-                <a:sym typeface="+mn-ea"/>
-              </a:rPr>
               <a:t>when the price hits the liquidation threshhold, the counterparty earn the difference, otherwise, the counterparty sell it out at a lower price, and the issuser earn the difference</a:t>
             </a:r>
-            <a:endParaRPr lang="en-US" altLang="en-US" sz="1800" dirty="0">
-              <a:solidFill>
-                <a:srgbClr val="262626"/>
-              </a:solidFill>
-              <a:sym typeface="+mn-ea"/>
-            </a:endParaRPr>
           </a:p>
           <a:p>
             <a:pPr marL="0" indent="0" defTabSz="342900">
@@ -10540,11 +10421,6 @@
               </a:rPr>
               <a:t>A healthy financial market:</a:t>
             </a:r>
-            <a:endParaRPr lang="en-US" altLang="zh-CN" sz="1800" dirty="0">
-              <a:solidFill>
-                <a:srgbClr val="262626"/>
-              </a:solidFill>
-            </a:endParaRPr>
           </a:p>
           <a:p>
             <a:pPr marL="0" indent="0" defTabSz="342900">
@@ -10574,11 +10450,6 @@
               </a:rPr>
               <a:t>4 type of players:</a:t>
             </a:r>
-            <a:endParaRPr lang="en-US" altLang="zh-CN" sz="1800" dirty="0">
-              <a:solidFill>
-                <a:srgbClr val="262626"/>
-              </a:solidFill>
-            </a:endParaRPr>
           </a:p>
           <a:p>
             <a:pPr marL="0" indent="0" defTabSz="342900">
@@ -10595,11 +10466,6 @@
               </a:rPr>
               <a:t>Business: hedage operational risk / Dividend</a:t>
             </a:r>
-            <a:endParaRPr lang="en-US" altLang="zh-CN" sz="1800" dirty="0">
-              <a:solidFill>
-                <a:srgbClr val="262626"/>
-              </a:solidFill>
-            </a:endParaRPr>
           </a:p>
           <a:p>
             <a:pPr marL="0" indent="0" defTabSz="342900">
@@ -10616,11 +10482,6 @@
               </a:rPr>
               <a:t>Investors: </a:t>
             </a:r>
-            <a:endParaRPr lang="en-US" altLang="zh-CN" sz="1800" dirty="0">
-              <a:solidFill>
-                <a:srgbClr val="262626"/>
-              </a:solidFill>
-            </a:endParaRPr>
           </a:p>
           <a:p>
             <a:pPr marL="0" indent="0" defTabSz="342900">
@@ -10658,11 +10519,6 @@
               </a:rPr>
               <a:t>Intermediaries: issuing</a:t>
             </a:r>
-            <a:endParaRPr lang="en-US" altLang="zh-CN" sz="1800" dirty="0">
-              <a:solidFill>
-                <a:srgbClr val="262626"/>
-              </a:solidFill>
-            </a:endParaRPr>
           </a:p>
           <a:p>
             <a:pPr marL="0" indent="0" defTabSz="342900">
@@ -10777,11 +10633,6 @@
               </a:rPr>
               <a:t>Opens up a way to attract more users</a:t>
             </a:r>
-            <a:endParaRPr lang="en-US" altLang="en-US" sz="1800" dirty="0">
-              <a:solidFill>
-                <a:srgbClr val="262626"/>
-              </a:solidFill>
-            </a:endParaRPr>
           </a:p>
           <a:p>
             <a:pPr defTabSz="342900">
@@ -10797,11 +10648,6 @@
               </a:rPr>
               <a:t>It makes all the transactions and desicions transparent</a:t>
             </a:r>
-            <a:endParaRPr lang="en-US" altLang="en-US" sz="1800" dirty="0">
-              <a:solidFill>
-                <a:srgbClr val="262626"/>
-              </a:solidFill>
-            </a:endParaRPr>
           </a:p>
           <a:p>
             <a:pPr defTabSz="342900">
@@ -10829,11 +10675,6 @@
               </a:rPr>
               <a:t>In turn:</a:t>
             </a:r>
-            <a:endParaRPr lang="en-US" altLang="en-US" sz="1800" dirty="0">
-              <a:solidFill>
-                <a:srgbClr val="262626"/>
-              </a:solidFill>
-            </a:endParaRPr>
           </a:p>
           <a:p>
             <a:pPr defTabSz="342900">
@@ -10861,11 +10702,6 @@
               </a:rPr>
               <a:t>brings more users</a:t>
             </a:r>
-            <a:endParaRPr lang="en-US" altLang="en-US" sz="1800" dirty="0">
-              <a:solidFill>
-                <a:srgbClr val="262626"/>
-              </a:solidFill>
-            </a:endParaRPr>
           </a:p>
           <a:p>
             <a:pPr defTabSz="342900">
@@ -10901,11 +10737,6 @@
               </a:rPr>
               <a:t> </a:t>
             </a:r>
-            <a:endParaRPr lang="en-US" altLang="en-US" sz="1540" dirty="0">
-              <a:solidFill>
-                <a:srgbClr val="262626"/>
-              </a:solidFill>
-            </a:endParaRPr>
           </a:p>
           <a:p>
             <a:pPr defTabSz="342900">
@@ -10921,11 +10752,6 @@
               </a:rPr>
               <a:t> Premise: if they are well regulated and operated by the professionals within some jurisdiction </a:t>
             </a:r>
-            <a:endParaRPr lang="en-US" altLang="en-US" sz="2000" b="1" dirty="0">
-              <a:solidFill>
-                <a:srgbClr val="262626"/>
-              </a:solidFill>
-            </a:endParaRPr>
           </a:p>
         </p:txBody>
       </p:sp>
@@ -11030,11 +10856,6 @@
               </a:rPr>
               <a:t>Trend one: Most of the DeFi projects have community based governance smart contracts to make decisions, why? easy to attract the user</a:t>
             </a:r>
-            <a:endParaRPr lang="en-US" altLang="en-US" sz="1800" dirty="0">
-              <a:solidFill>
-                <a:srgbClr val="262626"/>
-              </a:solidFill>
-            </a:endParaRPr>
           </a:p>
           <a:p>
             <a:pPr defTabSz="342900">
@@ -11078,11 +10899,6 @@
               </a:rPr>
               <a:t> together to solve shared problems. </a:t>
             </a:r>
-            <a:endParaRPr lang="en-US" altLang="zh-CN" sz="1800" dirty="0">
-              <a:solidFill>
-                <a:srgbClr val="262626"/>
-              </a:solidFill>
-            </a:endParaRPr>
           </a:p>
         </p:txBody>
       </p:sp>
@@ -11095,7 +10911,7 @@
           <p:nvPr/>
         </p:nvPicPr>
         <p:blipFill>
-          <a:blip r:embed="rId1"/>
+          <a:blip r:embed="rId2"/>
           <a:stretch>
             <a:fillRect/>
           </a:stretch>
@@ -11119,7 +10935,7 @@
           <p:nvPr/>
         </p:nvPicPr>
         <p:blipFill>
-          <a:blip r:embed="rId2"/>
+          <a:blip r:embed="rId3"/>
           <a:stretch>
             <a:fillRect/>
           </a:stretch>
@@ -11143,7 +10959,7 @@
           <p:nvPr/>
         </p:nvPicPr>
         <p:blipFill>
-          <a:blip r:embed="rId3"/>
+          <a:blip r:embed="rId4"/>
           <a:stretch>
             <a:fillRect/>
           </a:stretch>
@@ -11256,11 +11072,6 @@
               </a:rPr>
               <a:t>2016 -2018: most people think public chain is a universal solution</a:t>
             </a:r>
-            <a:endParaRPr lang="en-US" altLang="en-US" sz="1800" dirty="0">
-              <a:solidFill>
-                <a:srgbClr val="262626"/>
-              </a:solidFill>
-            </a:endParaRPr>
           </a:p>
         </p:txBody>
       </p:sp>
@@ -11273,7 +11084,7 @@
           <p:nvPr/>
         </p:nvPicPr>
         <p:blipFill>
-          <a:blip r:embed="rId1"/>
+          <a:blip r:embed="rId2"/>
           <a:stretch>
             <a:fillRect/>
           </a:stretch>
@@ -11389,11 +11200,6 @@
               </a:rPr>
               <a:t>Type 1:  Example Centralized ICO projects</a:t>
             </a:r>
-            <a:endParaRPr lang="en-US" altLang="zh-CN" sz="1800" dirty="0">
-              <a:solidFill>
-                <a:srgbClr val="262626"/>
-              </a:solidFill>
-            </a:endParaRPr>
           </a:p>
           <a:p>
             <a:pPr defTabSz="342900">
@@ -11421,11 +11227,6 @@
               </a:rPr>
               <a:t>Orgs = partners: </a:t>
             </a:r>
-            <a:endParaRPr lang="en-US" altLang="zh-CN" sz="1800" dirty="0">
-              <a:solidFill>
-                <a:srgbClr val="262626"/>
-              </a:solidFill>
-            </a:endParaRPr>
           </a:p>
           <a:p>
             <a:pPr defTabSz="342900">
@@ -11441,11 +11242,6 @@
               </a:rPr>
               <a:t>exchanges</a:t>
             </a:r>
-            <a:endParaRPr lang="en-US" altLang="zh-CN" sz="1800" dirty="0">
-              <a:solidFill>
-                <a:srgbClr val="262626"/>
-              </a:solidFill>
-            </a:endParaRPr>
           </a:p>
           <a:p>
             <a:pPr defTabSz="342900">
@@ -11461,11 +11257,6 @@
               </a:rPr>
               <a:t>media</a:t>
             </a:r>
-            <a:endParaRPr lang="en-US" altLang="zh-CN" sz="1800" dirty="0">
-              <a:solidFill>
-                <a:srgbClr val="262626"/>
-              </a:solidFill>
-            </a:endParaRPr>
           </a:p>
           <a:p>
             <a:pPr defTabSz="342900">
@@ -11481,11 +11272,6 @@
               </a:rPr>
               <a:t>sales channel </a:t>
             </a:r>
-            <a:endParaRPr lang="en-US" altLang="zh-CN" sz="1800" dirty="0">
-              <a:solidFill>
-                <a:srgbClr val="262626"/>
-              </a:solidFill>
-            </a:endParaRPr>
           </a:p>
           <a:p>
             <a:pPr defTabSz="342900">
@@ -11501,11 +11287,6 @@
               </a:rPr>
               <a:t>they take tokens</a:t>
             </a:r>
-            <a:endParaRPr lang="en-US" altLang="zh-CN" sz="1800" dirty="0">
-              <a:solidFill>
-                <a:srgbClr val="262626"/>
-              </a:solidFill>
-            </a:endParaRPr>
           </a:p>
           <a:p>
             <a:pPr defTabSz="342900">
@@ -11521,11 +11302,6 @@
               </a:rPr>
               <a:t>and they help you promote. </a:t>
             </a:r>
-            <a:endParaRPr lang="en-US" altLang="zh-CN" sz="1800" dirty="0">
-              <a:solidFill>
-                <a:srgbClr val="262626"/>
-              </a:solidFill>
-            </a:endParaRPr>
           </a:p>
           <a:p>
             <a:pPr defTabSz="342900">
@@ -11553,11 +11329,6 @@
               </a:rPr>
               <a:t>Your marketing fee get dramatically decreased, once they have consensus</a:t>
             </a:r>
-            <a:endParaRPr lang="en-US" altLang="zh-CN" sz="1800" dirty="0">
-              <a:solidFill>
-                <a:srgbClr val="262626"/>
-              </a:solidFill>
-            </a:endParaRPr>
           </a:p>
         </p:txBody>
       </p:sp>
@@ -11570,7 +11341,7 @@
           <p:nvPr/>
         </p:nvPicPr>
         <p:blipFill>
-          <a:blip r:embed="rId1"/>
+          <a:blip r:embed="rId2"/>
           <a:stretch>
             <a:fillRect/>
           </a:stretch>
@@ -11686,6 +11457,67 @@
               </a:rPr>
               <a:t>Type 2: Example Defi Project</a:t>
             </a:r>
+          </a:p>
+          <a:p>
+            <a:pPr defTabSz="342900">
+              <a:lnSpc>
+                <a:spcPct val="120000"/>
+              </a:lnSpc>
+            </a:pPr>
+            <a:r>
+              <a:rPr lang="en-US" altLang="zh-CN" sz="1800" dirty="0">
+                <a:solidFill>
+                  <a:srgbClr val="262626"/>
+                </a:solidFill>
+              </a:rPr>
+              <a:t>Governance smart contract</a:t>
+            </a:r>
+          </a:p>
+          <a:p>
+            <a:pPr defTabSz="342900">
+              <a:lnSpc>
+                <a:spcPct val="120000"/>
+              </a:lnSpc>
+            </a:pPr>
+            <a:r>
+              <a:rPr lang="en-US" altLang="zh-CN" sz="1800" dirty="0">
+                <a:solidFill>
+                  <a:srgbClr val="262626"/>
+                </a:solidFill>
+              </a:rPr>
+              <a:t>Defi smart contract platform</a:t>
+            </a:r>
+          </a:p>
+          <a:p>
+            <a:pPr defTabSz="342900">
+              <a:lnSpc>
+                <a:spcPct val="120000"/>
+              </a:lnSpc>
+            </a:pPr>
+            <a:r>
+              <a:rPr lang="en-US" altLang="zh-CN" sz="1800" dirty="0">
+                <a:solidFill>
+                  <a:srgbClr val="262626"/>
+                </a:solidFill>
+              </a:rPr>
+              <a:t>orgs = individuals / partners</a:t>
+            </a:r>
+          </a:p>
+          <a:p>
+            <a:pPr defTabSz="342900">
+              <a:lnSpc>
+                <a:spcPct val="120000"/>
+              </a:lnSpc>
+            </a:pPr>
+            <a:r>
+              <a:rPr lang="en-US" altLang="zh-CN" sz="1800" dirty="0">
+                <a:solidFill>
+                  <a:srgbClr val="262626"/>
+                </a:solidFill>
+                <a:sym typeface="+mn-ea"/>
+              </a:rPr>
+              <a:t>exchanges</a:t>
+            </a:r>
             <a:endParaRPr lang="en-US" altLang="zh-CN" sz="1800" dirty="0">
               <a:solidFill>
                 <a:srgbClr val="262626"/>
@@ -11703,8 +11535,9 @@
                 <a:solidFill>
                   <a:srgbClr val="262626"/>
                 </a:solidFill>
-              </a:rPr>
-              <a:t>Governance smart contract</a:t>
+                <a:sym typeface="+mn-ea"/>
+              </a:rPr>
+              <a:t>media</a:t>
             </a:r>
             <a:endParaRPr lang="en-US" altLang="zh-CN" sz="1800" dirty="0">
               <a:solidFill>
@@ -11723,8 +11556,9 @@
                 <a:solidFill>
                   <a:srgbClr val="262626"/>
                 </a:solidFill>
-              </a:rPr>
-              <a:t>Defi smart contract platform</a:t>
+                <a:sym typeface="+mn-ea"/>
+              </a:rPr>
+              <a:t>sales channel </a:t>
             </a:r>
             <a:endParaRPr lang="en-US" altLang="zh-CN" sz="1800" dirty="0">
               <a:solidFill>
@@ -11743,8 +11577,9 @@
                 <a:solidFill>
                   <a:srgbClr val="262626"/>
                 </a:solidFill>
-              </a:rPr>
-              <a:t>orgs = individuals / partners</a:t>
+                <a:sym typeface="+mn-ea"/>
+              </a:rPr>
+              <a:t>they take tokens</a:t>
             </a:r>
             <a:endParaRPr lang="en-US" altLang="zh-CN" sz="1800" dirty="0">
               <a:solidFill>
@@ -11765,98 +11600,8 @@
                 </a:solidFill>
                 <a:sym typeface="+mn-ea"/>
               </a:rPr>
-              <a:t>exchanges</a:t>
-            </a:r>
-            <a:endParaRPr lang="en-US" altLang="zh-CN" sz="1800" dirty="0">
-              <a:solidFill>
-                <a:srgbClr val="262626"/>
-              </a:solidFill>
-            </a:endParaRPr>
-          </a:p>
-          <a:p>
-            <a:pPr defTabSz="342900">
-              <a:lnSpc>
-                <a:spcPct val="120000"/>
-              </a:lnSpc>
-            </a:pPr>
-            <a:r>
-              <a:rPr lang="en-US" altLang="zh-CN" sz="1800" dirty="0">
-                <a:solidFill>
-                  <a:srgbClr val="262626"/>
-                </a:solidFill>
-                <a:sym typeface="+mn-ea"/>
-              </a:rPr>
-              <a:t>media</a:t>
-            </a:r>
-            <a:endParaRPr lang="en-US" altLang="zh-CN" sz="1800" dirty="0">
-              <a:solidFill>
-                <a:srgbClr val="262626"/>
-              </a:solidFill>
-            </a:endParaRPr>
-          </a:p>
-          <a:p>
-            <a:pPr defTabSz="342900">
-              <a:lnSpc>
-                <a:spcPct val="120000"/>
-              </a:lnSpc>
-            </a:pPr>
-            <a:r>
-              <a:rPr lang="en-US" altLang="zh-CN" sz="1800" dirty="0">
-                <a:solidFill>
-                  <a:srgbClr val="262626"/>
-                </a:solidFill>
-                <a:sym typeface="+mn-ea"/>
-              </a:rPr>
-              <a:t>sales channel </a:t>
-            </a:r>
-            <a:endParaRPr lang="en-US" altLang="zh-CN" sz="1800" dirty="0">
-              <a:solidFill>
-                <a:srgbClr val="262626"/>
-              </a:solidFill>
-            </a:endParaRPr>
-          </a:p>
-          <a:p>
-            <a:pPr defTabSz="342900">
-              <a:lnSpc>
-                <a:spcPct val="120000"/>
-              </a:lnSpc>
-            </a:pPr>
-            <a:r>
-              <a:rPr lang="en-US" altLang="zh-CN" sz="1800" dirty="0">
-                <a:solidFill>
-                  <a:srgbClr val="262626"/>
-                </a:solidFill>
-                <a:sym typeface="+mn-ea"/>
-              </a:rPr>
-              <a:t>they take tokens</a:t>
-            </a:r>
-            <a:endParaRPr lang="en-US" altLang="zh-CN" sz="1800" dirty="0">
-              <a:solidFill>
-                <a:srgbClr val="262626"/>
-              </a:solidFill>
-            </a:endParaRPr>
-          </a:p>
-          <a:p>
-            <a:pPr defTabSz="342900">
-              <a:lnSpc>
-                <a:spcPct val="120000"/>
-              </a:lnSpc>
-            </a:pPr>
-            <a:r>
-              <a:rPr lang="en-US" altLang="zh-CN" sz="1800" dirty="0">
-                <a:solidFill>
-                  <a:srgbClr val="262626"/>
-                </a:solidFill>
-                <a:sym typeface="+mn-ea"/>
-              </a:rPr>
               <a:t>and they help you promote. </a:t>
             </a:r>
-            <a:endParaRPr lang="en-US" altLang="zh-CN" sz="1800" dirty="0">
-              <a:solidFill>
-                <a:srgbClr val="262626"/>
-              </a:solidFill>
-              <a:sym typeface="+mn-ea"/>
-            </a:endParaRPr>
           </a:p>
           <a:p>
             <a:pPr defTabSz="342900">
@@ -11903,7 +11648,7 @@
           <p:nvPr/>
         </p:nvPicPr>
         <p:blipFill>
-          <a:blip r:embed="rId1"/>
+          <a:blip r:embed="rId2"/>
           <a:stretch>
             <a:fillRect/>
           </a:stretch>
@@ -12019,11 +11764,6 @@
               </a:rPr>
               <a:t>Type 3:</a:t>
             </a:r>
-            <a:endParaRPr lang="en-US" altLang="zh-CN" sz="1800" dirty="0">
-              <a:solidFill>
-                <a:srgbClr val="262626"/>
-              </a:solidFill>
-            </a:endParaRPr>
           </a:p>
           <a:p>
             <a:pPr defTabSz="342900">
@@ -12039,11 +11779,6 @@
               </a:rPr>
               <a:t>Example: </a:t>
             </a:r>
-            <a:endParaRPr lang="en-US" altLang="zh-CN" sz="1800" dirty="0">
-              <a:solidFill>
-                <a:srgbClr val="262626"/>
-              </a:solidFill>
-            </a:endParaRPr>
           </a:p>
           <a:p>
             <a:pPr defTabSz="342900">
@@ -12059,11 +11794,6 @@
               </a:rPr>
               <a:t>Governments / Big Corpration: </a:t>
             </a:r>
-            <a:endParaRPr lang="en-US" altLang="zh-CN" sz="1800" dirty="0">
-              <a:solidFill>
-                <a:srgbClr val="262626"/>
-              </a:solidFill>
-            </a:endParaRPr>
           </a:p>
           <a:p>
             <a:pPr defTabSz="342900">
@@ -12079,11 +11809,6 @@
               </a:rPr>
               <a:t>coordination between departments </a:t>
             </a:r>
-            <a:endParaRPr lang="en-US" altLang="zh-CN" sz="1800" dirty="0">
-              <a:solidFill>
-                <a:srgbClr val="262626"/>
-              </a:solidFill>
-            </a:endParaRPr>
           </a:p>
           <a:p>
             <a:pPr defTabSz="342900">
@@ -12099,11 +11824,6 @@
               </a:rPr>
               <a:t>Hyperledger Fabric</a:t>
             </a:r>
-            <a:endParaRPr lang="en-US" altLang="zh-CN" sz="1800" dirty="0">
-              <a:solidFill>
-                <a:srgbClr val="262626"/>
-              </a:solidFill>
-            </a:endParaRPr>
           </a:p>
         </p:txBody>
       </p:sp>
@@ -12116,7 +11836,7 @@
           <p:nvPr/>
         </p:nvPicPr>
         <p:blipFill>
-          <a:blip r:embed="rId1"/>
+          <a:blip r:embed="rId2"/>
           <a:stretch>
             <a:fillRect/>
           </a:stretch>
@@ -12232,11 +11952,6 @@
               </a:rPr>
               <a:t>Why?</a:t>
             </a:r>
-            <a:endParaRPr lang="en-US" altLang="en-US" sz="1800" dirty="0">
-              <a:solidFill>
-                <a:srgbClr val="262626"/>
-              </a:solidFill>
-            </a:endParaRPr>
           </a:p>
           <a:p>
             <a:pPr defTabSz="342900">
@@ -12264,11 +11979,6 @@
               </a:rPr>
               <a:t>1 more inter organizational collaboration and more efficient</a:t>
             </a:r>
-            <a:endParaRPr lang="en-US" altLang="en-US" sz="1800" dirty="0">
-              <a:solidFill>
-                <a:srgbClr val="262626"/>
-              </a:solidFill>
-            </a:endParaRPr>
           </a:p>
           <a:p>
             <a:pPr defTabSz="342900">
@@ -12296,11 +12006,6 @@
               </a:rPr>
               <a:t>2 involve more potiential clients to join the community and become the “owner” of a company</a:t>
             </a:r>
-            <a:endParaRPr lang="en-US" altLang="en-US" sz="1800" dirty="0">
-              <a:solidFill>
-                <a:srgbClr val="262626"/>
-              </a:solidFill>
-            </a:endParaRPr>
           </a:p>
           <a:p>
             <a:pPr lvl="1" defTabSz="342900">
@@ -12316,11 +12021,6 @@
               </a:rPr>
               <a:t>markting</a:t>
             </a:r>
-            <a:endParaRPr lang="en-US" altLang="en-US" sz="1540" dirty="0">
-              <a:solidFill>
-                <a:srgbClr val="262626"/>
-              </a:solidFill>
-            </a:endParaRPr>
           </a:p>
           <a:p>
             <a:pPr lvl="1" defTabSz="342900">
@@ -12336,11 +12036,6 @@
               </a:rPr>
               <a:t>client loyalty</a:t>
             </a:r>
-            <a:endParaRPr lang="en-US" altLang="en-US" sz="1540" dirty="0">
-              <a:solidFill>
-                <a:srgbClr val="262626"/>
-              </a:solidFill>
-            </a:endParaRPr>
           </a:p>
           <a:p>
             <a:pPr lvl="1" defTabSz="342900">
@@ -12370,11 +12065,6 @@
               </a:rPr>
               <a:t>Mainstream solutions:</a:t>
             </a:r>
-            <a:endParaRPr lang="en-US" altLang="en-US" sz="1800" dirty="0">
-              <a:solidFill>
-                <a:srgbClr val="262626"/>
-              </a:solidFill>
-            </a:endParaRPr>
           </a:p>
           <a:p>
             <a:pPr marL="685800" lvl="1" indent="-228600" defTabSz="342900">
@@ -12392,11 +12082,6 @@
               </a:rPr>
               <a:t>Hyperledge Fabric</a:t>
             </a:r>
-            <a:endParaRPr lang="en-US" altLang="en-US" sz="1540" dirty="0">
-              <a:solidFill>
-                <a:srgbClr val="262626"/>
-              </a:solidFill>
-            </a:endParaRPr>
           </a:p>
           <a:p>
             <a:pPr marL="685800" lvl="1" indent="-228600" defTabSz="342900">
@@ -12414,11 +12099,6 @@
               </a:rPr>
               <a:t>Ethereum </a:t>
             </a:r>
-            <a:endParaRPr lang="en-US" altLang="en-US" sz="1540" dirty="0">
-              <a:solidFill>
-                <a:srgbClr val="262626"/>
-              </a:solidFill>
-            </a:endParaRPr>
           </a:p>
           <a:p>
             <a:pPr marL="685800" lvl="1" indent="-228600" defTabSz="342900">
@@ -12436,11 +12116,6 @@
               </a:rPr>
               <a:t>R3 Corda</a:t>
             </a:r>
-            <a:endParaRPr lang="en-US" altLang="en-US" sz="1540" dirty="0">
-              <a:solidFill>
-                <a:srgbClr val="262626"/>
-              </a:solidFill>
-            </a:endParaRPr>
           </a:p>
         </p:txBody>
       </p:sp>
@@ -12545,11 +12220,6 @@
               </a:rPr>
               <a:t>Along with the blockchain demand increase, there will be a huge need for the crosschain solutions to connect different isolated chains</a:t>
             </a:r>
-            <a:endParaRPr lang="en-US" altLang="en-US" sz="1800" dirty="0">
-              <a:solidFill>
-                <a:srgbClr val="262626"/>
-              </a:solidFill>
-            </a:endParaRPr>
           </a:p>
           <a:p>
             <a:pPr defTabSz="342900">
@@ -12577,11 +12247,6 @@
               </a:rPr>
               <a:t>Solutions:</a:t>
             </a:r>
-            <a:endParaRPr lang="en-US" altLang="en-US" sz="1800" dirty="0">
-              <a:solidFill>
-                <a:srgbClr val="262626"/>
-              </a:solidFill>
-            </a:endParaRPr>
           </a:p>
           <a:p>
             <a:pPr defTabSz="342900">
@@ -12597,11 +12262,6 @@
               </a:rPr>
               <a:t>1 Messaging Relay</a:t>
             </a:r>
-            <a:endParaRPr lang="en-US" altLang="en-US" sz="1800" dirty="0">
-              <a:solidFill>
-                <a:srgbClr val="262626"/>
-              </a:solidFill>
-            </a:endParaRPr>
           </a:p>
           <a:p>
             <a:pPr defTabSz="342900">
@@ -12617,11 +12277,6 @@
               </a:rPr>
               <a:t>2 Atomic Swap</a:t>
             </a:r>
-            <a:endParaRPr lang="en-US" altLang="en-US" sz="1800" dirty="0">
-              <a:solidFill>
-                <a:srgbClr val="262626"/>
-              </a:solidFill>
-            </a:endParaRPr>
           </a:p>
           <a:p>
             <a:pPr defTabSz="342900">
@@ -12637,11 +12292,6 @@
               </a:rPr>
               <a:t>3 Centralized Gateway</a:t>
             </a:r>
-            <a:endParaRPr lang="en-US" altLang="en-US" sz="1800" dirty="0">
-              <a:solidFill>
-                <a:srgbClr val="262626"/>
-              </a:solidFill>
-            </a:endParaRPr>
           </a:p>
           <a:p>
             <a:pPr defTabSz="342900">
@@ -12732,7 +12382,7 @@
           <p:nvPr/>
         </p:nvPicPr>
         <p:blipFill>
-          <a:blip r:embed="rId1"/>
+          <a:blip r:embed="rId2"/>
           <a:stretch>
             <a:fillRect/>
           </a:stretch>
@@ -12822,7 +12472,7 @@
           <p:nvPr/>
         </p:nvPicPr>
         <p:blipFill>
-          <a:blip r:embed="rId1"/>
+          <a:blip r:embed="rId2"/>
           <a:stretch>
             <a:fillRect/>
           </a:stretch>
@@ -12936,6 +12586,7 @@
         </p:style>
         <p:txBody>
           <a:bodyPr rtlCol="0" anchor="ctr"/>
+          <a:lstStyle/>
           <a:p>
             <a:pPr algn="ctr"/>
             <a:endParaRPr lang="zh-CN" altLang="en-US"/>
@@ -12975,6 +12626,7 @@
         </p:style>
         <p:txBody>
           <a:bodyPr rtlCol="0" anchor="ctr"/>
+          <a:lstStyle/>
           <a:p>
             <a:pPr algn="ctr"/>
             <a:endParaRPr lang="zh-CN" altLang="en-US"/>
@@ -13012,13 +12664,13 @@
         </p:style>
         <p:txBody>
           <a:bodyPr rtlCol="0" anchor="ctr"/>
+          <a:lstStyle/>
           <a:p>
             <a:pPr algn="ctr"/>
             <a:r>
               <a:rPr lang="en-US" altLang="zh-CN"/>
               <a:t>Gateway</a:t>
             </a:r>
-            <a:endParaRPr lang="en-US" altLang="zh-CN"/>
           </a:p>
         </p:txBody>
       </p:sp>
@@ -13053,13 +12705,13 @@
         </p:style>
         <p:txBody>
           <a:bodyPr rtlCol="0" anchor="ctr"/>
+          <a:lstStyle/>
           <a:p>
             <a:pPr algn="ctr"/>
             <a:r>
               <a:rPr lang="en-US" altLang="zh-CN"/>
               <a:t>G</a:t>
             </a:r>
-            <a:endParaRPr lang="en-US" altLang="zh-CN"/>
           </a:p>
         </p:txBody>
       </p:sp>
@@ -13094,13 +12746,13 @@
         </p:style>
         <p:txBody>
           <a:bodyPr rtlCol="0" anchor="ctr"/>
+          <a:lstStyle/>
           <a:p>
             <a:pPr algn="ctr"/>
             <a:r>
               <a:rPr lang="en-US" altLang="zh-CN"/>
               <a:t>A</a:t>
             </a:r>
-            <a:endParaRPr lang="en-US" altLang="zh-CN"/>
           </a:p>
         </p:txBody>
       </p:sp>
@@ -13135,13 +12787,13 @@
         </p:style>
         <p:txBody>
           <a:bodyPr rtlCol="0" anchor="ctr"/>
+          <a:lstStyle/>
           <a:p>
             <a:pPr algn="ctr"/>
             <a:r>
               <a:rPr lang="en-US" altLang="zh-CN"/>
               <a:t>A</a:t>
             </a:r>
-            <a:endParaRPr lang="en-US" altLang="zh-CN"/>
           </a:p>
         </p:txBody>
       </p:sp>
@@ -13176,13 +12828,13 @@
         </p:style>
         <p:txBody>
           <a:bodyPr rtlCol="0" anchor="ctr"/>
+          <a:lstStyle/>
           <a:p>
             <a:pPr algn="ctr"/>
             <a:r>
               <a:rPr lang="en-US" altLang="zh-CN"/>
               <a:t>G</a:t>
             </a:r>
-            <a:endParaRPr lang="en-US" altLang="zh-CN"/>
           </a:p>
         </p:txBody>
       </p:sp>
@@ -13435,11 +13087,6 @@
               </a:rPr>
               <a:t>Difference: </a:t>
             </a:r>
-            <a:endParaRPr lang="en-US" altLang="en-US" sz="1800" dirty="0">
-              <a:solidFill>
-                <a:srgbClr val="262626"/>
-              </a:solidFill>
-            </a:endParaRPr>
           </a:p>
           <a:p>
             <a:pPr defTabSz="342900">
@@ -13467,11 +13114,6 @@
               </a:rPr>
               <a:t>Messaging Relay: the token is a proxy</a:t>
             </a:r>
-            <a:endParaRPr lang="en-US" altLang="en-US" sz="1800" dirty="0">
-              <a:solidFill>
-                <a:srgbClr val="262626"/>
-              </a:solidFill>
-            </a:endParaRPr>
           </a:p>
           <a:p>
             <a:pPr defTabSz="342900">
@@ -13487,11 +13129,6 @@
               </a:rPr>
               <a:t>Atomic : the token is authentic</a:t>
             </a:r>
-            <a:endParaRPr lang="en-US" altLang="en-US" sz="1800" dirty="0">
-              <a:solidFill>
-                <a:srgbClr val="262626"/>
-              </a:solidFill>
-            </a:endParaRPr>
           </a:p>
           <a:p>
             <a:pPr defTabSz="342900">
@@ -13507,11 +13144,6 @@
               </a:rPr>
               <a:t>Gateway: centralized program</a:t>
             </a:r>
-            <a:endParaRPr lang="en-US" altLang="en-US" sz="1800" dirty="0">
-              <a:solidFill>
-                <a:srgbClr val="262626"/>
-              </a:solidFill>
-            </a:endParaRPr>
           </a:p>
         </p:txBody>
       </p:sp>
@@ -13584,7 +13216,9 @@
       <p:sp>
         <p:nvSpPr>
           <p:cNvPr id="6" name="内容占位符 5"/>
-          <p:cNvSpPr/>
+          <p:cNvSpPr>
+            <a:spLocks noGrp="1"/>
+          </p:cNvSpPr>
           <p:nvPr>
             <p:ph idx="1"/>
           </p:nvPr>
@@ -13592,6 +13226,7 @@
         <p:spPr/>
         <p:txBody>
           <a:bodyPr/>
+          <a:lstStyle/>
           <a:p>
             <a:endParaRPr lang="zh-CN" altLang="en-US"/>
           </a:p>
@@ -13606,7 +13241,7 @@
           <p:nvPr/>
         </p:nvPicPr>
         <p:blipFill>
-          <a:blip r:embed="rId1"/>
+          <a:blip r:embed="rId2"/>
           <a:stretch>
             <a:fillRect/>
           </a:stretch>
@@ -13719,11 +13354,6 @@
               </a:rPr>
               <a:t>As results:</a:t>
             </a:r>
-            <a:endParaRPr lang="en-US" altLang="en-US" sz="1800" dirty="0">
-              <a:solidFill>
-                <a:srgbClr val="262626"/>
-              </a:solidFill>
-            </a:endParaRPr>
           </a:p>
           <a:p>
             <a:pPr defTabSz="342900">
@@ -13739,11 +13369,6 @@
               </a:rPr>
               <a:t>1. huge amount of captitals were invested into the public chain projects</a:t>
             </a:r>
-            <a:endParaRPr lang="en-US" altLang="en-US" sz="1800" dirty="0">
-              <a:solidFill>
-                <a:srgbClr val="262626"/>
-              </a:solidFill>
-            </a:endParaRPr>
           </a:p>
           <a:p>
             <a:pPr defTabSz="342900">
@@ -13759,11 +13384,6 @@
               </a:rPr>
               <a:t>2. it still cannot solve blockchain impossible triangle problem</a:t>
             </a:r>
-            <a:endParaRPr lang="en-US" altLang="en-US" sz="1800" dirty="0">
-              <a:solidFill>
-                <a:srgbClr val="262626"/>
-              </a:solidFill>
-            </a:endParaRPr>
           </a:p>
           <a:p>
             <a:pPr defTabSz="342900">
@@ -13779,11 +13399,6 @@
               </a:rPr>
               <a:t>( A blockchain system cannot simultaneously combine decentralization, scalability and security)</a:t>
             </a:r>
-            <a:endParaRPr lang="en-US" altLang="en-US" sz="1800" dirty="0">
-              <a:solidFill>
-                <a:srgbClr val="262626"/>
-              </a:solidFill>
-            </a:endParaRPr>
           </a:p>
           <a:p>
             <a:pPr defTabSz="342900">
@@ -13811,11 +13426,6 @@
               </a:rPr>
               <a:t>then looking for a tradeoff between </a:t>
             </a:r>
-            <a:endParaRPr lang="en-US" altLang="en-US" sz="1800" dirty="0">
-              <a:solidFill>
-                <a:srgbClr val="262626"/>
-              </a:solidFill>
-            </a:endParaRPr>
           </a:p>
           <a:p>
             <a:pPr marL="0" indent="0" defTabSz="342900">
@@ -13832,11 +13442,6 @@
               </a:rPr>
               <a:t>Decentraliztion and Scalability</a:t>
             </a:r>
-            <a:endParaRPr lang="en-US" altLang="en-US" sz="1800" dirty="0">
-              <a:solidFill>
-                <a:srgbClr val="262626"/>
-              </a:solidFill>
-            </a:endParaRPr>
           </a:p>
           <a:p>
             <a:pPr marL="0" indent="0" defTabSz="342900">
@@ -13862,7 +13467,7 @@
           <p:nvPr/>
         </p:nvPicPr>
         <p:blipFill>
-          <a:blip r:embed="rId1"/>
+          <a:blip r:embed="rId2"/>
           <a:stretch>
             <a:fillRect/>
           </a:stretch>
@@ -13992,7 +13597,7 @@
           <p:nvPr/>
         </p:nvPicPr>
         <p:blipFill>
-          <a:blip r:embed="rId1"/>
+          <a:blip r:embed="rId2"/>
           <a:stretch>
             <a:fillRect/>
           </a:stretch>
@@ -14107,11 +13712,6 @@
               </a:rPr>
               <a:t>1. Each chain is only designed for one business logic / business</a:t>
             </a:r>
-            <a:endParaRPr lang="en-US" altLang="en-US" sz="1800" dirty="0">
-              <a:solidFill>
-                <a:srgbClr val="262626"/>
-              </a:solidFill>
-            </a:endParaRPr>
           </a:p>
           <a:p>
             <a:pPr marL="228600" lvl="0" indent="-228600" defTabSz="342900">
@@ -14129,11 +13729,6 @@
               </a:rPr>
               <a:t>2. Naturally, limit the number of validators</a:t>
             </a:r>
-            <a:endParaRPr lang="en-US" altLang="en-US" sz="1800" dirty="0">
-              <a:solidFill>
-                <a:srgbClr val="262626"/>
-              </a:solidFill>
-            </a:endParaRPr>
           </a:p>
           <a:p>
             <a:pPr marL="228600" lvl="0" indent="-228600" defTabSz="342900">
@@ -14151,11 +13746,6 @@
               </a:rPr>
               <a:t>3. As a result, the chain gets more centralized</a:t>
             </a:r>
-            <a:endParaRPr lang="en-US" altLang="en-US" sz="1800" dirty="0">
-              <a:solidFill>
-                <a:srgbClr val="262626"/>
-              </a:solidFill>
-            </a:endParaRPr>
           </a:p>
           <a:p>
             <a:pPr marL="228600" lvl="0" indent="-228600" defTabSz="342900">
@@ -14187,11 +13777,6 @@
               </a:rPr>
               <a:t>It sacrifices decentraliztion and makes the chain faster and the ecosystem more scalable</a:t>
             </a:r>
-            <a:endParaRPr lang="en-US" altLang="en-US" sz="1800" dirty="0">
-              <a:solidFill>
-                <a:srgbClr val="262626"/>
-              </a:solidFill>
-            </a:endParaRPr>
           </a:p>
           <a:p>
             <a:pPr marL="0" lvl="1" indent="-228600" defTabSz="342900">
@@ -14345,11 +13930,6 @@
               </a:rPr>
               <a:t>DeFi frameworks are getting mature</a:t>
             </a:r>
-            <a:endParaRPr lang="en-US" altLang="en-US" sz="1800" dirty="0">
-              <a:solidFill>
-                <a:srgbClr val="262626"/>
-              </a:solidFill>
-            </a:endParaRPr>
           </a:p>
           <a:p>
             <a:pPr defTabSz="342900">
@@ -14377,11 +13957,6 @@
               </a:rPr>
               <a:t>Governance is critical</a:t>
             </a:r>
-            <a:endParaRPr lang="en-US" altLang="en-US" sz="1800" dirty="0">
-              <a:solidFill>
-                <a:srgbClr val="262626"/>
-              </a:solidFill>
-            </a:endParaRPr>
           </a:p>
           <a:p>
             <a:pPr defTabSz="342900">
@@ -14409,11 +13984,6 @@
               </a:rPr>
               <a:t> Private (permissioned) blockchains will dominate</a:t>
             </a:r>
-            <a:endParaRPr lang="en-US" altLang="en-US" sz="1800" dirty="0">
-              <a:solidFill>
-                <a:srgbClr val="262626"/>
-              </a:solidFill>
-            </a:endParaRPr>
           </a:p>
           <a:p>
             <a:pPr marL="228600" lvl="0" indent="-228600" defTabSz="342900">
@@ -14445,11 +14015,6 @@
               </a:rPr>
               <a:t>Adaption of cross-chain solutions</a:t>
             </a:r>
-            <a:endParaRPr lang="en-US" altLang="en-US" sz="1800" dirty="0">
-              <a:solidFill>
-                <a:srgbClr val="262626"/>
-              </a:solidFill>
-            </a:endParaRPr>
           </a:p>
           <a:p>
             <a:pPr marL="228600" lvl="0" indent="-228600" defTabSz="342900">
@@ -14481,11 +14046,6 @@
               </a:rPr>
               <a:t>Sharding</a:t>
             </a:r>
-            <a:endParaRPr lang="en-US" altLang="en-US" sz="1800" dirty="0">
-              <a:solidFill>
-                <a:srgbClr val="262626"/>
-              </a:solidFill>
-            </a:endParaRPr>
           </a:p>
         </p:txBody>
       </p:sp>
@@ -14603,11 +14163,6 @@
               </a:rPr>
               <a:t> on Sep. 15, 2020</a:t>
             </a:r>
-            <a:endParaRPr lang="en-US" altLang="en-US" sz="1800" b="1" i="1" dirty="0">
-              <a:solidFill>
-                <a:srgbClr val="262626"/>
-              </a:solidFill>
-            </a:endParaRPr>
           </a:p>
           <a:p>
             <a:pPr defTabSz="342900">
@@ -14635,11 +14190,6 @@
               </a:rPr>
               <a:t>Why is Defi important? The frameworks are getting mature, after the the real assets being mapped to the chain, lots of new business models will emerge, lots of new job opportunities.</a:t>
             </a:r>
-            <a:endParaRPr lang="en-US" altLang="en-US" sz="1800" b="1" i="1" dirty="0">
-              <a:solidFill>
-                <a:srgbClr val="262626"/>
-              </a:solidFill>
-            </a:endParaRPr>
           </a:p>
           <a:p>
             <a:pPr defTabSz="342900">
@@ -14667,11 +14217,6 @@
               </a:rPr>
               <a:t>Type of Defi:</a:t>
             </a:r>
-            <a:endParaRPr lang="en-US" altLang="en-US" sz="1800" dirty="0">
-              <a:solidFill>
-                <a:srgbClr val="262626"/>
-              </a:solidFill>
-            </a:endParaRPr>
           </a:p>
           <a:p>
             <a:pPr lvl="1" defTabSz="342900">
@@ -14687,11 +14232,6 @@
               </a:rPr>
               <a:t>Yield Farming (e.g, Yam, APY Finance)</a:t>
             </a:r>
-            <a:endParaRPr lang="en-US" altLang="en-US" sz="1540" dirty="0">
-              <a:solidFill>
-                <a:srgbClr val="262626"/>
-              </a:solidFill>
-            </a:endParaRPr>
           </a:p>
           <a:p>
             <a:pPr lvl="1" defTabSz="342900">
@@ -14707,11 +14247,6 @@
               </a:rPr>
               <a:t>Insurance (e.g, Nexus Mutual) </a:t>
             </a:r>
-            <a:endParaRPr lang="en-US" altLang="en-US" sz="1540" dirty="0">
-              <a:solidFill>
-                <a:srgbClr val="262626"/>
-              </a:solidFill>
-            </a:endParaRPr>
           </a:p>
           <a:p>
             <a:pPr lvl="1" defTabSz="342900">
@@ -14727,11 +14262,6 @@
               </a:rPr>
               <a:t>Predictions Market (e.g., Augur and others)</a:t>
             </a:r>
-            <a:endParaRPr lang="en-US" altLang="en-US" sz="1540" dirty="0">
-              <a:solidFill>
-                <a:srgbClr val="262626"/>
-              </a:solidFill>
-            </a:endParaRPr>
           </a:p>
           <a:p>
             <a:pPr lvl="1" defTabSz="342900">
@@ -14747,11 +14277,6 @@
               </a:rPr>
               <a:t>Decentralized leverage trading (e.g., dYdX)</a:t>
             </a:r>
-            <a:endParaRPr lang="en-US" altLang="en-US" sz="1540" dirty="0">
-              <a:solidFill>
-                <a:srgbClr val="262626"/>
-              </a:solidFill>
-            </a:endParaRPr>
           </a:p>
           <a:p>
             <a:pPr lvl="1" defTabSz="342900">
@@ -14767,11 +14292,6 @@
               </a:rPr>
               <a:t>Lending Protocols  (e.g.,  Compound, Aave, InstaDApp, and more)</a:t>
             </a:r>
-            <a:endParaRPr lang="en-US" altLang="en-US" sz="1540" dirty="0">
-              <a:solidFill>
-                <a:srgbClr val="262626"/>
-              </a:solidFill>
-            </a:endParaRPr>
           </a:p>
           <a:p>
             <a:pPr lvl="1" defTabSz="342900">
@@ -14787,11 +14307,6 @@
               </a:rPr>
               <a:t>Synthetic assets (e.g., UMA)</a:t>
             </a:r>
-            <a:endParaRPr lang="en-US" altLang="en-US" sz="1540" dirty="0">
-              <a:solidFill>
-                <a:srgbClr val="262626"/>
-              </a:solidFill>
-            </a:endParaRPr>
           </a:p>
           <a:p>
             <a:pPr lvl="1" defTabSz="342900">
@@ -14807,11 +14322,6 @@
               </a:rPr>
               <a:t>Stable Coins</a:t>
             </a:r>
-            <a:endParaRPr lang="en-US" altLang="en-US" sz="1540" dirty="0">
-              <a:solidFill>
-                <a:srgbClr val="262626"/>
-              </a:solidFill>
-            </a:endParaRPr>
           </a:p>
         </p:txBody>
       </p:sp>
@@ -14870,10 +14380,6 @@
               </a:rPr>
               <a:t>The Mechanism of Compond</a:t>
             </a:r>
-            <a:endParaRPr lang="en-US" sz="3200" b="1" dirty="0">
-              <a:latin typeface="Calibri" panose="020F0502020204030204" pitchFamily="34" charset="0"/>
-              <a:cs typeface="Calibri" panose="020F0502020204030204" pitchFamily="34" charset="0"/>
-            </a:endParaRPr>
           </a:p>
         </p:txBody>
       </p:sp>
@@ -14886,7 +14392,7 @@
           <p:nvPr/>
         </p:nvPicPr>
         <p:blipFill>
-          <a:blip r:embed="rId1"/>
+          <a:blip r:embed="rId2"/>
           <a:stretch>
             <a:fillRect/>
           </a:stretch>
@@ -14921,6 +14427,7 @@
           <a:bodyPr>
             <a:normAutofit lnSpcReduction="10000"/>
           </a:bodyPr>
+          <a:lstStyle/>
           <a:p>
             <a:pPr defTabSz="342900">
               <a:lnSpc>
@@ -14935,11 +14442,6 @@
               </a:rPr>
               <a:t>The value of the collateral &gt; the borrowed money </a:t>
             </a:r>
-            <a:endParaRPr lang="en-US" altLang="en-US" sz="1540" dirty="0">
-              <a:solidFill>
-                <a:srgbClr val="262626"/>
-              </a:solidFill>
-            </a:endParaRPr>
           </a:p>
           <a:p>
             <a:pPr defTabSz="342900">
@@ -14955,11 +14457,6 @@
               </a:rPr>
               <a:t>Increase the leverage for traders</a:t>
             </a:r>
-            <a:endParaRPr lang="en-US" altLang="en-US" sz="1540" dirty="0">
-              <a:solidFill>
-                <a:srgbClr val="262626"/>
-              </a:solidFill>
-            </a:endParaRPr>
           </a:p>
           <a:p>
             <a:pPr defTabSz="342900">
@@ -14975,11 +14472,6 @@
               </a:rPr>
               <a:t>it could drop below a certain threshold which would trigger the smart contract to close the position (also called liquidation)</a:t>
             </a:r>
-            <a:endParaRPr lang="en-US" altLang="en-US" sz="1540" dirty="0">
-              <a:solidFill>
-                <a:srgbClr val="262626"/>
-              </a:solidFill>
-            </a:endParaRPr>
           </a:p>
           <a:p>
             <a:pPr defTabSz="342900">
@@ -15028,13 +14520,13 @@
         </p:style>
         <p:txBody>
           <a:bodyPr rtlCol="0" anchor="ctr"/>
+          <a:lstStyle/>
           <a:p>
             <a:pPr algn="ctr"/>
             <a:r>
               <a:rPr lang="en-US" altLang="zh-CN"/>
               <a:t>ETH </a:t>
             </a:r>
-            <a:endParaRPr lang="en-US" altLang="zh-CN"/>
           </a:p>
         </p:txBody>
       </p:sp>
@@ -15107,13 +14599,13 @@
         </p:style>
         <p:txBody>
           <a:bodyPr rtlCol="0" anchor="ctr"/>
+          <a:lstStyle/>
           <a:p>
             <a:pPr algn="ctr"/>
             <a:r>
               <a:rPr lang="en-US" altLang="zh-CN"/>
               <a:t>DAI</a:t>
             </a:r>
-            <a:endParaRPr lang="en-US" altLang="zh-CN"/>
           </a:p>
         </p:txBody>
       </p:sp>
@@ -15186,6 +14678,7 @@
         </p:style>
         <p:txBody>
           <a:bodyPr rtlCol="0" anchor="ctr"/>
+          <a:lstStyle/>
           <a:p>
             <a:pPr algn="ctr"/>
             <a:endParaRPr lang="zh-CN" altLang="en-US"/>
@@ -15247,10 +14740,6 @@
               </a:rPr>
               <a:t>The Mechanism of Compond</a:t>
             </a:r>
-            <a:endParaRPr lang="en-US" sz="3200" b="1" dirty="0">
-              <a:latin typeface="Calibri" panose="020F0502020204030204" pitchFamily="34" charset="0"/>
-              <a:cs typeface="Calibri" panose="020F0502020204030204" pitchFamily="34" charset="0"/>
-            </a:endParaRPr>
           </a:p>
         </p:txBody>
       </p:sp>
@@ -15274,6 +14763,7 @@
           <a:bodyPr>
             <a:normAutofit lnSpcReduction="20000"/>
           </a:bodyPr>
+          <a:lstStyle/>
           <a:p>
             <a:pPr defTabSz="342900">
               <a:lnSpc>
@@ -15289,12 +14779,6 @@
               </a:rPr>
               <a:t>Drawback: </a:t>
             </a:r>
-            <a:endParaRPr lang="en-US" altLang="en-US" sz="1800" dirty="0">
-              <a:solidFill>
-                <a:srgbClr val="262626"/>
-              </a:solidFill>
-              <a:sym typeface="+mn-ea"/>
-            </a:endParaRPr>
           </a:p>
           <a:p>
             <a:pPr defTabSz="342900">
@@ -15311,12 +14795,6 @@
               </a:rPr>
               <a:t>This cannot make a credit loan</a:t>
             </a:r>
-            <a:endParaRPr lang="en-US" altLang="en-US" sz="1800" dirty="0">
-              <a:solidFill>
-                <a:srgbClr val="262626"/>
-              </a:solidFill>
-              <a:sym typeface="+mn-ea"/>
-            </a:endParaRPr>
           </a:p>
           <a:p>
             <a:pPr defTabSz="342900">
@@ -15333,12 +14811,6 @@
               </a:rPr>
               <a:t>Advantage:</a:t>
             </a:r>
-            <a:endParaRPr lang="en-US" altLang="en-US" sz="1800" dirty="0">
-              <a:solidFill>
-                <a:srgbClr val="262626"/>
-              </a:solidFill>
-              <a:sym typeface="+mn-ea"/>
-            </a:endParaRPr>
           </a:p>
           <a:p>
             <a:pPr defTabSz="342900">
@@ -15354,11 +14826,6 @@
               </a:rPr>
               <a:t>It matches trustless lending and borrowing needs, makes the money more efficient</a:t>
             </a:r>
-            <a:endParaRPr lang="en-US" altLang="en-US" sz="1800" dirty="0">
-              <a:solidFill>
-                <a:srgbClr val="262626"/>
-              </a:solidFill>
-            </a:endParaRPr>
           </a:p>
           <a:p>
             <a:pPr defTabSz="342900">
@@ -15386,11 +14853,6 @@
               </a:rPr>
               <a:t>Possible Applications in the real world:</a:t>
             </a:r>
-            <a:endParaRPr lang="en-US" altLang="en-US" sz="1800" dirty="0">
-              <a:solidFill>
-                <a:srgbClr val="262626"/>
-              </a:solidFill>
-            </a:endParaRPr>
           </a:p>
           <a:p>
             <a:pPr defTabSz="342900">
@@ -15406,11 +14868,6 @@
               </a:rPr>
               <a:t>Once real assets mapped to the chain, we can use the the same framwork, to add liquidity to the illiquid assets. </a:t>
             </a:r>
-            <a:endParaRPr lang="en-US" altLang="en-US" sz="1800" dirty="0">
-              <a:solidFill>
-                <a:srgbClr val="262626"/>
-              </a:solidFill>
-            </a:endParaRPr>
           </a:p>
           <a:p>
             <a:pPr defTabSz="342900">
@@ -15438,11 +14895,6 @@
               </a:rPr>
               <a:t>Why people would like to participant </a:t>
             </a:r>
-            <a:endParaRPr lang="en-US" altLang="en-US" sz="1800" dirty="0">
-              <a:solidFill>
-                <a:srgbClr val="262626"/>
-              </a:solidFill>
-            </a:endParaRPr>
           </a:p>
           <a:p>
             <a:pPr defTabSz="342900">
@@ -15482,43 +14934,23 @@
                 </a:solidFill>
                 <a:sym typeface="+mn-ea"/>
               </a:rPr>
-              <a:t> to earn interest while </a:t>
-            </a:r>
+              <a:t> to earn interest while still having their tokens</a:t>
+            </a:r>
+          </a:p>
+          <a:p>
+            <a:pPr defTabSz="342900">
+              <a:lnSpc>
+                <a:spcPct val="120000"/>
+              </a:lnSpc>
+            </a:pPr>
             <a:r>
               <a:rPr lang="en-US" altLang="en-US" sz="1800" dirty="0">
                 <a:solidFill>
                   <a:srgbClr val="262626"/>
                 </a:solidFill>
-                <a:sym typeface="+mn-ea"/>
-              </a:rPr>
-              <a:t>still having their tokens</a:t>
-            </a:r>
-            <a:endParaRPr lang="en-US" altLang="en-US" sz="1800" dirty="0">
-              <a:solidFill>
-                <a:srgbClr val="262626"/>
-              </a:solidFill>
-              <a:sym typeface="+mn-ea"/>
-            </a:endParaRPr>
-          </a:p>
-          <a:p>
-            <a:pPr defTabSz="342900">
-              <a:lnSpc>
-                <a:spcPct val="120000"/>
-              </a:lnSpc>
-            </a:pPr>
-            <a:r>
-              <a:rPr lang="en-US" altLang="en-US" sz="1800" dirty="0">
-                <a:solidFill>
-                  <a:srgbClr val="262626"/>
-                </a:solidFill>
               </a:rPr>
               <a:t>2. It satifyies the risk takers needs in a fair environment</a:t>
             </a:r>
-            <a:endParaRPr lang="en-US" altLang="en-US" sz="1800" dirty="0">
-              <a:solidFill>
-                <a:srgbClr val="262626"/>
-              </a:solidFill>
-            </a:endParaRPr>
           </a:p>
         </p:txBody>
       </p:sp>
@@ -15781,6 +15213,8 @@
       </a:bgFillStyleLst>
     </a:fmtScheme>
   </a:themeElements>
+  <a:objectDefaults/>
+  <a:extraClrSchemeLst/>
   <a:extLst>
     <a:ext uri="{05A4C25C-085E-4340-85A3-A5531E510DB2}">
       <thm15:themeFamily xmlns:thm15="http://schemas.microsoft.com/office/thememl/2012/main" name="Office Theme" id="{62F939B6-93AF-4DB8-9C6B-D6C7DFDC589F}" vid="{4A3C46E8-61CC-4603-A589-7422A47A8E4A}"/>
@@ -16040,6 +15474,8 @@
       </a:bgFillStyleLst>
     </a:fmtScheme>
   </a:themeElements>
+  <a:objectDefaults/>
+  <a:extraClrSchemeLst/>
   <a:extLst>
     <a:ext uri="{05A4C25C-085E-4340-85A3-A5531E510DB2}">
       <thm15:themeFamily xmlns:thm15="http://schemas.microsoft.com/office/thememl/2012/main" name="Office Theme" id="{62F939B6-93AF-4DB8-9C6B-D6C7DFDC589F}" vid="{4A3C46E8-61CC-4603-A589-7422A47A8E4A}"/>
